--- a/MyFlightbook.Web/Private/MyFlightbook Admin Tools.pptx
+++ b/MyFlightbook.Web/Private/MyFlightbook Admin Tools.pptx
@@ -5,51 +5,55 @@
     <p:sldMasterId id="2147483660" r:id="rId1"/>
   </p:sldMasterIdLst>
   <p:notesMasterIdLst>
-    <p:notesMasterId r:id="rId41"/>
+    <p:notesMasterId r:id="rId45"/>
   </p:notesMasterIdLst>
   <p:handoutMasterIdLst>
-    <p:handoutMasterId r:id="rId42"/>
+    <p:handoutMasterId r:id="rId46"/>
   </p:handoutMasterIdLst>
   <p:sldIdLst>
     <p:sldId id="256" r:id="rId2"/>
-    <p:sldId id="276" r:id="rId3"/>
-    <p:sldId id="288" r:id="rId4"/>
-    <p:sldId id="289" r:id="rId5"/>
-    <p:sldId id="277" r:id="rId6"/>
-    <p:sldId id="257" r:id="rId7"/>
-    <p:sldId id="258" r:id="rId8"/>
-    <p:sldId id="259" r:id="rId9"/>
-    <p:sldId id="278" r:id="rId10"/>
-    <p:sldId id="260" r:id="rId11"/>
-    <p:sldId id="264" r:id="rId12"/>
-    <p:sldId id="275" r:id="rId13"/>
-    <p:sldId id="266" r:id="rId14"/>
-    <p:sldId id="292" r:id="rId15"/>
-    <p:sldId id="263" r:id="rId16"/>
-    <p:sldId id="261" r:id="rId17"/>
-    <p:sldId id="262" r:id="rId18"/>
-    <p:sldId id="265" r:id="rId19"/>
-    <p:sldId id="293" r:id="rId20"/>
-    <p:sldId id="302" r:id="rId21"/>
-    <p:sldId id="294" r:id="rId22"/>
-    <p:sldId id="280" r:id="rId23"/>
-    <p:sldId id="282" r:id="rId24"/>
-    <p:sldId id="283" r:id="rId25"/>
-    <p:sldId id="295" r:id="rId26"/>
-    <p:sldId id="296" r:id="rId27"/>
-    <p:sldId id="297" r:id="rId28"/>
-    <p:sldId id="268" r:id="rId29"/>
-    <p:sldId id="279" r:id="rId30"/>
-    <p:sldId id="298" r:id="rId31"/>
-    <p:sldId id="300" r:id="rId32"/>
-    <p:sldId id="301" r:id="rId33"/>
-    <p:sldId id="274" r:id="rId34"/>
-    <p:sldId id="299" r:id="rId35"/>
-    <p:sldId id="269" r:id="rId36"/>
-    <p:sldId id="286" r:id="rId37"/>
-    <p:sldId id="270" r:id="rId38"/>
-    <p:sldId id="285" r:id="rId39"/>
-    <p:sldId id="287" r:id="rId40"/>
+    <p:sldId id="303" r:id="rId3"/>
+    <p:sldId id="276" r:id="rId4"/>
+    <p:sldId id="288" r:id="rId5"/>
+    <p:sldId id="289" r:id="rId6"/>
+    <p:sldId id="277" r:id="rId7"/>
+    <p:sldId id="257" r:id="rId8"/>
+    <p:sldId id="258" r:id="rId9"/>
+    <p:sldId id="259" r:id="rId10"/>
+    <p:sldId id="278" r:id="rId11"/>
+    <p:sldId id="260" r:id="rId12"/>
+    <p:sldId id="264" r:id="rId13"/>
+    <p:sldId id="304" r:id="rId14"/>
+    <p:sldId id="275" r:id="rId15"/>
+    <p:sldId id="266" r:id="rId16"/>
+    <p:sldId id="292" r:id="rId17"/>
+    <p:sldId id="263" r:id="rId18"/>
+    <p:sldId id="261" r:id="rId19"/>
+    <p:sldId id="262" r:id="rId20"/>
+    <p:sldId id="265" r:id="rId21"/>
+    <p:sldId id="293" r:id="rId22"/>
+    <p:sldId id="302" r:id="rId23"/>
+    <p:sldId id="305" r:id="rId24"/>
+    <p:sldId id="294" r:id="rId25"/>
+    <p:sldId id="280" r:id="rId26"/>
+    <p:sldId id="282" r:id="rId27"/>
+    <p:sldId id="283" r:id="rId28"/>
+    <p:sldId id="295" r:id="rId29"/>
+    <p:sldId id="296" r:id="rId30"/>
+    <p:sldId id="297" r:id="rId31"/>
+    <p:sldId id="268" r:id="rId32"/>
+    <p:sldId id="279" r:id="rId33"/>
+    <p:sldId id="298" r:id="rId34"/>
+    <p:sldId id="300" r:id="rId35"/>
+    <p:sldId id="301" r:id="rId36"/>
+    <p:sldId id="274" r:id="rId37"/>
+    <p:sldId id="299" r:id="rId38"/>
+    <p:sldId id="269" r:id="rId39"/>
+    <p:sldId id="286" r:id="rId40"/>
+    <p:sldId id="270" r:id="rId41"/>
+    <p:sldId id="306" r:id="rId42"/>
+    <p:sldId id="285" r:id="rId43"/>
+    <p:sldId id="287" r:id="rId44"/>
   </p:sldIdLst>
   <p:sldSz cx="9144000" cy="6858000" type="screen4x3"/>
   <p:notesSz cx="6858000" cy="9144000"/>
@@ -263,7 +267,7 @@
           <a:p>
             <a:fld id="{E7CA5475-1311-45DC-B51B-D3E435D31F4C}" type="datetimeFigureOut">
               <a:rPr lang="en-US" smtClean="0"/>
-              <a:t>5/14/2019</a:t>
+              <a:t>5/18/2020</a:t>
             </a:fld>
             <a:endParaRPr lang="en-US"/>
           </a:p>
@@ -428,7 +432,7 @@
           <a:p>
             <a:fld id="{06674F5A-56E8-40A4-BD50-7225B14DC1C7}" type="datetimeFigureOut">
               <a:rPr lang="en-US" smtClean="0"/>
-              <a:t>5/14/2019</a:t>
+              <a:t>5/18/2020</a:t>
             </a:fld>
             <a:endParaRPr lang="en-US"/>
           </a:p>
@@ -760,7 +764,7 @@
           <a:p>
             <a:fld id="{D83FC427-6163-425D-84EB-576E7AD9931B}" type="slidenum">
               <a:rPr lang="en-US" smtClean="0"/>
-              <a:t>18</a:t>
+              <a:t>20</a:t>
             </a:fld>
             <a:endParaRPr lang="en-US"/>
           </a:p>
@@ -958,7 +962,7 @@
           <a:p>
             <a:fld id="{1AE20A72-B8E1-46A7-AC63-F989E9C837CC}" type="datetimeFigureOut">
               <a:rPr lang="en-US" smtClean="0"/>
-              <a:t>5/14/2019</a:t>
+              <a:t>5/18/2020</a:t>
             </a:fld>
             <a:endParaRPr lang="en-US"/>
           </a:p>
@@ -1126,7 +1130,7 @@
           <a:p>
             <a:fld id="{1AE20A72-B8E1-46A7-AC63-F989E9C837CC}" type="datetimeFigureOut">
               <a:rPr lang="en-US" smtClean="0"/>
-              <a:t>5/14/2019</a:t>
+              <a:t>5/18/2020</a:t>
             </a:fld>
             <a:endParaRPr lang="en-US"/>
           </a:p>
@@ -1304,7 +1308,7 @@
           <a:p>
             <a:fld id="{1AE20A72-B8E1-46A7-AC63-F989E9C837CC}" type="datetimeFigureOut">
               <a:rPr lang="en-US" smtClean="0"/>
-              <a:t>5/14/2019</a:t>
+              <a:t>5/18/2020</a:t>
             </a:fld>
             <a:endParaRPr lang="en-US"/>
           </a:p>
@@ -1485,7 +1489,7 @@
           <a:p>
             <a:fld id="{1AE20A72-B8E1-46A7-AC63-F989E9C837CC}" type="datetimeFigureOut">
               <a:rPr lang="en-US" smtClean="0"/>
-              <a:t>5/14/2019</a:t>
+              <a:t>5/18/2020</a:t>
             </a:fld>
             <a:endParaRPr lang="en-US"/>
           </a:p>
@@ -1730,7 +1734,7 @@
           <a:p>
             <a:fld id="{1AE20A72-B8E1-46A7-AC63-F989E9C837CC}" type="datetimeFigureOut">
               <a:rPr lang="en-US" smtClean="0"/>
-              <a:t>5/14/2019</a:t>
+              <a:t>5/18/2020</a:t>
             </a:fld>
             <a:endParaRPr lang="en-US"/>
           </a:p>
@@ -2015,7 +2019,7 @@
           <a:p>
             <a:fld id="{1AE20A72-B8E1-46A7-AC63-F989E9C837CC}" type="datetimeFigureOut">
               <a:rPr lang="en-US" smtClean="0"/>
-              <a:t>5/14/2019</a:t>
+              <a:t>5/18/2020</a:t>
             </a:fld>
             <a:endParaRPr lang="en-US"/>
           </a:p>
@@ -2434,7 +2438,7 @@
           <a:p>
             <a:fld id="{1AE20A72-B8E1-46A7-AC63-F989E9C837CC}" type="datetimeFigureOut">
               <a:rPr lang="en-US" smtClean="0"/>
-              <a:t>5/14/2019</a:t>
+              <a:t>5/18/2020</a:t>
             </a:fld>
             <a:endParaRPr lang="en-US"/>
           </a:p>
@@ -2551,7 +2555,7 @@
           <a:p>
             <a:fld id="{1AE20A72-B8E1-46A7-AC63-F989E9C837CC}" type="datetimeFigureOut">
               <a:rPr lang="en-US" smtClean="0"/>
-              <a:t>5/14/2019</a:t>
+              <a:t>5/18/2020</a:t>
             </a:fld>
             <a:endParaRPr lang="en-US"/>
           </a:p>
@@ -2646,7 +2650,7 @@
           <a:p>
             <a:fld id="{1AE20A72-B8E1-46A7-AC63-F989E9C837CC}" type="datetimeFigureOut">
               <a:rPr lang="en-US" smtClean="0"/>
-              <a:t>5/14/2019</a:t>
+              <a:t>5/18/2020</a:t>
             </a:fld>
             <a:endParaRPr lang="en-US"/>
           </a:p>
@@ -2921,7 +2925,7 @@
           <a:p>
             <a:fld id="{1AE20A72-B8E1-46A7-AC63-F989E9C837CC}" type="datetimeFigureOut">
               <a:rPr lang="en-US" smtClean="0"/>
-              <a:t>5/14/2019</a:t>
+              <a:t>5/18/2020</a:t>
             </a:fld>
             <a:endParaRPr lang="en-US"/>
           </a:p>
@@ -3176,7 +3180,7 @@
           <a:p>
             <a:fld id="{1AE20A72-B8E1-46A7-AC63-F989E9C837CC}" type="datetimeFigureOut">
               <a:rPr lang="en-US" smtClean="0"/>
-              <a:t>5/14/2019</a:t>
+              <a:t>5/18/2020</a:t>
             </a:fld>
             <a:endParaRPr lang="en-US"/>
           </a:p>
@@ -3388,7 +3392,7 @@
           <a:p>
             <a:fld id="{1AE20A72-B8E1-46A7-AC63-F989E9C837CC}" type="datetimeFigureOut">
               <a:rPr lang="en-US" smtClean="0"/>
-              <a:t>5/14/2019</a:t>
+              <a:t>5/18/2020</a:t>
             </a:fld>
             <a:endParaRPr lang="en-US"/>
           </a:p>
@@ -3874,6 +3878,77 @@
       </p:grpSpPr>
       <p:sp>
         <p:nvSpPr>
+          <p:cNvPr id="4" name="Title 3"/>
+          <p:cNvSpPr>
+            <a:spLocks noGrp="1"/>
+          </p:cNvSpPr>
+          <p:nvPr>
+            <p:ph type="ctrTitle"/>
+          </p:nvPr>
+        </p:nvSpPr>
+        <p:spPr/>
+        <p:txBody>
+          <a:bodyPr/>
+          <a:lstStyle/>
+          <a:p>
+            <a:r>
+              <a:rPr lang="en-US" dirty="0"/>
+              <a:t>Customer Support Tools</a:t>
+            </a:r>
+          </a:p>
+        </p:txBody>
+      </p:sp>
+      <p:sp>
+        <p:nvSpPr>
+          <p:cNvPr id="5" name="Subtitle 4"/>
+          <p:cNvSpPr>
+            <a:spLocks noGrp="1"/>
+          </p:cNvSpPr>
+          <p:nvPr>
+            <p:ph type="subTitle" idx="1"/>
+          </p:nvPr>
+        </p:nvSpPr>
+        <p:spPr/>
+        <p:txBody>
+          <a:bodyPr/>
+          <a:lstStyle/>
+          <a:p>
+            <a:endParaRPr lang="en-US"/>
+          </a:p>
+        </p:txBody>
+      </p:sp>
+    </p:spTree>
+    <p:extLst>
+      <p:ext uri="{BB962C8B-B14F-4D97-AF65-F5344CB8AC3E}">
+        <p14:creationId xmlns:p14="http://schemas.microsoft.com/office/powerpoint/2010/main" val="1064165621"/>
+      </p:ext>
+    </p:extLst>
+  </p:cSld>
+  <p:clrMapOvr>
+    <a:masterClrMapping/>
+  </p:clrMapOvr>
+</p:sld>
+</file>
+
+<file path=ppt/slides/slide11.xml><?xml version="1.0" encoding="utf-8"?>
+<p:sld xmlns:a="http://schemas.openxmlformats.org/drawingml/2006/main" xmlns:r="http://schemas.openxmlformats.org/officeDocument/2006/relationships" xmlns:p="http://schemas.openxmlformats.org/presentationml/2006/main">
+  <p:cSld>
+    <p:spTree>
+      <p:nvGrpSpPr>
+        <p:cNvPr id="1" name=""/>
+        <p:cNvGrpSpPr/>
+        <p:nvPr/>
+      </p:nvGrpSpPr>
+      <p:grpSpPr>
+        <a:xfrm>
+          <a:off x="0" y="0"/>
+          <a:ext cx="0" cy="0"/>
+          <a:chOff x="0" y="0"/>
+          <a:chExt cx="0" cy="0"/>
+        </a:xfrm>
+      </p:grpSpPr>
+      <p:sp>
+        <p:nvSpPr>
           <p:cNvPr id="2" name="Title 1"/>
           <p:cNvSpPr>
             <a:spLocks noGrp="1"/>
@@ -3980,140 +4055,138 @@
           </a:prstGeom>
         </p:spPr>
       </p:pic>
+      <p:sp>
+        <p:nvSpPr>
+          <p:cNvPr id="4" name="Rectangle: Rounded Corners 3">
+            <a:extLst>
+              <a:ext uri="{FF2B5EF4-FFF2-40B4-BE49-F238E27FC236}">
+                <a16:creationId xmlns:a16="http://schemas.microsoft.com/office/drawing/2014/main" id="{3C8BC542-9D12-486F-87CE-DA9E6077B858}"/>
+              </a:ext>
+            </a:extLst>
+          </p:cNvPr>
+          <p:cNvSpPr/>
+          <p:nvPr/>
+        </p:nvSpPr>
+        <p:spPr>
+          <a:xfrm>
+            <a:off x="381000" y="4953000"/>
+            <a:ext cx="533400" cy="304800"/>
+          </a:xfrm>
+          <a:prstGeom prst="roundRect">
+            <a:avLst/>
+          </a:prstGeom>
+          <a:noFill/>
+          <a:ln>
+            <a:solidFill>
+              <a:srgbClr val="FF0000"/>
+            </a:solidFill>
+          </a:ln>
+        </p:spPr>
+        <p:style>
+          <a:lnRef idx="2">
+            <a:schemeClr val="accent1">
+              <a:shade val="50000"/>
+            </a:schemeClr>
+          </a:lnRef>
+          <a:fillRef idx="1">
+            <a:schemeClr val="accent1"/>
+          </a:fillRef>
+          <a:effectRef idx="0">
+            <a:schemeClr val="accent1"/>
+          </a:effectRef>
+          <a:fontRef idx="minor">
+            <a:schemeClr val="lt1"/>
+          </a:fontRef>
+        </p:style>
+        <p:txBody>
+          <a:bodyPr rtlCol="0" anchor="ctr"/>
+          <a:lstStyle/>
+          <a:p>
+            <a:pPr algn="ctr"/>
+            <a:endParaRPr lang="en-US"/>
+          </a:p>
+        </p:txBody>
+      </p:sp>
+      <p:sp>
+        <p:nvSpPr>
+          <p:cNvPr id="7" name="TextBox 6">
+            <a:extLst>
+              <a:ext uri="{FF2B5EF4-FFF2-40B4-BE49-F238E27FC236}">
+                <a16:creationId xmlns:a16="http://schemas.microsoft.com/office/drawing/2014/main" id="{A68F191A-7B91-48D3-BA35-86DD585B7408}"/>
+              </a:ext>
+            </a:extLst>
+          </p:cNvPr>
+          <p:cNvSpPr txBox="1"/>
+          <p:nvPr/>
+        </p:nvSpPr>
+        <p:spPr>
+          <a:xfrm>
+            <a:off x="914400" y="5562600"/>
+            <a:ext cx="4648200" cy="646331"/>
+          </a:xfrm>
+          <a:prstGeom prst="rect">
+            <a:avLst/>
+          </a:prstGeom>
+          <a:noFill/>
+        </p:spPr>
+        <p:txBody>
+          <a:bodyPr wrap="square" rtlCol="0">
+            <a:spAutoFit/>
+          </a:bodyPr>
+          <a:lstStyle/>
+          <a:p>
+            <a:r>
+              <a:rPr lang="en-US" dirty="0"/>
+              <a:t>This is the account’s username; it is unique and invariant, even if email address changes</a:t>
+            </a:r>
+          </a:p>
+        </p:txBody>
+      </p:sp>
+      <p:cxnSp>
+        <p:nvCxnSpPr>
+          <p:cNvPr id="9" name="Straight Arrow Connector 8">
+            <a:extLst>
+              <a:ext uri="{FF2B5EF4-FFF2-40B4-BE49-F238E27FC236}">
+                <a16:creationId xmlns:a16="http://schemas.microsoft.com/office/drawing/2014/main" id="{A27243DB-3A70-43D3-AB89-87F5A3561051}"/>
+              </a:ext>
+            </a:extLst>
+          </p:cNvPr>
+          <p:cNvCxnSpPr>
+            <a:endCxn id="4" idx="2"/>
+          </p:cNvCxnSpPr>
+          <p:nvPr/>
+        </p:nvCxnSpPr>
+        <p:spPr>
+          <a:xfrm flipH="1" flipV="1">
+            <a:off x="647700" y="5257800"/>
+            <a:ext cx="266700" cy="304800"/>
+          </a:xfrm>
+          <a:prstGeom prst="straightConnector1">
+            <a:avLst/>
+          </a:prstGeom>
+          <a:ln w="38100">
+            <a:tailEnd type="triangle"/>
+          </a:ln>
+        </p:spPr>
+        <p:style>
+          <a:lnRef idx="1">
+            <a:schemeClr val="accent2"/>
+          </a:lnRef>
+          <a:fillRef idx="0">
+            <a:schemeClr val="accent2"/>
+          </a:fillRef>
+          <a:effectRef idx="0">
+            <a:schemeClr val="accent2"/>
+          </a:effectRef>
+          <a:fontRef idx="minor">
+            <a:schemeClr val="tx1"/>
+          </a:fontRef>
+        </p:style>
+      </p:cxnSp>
     </p:spTree>
     <p:extLst>
       <p:ext uri="{BB962C8B-B14F-4D97-AF65-F5344CB8AC3E}">
         <p14:creationId xmlns:p14="http://schemas.microsoft.com/office/powerpoint/2010/main" val="120222101"/>
-      </p:ext>
-    </p:extLst>
-  </p:cSld>
-  <p:clrMapOvr>
-    <a:masterClrMapping/>
-  </p:clrMapOvr>
-</p:sld>
-</file>
-
-<file path=ppt/slides/slide11.xml><?xml version="1.0" encoding="utf-8"?>
-<p:sld xmlns:a="http://schemas.openxmlformats.org/drawingml/2006/main" xmlns:r="http://schemas.openxmlformats.org/officeDocument/2006/relationships" xmlns:p="http://schemas.openxmlformats.org/presentationml/2006/main">
-  <p:cSld>
-    <p:spTree>
-      <p:nvGrpSpPr>
-        <p:cNvPr id="1" name=""/>
-        <p:cNvGrpSpPr/>
-        <p:nvPr/>
-      </p:nvGrpSpPr>
-      <p:grpSpPr>
-        <a:xfrm>
-          <a:off x="0" y="0"/>
-          <a:ext cx="0" cy="0"/>
-          <a:chOff x="0" y="0"/>
-          <a:chExt cx="0" cy="0"/>
-        </a:xfrm>
-      </p:grpSpPr>
-      <p:sp>
-        <p:nvSpPr>
-          <p:cNvPr id="5" name="Title 4"/>
-          <p:cNvSpPr>
-            <a:spLocks noGrp="1"/>
-          </p:cNvSpPr>
-          <p:nvPr>
-            <p:ph type="title"/>
-          </p:nvPr>
-        </p:nvSpPr>
-        <p:spPr/>
-        <p:txBody>
-          <a:bodyPr/>
-          <a:lstStyle/>
-          <a:p>
-            <a:r>
-              <a:rPr lang="en-US" dirty="0"/>
-              <a:t>Admin Tools: User Management</a:t>
-            </a:r>
-          </a:p>
-        </p:txBody>
-      </p:sp>
-      <p:sp>
-        <p:nvSpPr>
-          <p:cNvPr id="6" name="Content Placeholder 5"/>
-          <p:cNvSpPr>
-            <a:spLocks noGrp="1"/>
-          </p:cNvSpPr>
-          <p:nvPr>
-            <p:ph idx="1"/>
-          </p:nvPr>
-        </p:nvSpPr>
-        <p:spPr/>
-        <p:txBody>
-          <a:bodyPr>
-            <a:normAutofit fontScale="77500" lnSpcReduction="20000"/>
-          </a:bodyPr>
-          <a:lstStyle/>
-          <a:p>
-            <a:r>
-              <a:rPr lang="en-US" dirty="0"/>
-              <a:t>Impersonate – use for troubleshooting</a:t>
-            </a:r>
-          </a:p>
-          <a:p>
-            <a:pPr lvl="1"/>
-            <a:r>
-              <a:rPr lang="en-US" dirty="0"/>
-              <a:t>Lets you act as if you were that user</a:t>
-            </a:r>
-          </a:p>
-          <a:p>
-            <a:pPr lvl="1"/>
-            <a:r>
-              <a:rPr lang="en-US" dirty="0"/>
-              <a:t>Click in header to stop impersonating</a:t>
-            </a:r>
-          </a:p>
-          <a:p>
-            <a:r>
-              <a:rPr lang="en-US" dirty="0"/>
-              <a:t>Reset Password</a:t>
-            </a:r>
-          </a:p>
-          <a:p>
-            <a:pPr lvl="1"/>
-            <a:r>
-              <a:rPr lang="en-US" dirty="0"/>
-              <a:t>You have to manually send it to them!!  But a button will appear to send it.</a:t>
-            </a:r>
-          </a:p>
-          <a:p>
-            <a:r>
-              <a:rPr lang="en-US" dirty="0"/>
-              <a:t>Delete User: Delete’s entire account!!</a:t>
-            </a:r>
-          </a:p>
-          <a:p>
-            <a:r>
-              <a:rPr lang="en-US" dirty="0"/>
-              <a:t>Delete Flights for user: generally for when somebody tried an import and messed up and wants to start over.</a:t>
-            </a:r>
-          </a:p>
-          <a:p>
-            <a:r>
-              <a:rPr lang="en-US" dirty="0"/>
-              <a:t>Send Message: let’s you compose an email to the user (useful to see if they can receive it)</a:t>
-            </a:r>
-          </a:p>
-          <a:p>
-            <a:r>
-              <a:rPr lang="en-US" dirty="0"/>
-              <a:t>Endow Club Creation – largely obsolete; allows them to create a club without donating</a:t>
-            </a:r>
-          </a:p>
-          <a:p>
-            <a:endParaRPr lang="en-US" dirty="0"/>
-          </a:p>
-        </p:txBody>
-      </p:sp>
-    </p:spTree>
-    <p:extLst>
-      <p:ext uri="{BB962C8B-B14F-4D97-AF65-F5344CB8AC3E}">
-        <p14:creationId xmlns:p14="http://schemas.microsoft.com/office/powerpoint/2010/main" val="4268979386"/>
       </p:ext>
     </p:extLst>
   </p:cSld>
@@ -4142,12 +4215,12 @@
       </p:grpSpPr>
       <p:sp>
         <p:nvSpPr>
-          <p:cNvPr id="4" name="Title 3"/>
-          <p:cNvSpPr>
-            <a:spLocks noGrp="1"/>
-          </p:cNvSpPr>
-          <p:nvPr>
-            <p:ph type="ctrTitle"/>
+          <p:cNvPr id="5" name="Title 4"/>
+          <p:cNvSpPr>
+            <a:spLocks noGrp="1"/>
+          </p:cNvSpPr>
+          <p:nvPr>
+            <p:ph type="title"/>
           </p:nvPr>
         </p:nvSpPr>
         <p:spPr/>
@@ -4157,34 +4230,123 @@
           <a:p>
             <a:r>
               <a:rPr lang="en-US" dirty="0"/>
-              <a:t>Data Management</a:t>
-            </a:r>
-          </a:p>
-        </p:txBody>
-      </p:sp>
-      <p:sp>
-        <p:nvSpPr>
-          <p:cNvPr id="5" name="Subtitle 4"/>
-          <p:cNvSpPr>
-            <a:spLocks noGrp="1"/>
-          </p:cNvSpPr>
-          <p:nvPr>
-            <p:ph type="subTitle" idx="1"/>
+              <a:t>Admin Tools: User Management</a:t>
+            </a:r>
+          </a:p>
+        </p:txBody>
+      </p:sp>
+      <p:sp>
+        <p:nvSpPr>
+          <p:cNvPr id="6" name="Content Placeholder 5"/>
+          <p:cNvSpPr>
+            <a:spLocks noGrp="1"/>
+          </p:cNvSpPr>
+          <p:nvPr>
+            <p:ph idx="1"/>
           </p:nvPr>
         </p:nvSpPr>
         <p:spPr/>
         <p:txBody>
-          <a:bodyPr/>
-          <a:lstStyle/>
-          <a:p>
-            <a:endParaRPr lang="en-US"/>
+          <a:bodyPr>
+            <a:normAutofit fontScale="55000" lnSpcReduction="20000"/>
+          </a:bodyPr>
+          <a:lstStyle/>
+          <a:p>
+            <a:r>
+              <a:rPr lang="en-US" dirty="0"/>
+              <a:t>Impersonate – use for troubleshooting</a:t>
+            </a:r>
+          </a:p>
+          <a:p>
+            <a:pPr lvl="1"/>
+            <a:r>
+              <a:rPr lang="en-US" dirty="0"/>
+              <a:t>Lets you act as if you were that user</a:t>
+            </a:r>
+          </a:p>
+          <a:p>
+            <a:pPr lvl="1"/>
+            <a:r>
+              <a:rPr lang="en-US" dirty="0"/>
+              <a:t>Click in header to stop impersonating</a:t>
+            </a:r>
+          </a:p>
+          <a:p>
+            <a:pPr lvl="1"/>
+            <a:r>
+              <a:rPr lang="en-US" dirty="0"/>
+              <a:t>On mobile apps: emulate by prepending their username to your email with a colon and using your password.</a:t>
+            </a:r>
+          </a:p>
+          <a:p>
+            <a:pPr lvl="2"/>
+            <a:r>
+              <a:rPr lang="en-US" dirty="0"/>
+              <a:t>E.g., “</a:t>
+            </a:r>
+            <a:r>
+              <a:rPr lang="en-US" dirty="0" err="1"/>
+              <a:t>userabc:support@gmail.com</a:t>
+            </a:r>
+            <a:r>
+              <a:rPr lang="en-US" dirty="0"/>
+              <a:t>” allows support@gmail.com account to emulate </a:t>
+            </a:r>
+            <a:r>
+              <a:rPr lang="en-US" dirty="0" err="1"/>
+              <a:t>userabc</a:t>
+            </a:r>
+            <a:r>
+              <a:rPr lang="en-US" dirty="0"/>
+              <a:t>, if support@gmail.com is authorized to emulate.</a:t>
+            </a:r>
+          </a:p>
+          <a:p>
+            <a:r>
+              <a:rPr lang="en-US" dirty="0"/>
+              <a:t>Reset Password</a:t>
+            </a:r>
+          </a:p>
+          <a:p>
+            <a:pPr lvl="1"/>
+            <a:r>
+              <a:rPr lang="en-US" dirty="0"/>
+              <a:t>You have to manually send it to them, but a button will do this with one click.</a:t>
+            </a:r>
+          </a:p>
+          <a:p>
+            <a:r>
+              <a:rPr lang="en-US" dirty="0"/>
+              <a:t>Delete User: Delete’s entire account!!</a:t>
+            </a:r>
+          </a:p>
+          <a:p>
+            <a:r>
+              <a:rPr lang="en-US" dirty="0"/>
+              <a:t>Delete Flights for user: generally for when somebody tried an import and messed up and wants to start over.</a:t>
+            </a:r>
+          </a:p>
+          <a:p>
+            <a:r>
+              <a:rPr lang="en-US" dirty="0"/>
+              <a:t>Send Message: let’s you compose an email to the user (useful to see if they can receive it)</a:t>
+            </a:r>
+          </a:p>
+          <a:p>
+            <a:r>
+              <a:rPr lang="en-US" dirty="0"/>
+              <a:t>Endow Club Creation – largely obsolete; allows them to create a club without donating</a:t>
+            </a:r>
+          </a:p>
+          <a:p>
+            <a:endParaRPr lang="en-US" dirty="0"/>
           </a:p>
         </p:txBody>
       </p:sp>
     </p:spTree>
     <p:extLst>
       <p:ext uri="{BB962C8B-B14F-4D97-AF65-F5344CB8AC3E}">
-        <p14:creationId xmlns:p14="http://schemas.microsoft.com/office/powerpoint/2010/main" val="1127290774"/>
+        <p14:creationId xmlns:p14="http://schemas.microsoft.com/office/powerpoint/2010/main" val="4268979386"/>
       </p:ext>
     </p:extLst>
   </p:cSld>
@@ -4213,7 +4375,13 @@
       </p:grpSpPr>
       <p:sp>
         <p:nvSpPr>
-          <p:cNvPr id="2" name="Title 1"/>
+          <p:cNvPr id="2" name="Title 1">
+            <a:extLst>
+              <a:ext uri="{FF2B5EF4-FFF2-40B4-BE49-F238E27FC236}">
+                <a16:creationId xmlns:a16="http://schemas.microsoft.com/office/drawing/2014/main" id="{A6518B64-5B15-4EB5-932C-512E0611F196}"/>
+              </a:ext>
+            </a:extLst>
+          </p:cNvPr>
           <p:cNvSpPr>
             <a:spLocks noGrp="1"/>
           </p:cNvSpPr>
@@ -4228,14 +4396,20 @@
           <a:p>
             <a:r>
               <a:rPr lang="en-US" dirty="0"/>
-              <a:t>Admin Tools: Manufacturers</a:t>
-            </a:r>
-          </a:p>
-        </p:txBody>
-      </p:sp>
-      <p:sp>
-        <p:nvSpPr>
-          <p:cNvPr id="3" name="Content Placeholder 2"/>
+              <a:t>Admin Tools: Viewing Flight</a:t>
+            </a:r>
+          </a:p>
+        </p:txBody>
+      </p:sp>
+      <p:sp>
+        <p:nvSpPr>
+          <p:cNvPr id="3" name="Content Placeholder 2">
+            <a:extLst>
+              <a:ext uri="{FF2B5EF4-FFF2-40B4-BE49-F238E27FC236}">
+                <a16:creationId xmlns:a16="http://schemas.microsoft.com/office/drawing/2014/main" id="{A2392586-EC67-4CF3-86E9-7C3140697F45}"/>
+              </a:ext>
+            </a:extLst>
+          </p:cNvPr>
           <p:cNvSpPr>
             <a:spLocks noGrp="1"/>
           </p:cNvSpPr>
@@ -4243,58 +4417,38 @@
             <p:ph idx="1"/>
           </p:nvPr>
         </p:nvSpPr>
-        <p:spPr>
-          <a:xfrm>
-            <a:off x="457200" y="1600201"/>
-            <a:ext cx="6934200" cy="3810000"/>
-          </a:xfrm>
-        </p:spPr>
-        <p:txBody>
-          <a:bodyPr>
-            <a:normAutofit/>
-          </a:bodyPr>
-          <a:lstStyle/>
-          <a:p>
-            <a:r>
-              <a:rPr lang="en-US" sz="2000" dirty="0"/>
-              <a:t>Can identify/merge duplicate manufacturers (much like models)</a:t>
-            </a:r>
-          </a:p>
-          <a:p>
-            <a:r>
-              <a:rPr lang="en-US" sz="2000" dirty="0"/>
-              <a:t>Can sort by clicking header</a:t>
-            </a:r>
-          </a:p>
-          <a:p>
-            <a:pPr lvl="1"/>
-            <a:r>
-              <a:rPr lang="en-US" sz="1800" dirty="0"/>
-              <a:t>Delete ones with 0 models</a:t>
-            </a:r>
-          </a:p>
-          <a:p>
-            <a:r>
-              <a:rPr lang="en-US" sz="2000" dirty="0"/>
-              <a:t>Click “Edit” to modify</a:t>
-            </a:r>
-          </a:p>
-          <a:p>
-            <a:pPr lvl="1"/>
-            <a:r>
-              <a:rPr lang="en-US" sz="1800" dirty="0"/>
-              <a:t>Generally only want to edit manufacturer restrictions, but may want to edit the name as well.</a:t>
-            </a:r>
-          </a:p>
-          <a:p>
-            <a:pPr lvl="1"/>
-            <a:endParaRPr lang="en-US" sz="1800" dirty="0"/>
+        <p:spPr/>
+        <p:txBody>
+          <a:bodyPr/>
+          <a:lstStyle/>
+          <a:p>
+            <a:r>
+              <a:rPr lang="en-US" dirty="0"/>
+              <a:t>a=1 in URL lets you view a specific flight</a:t>
+            </a:r>
+          </a:p>
+          <a:p>
+            <a:r>
+              <a:rPr lang="en-US" dirty="0"/>
+              <a:t>Mostly for troubleshooting, but can also </a:t>
+            </a:r>
+            <a:r>
+              <a:rPr lang="en-US"/>
+              <a:t>fix signatures. </a:t>
+            </a:r>
+            <a:endParaRPr lang="en-US" dirty="0"/>
           </a:p>
         </p:txBody>
       </p:sp>
       <p:pic>
         <p:nvPicPr>
-          <p:cNvPr id="5" name="Picture 4"/>
+          <p:cNvPr id="4" name="Picture 3">
+            <a:extLst>
+              <a:ext uri="{FF2B5EF4-FFF2-40B4-BE49-F238E27FC236}">
+                <a16:creationId xmlns:a16="http://schemas.microsoft.com/office/drawing/2014/main" id="{1B10ACA5-E7EF-49C0-81EE-010E3FC5F989}"/>
+              </a:ext>
+            </a:extLst>
+          </p:cNvPr>
           <p:cNvPicPr>
             <a:picLocks noChangeAspect="1"/>
           </p:cNvPicPr>
@@ -4308,43 +4462,8 @@
         </p:blipFill>
         <p:spPr>
           <a:xfrm>
-            <a:off x="4419600" y="2057399"/>
-            <a:ext cx="3352800" cy="1159773"/>
-          </a:xfrm>
-          <a:prstGeom prst="rect">
-            <a:avLst/>
-          </a:prstGeom>
-        </p:spPr>
-      </p:pic>
-      <p:pic>
-        <p:nvPicPr>
-          <p:cNvPr id="4" name="Picture 3">
-            <a:extLst>
-              <a:ext uri="{FF2B5EF4-FFF2-40B4-BE49-F238E27FC236}">
-                <a16:creationId xmlns:a16="http://schemas.microsoft.com/office/drawing/2014/main" id="{B6A707FB-18B8-4F47-8C3C-53C91D8284E9}"/>
-              </a:ext>
-            </a:extLst>
-          </p:cNvPr>
-          <p:cNvPicPr>
-            <a:picLocks noChangeAspect="1"/>
-          </p:cNvPicPr>
-          <p:nvPr/>
-        </p:nvPicPr>
-        <p:blipFill rotWithShape="1">
-          <a:blip r:embed="rId3" cstate="screen">
-            <a:extLst>
-              <a:ext uri="{28A0092B-C50C-407E-A947-70E740481C1C}">
-                <a14:useLocalDpi xmlns:a14="http://schemas.microsoft.com/office/drawing/2010/main"/>
-              </a:ext>
-            </a:extLst>
-          </a:blip>
-          <a:srcRect/>
-          <a:stretch/>
-        </p:blipFill>
-        <p:spPr>
-          <a:xfrm>
-            <a:off x="914399" y="3962400"/>
-            <a:ext cx="7467599" cy="2196353"/>
+            <a:off x="685800" y="4159183"/>
+            <a:ext cx="7696200" cy="1966980"/>
           </a:xfrm>
           <a:prstGeom prst="rect">
             <a:avLst/>
@@ -4354,7 +4473,7 @@
     </p:spTree>
     <p:extLst>
       <p:ext uri="{BB962C8B-B14F-4D97-AF65-F5344CB8AC3E}">
-        <p14:creationId xmlns:p14="http://schemas.microsoft.com/office/powerpoint/2010/main" val="379497889"/>
+        <p14:creationId xmlns:p14="http://schemas.microsoft.com/office/powerpoint/2010/main" val="2575342664"/>
       </p:ext>
     </p:extLst>
   </p:cSld>
@@ -4383,6 +4502,77 @@
       </p:grpSpPr>
       <p:sp>
         <p:nvSpPr>
+          <p:cNvPr id="4" name="Title 3"/>
+          <p:cNvSpPr>
+            <a:spLocks noGrp="1"/>
+          </p:cNvSpPr>
+          <p:nvPr>
+            <p:ph type="ctrTitle"/>
+          </p:nvPr>
+        </p:nvSpPr>
+        <p:spPr/>
+        <p:txBody>
+          <a:bodyPr/>
+          <a:lstStyle/>
+          <a:p>
+            <a:r>
+              <a:rPr lang="en-US" dirty="0"/>
+              <a:t>Data Management</a:t>
+            </a:r>
+          </a:p>
+        </p:txBody>
+      </p:sp>
+      <p:sp>
+        <p:nvSpPr>
+          <p:cNvPr id="5" name="Subtitle 4"/>
+          <p:cNvSpPr>
+            <a:spLocks noGrp="1"/>
+          </p:cNvSpPr>
+          <p:nvPr>
+            <p:ph type="subTitle" idx="1"/>
+          </p:nvPr>
+        </p:nvSpPr>
+        <p:spPr/>
+        <p:txBody>
+          <a:bodyPr/>
+          <a:lstStyle/>
+          <a:p>
+            <a:endParaRPr lang="en-US"/>
+          </a:p>
+        </p:txBody>
+      </p:sp>
+    </p:spTree>
+    <p:extLst>
+      <p:ext uri="{BB962C8B-B14F-4D97-AF65-F5344CB8AC3E}">
+        <p14:creationId xmlns:p14="http://schemas.microsoft.com/office/powerpoint/2010/main" val="1127290774"/>
+      </p:ext>
+    </p:extLst>
+  </p:cSld>
+  <p:clrMapOvr>
+    <a:masterClrMapping/>
+  </p:clrMapOvr>
+</p:sld>
+</file>
+
+<file path=ppt/slides/slide15.xml><?xml version="1.0" encoding="utf-8"?>
+<p:sld xmlns:a="http://schemas.openxmlformats.org/drawingml/2006/main" xmlns:r="http://schemas.openxmlformats.org/officeDocument/2006/relationships" xmlns:p="http://schemas.openxmlformats.org/presentationml/2006/main">
+  <p:cSld>
+    <p:spTree>
+      <p:nvGrpSpPr>
+        <p:cNvPr id="1" name=""/>
+        <p:cNvGrpSpPr/>
+        <p:nvPr/>
+      </p:nvGrpSpPr>
+      <p:grpSpPr>
+        <a:xfrm>
+          <a:off x="0" y="0"/>
+          <a:ext cx="0" cy="0"/>
+          <a:chOff x="0" y="0"/>
+          <a:chExt cx="0" cy="0"/>
+        </a:xfrm>
+      </p:grpSpPr>
+      <p:sp>
+        <p:nvSpPr>
           <p:cNvPr id="2" name="Title 1"/>
           <p:cNvSpPr>
             <a:spLocks noGrp="1"/>
@@ -4398,105 +4588,118 @@
           <a:p>
             <a:r>
               <a:rPr lang="en-US" dirty="0"/>
-              <a:t>Admin Tools: Models</a:t>
-            </a:r>
-          </a:p>
-        </p:txBody>
-      </p:sp>
-      <p:sp>
-        <p:nvSpPr>
-          <p:cNvPr id="4" name="Content Placeholder 3"/>
-          <p:cNvSpPr>
-            <a:spLocks noGrp="1"/>
-          </p:cNvSpPr>
-          <p:nvPr>
-            <p:ph sz="half" idx="1"/>
+              <a:t>Admin Tools: Manufacturers</a:t>
+            </a:r>
+          </a:p>
+        </p:txBody>
+      </p:sp>
+      <p:sp>
+        <p:nvSpPr>
+          <p:cNvPr id="3" name="Content Placeholder 2"/>
+          <p:cNvSpPr>
+            <a:spLocks noGrp="1"/>
+          </p:cNvSpPr>
+          <p:nvPr>
+            <p:ph idx="1"/>
           </p:nvPr>
         </p:nvSpPr>
         <p:spPr>
           <a:xfrm>
-            <a:off x="457200" y="3398837"/>
-            <a:ext cx="8229600" cy="2925763"/>
+            <a:off x="457200" y="1600201"/>
+            <a:ext cx="6934200" cy="3810000"/>
           </a:xfrm>
         </p:spPr>
         <p:txBody>
           <a:bodyPr>
-            <a:normAutofit fontScale="62500" lnSpcReduction="20000"/>
+            <a:normAutofit/>
           </a:bodyPr>
           <a:lstStyle/>
           <a:p>
             <a:r>
-              <a:rPr lang="en-US" dirty="0"/>
-              <a:t>Review data integrity</a:t>
-            </a:r>
-          </a:p>
-          <a:p>
-            <a:r>
-              <a:rPr lang="en-US" dirty="0"/>
-              <a:t>Displays models that have no sim/generic restriction, but whose models specifies that they should.</a:t>
+              <a:rPr lang="en-US" sz="2000" dirty="0"/>
+              <a:t>Can identify/merge duplicate manufacturers (much like models)</a:t>
+            </a:r>
+          </a:p>
+          <a:p>
+            <a:r>
+              <a:rPr lang="en-US" sz="2000" dirty="0"/>
+              <a:t>Can sort by clicking header</a:t>
             </a:r>
           </a:p>
           <a:p>
             <a:pPr lvl="1"/>
             <a:r>
-              <a:rPr lang="en-US" dirty="0"/>
-              <a:t>Can arise if restriction applied to manufacturer after model is created</a:t>
-            </a:r>
-          </a:p>
-          <a:p>
-            <a:r>
-              <a:rPr lang="en-US" dirty="0"/>
-              <a:t>Review/delete orphaned models (see next slide)</a:t>
-            </a:r>
-          </a:p>
-          <a:p>
-            <a:r>
-              <a:rPr lang="en-US" dirty="0"/>
-              <a:t>Review models with type designations to ensure that they are consistent and appropriate.</a:t>
+              <a:rPr lang="en-US" sz="1800" dirty="0"/>
+              <a:t>Delete ones with 0 models</a:t>
+            </a:r>
+          </a:p>
+          <a:p>
+            <a:r>
+              <a:rPr lang="en-US" sz="2000" dirty="0"/>
+              <a:t>Click “Edit” to modify</a:t>
             </a:r>
           </a:p>
           <a:p>
             <a:pPr lvl="1"/>
             <a:r>
-              <a:rPr lang="en-US" dirty="0"/>
-              <a:t>E.g., C-172 shouldn’t have a type rating, all Boeing 777’s should have a type rating of “B777”, not a mixture of “B-777” and “B777”, etc.</a:t>
+              <a:rPr lang="en-US" sz="1800" dirty="0"/>
+              <a:t>Generally only want to edit manufacturer restrictions, but may want to edit the name as well.</a:t>
             </a:r>
           </a:p>
           <a:p>
             <a:pPr lvl="1"/>
-            <a:r>
-              <a:rPr lang="en-US" dirty="0"/>
-              <a:t>Click “Refresh” to view them</a:t>
-            </a:r>
-          </a:p>
-          <a:p>
-            <a:pPr lvl="1"/>
-            <a:r>
-              <a:rPr lang="en-US" dirty="0"/>
-              <a:t>Type ratings follow conventions at </a:t>
-            </a:r>
-            <a:r>
-              <a:rPr lang="en-US" dirty="0">
-                <a:hlinkClick r:id="rId2"/>
-              </a:rPr>
-              <a:t>http://registry.faa.gov/TypeRatings/</a:t>
-            </a:r>
-            <a:r>
-              <a:rPr lang="en-US" dirty="0"/>
-              <a:t> </a:t>
-            </a:r>
+            <a:endParaRPr lang="en-US" sz="1800" dirty="0"/>
           </a:p>
         </p:txBody>
       </p:sp>
       <p:pic>
         <p:nvPicPr>
-          <p:cNvPr id="6" name="Content Placeholder 5"/>
+          <p:cNvPr id="4" name="Picture 3">
+            <a:extLst>
+              <a:ext uri="{FF2B5EF4-FFF2-40B4-BE49-F238E27FC236}">
+                <a16:creationId xmlns:a16="http://schemas.microsoft.com/office/drawing/2014/main" id="{B6A707FB-18B8-4F47-8C3C-53C91D8284E9}"/>
+              </a:ext>
+            </a:extLst>
+          </p:cNvPr>
           <p:cNvPicPr>
-            <a:picLocks noGrp="1" noChangeAspect="1"/>
+            <a:picLocks noChangeAspect="1"/>
           </p:cNvPicPr>
-          <p:nvPr>
-            <p:ph sz="half" idx="2"/>
-          </p:nvPr>
+          <p:nvPr/>
+        </p:nvPicPr>
+        <p:blipFill rotWithShape="1">
+          <a:blip r:embed="rId2" cstate="screen">
+            <a:extLst>
+              <a:ext uri="{28A0092B-C50C-407E-A947-70E740481C1C}">
+                <a14:useLocalDpi xmlns:a14="http://schemas.microsoft.com/office/drawing/2010/main"/>
+              </a:ext>
+            </a:extLst>
+          </a:blip>
+          <a:srcRect/>
+          <a:stretch/>
+        </p:blipFill>
+        <p:spPr>
+          <a:xfrm>
+            <a:off x="914399" y="3962400"/>
+            <a:ext cx="7467599" cy="2196353"/>
+          </a:xfrm>
+          <a:prstGeom prst="rect">
+            <a:avLst/>
+          </a:prstGeom>
+        </p:spPr>
+      </p:pic>
+      <p:pic>
+        <p:nvPicPr>
+          <p:cNvPr id="6" name="Picture 5">
+            <a:extLst>
+              <a:ext uri="{FF2B5EF4-FFF2-40B4-BE49-F238E27FC236}">
+                <a16:creationId xmlns:a16="http://schemas.microsoft.com/office/drawing/2014/main" id="{42D2DE18-7EB8-4F8E-9D53-730CA28822B2}"/>
+              </a:ext>
+            </a:extLst>
+          </p:cNvPr>
+          <p:cNvPicPr>
+            <a:picLocks noChangeAspect="1"/>
+          </p:cNvPicPr>
+          <p:nvPr/>
         </p:nvPicPr>
         <p:blipFill>
           <a:blip r:embed="rId3"/>
@@ -4506,8 +4709,175 @@
         </p:blipFill>
         <p:spPr>
           <a:xfrm>
-            <a:off x="2209800" y="1066800"/>
-            <a:ext cx="4902288" cy="2209800"/>
+            <a:off x="4495800" y="2163732"/>
+            <a:ext cx="3252788" cy="1157308"/>
+          </a:xfrm>
+          <a:prstGeom prst="rect">
+            <a:avLst/>
+          </a:prstGeom>
+        </p:spPr>
+      </p:pic>
+    </p:spTree>
+    <p:extLst>
+      <p:ext uri="{BB962C8B-B14F-4D97-AF65-F5344CB8AC3E}">
+        <p14:creationId xmlns:p14="http://schemas.microsoft.com/office/powerpoint/2010/main" val="379497889"/>
+      </p:ext>
+    </p:extLst>
+  </p:cSld>
+  <p:clrMapOvr>
+    <a:masterClrMapping/>
+  </p:clrMapOvr>
+</p:sld>
+</file>
+
+<file path=ppt/slides/slide16.xml><?xml version="1.0" encoding="utf-8"?>
+<p:sld xmlns:a="http://schemas.openxmlformats.org/drawingml/2006/main" xmlns:r="http://schemas.openxmlformats.org/officeDocument/2006/relationships" xmlns:p="http://schemas.openxmlformats.org/presentationml/2006/main">
+  <p:cSld>
+    <p:spTree>
+      <p:nvGrpSpPr>
+        <p:cNvPr id="1" name=""/>
+        <p:cNvGrpSpPr/>
+        <p:nvPr/>
+      </p:nvGrpSpPr>
+      <p:grpSpPr>
+        <a:xfrm>
+          <a:off x="0" y="0"/>
+          <a:ext cx="0" cy="0"/>
+          <a:chOff x="0" y="0"/>
+          <a:chExt cx="0" cy="0"/>
+        </a:xfrm>
+      </p:grpSpPr>
+      <p:sp>
+        <p:nvSpPr>
+          <p:cNvPr id="2" name="Title 1"/>
+          <p:cNvSpPr>
+            <a:spLocks noGrp="1"/>
+          </p:cNvSpPr>
+          <p:nvPr>
+            <p:ph type="title"/>
+          </p:nvPr>
+        </p:nvSpPr>
+        <p:spPr/>
+        <p:txBody>
+          <a:bodyPr/>
+          <a:lstStyle/>
+          <a:p>
+            <a:r>
+              <a:rPr lang="en-US" dirty="0"/>
+              <a:t>Admin Tools: Models</a:t>
+            </a:r>
+          </a:p>
+        </p:txBody>
+      </p:sp>
+      <p:sp>
+        <p:nvSpPr>
+          <p:cNvPr id="4" name="Content Placeholder 3"/>
+          <p:cNvSpPr>
+            <a:spLocks noGrp="1"/>
+          </p:cNvSpPr>
+          <p:nvPr>
+            <p:ph sz="half" idx="1"/>
+          </p:nvPr>
+        </p:nvSpPr>
+        <p:spPr>
+          <a:xfrm>
+            <a:off x="457200" y="3398837"/>
+            <a:ext cx="8229600" cy="2925763"/>
+          </a:xfrm>
+        </p:spPr>
+        <p:txBody>
+          <a:bodyPr>
+            <a:normAutofit fontScale="62500" lnSpcReduction="20000"/>
+          </a:bodyPr>
+          <a:lstStyle/>
+          <a:p>
+            <a:r>
+              <a:rPr lang="en-US" dirty="0"/>
+              <a:t>Review data integrity</a:t>
+            </a:r>
+          </a:p>
+          <a:p>
+            <a:r>
+              <a:rPr lang="en-US" dirty="0"/>
+              <a:t>Displays models that have no sim/generic restriction, but whose models specifies that they should.</a:t>
+            </a:r>
+          </a:p>
+          <a:p>
+            <a:pPr lvl="1"/>
+            <a:r>
+              <a:rPr lang="en-US" dirty="0"/>
+              <a:t>Can arise if restriction applied to manufacturer after model is created</a:t>
+            </a:r>
+          </a:p>
+          <a:p>
+            <a:r>
+              <a:rPr lang="en-US" dirty="0"/>
+              <a:t>Review/delete orphaned models (see next slide)</a:t>
+            </a:r>
+          </a:p>
+          <a:p>
+            <a:r>
+              <a:rPr lang="en-US" dirty="0"/>
+              <a:t>Review models with type designations to ensure that they are consistent and appropriate.</a:t>
+            </a:r>
+          </a:p>
+          <a:p>
+            <a:pPr lvl="1"/>
+            <a:r>
+              <a:rPr lang="en-US" dirty="0"/>
+              <a:t>E.g., C-172 shouldn’t have a type rating, all Boeing 777’s should have a type rating of “B777”, not a mixture of “B-777” and “B777”, etc.</a:t>
+            </a:r>
+          </a:p>
+          <a:p>
+            <a:pPr lvl="1"/>
+            <a:r>
+              <a:rPr lang="en-US" dirty="0"/>
+              <a:t>Click “Refresh” to view them</a:t>
+            </a:r>
+          </a:p>
+          <a:p>
+            <a:pPr lvl="1"/>
+            <a:r>
+              <a:rPr lang="en-US" dirty="0"/>
+              <a:t>Type ratings follow conventions at </a:t>
+            </a:r>
+            <a:r>
+              <a:rPr lang="en-US" dirty="0">
+                <a:hlinkClick r:id="rId2"/>
+              </a:rPr>
+              <a:t>http://registry.faa.gov/TypeRatings/</a:t>
+            </a:r>
+            <a:r>
+              <a:rPr lang="en-US" dirty="0"/>
+              <a:t> </a:t>
+            </a:r>
+          </a:p>
+        </p:txBody>
+      </p:sp>
+      <p:pic>
+        <p:nvPicPr>
+          <p:cNvPr id="7" name="Picture 6">
+            <a:extLst>
+              <a:ext uri="{FF2B5EF4-FFF2-40B4-BE49-F238E27FC236}">
+                <a16:creationId xmlns:a16="http://schemas.microsoft.com/office/drawing/2014/main" id="{2DEA2BB2-9471-4EE0-8CBA-46F056786318}"/>
+              </a:ext>
+            </a:extLst>
+          </p:cNvPr>
+          <p:cNvPicPr>
+            <a:picLocks noChangeAspect="1"/>
+          </p:cNvPicPr>
+          <p:nvPr/>
+        </p:nvPicPr>
+        <p:blipFill>
+          <a:blip r:embed="rId3"/>
+          <a:stretch>
+            <a:fillRect/>
+          </a:stretch>
+        </p:blipFill>
+        <p:spPr>
+          <a:xfrm>
+            <a:off x="609600" y="1676400"/>
+            <a:ext cx="8204771" cy="1376807"/>
           </a:xfrm>
           <a:prstGeom prst="rect">
             <a:avLst/>
@@ -4527,7 +4897,7 @@
 </p:sld>
 </file>
 
-<file path=ppt/slides/slide15.xml><?xml version="1.0" encoding="utf-8"?>
+<file path=ppt/slides/slide17.xml><?xml version="1.0" encoding="utf-8"?>
 <p:sld xmlns:a="http://schemas.openxmlformats.org/drawingml/2006/main" xmlns:r="http://schemas.openxmlformats.org/officeDocument/2006/relationships" xmlns:p="http://schemas.openxmlformats.org/presentationml/2006/main">
   <p:cSld>
     <p:spTree>
@@ -4675,7 +5045,7 @@
 </p:sld>
 </file>
 
-<file path=ppt/slides/slide16.xml><?xml version="1.0" encoding="utf-8"?>
+<file path=ppt/slides/slide18.xml><?xml version="1.0" encoding="utf-8"?>
 <p:sld xmlns:a="http://schemas.openxmlformats.org/drawingml/2006/main" xmlns:r="http://schemas.openxmlformats.org/officeDocument/2006/relationships" xmlns:p="http://schemas.openxmlformats.org/presentationml/2006/main">
   <p:cSld>
     <p:spTree>
@@ -4868,7 +5238,7 @@
 </p:sld>
 </file>
 
-<file path=ppt/slides/slide17.xml><?xml version="1.0" encoding="utf-8"?>
+<file path=ppt/slides/slide19.xml><?xml version="1.0" encoding="utf-8"?>
 <p:sld xmlns:a="http://schemas.openxmlformats.org/drawingml/2006/main" xmlns:r="http://schemas.openxmlformats.org/officeDocument/2006/relationships" xmlns:p="http://schemas.openxmlformats.org/presentationml/2006/main">
   <p:cSld>
     <p:spTree>
@@ -5032,7 +5402,7 @@
 </p:sld>
 </file>
 
-<file path=ppt/slides/slide18.xml><?xml version="1.0" encoding="utf-8"?>
+<file path=ppt/slides/slide2.xml><?xml version="1.0" encoding="utf-8"?>
 <p:sld xmlns:a="http://schemas.openxmlformats.org/drawingml/2006/main" xmlns:r="http://schemas.openxmlformats.org/officeDocument/2006/relationships" xmlns:p="http://schemas.openxmlformats.org/presentationml/2006/main">
   <p:cSld>
     <p:spTree>
@@ -5051,6 +5421,381 @@
       </p:grpSpPr>
       <p:sp>
         <p:nvSpPr>
+          <p:cNvPr id="2" name="Title 1">
+            <a:extLst>
+              <a:ext uri="{FF2B5EF4-FFF2-40B4-BE49-F238E27FC236}">
+                <a16:creationId xmlns:a16="http://schemas.microsoft.com/office/drawing/2014/main" id="{FBA9E64C-2391-491C-9ACB-3AF33E081A2B}"/>
+              </a:ext>
+            </a:extLst>
+          </p:cNvPr>
+          <p:cNvSpPr>
+            <a:spLocks noGrp="1"/>
+          </p:cNvSpPr>
+          <p:nvPr>
+            <p:ph type="title"/>
+          </p:nvPr>
+        </p:nvSpPr>
+        <p:spPr/>
+        <p:txBody>
+          <a:bodyPr/>
+          <a:lstStyle/>
+          <a:p>
+            <a:r>
+              <a:rPr lang="en-US" dirty="0"/>
+              <a:t>Overview</a:t>
+            </a:r>
+          </a:p>
+        </p:txBody>
+      </p:sp>
+      <p:sp>
+        <p:nvSpPr>
+          <p:cNvPr id="3" name="Content Placeholder 2">
+            <a:extLst>
+              <a:ext uri="{FF2B5EF4-FFF2-40B4-BE49-F238E27FC236}">
+                <a16:creationId xmlns:a16="http://schemas.microsoft.com/office/drawing/2014/main" id="{1C066E66-DB9A-460B-AA04-DD977F1612AF}"/>
+              </a:ext>
+            </a:extLst>
+          </p:cNvPr>
+          <p:cNvSpPr>
+            <a:spLocks noGrp="1"/>
+          </p:cNvSpPr>
+          <p:nvPr>
+            <p:ph idx="1"/>
+          </p:nvPr>
+        </p:nvSpPr>
+        <p:spPr/>
+        <p:txBody>
+          <a:bodyPr>
+            <a:normAutofit/>
+          </a:bodyPr>
+          <a:lstStyle/>
+          <a:p>
+            <a:r>
+              <a:rPr lang="en-US" dirty="0"/>
+              <a:t>All accounts have one or more of the following roles</a:t>
+            </a:r>
+          </a:p>
+        </p:txBody>
+      </p:sp>
+      <p:graphicFrame>
+        <p:nvGraphicFramePr>
+          <p:cNvPr id="4" name="Table 4">
+            <a:extLst>
+              <a:ext uri="{FF2B5EF4-FFF2-40B4-BE49-F238E27FC236}">
+                <a16:creationId xmlns:a16="http://schemas.microsoft.com/office/drawing/2014/main" id="{0C6C00F3-3BEA-47B8-8491-76FA6413A312}"/>
+              </a:ext>
+            </a:extLst>
+          </p:cNvPr>
+          <p:cNvGraphicFramePr>
+            <a:graphicFrameLocks noGrp="1"/>
+          </p:cNvGraphicFramePr>
+          <p:nvPr>
+            <p:extLst>
+              <p:ext uri="{D42A27DB-BD31-4B8C-83A1-F6EECF244321}">
+                <p14:modId xmlns:p14="http://schemas.microsoft.com/office/powerpoint/2010/main" val="2308647736"/>
+              </p:ext>
+            </p:extLst>
+          </p:nvPr>
+        </p:nvGraphicFramePr>
+        <p:xfrm>
+          <a:off x="914400" y="2819399"/>
+          <a:ext cx="8077200" cy="3306765"/>
+        </p:xfrm>
+        <a:graphic>
+          <a:graphicData uri="http://schemas.openxmlformats.org/drawingml/2006/table">
+            <a:tbl>
+              <a:tblPr firstRow="1" bandRow="1">
+                <a:tableStyleId>{5C22544A-7EE6-4342-B048-85BDC9FD1C3A}</a:tableStyleId>
+              </a:tblPr>
+              <a:tblGrid>
+                <a:gridCol w="1752600">
+                  <a:extLst>
+                    <a:ext uri="{9D8B030D-6E8A-4147-A177-3AD203B41FA5}">
+                      <a16:colId xmlns:a16="http://schemas.microsoft.com/office/drawing/2014/main" val="2468998996"/>
+                    </a:ext>
+                  </a:extLst>
+                </a:gridCol>
+                <a:gridCol w="6324600">
+                  <a:extLst>
+                    <a:ext uri="{9D8B030D-6E8A-4147-A177-3AD203B41FA5}">
+                      <a16:colId xmlns:a16="http://schemas.microsoft.com/office/drawing/2014/main" val="1052361734"/>
+                    </a:ext>
+                  </a:extLst>
+                </a:gridCol>
+              </a:tblGrid>
+              <a:tr h="472395">
+                <a:tc>
+                  <a:txBody>
+                    <a:bodyPr/>
+                    <a:lstStyle/>
+                    <a:p>
+                      <a:r>
+                        <a:rPr lang="en-US" dirty="0"/>
+                        <a:t>Role</a:t>
+                      </a:r>
+                    </a:p>
+                  </a:txBody>
+                  <a:tcPr/>
+                </a:tc>
+                <a:tc>
+                  <a:txBody>
+                    <a:bodyPr/>
+                    <a:lstStyle/>
+                    <a:p>
+                      <a:r>
+                        <a:rPr lang="en-US" dirty="0"/>
+                        <a:t>Lets you…</a:t>
+                      </a:r>
+                    </a:p>
+                  </a:txBody>
+                  <a:tcPr/>
+                </a:tc>
+                <a:extLst>
+                  <a:ext uri="{0D108BD9-81ED-4DB2-BD59-A6C34878D82A}">
+                    <a16:rowId xmlns:a16="http://schemas.microsoft.com/office/drawing/2014/main" val="1170296629"/>
+                  </a:ext>
+                </a:extLst>
+              </a:tr>
+              <a:tr h="472395">
+                <a:tc>
+                  <a:txBody>
+                    <a:bodyPr/>
+                    <a:lstStyle/>
+                    <a:p>
+                      <a:r>
+                        <a:rPr lang="en-US" dirty="0"/>
+                        <a:t>None (Pilot)</a:t>
+                      </a:r>
+                    </a:p>
+                  </a:txBody>
+                  <a:tcPr/>
+                </a:tc>
+                <a:tc>
+                  <a:txBody>
+                    <a:bodyPr/>
+                    <a:lstStyle/>
+                    <a:p>
+                      <a:r>
+                        <a:rPr lang="en-US" dirty="0"/>
+                        <a:t>Use the site </a:t>
+                      </a:r>
+                      <a:r>
+                        <a:rPr lang="en-US" b="1" dirty="0"/>
+                        <a:t>Everyone has this</a:t>
+                      </a:r>
+                      <a:endParaRPr lang="en-US" dirty="0"/>
+                    </a:p>
+                  </a:txBody>
+                  <a:tcPr/>
+                </a:tc>
+                <a:extLst>
+                  <a:ext uri="{0D108BD9-81ED-4DB2-BD59-A6C34878D82A}">
+                    <a16:rowId xmlns:a16="http://schemas.microsoft.com/office/drawing/2014/main" val="4094621718"/>
+                  </a:ext>
+                </a:extLst>
+              </a:tr>
+              <a:tr h="472395">
+                <a:tc>
+                  <a:txBody>
+                    <a:bodyPr/>
+                    <a:lstStyle/>
+                    <a:p>
+                      <a:r>
+                        <a:rPr lang="en-US" dirty="0"/>
+                        <a:t>Support</a:t>
+                      </a:r>
+                    </a:p>
+                  </a:txBody>
+                  <a:tcPr/>
+                </a:tc>
+                <a:tc>
+                  <a:txBody>
+                    <a:bodyPr/>
+                    <a:lstStyle/>
+                    <a:p>
+                      <a:r>
+                        <a:rPr lang="en-US" dirty="0"/>
+                        <a:t>Reset passwords, impersonate users, receive “Contact Us” email</a:t>
+                      </a:r>
+                    </a:p>
+                  </a:txBody>
+                  <a:tcPr/>
+                </a:tc>
+                <a:extLst>
+                  <a:ext uri="{0D108BD9-81ED-4DB2-BD59-A6C34878D82A}">
+                    <a16:rowId xmlns:a16="http://schemas.microsoft.com/office/drawing/2014/main" val="2180513821"/>
+                  </a:ext>
+                </a:extLst>
+              </a:tr>
+              <a:tr h="472395">
+                <a:tc>
+                  <a:txBody>
+                    <a:bodyPr/>
+                    <a:lstStyle/>
+                    <a:p>
+                      <a:r>
+                        <a:rPr lang="en-US" dirty="0"/>
+                        <a:t>Data Manager</a:t>
+                      </a:r>
+                    </a:p>
+                  </a:txBody>
+                  <a:tcPr/>
+                </a:tc>
+                <a:tc>
+                  <a:txBody>
+                    <a:bodyPr/>
+                    <a:lstStyle/>
+                    <a:p>
+                      <a:r>
+                        <a:rPr lang="en-US" dirty="0"/>
+                        <a:t>Edit aircraft/models/airports/FAQs/Achievements/Endorsements</a:t>
+                      </a:r>
+                    </a:p>
+                  </a:txBody>
+                  <a:tcPr/>
+                </a:tc>
+                <a:extLst>
+                  <a:ext uri="{0D108BD9-81ED-4DB2-BD59-A6C34878D82A}">
+                    <a16:rowId xmlns:a16="http://schemas.microsoft.com/office/drawing/2014/main" val="1044323624"/>
+                  </a:ext>
+                </a:extLst>
+              </a:tr>
+              <a:tr h="472395">
+                <a:tc>
+                  <a:txBody>
+                    <a:bodyPr/>
+                    <a:lstStyle/>
+                    <a:p>
+                      <a:r>
+                        <a:rPr lang="en-US" dirty="0"/>
+                        <a:t>Reporter</a:t>
+                      </a:r>
+                    </a:p>
+                  </a:txBody>
+                  <a:tcPr/>
+                </a:tc>
+                <a:tc>
+                  <a:txBody>
+                    <a:bodyPr/>
+                    <a:lstStyle/>
+                    <a:p>
+                      <a:r>
+                        <a:rPr lang="en-US" dirty="0"/>
+                        <a:t>View site stats, receive nightly report</a:t>
+                      </a:r>
+                    </a:p>
+                  </a:txBody>
+                  <a:tcPr/>
+                </a:tc>
+                <a:extLst>
+                  <a:ext uri="{0D108BD9-81ED-4DB2-BD59-A6C34878D82A}">
+                    <a16:rowId xmlns:a16="http://schemas.microsoft.com/office/drawing/2014/main" val="53510625"/>
+                  </a:ext>
+                </a:extLst>
+              </a:tr>
+              <a:tr h="472395">
+                <a:tc>
+                  <a:txBody>
+                    <a:bodyPr/>
+                    <a:lstStyle/>
+                    <a:p>
+                      <a:r>
+                        <a:rPr lang="en-US" dirty="0"/>
+                        <a:t>Accountant</a:t>
+                      </a:r>
+                    </a:p>
+                  </a:txBody>
+                  <a:tcPr/>
+                </a:tc>
+                <a:tc>
+                  <a:txBody>
+                    <a:bodyPr/>
+                    <a:lstStyle/>
+                    <a:p>
+                      <a:r>
+                        <a:rPr lang="en-US" dirty="0"/>
+                        <a:t>View and manage donations</a:t>
+                      </a:r>
+                    </a:p>
+                  </a:txBody>
+                  <a:tcPr/>
+                </a:tc>
+                <a:extLst>
+                  <a:ext uri="{0D108BD9-81ED-4DB2-BD59-A6C34878D82A}">
+                    <a16:rowId xmlns:a16="http://schemas.microsoft.com/office/drawing/2014/main" val="50245141"/>
+                  </a:ext>
+                </a:extLst>
+              </a:tr>
+              <a:tr h="472395">
+                <a:tc>
+                  <a:txBody>
+                    <a:bodyPr/>
+                    <a:lstStyle/>
+                    <a:p>
+                      <a:r>
+                        <a:rPr lang="en-US" dirty="0" err="1"/>
+                        <a:t>SiteAdmin</a:t>
+                      </a:r>
+                      <a:endParaRPr lang="en-US" dirty="0"/>
+                    </a:p>
+                  </a:txBody>
+                  <a:tcPr/>
+                </a:tc>
+                <a:tc>
+                  <a:txBody>
+                    <a:bodyPr/>
+                    <a:lstStyle/>
+                    <a:p>
+                      <a:r>
+                        <a:rPr lang="en-US" dirty="0"/>
+                        <a:t>All of the above plus receive errors, crash reports, etc.</a:t>
+                      </a:r>
+                    </a:p>
+                  </a:txBody>
+                  <a:tcPr/>
+                </a:tc>
+                <a:extLst>
+                  <a:ext uri="{0D108BD9-81ED-4DB2-BD59-A6C34878D82A}">
+                    <a16:rowId xmlns:a16="http://schemas.microsoft.com/office/drawing/2014/main" val="1208600274"/>
+                  </a:ext>
+                </a:extLst>
+              </a:tr>
+            </a:tbl>
+          </a:graphicData>
+        </a:graphic>
+      </p:graphicFrame>
+    </p:spTree>
+    <p:extLst>
+      <p:ext uri="{BB962C8B-B14F-4D97-AF65-F5344CB8AC3E}">
+        <p14:creationId xmlns:p14="http://schemas.microsoft.com/office/powerpoint/2010/main" val="2994289954"/>
+      </p:ext>
+    </p:extLst>
+  </p:cSld>
+  <p:clrMapOvr>
+    <a:masterClrMapping/>
+  </p:clrMapOvr>
+</p:sld>
+</file>
+
+<file path=ppt/slides/slide20.xml><?xml version="1.0" encoding="utf-8"?>
+<p:sld xmlns:a="http://schemas.openxmlformats.org/drawingml/2006/main" xmlns:r="http://schemas.openxmlformats.org/officeDocument/2006/relationships" xmlns:p="http://schemas.openxmlformats.org/presentationml/2006/main">
+  <p:cSld>
+    <p:spTree>
+      <p:nvGrpSpPr>
+        <p:cNvPr id="1" name=""/>
+        <p:cNvGrpSpPr/>
+        <p:nvPr/>
+      </p:nvGrpSpPr>
+      <p:grpSpPr>
+        <a:xfrm>
+          <a:off x="0" y="0"/>
+          <a:ext cx="0" cy="0"/>
+          <a:chOff x="0" y="0"/>
+          <a:chExt cx="0" cy="0"/>
+        </a:xfrm>
+      </p:grpSpPr>
+      <p:sp>
+        <p:nvSpPr>
           <p:cNvPr id="2" name="Title 1"/>
           <p:cNvSpPr>
             <a:spLocks noGrp="1"/>
@@ -5089,7 +5834,7 @@
         </p:spPr>
         <p:txBody>
           <a:bodyPr>
-            <a:normAutofit fontScale="92500" lnSpcReduction="10000"/>
+            <a:normAutofit lnSpcReduction="10000"/>
           </a:bodyPr>
           <a:lstStyle/>
           <a:p>
@@ -5103,20 +5848,13 @@
             </a:r>
           </a:p>
           <a:p>
-            <a:pPr lvl="1"/>
-            <a:r>
-              <a:rPr lang="en-US" sz="1000" dirty="0"/>
-              <a:t>Doesn’t happen any more, AFAICT</a:t>
-            </a:r>
-          </a:p>
-          <a:p>
             <a:r>
               <a:rPr lang="en-US" sz="1400" b="1" dirty="0"/>
               <a:t>Dupe Sims</a:t>
             </a:r>
             <a:r>
               <a:rPr lang="en-US" sz="1400" dirty="0"/>
-              <a:t>: when models are merged, there could be dupes.</a:t>
+              <a:t>: when models are merged, could be dupes.</a:t>
             </a:r>
           </a:p>
           <a:p>
@@ -5191,14 +5929,21 @@
             </a:r>
             <a:r>
               <a:rPr lang="en-US" sz="1400" dirty="0"/>
-              <a:t>: shows aircraft that look like proxies for generic aircraft.  E.g., creating a C-172 with the </a:t>
-            </a:r>
-            <a:r>
-              <a:rPr lang="en-US" sz="1400" dirty="0" err="1"/>
+              <a:t>: shows aircraft that look like proxies for generic aircraft.  </a:t>
+            </a:r>
+          </a:p>
+          <a:p>
+            <a:pPr lvl="1"/>
+            <a:r>
+              <a:rPr lang="en-US" sz="1000" dirty="0"/>
+              <a:t>E.g., creating a C-172 with the </a:t>
+            </a:r>
+            <a:r>
+              <a:rPr lang="en-US" sz="1000" dirty="0" err="1"/>
               <a:t>tailnumber</a:t>
             </a:r>
             <a:r>
-              <a:rPr lang="en-US" sz="1400" dirty="0"/>
+              <a:rPr lang="en-US" sz="1000" dirty="0"/>
               <a:t> “C172”, or “NGENERIC”, or things like that.</a:t>
             </a:r>
           </a:p>
@@ -5285,7 +6030,7 @@
             </a:r>
             <a:r>
               <a:rPr lang="en-US" sz="1400" dirty="0"/>
-              <a:t>: allows lookup of aircraft by FULL registration (no partial search)</a:t>
+              <a:t>: allows lookup of aircraft by registration (no partial search)</a:t>
             </a:r>
           </a:p>
         </p:txBody>
@@ -5317,7 +6062,7 @@
         </p:blipFill>
         <p:spPr>
           <a:xfrm>
-            <a:off x="5333999" y="1294878"/>
+            <a:off x="5331583" y="1214437"/>
             <a:ext cx="3686211" cy="2134122"/>
           </a:xfrm>
           <a:prstGeom prst="rect">
@@ -5338,7 +6083,7 @@
 </p:sld>
 </file>
 
-<file path=ppt/slides/slide19.xml><?xml version="1.0" encoding="utf-8"?>
+<file path=ppt/slides/slide21.xml><?xml version="1.0" encoding="utf-8"?>
 <p:sld xmlns:a="http://schemas.openxmlformats.org/drawingml/2006/main" xmlns:r="http://schemas.openxmlformats.org/officeDocument/2006/relationships" xmlns:p="http://schemas.openxmlformats.org/presentationml/2006/main">
   <p:cSld>
     <p:spTree>
@@ -5355,53 +6100,30 @@
           <a:chExt cx="0" cy="0"/>
         </a:xfrm>
       </p:grpSpPr>
-      <p:sp>
-        <p:nvSpPr>
-          <p:cNvPr id="2" name="Title 1"/>
-          <p:cNvSpPr>
-            <a:spLocks noGrp="1"/>
-          </p:cNvSpPr>
-          <p:nvPr>
-            <p:ph type="title"/>
-          </p:nvPr>
-        </p:nvSpPr>
-        <p:spPr/>
-        <p:txBody>
-          <a:bodyPr/>
-          <a:lstStyle/>
-          <a:p>
-            <a:r>
-              <a:rPr lang="en-US" dirty="0"/>
-              <a:t>Admin Tools: Edit Aircraft</a:t>
-            </a:r>
-          </a:p>
-        </p:txBody>
-      </p:sp>
       <p:pic>
         <p:nvPicPr>
-          <p:cNvPr id="4" name="Content Placeholder 3"/>
-          <p:cNvPicPr>
-            <a:picLocks noGrp="1" noChangeAspect="1"/>
-          </p:cNvPicPr>
-          <p:nvPr>
-            <p:ph idx="1"/>
-          </p:nvPr>
-        </p:nvPicPr>
-        <p:blipFill rotWithShape="1">
-          <a:blip r:embed="rId2" cstate="print">
+          <p:cNvPr id="21" name="Picture 20">
             <a:extLst>
-              <a:ext uri="{28A0092B-C50C-407E-A947-70E740481C1C}">
-                <a14:useLocalDpi xmlns:a14="http://schemas.microsoft.com/office/drawing/2010/main"/>
+              <a:ext uri="{FF2B5EF4-FFF2-40B4-BE49-F238E27FC236}">
+                <a16:creationId xmlns:a16="http://schemas.microsoft.com/office/drawing/2014/main" id="{2E806865-1AD2-4E8C-95B2-9FC87B0AC3A8}"/>
               </a:ext>
             </a:extLst>
-          </a:blip>
-          <a:srcRect/>
-          <a:stretch/>
+          </p:cNvPr>
+          <p:cNvPicPr>
+            <a:picLocks noChangeAspect="1"/>
+          </p:cNvPicPr>
+          <p:nvPr/>
+        </p:nvPicPr>
+        <p:blipFill>
+          <a:blip r:embed="rId2"/>
+          <a:stretch>
+            <a:fillRect/>
+          </a:stretch>
         </p:blipFill>
         <p:spPr>
           <a:xfrm>
-            <a:off x="1066800" y="1219200"/>
-            <a:ext cx="6781800" cy="4973322"/>
+            <a:off x="1674976" y="1114878"/>
+            <a:ext cx="5744942" cy="4969405"/>
           </a:xfrm>
           <a:prstGeom prst="rect">
             <a:avLst/>
@@ -5410,13 +6132,35 @@
       </p:pic>
       <p:sp>
         <p:nvSpPr>
+          <p:cNvPr id="2" name="Title 1"/>
+          <p:cNvSpPr>
+            <a:spLocks noGrp="1"/>
+          </p:cNvSpPr>
+          <p:nvPr>
+            <p:ph type="title"/>
+          </p:nvPr>
+        </p:nvSpPr>
+        <p:spPr/>
+        <p:txBody>
+          <a:bodyPr/>
+          <a:lstStyle/>
+          <a:p>
+            <a:r>
+              <a:rPr lang="en-US" dirty="0"/>
+              <a:t>Admin Tools: Edit Aircraft</a:t>
+            </a:r>
+          </a:p>
+        </p:txBody>
+      </p:sp>
+      <p:sp>
+        <p:nvSpPr>
           <p:cNvPr id="5" name="TextBox 4"/>
           <p:cNvSpPr txBox="1"/>
           <p:nvPr/>
         </p:nvSpPr>
         <p:spPr>
           <a:xfrm>
-            <a:off x="152400" y="846138"/>
+            <a:off x="7342294" y="1368502"/>
             <a:ext cx="1447800" cy="461665"/>
           </a:xfrm>
           <a:prstGeom prst="rect">
@@ -5458,7 +6202,7 @@
         </p:nvSpPr>
         <p:spPr>
           <a:xfrm>
-            <a:off x="2286000" y="1219200"/>
+            <a:off x="6160613" y="1122603"/>
             <a:ext cx="914400" cy="228600"/>
           </a:xfrm>
           <a:prstGeom prst="roundRect">
@@ -5500,14 +6244,16 @@
         <p:nvCxnSpPr>
           <p:cNvPr id="8" name="Straight Arrow Connector 7"/>
           <p:cNvCxnSpPr>
-            <a:stCxn id="5" idx="3"/>
+            <a:cxnSpLocks/>
+            <a:stCxn id="5" idx="1"/>
+            <a:endCxn id="6" idx="2"/>
           </p:cNvCxnSpPr>
           <p:nvPr/>
         </p:nvCxnSpPr>
         <p:spPr>
-          <a:xfrm>
-            <a:off x="1600200" y="1076971"/>
-            <a:ext cx="685800" cy="230832"/>
+          <a:xfrm flipH="1" flipV="1">
+            <a:off x="6617813" y="1351203"/>
+            <a:ext cx="724481" cy="248132"/>
           </a:xfrm>
           <a:prstGeom prst="straightConnector1">
             <a:avLst/>
@@ -5588,7 +6334,7 @@
         </p:nvSpPr>
         <p:spPr>
           <a:xfrm>
-            <a:off x="1028700" y="5562600"/>
+            <a:off x="1565964" y="5628822"/>
             <a:ext cx="914400" cy="228600"/>
           </a:xfrm>
           <a:prstGeom prst="roundRect">
@@ -5637,8 +6383,8 @@
         </p:nvCxnSpPr>
         <p:spPr>
           <a:xfrm flipV="1">
-            <a:off x="893233" y="5791200"/>
-            <a:ext cx="592667" cy="473605"/>
+            <a:off x="893233" y="5857422"/>
+            <a:ext cx="1129931" cy="407383"/>
           </a:xfrm>
           <a:prstGeom prst="straightConnector1">
             <a:avLst/>
@@ -5673,7 +6419,7 @@
         </p:nvSpPr>
         <p:spPr>
           <a:xfrm>
-            <a:off x="3771900" y="2002113"/>
+            <a:off x="3505200" y="1462016"/>
             <a:ext cx="3162300" cy="461665"/>
           </a:xfrm>
           <a:prstGeom prst="rect">
@@ -5723,7 +6469,7 @@
         </p:nvSpPr>
         <p:spPr>
           <a:xfrm>
-            <a:off x="2133600" y="1923626"/>
+            <a:off x="2193525" y="1417638"/>
             <a:ext cx="457200" cy="133773"/>
           </a:xfrm>
           <a:prstGeom prst="roundRect">
@@ -5772,8 +6518,8 @@
         </p:nvCxnSpPr>
         <p:spPr>
           <a:xfrm flipH="1" flipV="1">
-            <a:off x="2590800" y="1990513"/>
-            <a:ext cx="1181100" cy="242433"/>
+            <a:off x="2650725" y="1484525"/>
+            <a:ext cx="854475" cy="208324"/>
           </a:xfrm>
           <a:prstGeom prst="straightConnector1">
             <a:avLst/>
@@ -5852,9 +6598,9 @@
           <p:nvPr/>
         </p:nvCxnSpPr>
         <p:spPr>
-          <a:xfrm flipH="1" flipV="1">
-            <a:off x="2895600" y="5676900"/>
-            <a:ext cx="3303693" cy="17704"/>
+          <a:xfrm flipH="1">
+            <a:off x="3401908" y="5694604"/>
+            <a:ext cx="2797385" cy="48518"/>
           </a:xfrm>
           <a:prstGeom prst="straightConnector1">
             <a:avLst/>
@@ -5889,7 +6635,7 @@
         </p:nvSpPr>
         <p:spPr>
           <a:xfrm>
-            <a:off x="1981200" y="5562600"/>
+            <a:off x="2487508" y="5628822"/>
             <a:ext cx="914400" cy="228600"/>
           </a:xfrm>
           <a:prstGeom prst="roundRect">
@@ -5940,7 +6686,7 @@
 </p:sld>
 </file>
 
-<file path=ppt/slides/slide2.xml><?xml version="1.0" encoding="utf-8"?>
+<file path=ppt/slides/slide22.xml><?xml version="1.0" encoding="utf-8"?>
 <p:sld xmlns:a="http://schemas.openxmlformats.org/drawingml/2006/main" xmlns:r="http://schemas.openxmlformats.org/officeDocument/2006/relationships" xmlns:p="http://schemas.openxmlformats.org/presentationml/2006/main">
   <p:cSld>
     <p:spTree>
@@ -5959,12 +6705,18 @@
       </p:grpSpPr>
       <p:sp>
         <p:nvSpPr>
-          <p:cNvPr id="4" name="Title 3"/>
-          <p:cNvSpPr>
-            <a:spLocks noGrp="1"/>
-          </p:cNvSpPr>
-          <p:nvPr>
-            <p:ph type="ctrTitle"/>
+          <p:cNvPr id="2" name="Title 1">
+            <a:extLst>
+              <a:ext uri="{FF2B5EF4-FFF2-40B4-BE49-F238E27FC236}">
+                <a16:creationId xmlns:a16="http://schemas.microsoft.com/office/drawing/2014/main" id="{88A7F986-A282-4E24-B7E0-7AFF669ED41E}"/>
+              </a:ext>
+            </a:extLst>
+          </p:cNvPr>
+          <p:cNvSpPr>
+            <a:spLocks noGrp="1"/>
+          </p:cNvSpPr>
+          <p:nvPr>
+            <p:ph type="title"/>
           </p:nvPr>
         </p:nvSpPr>
         <p:spPr/>
@@ -5974,34 +6726,314 @@
           <a:p>
             <a:r>
               <a:rPr lang="en-US" dirty="0"/>
-              <a:t>Key Scenarios</a:t>
-            </a:r>
-          </a:p>
-        </p:txBody>
-      </p:sp>
-      <p:sp>
-        <p:nvSpPr>
-          <p:cNvPr id="5" name="Subtitle 4"/>
-          <p:cNvSpPr>
-            <a:spLocks noGrp="1"/>
-          </p:cNvSpPr>
-          <p:nvPr>
-            <p:ph type="subTitle" idx="1"/>
-          </p:nvPr>
-        </p:nvSpPr>
-        <p:spPr/>
-        <p:txBody>
-          <a:bodyPr/>
-          <a:lstStyle/>
-          <a:p>
-            <a:endParaRPr lang="en-US"/>
-          </a:p>
-        </p:txBody>
-      </p:sp>
+              <a:t>Rules about editing aircraft</a:t>
+            </a:r>
+          </a:p>
+        </p:txBody>
+      </p:sp>
+      <p:graphicFrame>
+        <p:nvGraphicFramePr>
+          <p:cNvPr id="4" name="Table 4">
+            <a:extLst>
+              <a:ext uri="{FF2B5EF4-FFF2-40B4-BE49-F238E27FC236}">
+                <a16:creationId xmlns:a16="http://schemas.microsoft.com/office/drawing/2014/main" id="{B504988C-3014-475A-B594-376F663DE284}"/>
+              </a:ext>
+            </a:extLst>
+          </p:cNvPr>
+          <p:cNvGraphicFramePr>
+            <a:graphicFrameLocks noGrp="1"/>
+          </p:cNvGraphicFramePr>
+          <p:nvPr>
+            <p:extLst>
+              <p:ext uri="{D42A27DB-BD31-4B8C-83A1-F6EECF244321}">
+                <p14:modId xmlns:p14="http://schemas.microsoft.com/office/powerpoint/2010/main" val="283311164"/>
+              </p:ext>
+            </p:extLst>
+          </p:nvPr>
+        </p:nvGraphicFramePr>
+        <p:xfrm>
+          <a:off x="457200" y="1443718"/>
+          <a:ext cx="8305800" cy="4023360"/>
+        </p:xfrm>
+        <a:graphic>
+          <a:graphicData uri="http://schemas.openxmlformats.org/drawingml/2006/table">
+            <a:tbl>
+              <a:tblPr firstRow="1" bandRow="1">
+                <a:tableStyleId>{5C22544A-7EE6-4342-B048-85BDC9FD1C3A}</a:tableStyleId>
+              </a:tblPr>
+              <a:tblGrid>
+                <a:gridCol w="2768600">
+                  <a:extLst>
+                    <a:ext uri="{9D8B030D-6E8A-4147-A177-3AD203B41FA5}">
+                      <a16:colId xmlns:a16="http://schemas.microsoft.com/office/drawing/2014/main" val="758388578"/>
+                    </a:ext>
+                  </a:extLst>
+                </a:gridCol>
+                <a:gridCol w="2768600">
+                  <a:extLst>
+                    <a:ext uri="{9D8B030D-6E8A-4147-A177-3AD203B41FA5}">
+                      <a16:colId xmlns:a16="http://schemas.microsoft.com/office/drawing/2014/main" val="3507349914"/>
+                    </a:ext>
+                  </a:extLst>
+                </a:gridCol>
+                <a:gridCol w="2768600">
+                  <a:extLst>
+                    <a:ext uri="{9D8B030D-6E8A-4147-A177-3AD203B41FA5}">
+                      <a16:colId xmlns:a16="http://schemas.microsoft.com/office/drawing/2014/main" val="1658538073"/>
+                    </a:ext>
+                  </a:extLst>
+                </a:gridCol>
+              </a:tblGrid>
+              <a:tr h="299435">
+                <a:tc>
+                  <a:txBody>
+                    <a:bodyPr/>
+                    <a:lstStyle/>
+                    <a:p>
+                      <a:r>
+                        <a:rPr lang="en-US" dirty="0"/>
+                        <a:t>If…</a:t>
+                      </a:r>
+                    </a:p>
+                  </a:txBody>
+                  <a:tcPr/>
+                </a:tc>
+                <a:tc>
+                  <a:txBody>
+                    <a:bodyPr/>
+                    <a:lstStyle/>
+                    <a:p>
+                      <a:r>
+                        <a:rPr lang="en-US" dirty="0"/>
+                        <a:t>Then…</a:t>
+                      </a:r>
+                    </a:p>
+                  </a:txBody>
+                  <a:tcPr/>
+                </a:tc>
+                <a:tc>
+                  <a:txBody>
+                    <a:bodyPr/>
+                    <a:lstStyle/>
+                    <a:p>
+                      <a:r>
+                        <a:rPr lang="en-US" dirty="0"/>
+                        <a:t>Email sent?</a:t>
+                      </a:r>
+                    </a:p>
+                  </a:txBody>
+                  <a:tcPr/>
+                </a:tc>
+                <a:extLst>
+                  <a:ext uri="{0D108BD9-81ED-4DB2-BD59-A6C34878D82A}">
+                    <a16:rowId xmlns:a16="http://schemas.microsoft.com/office/drawing/2014/main" val="2116733982"/>
+                  </a:ext>
+                </a:extLst>
+              </a:tr>
+              <a:tr h="755939">
+                <a:tc>
+                  <a:txBody>
+                    <a:bodyPr/>
+                    <a:lstStyle/>
+                    <a:p>
+                      <a:r>
+                        <a:rPr lang="en-US" dirty="0"/>
+                        <a:t>Aircraft is locked, sim, or generic</a:t>
+                      </a:r>
+                    </a:p>
+                  </a:txBody>
+                  <a:tcPr/>
+                </a:tc>
+                <a:tc>
+                  <a:txBody>
+                    <a:bodyPr/>
+                    <a:lstStyle/>
+                    <a:p>
+                      <a:r>
+                        <a:rPr lang="en-US" dirty="0"/>
+                        <a:t>NO EDIT is permitted.  (Admin can edit locked aircraft)</a:t>
+                      </a:r>
+                    </a:p>
+                  </a:txBody>
+                  <a:tcPr/>
+                </a:tc>
+                <a:tc>
+                  <a:txBody>
+                    <a:bodyPr/>
+                    <a:lstStyle/>
+                    <a:p>
+                      <a:r>
+                        <a:rPr lang="en-US" dirty="0"/>
+                        <a:t>N/A</a:t>
+                      </a:r>
+                    </a:p>
+                  </a:txBody>
+                  <a:tcPr/>
+                </a:tc>
+                <a:extLst>
+                  <a:ext uri="{0D108BD9-81ED-4DB2-BD59-A6C34878D82A}">
+                    <a16:rowId xmlns:a16="http://schemas.microsoft.com/office/drawing/2014/main" val="3387335332"/>
+                  </a:ext>
+                </a:extLst>
+              </a:tr>
+              <a:tr h="524011">
+                <a:tc>
+                  <a:txBody>
+                    <a:bodyPr/>
+                    <a:lstStyle/>
+                    <a:p>
+                      <a:r>
+                        <a:rPr lang="en-US" dirty="0"/>
+                        <a:t>User is ONLY pilot with that aircraft</a:t>
+                      </a:r>
+                    </a:p>
+                  </a:txBody>
+                  <a:tcPr/>
+                </a:tc>
+                <a:tc>
+                  <a:txBody>
+                    <a:bodyPr/>
+                    <a:lstStyle/>
+                    <a:p>
+                      <a:r>
+                        <a:rPr lang="en-US" dirty="0"/>
+                        <a:t>Underlying aircraft is edited.</a:t>
+                      </a:r>
+                    </a:p>
+                  </a:txBody>
+                  <a:tcPr/>
+                </a:tc>
+                <a:tc>
+                  <a:txBody>
+                    <a:bodyPr/>
+                    <a:lstStyle/>
+                    <a:p>
+                      <a:r>
+                        <a:rPr lang="en-US" dirty="0"/>
+                        <a:t>No</a:t>
+                      </a:r>
+                    </a:p>
+                  </a:txBody>
+                  <a:tcPr/>
+                </a:tc>
+                <a:extLst>
+                  <a:ext uri="{0D108BD9-81ED-4DB2-BD59-A6C34878D82A}">
+                    <a16:rowId xmlns:a16="http://schemas.microsoft.com/office/drawing/2014/main" val="4112339802"/>
+                  </a:ext>
+                </a:extLst>
+              </a:tr>
+              <a:tr h="1279281">
+                <a:tc>
+                  <a:txBody>
+                    <a:bodyPr/>
+                    <a:lstStyle/>
+                    <a:p>
+                      <a:r>
+                        <a:rPr lang="en-US" dirty="0"/>
+                        <a:t>ICAO code OR category/class changes</a:t>
+                      </a:r>
+                    </a:p>
+                    <a:p>
+                      <a:r>
+                        <a:rPr lang="en-US" dirty="0"/>
+                        <a:t>(E.g., B-737 to C-172)</a:t>
+                      </a:r>
+                    </a:p>
+                  </a:txBody>
+                  <a:tcPr/>
+                </a:tc>
+                <a:tc>
+                  <a:txBody>
+                    <a:bodyPr/>
+                    <a:lstStyle/>
+                    <a:p>
+                      <a:r>
+                        <a:rPr lang="en-US" dirty="0"/>
+                        <a:t>“Major change” – aircraft is cloned, user put into clone</a:t>
+                      </a:r>
+                    </a:p>
+                  </a:txBody>
+                  <a:tcPr/>
+                </a:tc>
+                <a:tc>
+                  <a:txBody>
+                    <a:bodyPr/>
+                    <a:lstStyle/>
+                    <a:p>
+                      <a:r>
+                        <a:rPr lang="en-US" dirty="0"/>
+                        <a:t>All pilots in that aircraft + admin is notified to review.  Admin has a “Make Default” button to choose preferred version</a:t>
+                      </a:r>
+                    </a:p>
+                  </a:txBody>
+                  <a:tcPr/>
+                </a:tc>
+                <a:extLst>
+                  <a:ext uri="{0D108BD9-81ED-4DB2-BD59-A6C34878D82A}">
+                    <a16:rowId xmlns:a16="http://schemas.microsoft.com/office/drawing/2014/main" val="597995311"/>
+                  </a:ext>
+                </a:extLst>
+              </a:tr>
+              <a:tr h="581492">
+                <a:tc>
+                  <a:txBody>
+                    <a:bodyPr/>
+                    <a:lstStyle/>
+                    <a:p>
+                      <a:r>
+                        <a:rPr lang="en-US" dirty="0"/>
+                        <a:t>All other edits </a:t>
+                      </a:r>
+                    </a:p>
+                    <a:p>
+                      <a:r>
+                        <a:rPr lang="en-US" dirty="0"/>
+                        <a:t>(e.g., C-172N to C-172S)</a:t>
+                      </a:r>
+                    </a:p>
+                  </a:txBody>
+                  <a:tcPr/>
+                </a:tc>
+                <a:tc>
+                  <a:txBody>
+                    <a:bodyPr/>
+                    <a:lstStyle/>
+                    <a:p>
+                      <a:r>
+                        <a:rPr lang="en-US" dirty="0"/>
+                        <a:t>“Minor change” – underlying aircraft is edited</a:t>
+                      </a:r>
+                    </a:p>
+                  </a:txBody>
+                  <a:tcPr/>
+                </a:tc>
+                <a:tc>
+                  <a:txBody>
+                    <a:bodyPr/>
+                    <a:lstStyle/>
+                    <a:p>
+                      <a:r>
+                        <a:rPr lang="en-US" dirty="0"/>
+                        <a:t>All pilots in that aircraft + admin is notified to review</a:t>
+                      </a:r>
+                    </a:p>
+                  </a:txBody>
+                  <a:tcPr/>
+                </a:tc>
+                <a:extLst>
+                  <a:ext uri="{0D108BD9-81ED-4DB2-BD59-A6C34878D82A}">
+                    <a16:rowId xmlns:a16="http://schemas.microsoft.com/office/drawing/2014/main" val="1710460965"/>
+                  </a:ext>
+                </a:extLst>
+              </a:tr>
+            </a:tbl>
+          </a:graphicData>
+        </a:graphic>
+      </p:graphicFrame>
     </p:spTree>
     <p:extLst>
       <p:ext uri="{BB962C8B-B14F-4D97-AF65-F5344CB8AC3E}">
-        <p14:creationId xmlns:p14="http://schemas.microsoft.com/office/powerpoint/2010/main" val="2148533920"/>
+        <p14:creationId xmlns:p14="http://schemas.microsoft.com/office/powerpoint/2010/main" val="1759932693"/>
       </p:ext>
     </p:extLst>
   </p:cSld>
@@ -6011,7 +7043,7 @@
 </p:sld>
 </file>
 
-<file path=ppt/slides/slide20.xml><?xml version="1.0" encoding="utf-8"?>
+<file path=ppt/slides/slide23.xml><?xml version="1.0" encoding="utf-8"?>
 <p:sld xmlns:a="http://schemas.openxmlformats.org/drawingml/2006/main" xmlns:r="http://schemas.openxmlformats.org/officeDocument/2006/relationships" xmlns:p="http://schemas.openxmlformats.org/presentationml/2006/main">
   <p:cSld>
     <p:spTree>
@@ -6033,7 +7065,7 @@
           <p:cNvPr id="2" name="Title 1">
             <a:extLst>
               <a:ext uri="{FF2B5EF4-FFF2-40B4-BE49-F238E27FC236}">
-                <a16:creationId xmlns:a16="http://schemas.microsoft.com/office/drawing/2014/main" id="{88A7F986-A282-4E24-B7E0-7AFF669ED41E}"/>
+                <a16:creationId xmlns:a16="http://schemas.microsoft.com/office/drawing/2014/main" id="{70C479A7-EF5F-460F-986D-8563ADE0820D}"/>
               </a:ext>
             </a:extLst>
           </p:cNvPr>
@@ -6051,76 +7083,576 @@
           <a:p>
             <a:r>
               <a:rPr lang="en-US" dirty="0"/>
-              <a:t>Rules about editing aircraft</a:t>
-            </a:r>
-          </a:p>
-        </p:txBody>
-      </p:sp>
-      <p:sp>
-        <p:nvSpPr>
-          <p:cNvPr id="3" name="Content Placeholder 2">
+              <a:t>Images/videos on MyFlightbook</a:t>
+            </a:r>
+          </a:p>
+        </p:txBody>
+      </p:sp>
+      <p:sp>
+        <p:nvSpPr>
+          <p:cNvPr id="4" name="Cloud 3">
             <a:extLst>
               <a:ext uri="{FF2B5EF4-FFF2-40B4-BE49-F238E27FC236}">
-                <a16:creationId xmlns:a16="http://schemas.microsoft.com/office/drawing/2014/main" id="{1A08B9CE-B737-4945-BC4A-94FD5B57CA53}"/>
+                <a16:creationId xmlns:a16="http://schemas.microsoft.com/office/drawing/2014/main" id="{E6A7E29B-BE2A-46E9-8B56-6ADAE79B588A}"/>
               </a:ext>
             </a:extLst>
           </p:cNvPr>
-          <p:cNvSpPr>
-            <a:spLocks noGrp="1"/>
-          </p:cNvSpPr>
-          <p:nvPr>
-            <p:ph idx="1"/>
-          </p:nvPr>
-        </p:nvSpPr>
-        <p:spPr/>
-        <p:txBody>
-          <a:bodyPr>
-            <a:normAutofit fontScale="70000" lnSpcReduction="20000"/>
+          <p:cNvSpPr/>
+          <p:nvPr/>
+        </p:nvSpPr>
+        <p:spPr>
+          <a:xfrm>
+            <a:off x="5874491" y="4266406"/>
+            <a:ext cx="2286000" cy="1981200"/>
+          </a:xfrm>
+          <a:prstGeom prst="cloud">
+            <a:avLst/>
+          </a:prstGeom>
+        </p:spPr>
+        <p:style>
+          <a:lnRef idx="2">
+            <a:schemeClr val="accent1">
+              <a:shade val="50000"/>
+            </a:schemeClr>
+          </a:lnRef>
+          <a:fillRef idx="1">
+            <a:schemeClr val="accent1"/>
+          </a:fillRef>
+          <a:effectRef idx="0">
+            <a:schemeClr val="accent1"/>
+          </a:effectRef>
+          <a:fontRef idx="minor">
+            <a:schemeClr val="lt1"/>
+          </a:fontRef>
+        </p:style>
+        <p:txBody>
+          <a:bodyPr rtlCol="0" anchor="ctr"/>
+          <a:lstStyle/>
+          <a:p>
+            <a:pPr algn="ctr"/>
+            <a:r>
+              <a:rPr lang="en-US" dirty="0"/>
+              <a:t>Amazon S3</a:t>
+            </a:r>
+          </a:p>
+        </p:txBody>
+      </p:sp>
+      <p:sp>
+        <p:nvSpPr>
+          <p:cNvPr id="5" name="Flowchart: Magnetic Disk 4">
+            <a:extLst>
+              <a:ext uri="{FF2B5EF4-FFF2-40B4-BE49-F238E27FC236}">
+                <a16:creationId xmlns:a16="http://schemas.microsoft.com/office/drawing/2014/main" id="{E1196285-437C-4008-8027-391F86F1C137}"/>
+              </a:ext>
+            </a:extLst>
+          </p:cNvPr>
+          <p:cNvSpPr/>
+          <p:nvPr/>
+        </p:nvSpPr>
+        <p:spPr>
+          <a:xfrm>
+            <a:off x="5993606" y="2971800"/>
+            <a:ext cx="685800" cy="381000"/>
+          </a:xfrm>
+          <a:prstGeom prst="flowChartMagneticDisk">
+            <a:avLst/>
+          </a:prstGeom>
+        </p:spPr>
+        <p:style>
+          <a:lnRef idx="2">
+            <a:schemeClr val="accent1">
+              <a:shade val="50000"/>
+            </a:schemeClr>
+          </a:lnRef>
+          <a:fillRef idx="1">
+            <a:schemeClr val="accent1"/>
+          </a:fillRef>
+          <a:effectRef idx="0">
+            <a:schemeClr val="accent1"/>
+          </a:effectRef>
+          <a:fontRef idx="minor">
+            <a:schemeClr val="lt1"/>
+          </a:fontRef>
+        </p:style>
+        <p:txBody>
+          <a:bodyPr rtlCol="0" anchor="ctr"/>
+          <a:lstStyle/>
+          <a:p>
+            <a:pPr algn="ctr"/>
+            <a:r>
+              <a:rPr lang="en-US" sz="1000" dirty="0"/>
+              <a:t>File System</a:t>
+            </a:r>
+          </a:p>
+        </p:txBody>
+      </p:sp>
+      <p:sp>
+        <p:nvSpPr>
+          <p:cNvPr id="6" name="Rectangle 5">
+            <a:extLst>
+              <a:ext uri="{FF2B5EF4-FFF2-40B4-BE49-F238E27FC236}">
+                <a16:creationId xmlns:a16="http://schemas.microsoft.com/office/drawing/2014/main" id="{AD24B41B-3A05-468F-8FAC-CC6A785214E9}"/>
+              </a:ext>
+            </a:extLst>
+          </p:cNvPr>
+          <p:cNvSpPr/>
+          <p:nvPr/>
+        </p:nvSpPr>
+        <p:spPr>
+          <a:xfrm>
+            <a:off x="5874491" y="2133600"/>
+            <a:ext cx="2209800" cy="1371600"/>
+          </a:xfrm>
+          <a:prstGeom prst="rect">
+            <a:avLst/>
+          </a:prstGeom>
+          <a:noFill/>
+        </p:spPr>
+        <p:style>
+          <a:lnRef idx="2">
+            <a:schemeClr val="accent1">
+              <a:shade val="50000"/>
+            </a:schemeClr>
+          </a:lnRef>
+          <a:fillRef idx="1">
+            <a:schemeClr val="accent1"/>
+          </a:fillRef>
+          <a:effectRef idx="0">
+            <a:schemeClr val="accent1"/>
+          </a:effectRef>
+          <a:fontRef idx="minor">
+            <a:schemeClr val="lt1"/>
+          </a:fontRef>
+        </p:style>
+        <p:txBody>
+          <a:bodyPr rtlCol="0" anchor="t" anchorCtr="0"/>
+          <a:lstStyle/>
+          <a:p>
+            <a:pPr algn="ctr"/>
+            <a:r>
+              <a:rPr lang="en-US" dirty="0">
+                <a:solidFill>
+                  <a:schemeClr val="tx1"/>
+                </a:solidFill>
+              </a:rPr>
+              <a:t>MyFlightbook Server</a:t>
+            </a:r>
+          </a:p>
+        </p:txBody>
+      </p:sp>
+      <p:sp>
+        <p:nvSpPr>
+          <p:cNvPr id="7" name="Flowchart: Magnetic Disk 6">
+            <a:extLst>
+              <a:ext uri="{FF2B5EF4-FFF2-40B4-BE49-F238E27FC236}">
+                <a16:creationId xmlns:a16="http://schemas.microsoft.com/office/drawing/2014/main" id="{D9357DF8-0599-43A7-A39B-552550A8C321}"/>
+              </a:ext>
+            </a:extLst>
+          </p:cNvPr>
+          <p:cNvSpPr/>
+          <p:nvPr/>
+        </p:nvSpPr>
+        <p:spPr>
+          <a:xfrm>
+            <a:off x="7136606" y="2971800"/>
+            <a:ext cx="685800" cy="381000"/>
+          </a:xfrm>
+          <a:prstGeom prst="flowChartMagneticDisk">
+            <a:avLst/>
+          </a:prstGeom>
+        </p:spPr>
+        <p:style>
+          <a:lnRef idx="2">
+            <a:schemeClr val="accent1">
+              <a:shade val="50000"/>
+            </a:schemeClr>
+          </a:lnRef>
+          <a:fillRef idx="1">
+            <a:schemeClr val="accent1"/>
+          </a:fillRef>
+          <a:effectRef idx="0">
+            <a:schemeClr val="accent1"/>
+          </a:effectRef>
+          <a:fontRef idx="minor">
+            <a:schemeClr val="lt1"/>
+          </a:fontRef>
+        </p:style>
+        <p:txBody>
+          <a:bodyPr rtlCol="0" anchor="ctr"/>
+          <a:lstStyle/>
+          <a:p>
+            <a:pPr algn="ctr"/>
+            <a:r>
+              <a:rPr lang="en-US" dirty="0"/>
+              <a:t>DB</a:t>
+            </a:r>
+          </a:p>
+        </p:txBody>
+      </p:sp>
+      <p:sp>
+        <p:nvSpPr>
+          <p:cNvPr id="8" name="Rectangle 7">
+            <a:extLst>
+              <a:ext uri="{FF2B5EF4-FFF2-40B4-BE49-F238E27FC236}">
+                <a16:creationId xmlns:a16="http://schemas.microsoft.com/office/drawing/2014/main" id="{1EF8EBC8-6C93-44A0-8C17-C3EAB6E44B61}"/>
+              </a:ext>
+            </a:extLst>
+          </p:cNvPr>
+          <p:cNvSpPr/>
+          <p:nvPr/>
+        </p:nvSpPr>
+        <p:spPr>
+          <a:xfrm>
+            <a:off x="990600" y="3733800"/>
+            <a:ext cx="2209800" cy="807244"/>
+          </a:xfrm>
+          <a:prstGeom prst="rect">
+            <a:avLst/>
+          </a:prstGeom>
+          <a:noFill/>
+        </p:spPr>
+        <p:style>
+          <a:lnRef idx="2">
+            <a:schemeClr val="accent1">
+              <a:shade val="50000"/>
+            </a:schemeClr>
+          </a:lnRef>
+          <a:fillRef idx="1">
+            <a:schemeClr val="accent1"/>
+          </a:fillRef>
+          <a:effectRef idx="0">
+            <a:schemeClr val="accent1"/>
+          </a:effectRef>
+          <a:fontRef idx="minor">
+            <a:schemeClr val="lt1"/>
+          </a:fontRef>
+        </p:style>
+        <p:txBody>
+          <a:bodyPr rtlCol="0" anchor="t" anchorCtr="0"/>
+          <a:lstStyle/>
+          <a:p>
+            <a:pPr algn="ctr"/>
+            <a:r>
+              <a:rPr lang="en-US" dirty="0">
+                <a:solidFill>
+                  <a:schemeClr val="tx1"/>
+                </a:solidFill>
+              </a:rPr>
+              <a:t>Client (Web or mobile app)</a:t>
+            </a:r>
+          </a:p>
+        </p:txBody>
+      </p:sp>
+      <p:cxnSp>
+        <p:nvCxnSpPr>
+          <p:cNvPr id="10" name="Straight Arrow Connector 9">
+            <a:extLst>
+              <a:ext uri="{FF2B5EF4-FFF2-40B4-BE49-F238E27FC236}">
+                <a16:creationId xmlns:a16="http://schemas.microsoft.com/office/drawing/2014/main" id="{39018F73-769F-4527-AB4A-CDB26340DF15}"/>
+              </a:ext>
+            </a:extLst>
+          </p:cNvPr>
+          <p:cNvCxnSpPr>
+            <a:cxnSpLocks/>
+            <a:endCxn id="6" idx="1"/>
+          </p:cNvCxnSpPr>
+          <p:nvPr/>
+        </p:nvCxnSpPr>
+        <p:spPr>
+          <a:xfrm flipV="1">
+            <a:off x="3203946" y="2819400"/>
+            <a:ext cx="2670545" cy="1129834"/>
+          </a:xfrm>
+          <a:prstGeom prst="straightConnector1">
+            <a:avLst/>
+          </a:prstGeom>
+          <a:ln w="38100">
+            <a:headEnd type="none" w="med" len="med"/>
+            <a:tailEnd type="triangle" w="med" len="med"/>
+          </a:ln>
+        </p:spPr>
+        <p:style>
+          <a:lnRef idx="1">
+            <a:schemeClr val="accent1"/>
+          </a:lnRef>
+          <a:fillRef idx="0">
+            <a:schemeClr val="accent1"/>
+          </a:fillRef>
+          <a:effectRef idx="0">
+            <a:schemeClr val="accent1"/>
+          </a:effectRef>
+          <a:fontRef idx="minor">
+            <a:schemeClr val="tx1"/>
+          </a:fontRef>
+        </p:style>
+      </p:cxnSp>
+      <p:cxnSp>
+        <p:nvCxnSpPr>
+          <p:cNvPr id="11" name="Straight Arrow Connector 10">
+            <a:extLst>
+              <a:ext uri="{FF2B5EF4-FFF2-40B4-BE49-F238E27FC236}">
+                <a16:creationId xmlns:a16="http://schemas.microsoft.com/office/drawing/2014/main" id="{ED0EFEDF-A370-477C-9918-BF0597CF3469}"/>
+              </a:ext>
+            </a:extLst>
+          </p:cNvPr>
+          <p:cNvCxnSpPr>
+            <a:cxnSpLocks/>
+            <a:endCxn id="4" idx="2"/>
+          </p:cNvCxnSpPr>
+          <p:nvPr/>
+        </p:nvCxnSpPr>
+        <p:spPr>
+          <a:xfrm>
+            <a:off x="3203946" y="4266406"/>
+            <a:ext cx="2677636" cy="990600"/>
+          </a:xfrm>
+          <a:prstGeom prst="straightConnector1">
+            <a:avLst/>
+          </a:prstGeom>
+          <a:ln w="38100">
+            <a:headEnd type="triangle" w="med" len="med"/>
+            <a:tailEnd type="none" w="med" len="med"/>
+          </a:ln>
+        </p:spPr>
+        <p:style>
+          <a:lnRef idx="1">
+            <a:schemeClr val="accent1"/>
+          </a:lnRef>
+          <a:fillRef idx="0">
+            <a:schemeClr val="accent1"/>
+          </a:fillRef>
+          <a:effectRef idx="0">
+            <a:schemeClr val="accent1"/>
+          </a:effectRef>
+          <a:fontRef idx="minor">
+            <a:schemeClr val="tx1"/>
+          </a:fontRef>
+        </p:style>
+      </p:cxnSp>
+      <p:cxnSp>
+        <p:nvCxnSpPr>
+          <p:cNvPr id="14" name="Straight Arrow Connector 13">
+            <a:extLst>
+              <a:ext uri="{FF2B5EF4-FFF2-40B4-BE49-F238E27FC236}">
+                <a16:creationId xmlns:a16="http://schemas.microsoft.com/office/drawing/2014/main" id="{9FD91EFD-F3E7-4FDB-AC89-2BE24C47A7D5}"/>
+              </a:ext>
+            </a:extLst>
+          </p:cNvPr>
+          <p:cNvCxnSpPr>
+            <a:cxnSpLocks/>
+            <a:stCxn id="6" idx="2"/>
+            <a:endCxn id="4" idx="3"/>
+          </p:cNvCxnSpPr>
+          <p:nvPr/>
+        </p:nvCxnSpPr>
+        <p:spPr>
+          <a:xfrm>
+            <a:off x="6979391" y="3505200"/>
+            <a:ext cx="38100" cy="874483"/>
+          </a:xfrm>
+          <a:prstGeom prst="straightConnector1">
+            <a:avLst/>
+          </a:prstGeom>
+          <a:ln w="38100">
+            <a:headEnd type="none" w="med" len="med"/>
+            <a:tailEnd type="triangle" w="med" len="med"/>
+          </a:ln>
+        </p:spPr>
+        <p:style>
+          <a:lnRef idx="1">
+            <a:schemeClr val="accent1"/>
+          </a:lnRef>
+          <a:fillRef idx="0">
+            <a:schemeClr val="accent1"/>
+          </a:fillRef>
+          <a:effectRef idx="0">
+            <a:schemeClr val="accent1"/>
+          </a:effectRef>
+          <a:fontRef idx="minor">
+            <a:schemeClr val="tx1"/>
+          </a:fontRef>
+        </p:style>
+      </p:cxnSp>
+      <p:sp>
+        <p:nvSpPr>
+          <p:cNvPr id="20" name="TextBox 19">
+            <a:extLst>
+              <a:ext uri="{FF2B5EF4-FFF2-40B4-BE49-F238E27FC236}">
+                <a16:creationId xmlns:a16="http://schemas.microsoft.com/office/drawing/2014/main" id="{AEE65705-5335-447E-9A1D-B29D672CE533}"/>
+              </a:ext>
+            </a:extLst>
+          </p:cNvPr>
+          <p:cNvSpPr txBox="1"/>
+          <p:nvPr/>
+        </p:nvSpPr>
+        <p:spPr>
+          <a:xfrm>
+            <a:off x="7000822" y="3811994"/>
+            <a:ext cx="1702594" cy="276999"/>
+          </a:xfrm>
+          <a:prstGeom prst="rect">
+            <a:avLst/>
+          </a:prstGeom>
+          <a:noFill/>
+        </p:spPr>
+        <p:txBody>
+          <a:bodyPr wrap="square" rtlCol="0">
+            <a:spAutoFit/>
           </a:bodyPr>
           <a:lstStyle/>
           <a:p>
             <a:r>
-              <a:rPr lang="en-US" dirty="0"/>
-              <a:t>Users can’t edit an aircraft that is a sim, generic, or locked</a:t>
-            </a:r>
-          </a:p>
-          <a:p>
-            <a:r>
-              <a:rPr lang="en-US" dirty="0"/>
-              <a:t>If a user edits it and the ICAO code changes, this is considered a “major” change and the aircraft is cloned with the user in the new model</a:t>
-            </a:r>
-          </a:p>
-          <a:p>
-            <a:pPr lvl="1"/>
-            <a:r>
-              <a:rPr lang="en-US" dirty="0"/>
-              <a:t>E.g., editing N12345 from being a B-737 to a C-172</a:t>
-            </a:r>
-          </a:p>
-          <a:p>
-            <a:r>
-              <a:rPr lang="en-US" dirty="0"/>
-              <a:t>If a user edits it and the ICAO code does not change, it is a “minor change” and the underlying aircraft is modified.</a:t>
-            </a:r>
-          </a:p>
-          <a:p>
-            <a:pPr lvl="1"/>
-            <a:r>
-              <a:rPr lang="en-US" dirty="0"/>
-              <a:t>E.g., editing N12345 from being a C-172N to a C-172S.</a:t>
-            </a:r>
-          </a:p>
-          <a:p>
-            <a:r>
-              <a:rPr lang="en-US" dirty="0"/>
-              <a:t>Either edit above sends a notification email</a:t>
-            </a:r>
-          </a:p>
-          <a:p>
-            <a:pPr lvl="1"/>
-            <a:r>
-              <a:rPr lang="en-US" dirty="0"/>
-              <a:t>If the aircraft is cloned and the new version is the current assignment, then a “Make Default” button will appear (in admin mode) next to the non-default version</a:t>
+              <a:rPr lang="en-US" sz="1200" dirty="0"/>
+              <a:t>Upload full images to S3</a:t>
+            </a:r>
+          </a:p>
+        </p:txBody>
+      </p:sp>
+      <p:cxnSp>
+        <p:nvCxnSpPr>
+          <p:cNvPr id="22" name="Straight Arrow Connector 21">
+            <a:extLst>
+              <a:ext uri="{FF2B5EF4-FFF2-40B4-BE49-F238E27FC236}">
+                <a16:creationId xmlns:a16="http://schemas.microsoft.com/office/drawing/2014/main" id="{E81CBC73-71E2-4DFA-B2EC-630E6A2DAA92}"/>
+              </a:ext>
+            </a:extLst>
+          </p:cNvPr>
+          <p:cNvCxnSpPr>
+            <a:cxnSpLocks/>
+            <a:endCxn id="5" idx="2"/>
+          </p:cNvCxnSpPr>
+          <p:nvPr/>
+        </p:nvCxnSpPr>
+        <p:spPr>
+          <a:xfrm flipV="1">
+            <a:off x="3187801" y="3162300"/>
+            <a:ext cx="2805805" cy="926694"/>
+          </a:xfrm>
+          <a:prstGeom prst="straightConnector1">
+            <a:avLst/>
+          </a:prstGeom>
+          <a:ln w="38100">
+            <a:headEnd type="triangle" w="med" len="med"/>
+            <a:tailEnd type="none" w="med" len="med"/>
+          </a:ln>
+        </p:spPr>
+        <p:style>
+          <a:lnRef idx="1">
+            <a:schemeClr val="accent1"/>
+          </a:lnRef>
+          <a:fillRef idx="0">
+            <a:schemeClr val="accent1"/>
+          </a:fillRef>
+          <a:effectRef idx="0">
+            <a:schemeClr val="accent1"/>
+          </a:effectRef>
+          <a:fontRef idx="minor">
+            <a:schemeClr val="tx1"/>
+          </a:fontRef>
+        </p:style>
+      </p:cxnSp>
+      <p:sp>
+        <p:nvSpPr>
+          <p:cNvPr id="23" name="TextBox 22">
+            <a:extLst>
+              <a:ext uri="{FF2B5EF4-FFF2-40B4-BE49-F238E27FC236}">
+                <a16:creationId xmlns:a16="http://schemas.microsoft.com/office/drawing/2014/main" id="{11168FE0-7444-4AB1-81EA-F289B1EA4A07}"/>
+              </a:ext>
+            </a:extLst>
+          </p:cNvPr>
+          <p:cNvSpPr txBox="1"/>
+          <p:nvPr/>
+        </p:nvSpPr>
+        <p:spPr>
+          <a:xfrm rot="1177747">
+            <a:off x="3719575" y="4920874"/>
+            <a:ext cx="1940538" cy="276999"/>
+          </a:xfrm>
+          <a:prstGeom prst="rect">
+            <a:avLst/>
+          </a:prstGeom>
+          <a:noFill/>
+        </p:spPr>
+        <p:txBody>
+          <a:bodyPr wrap="square" rtlCol="0">
+            <a:spAutoFit/>
+          </a:bodyPr>
+          <a:lstStyle/>
+          <a:p>
+            <a:r>
+              <a:rPr lang="en-US" sz="1200" dirty="0"/>
+              <a:t>Serve full image/video/PDF</a:t>
+            </a:r>
+          </a:p>
+        </p:txBody>
+      </p:sp>
+      <p:sp>
+        <p:nvSpPr>
+          <p:cNvPr id="24" name="TextBox 23">
+            <a:extLst>
+              <a:ext uri="{FF2B5EF4-FFF2-40B4-BE49-F238E27FC236}">
+                <a16:creationId xmlns:a16="http://schemas.microsoft.com/office/drawing/2014/main" id="{5C41E462-E981-4E4D-955F-00D97F9B55F1}"/>
+              </a:ext>
+            </a:extLst>
+          </p:cNvPr>
+          <p:cNvSpPr txBox="1"/>
+          <p:nvPr/>
+        </p:nvSpPr>
+        <p:spPr>
+          <a:xfrm rot="20337043">
+            <a:off x="3554578" y="2996411"/>
+            <a:ext cx="1940538" cy="276999"/>
+          </a:xfrm>
+          <a:prstGeom prst="rect">
+            <a:avLst/>
+          </a:prstGeom>
+          <a:noFill/>
+        </p:spPr>
+        <p:txBody>
+          <a:bodyPr wrap="square" rtlCol="0">
+            <a:spAutoFit/>
+          </a:bodyPr>
+          <a:lstStyle/>
+          <a:p>
+            <a:r>
+              <a:rPr lang="en-US" sz="1200" dirty="0"/>
+              <a:t>Upload image/video/PDF</a:t>
+            </a:r>
+          </a:p>
+        </p:txBody>
+      </p:sp>
+      <p:sp>
+        <p:nvSpPr>
+          <p:cNvPr id="26" name="TextBox 25">
+            <a:extLst>
+              <a:ext uri="{FF2B5EF4-FFF2-40B4-BE49-F238E27FC236}">
+                <a16:creationId xmlns:a16="http://schemas.microsoft.com/office/drawing/2014/main" id="{9B33C276-B9B9-4A72-BAF5-C3B01569DE14}"/>
+              </a:ext>
+            </a:extLst>
+          </p:cNvPr>
+          <p:cNvSpPr txBox="1"/>
+          <p:nvPr/>
+        </p:nvSpPr>
+        <p:spPr>
+          <a:xfrm rot="20508976">
+            <a:off x="3829838" y="3586875"/>
+            <a:ext cx="1940538" cy="276999"/>
+          </a:xfrm>
+          <a:prstGeom prst="rect">
+            <a:avLst/>
+          </a:prstGeom>
+          <a:noFill/>
+        </p:spPr>
+        <p:txBody>
+          <a:bodyPr wrap="square" rtlCol="0">
+            <a:spAutoFit/>
+          </a:bodyPr>
+          <a:lstStyle/>
+          <a:p>
+            <a:pPr algn="ctr"/>
+            <a:r>
+              <a:rPr lang="en-US" sz="1200" dirty="0"/>
+              <a:t>Serve thumbnails</a:t>
             </a:r>
           </a:p>
         </p:txBody>
@@ -6128,7 +7660,7 @@
     </p:spTree>
     <p:extLst>
       <p:ext uri="{BB962C8B-B14F-4D97-AF65-F5344CB8AC3E}">
-        <p14:creationId xmlns:p14="http://schemas.microsoft.com/office/powerpoint/2010/main" val="1759932693"/>
+        <p14:creationId xmlns:p14="http://schemas.microsoft.com/office/powerpoint/2010/main" val="2045281992"/>
       </p:ext>
     </p:extLst>
   </p:cSld>
@@ -6138,7 +7670,7 @@
 </p:sld>
 </file>
 
-<file path=ppt/slides/slide21.xml><?xml version="1.0" encoding="utf-8"?>
+<file path=ppt/slides/slide24.xml><?xml version="1.0" encoding="utf-8"?>
 <p:sld xmlns:a="http://schemas.openxmlformats.org/drawingml/2006/main" xmlns:r="http://schemas.openxmlformats.org/officeDocument/2006/relationships" xmlns:p="http://schemas.openxmlformats.org/presentationml/2006/main">
   <p:cSld>
     <p:spTree>
@@ -6296,7 +7828,7 @@
 </p:sld>
 </file>
 
-<file path=ppt/slides/slide22.xml><?xml version="1.0" encoding="utf-8"?>
+<file path=ppt/slides/slide25.xml><?xml version="1.0" encoding="utf-8"?>
 <p:sld xmlns:a="http://schemas.openxmlformats.org/drawingml/2006/main" xmlns:r="http://schemas.openxmlformats.org/officeDocument/2006/relationships" xmlns:p="http://schemas.openxmlformats.org/presentationml/2006/main">
   <p:cSld>
     <p:spTree>
@@ -6404,7 +7936,7 @@
 </p:sld>
 </file>
 
-<file path=ppt/slides/slide23.xml><?xml version="1.0" encoding="utf-8"?>
+<file path=ppt/slides/slide26.xml><?xml version="1.0" encoding="utf-8"?>
 <p:sld xmlns:a="http://schemas.openxmlformats.org/drawingml/2006/main" xmlns:r="http://schemas.openxmlformats.org/officeDocument/2006/relationships" xmlns:p="http://schemas.openxmlformats.org/presentationml/2006/main">
   <p:cSld>
     <p:spTree>
@@ -6423,7 +7955,13 @@
       </p:grpSpPr>
       <p:pic>
         <p:nvPicPr>
-          <p:cNvPr id="4" name="Picture 3"/>
+          <p:cNvPr id="6" name="Picture 5">
+            <a:extLst>
+              <a:ext uri="{FF2B5EF4-FFF2-40B4-BE49-F238E27FC236}">
+                <a16:creationId xmlns:a16="http://schemas.microsoft.com/office/drawing/2014/main" id="{96FB256E-AEA4-44C2-85A7-CCADB155FFD4}"/>
+              </a:ext>
+            </a:extLst>
+          </p:cNvPr>
           <p:cNvPicPr>
             <a:picLocks noChangeAspect="1"/>
           </p:cNvPicPr>
@@ -6437,8 +7975,8 @@
         </p:blipFill>
         <p:spPr>
           <a:xfrm>
-            <a:off x="1790700" y="1828800"/>
-            <a:ext cx="6709689" cy="3692314"/>
+            <a:off x="990600" y="1229741"/>
+            <a:ext cx="7467600" cy="5524358"/>
           </a:xfrm>
           <a:prstGeom prst="rect">
             <a:avLst/>
@@ -6471,6 +8009,7 @@
         <p:nvCxnSpPr>
           <p:cNvPr id="5" name="Straight Arrow Connector 4"/>
           <p:cNvCxnSpPr>
+            <a:cxnSpLocks/>
             <a:stCxn id="9" idx="3"/>
           </p:cNvCxnSpPr>
           <p:nvPr/>
@@ -6478,7 +8017,7 @@
         <p:spPr>
           <a:xfrm>
             <a:off x="1371600" y="490210"/>
-            <a:ext cx="485775" cy="1576120"/>
+            <a:ext cx="838200" cy="1451675"/>
           </a:xfrm>
           <a:prstGeom prst="straightConnector1">
             <a:avLst/>
@@ -6509,14 +8048,15 @@
         <p:nvCxnSpPr>
           <p:cNvPr id="7" name="Straight Arrow Connector 6"/>
           <p:cNvCxnSpPr>
+            <a:cxnSpLocks/>
             <a:stCxn id="12" idx="0"/>
           </p:cNvCxnSpPr>
           <p:nvPr/>
         </p:nvCxnSpPr>
         <p:spPr>
           <a:xfrm flipV="1">
-            <a:off x="933450" y="2743201"/>
-            <a:ext cx="923925" cy="369998"/>
+            <a:off x="933450" y="2673977"/>
+            <a:ext cx="133350" cy="439222"/>
           </a:xfrm>
           <a:prstGeom prst="straightConnector1">
             <a:avLst/>
@@ -6585,14 +8125,15 @@
         <p:nvCxnSpPr>
           <p:cNvPr id="10" name="Straight Arrow Connector 9"/>
           <p:cNvCxnSpPr>
+            <a:cxnSpLocks/>
             <a:stCxn id="16" idx="1"/>
           </p:cNvCxnSpPr>
           <p:nvPr/>
         </p:nvCxnSpPr>
         <p:spPr>
           <a:xfrm flipH="1">
-            <a:off x="2667000" y="4345806"/>
-            <a:ext cx="1189176" cy="839218"/>
+            <a:off x="2667001" y="3592986"/>
+            <a:ext cx="1803025" cy="64614"/>
           </a:xfrm>
           <a:prstGeom prst="straightConnector1">
             <a:avLst/>
@@ -6753,7 +8294,7 @@
         </p:nvSpPr>
         <p:spPr>
           <a:xfrm>
-            <a:off x="3856176" y="3976474"/>
+            <a:off x="4470026" y="3223654"/>
             <a:ext cx="1333500" cy="738664"/>
           </a:xfrm>
           <a:prstGeom prst="rect">
@@ -6791,6 +8332,7 @@
         <p:nvCxnSpPr>
           <p:cNvPr id="21" name="Straight Arrow Connector 20"/>
           <p:cNvCxnSpPr>
+            <a:cxnSpLocks/>
             <a:stCxn id="22" idx="1"/>
           </p:cNvCxnSpPr>
           <p:nvPr/>
@@ -6798,7 +8340,7 @@
         <p:spPr>
           <a:xfrm flipH="1">
             <a:off x="5029200" y="1690778"/>
-            <a:ext cx="1371600" cy="270889"/>
+            <a:ext cx="1371600" cy="0"/>
           </a:xfrm>
           <a:prstGeom prst="straightConnector1">
             <a:avLst/>
@@ -6871,14 +8413,15 @@
         <p:nvCxnSpPr>
           <p:cNvPr id="25" name="Straight Arrow Connector 24"/>
           <p:cNvCxnSpPr>
+            <a:cxnSpLocks/>
             <a:stCxn id="26" idx="0"/>
           </p:cNvCxnSpPr>
           <p:nvPr/>
         </p:nvCxnSpPr>
         <p:spPr>
-          <a:xfrm flipV="1">
-            <a:off x="1431131" y="4962113"/>
-            <a:ext cx="392907" cy="361532"/>
+          <a:xfrm flipH="1" flipV="1">
+            <a:off x="1219200" y="4648200"/>
+            <a:ext cx="211931" cy="675445"/>
           </a:xfrm>
           <a:prstGeom prst="straightConnector1">
             <a:avLst/>
@@ -6960,7 +8503,7 @@
 </p:sld>
 </file>
 
-<file path=ppt/slides/slide24.xml><?xml version="1.0" encoding="utf-8"?>
+<file path=ppt/slides/slide27.xml><?xml version="1.0" encoding="utf-8"?>
 <p:sld xmlns:a="http://schemas.openxmlformats.org/drawingml/2006/main" xmlns:r="http://schemas.openxmlformats.org/officeDocument/2006/relationships" xmlns:p="http://schemas.openxmlformats.org/presentationml/2006/main">
   <p:cSld>
     <p:spTree>
@@ -7138,7 +8681,7 @@
 </p:sld>
 </file>
 
-<file path=ppt/slides/slide25.xml><?xml version="1.0" encoding="utf-8"?>
+<file path=ppt/slides/slide28.xml><?xml version="1.0" encoding="utf-8"?>
 <p:sld xmlns:a="http://schemas.openxmlformats.org/drawingml/2006/main" xmlns:r="http://schemas.openxmlformats.org/officeDocument/2006/relationships" xmlns:p="http://schemas.openxmlformats.org/presentationml/2006/main">
   <p:cSld>
     <p:spTree>
@@ -8488,367 +10031,6 @@
 </p:sld>
 </file>
 
-<file path=ppt/slides/slide26.xml><?xml version="1.0" encoding="utf-8"?>
-<p:sld xmlns:a="http://schemas.openxmlformats.org/drawingml/2006/main" xmlns:r="http://schemas.openxmlformats.org/officeDocument/2006/relationships" xmlns:p="http://schemas.openxmlformats.org/presentationml/2006/main">
-  <p:cSld>
-    <p:spTree>
-      <p:nvGrpSpPr>
-        <p:cNvPr id="1" name=""/>
-        <p:cNvGrpSpPr/>
-        <p:nvPr/>
-      </p:nvGrpSpPr>
-      <p:grpSpPr>
-        <a:xfrm>
-          <a:off x="0" y="0"/>
-          <a:ext cx="0" cy="0"/>
-          <a:chOff x="0" y="0"/>
-          <a:chExt cx="0" cy="0"/>
-        </a:xfrm>
-      </p:grpSpPr>
-      <p:pic>
-        <p:nvPicPr>
-          <p:cNvPr id="7" name="Picture 6"/>
-          <p:cNvPicPr>
-            <a:picLocks noChangeAspect="1"/>
-          </p:cNvPicPr>
-          <p:nvPr/>
-        </p:nvPicPr>
-        <p:blipFill>
-          <a:blip r:embed="rId2"/>
-          <a:stretch>
-            <a:fillRect/>
-          </a:stretch>
-        </p:blipFill>
-        <p:spPr>
-          <a:xfrm>
-            <a:off x="4572000" y="2438400"/>
-            <a:ext cx="4295775" cy="2380178"/>
-          </a:xfrm>
-          <a:prstGeom prst="rect">
-            <a:avLst/>
-          </a:prstGeom>
-        </p:spPr>
-      </p:pic>
-      <p:sp>
-        <p:nvSpPr>
-          <p:cNvPr id="2" name="Title 1"/>
-          <p:cNvSpPr>
-            <a:spLocks noGrp="1"/>
-          </p:cNvSpPr>
-          <p:nvPr>
-            <p:ph type="title"/>
-          </p:nvPr>
-        </p:nvSpPr>
-        <p:spPr/>
-        <p:txBody>
-          <a:bodyPr/>
-          <a:lstStyle/>
-          <a:p>
-            <a:r>
-              <a:rPr lang="en-US" dirty="0"/>
-              <a:t>Admin Tools: Edit Properties</a:t>
-            </a:r>
-          </a:p>
-        </p:txBody>
-      </p:sp>
-      <p:sp>
-        <p:nvSpPr>
-          <p:cNvPr id="3" name="Content Placeholder 2"/>
-          <p:cNvSpPr>
-            <a:spLocks noGrp="1"/>
-          </p:cNvSpPr>
-          <p:nvPr>
-            <p:ph idx="1"/>
-          </p:nvPr>
-        </p:nvSpPr>
-        <p:spPr>
-          <a:xfrm>
-            <a:off x="457200" y="1600200"/>
-            <a:ext cx="3886200" cy="4708525"/>
-          </a:xfrm>
-        </p:spPr>
-        <p:txBody>
-          <a:bodyPr>
-            <a:normAutofit fontScale="62500" lnSpcReduction="20000"/>
-          </a:bodyPr>
-          <a:lstStyle/>
-          <a:p>
-            <a:r>
-              <a:rPr lang="en-US" dirty="0"/>
-              <a:t>Title: Identifies the property (e.g., “Approaches – ILS”)</a:t>
-            </a:r>
-          </a:p>
-          <a:p>
-            <a:r>
-              <a:rPr lang="en-US" dirty="0"/>
-              <a:t>Format String: displays the property’s value (e.g., “3 ILS Approaches”).  “{0}” is the placeholder for the value.</a:t>
-            </a:r>
-          </a:p>
-          <a:p>
-            <a:r>
-              <a:rPr lang="en-US" dirty="0" err="1"/>
-              <a:t>Description:Explains</a:t>
-            </a:r>
-            <a:r>
-              <a:rPr lang="en-US" dirty="0"/>
-              <a:t> the purpose/usage of the property</a:t>
-            </a:r>
-          </a:p>
-          <a:p>
-            <a:r>
-              <a:rPr lang="en-US" dirty="0"/>
-              <a:t>Type: what kind of property is this (count of events, true/false, text, etc.)</a:t>
-            </a:r>
-          </a:p>
-          <a:p>
-            <a:r>
-              <a:rPr lang="en-US" dirty="0"/>
-              <a:t>Flags: indicate special semantics of the property (mostly for use in things like currency computations).  Set flags using checkboxes.</a:t>
-            </a:r>
-          </a:p>
-        </p:txBody>
-      </p:sp>
-    </p:spTree>
-    <p:extLst>
-      <p:ext uri="{BB962C8B-B14F-4D97-AF65-F5344CB8AC3E}">
-        <p14:creationId xmlns:p14="http://schemas.microsoft.com/office/powerpoint/2010/main" val="166056237"/>
-      </p:ext>
-    </p:extLst>
-  </p:cSld>
-  <p:clrMapOvr>
-    <a:masterClrMapping/>
-  </p:clrMapOvr>
-</p:sld>
-</file>
-
-<file path=ppt/slides/slide27.xml><?xml version="1.0" encoding="utf-8"?>
-<p:sld xmlns:a="http://schemas.openxmlformats.org/drawingml/2006/main" xmlns:r="http://schemas.openxmlformats.org/officeDocument/2006/relationships" xmlns:p="http://schemas.openxmlformats.org/presentationml/2006/main">
-  <p:cSld>
-    <p:spTree>
-      <p:nvGrpSpPr>
-        <p:cNvPr id="1" name=""/>
-        <p:cNvGrpSpPr/>
-        <p:nvPr/>
-      </p:nvGrpSpPr>
-      <p:grpSpPr>
-        <a:xfrm>
-          <a:off x="0" y="0"/>
-          <a:ext cx="0" cy="0"/>
-          <a:chOff x="0" y="0"/>
-          <a:chExt cx="0" cy="0"/>
-        </a:xfrm>
-      </p:grpSpPr>
-      <p:sp>
-        <p:nvSpPr>
-          <p:cNvPr id="2" name="Title 1"/>
-          <p:cNvSpPr>
-            <a:spLocks noGrp="1"/>
-          </p:cNvSpPr>
-          <p:nvPr>
-            <p:ph type="title"/>
-          </p:nvPr>
-        </p:nvSpPr>
-        <p:spPr/>
-        <p:txBody>
-          <a:bodyPr/>
-          <a:lstStyle/>
-          <a:p>
-            <a:r>
-              <a:rPr lang="en-US" dirty="0"/>
-              <a:t>Property Guidelines</a:t>
-            </a:r>
-          </a:p>
-        </p:txBody>
-      </p:sp>
-      <p:sp>
-        <p:nvSpPr>
-          <p:cNvPr id="3" name="Content Placeholder 2"/>
-          <p:cNvSpPr>
-            <a:spLocks noGrp="1"/>
-          </p:cNvSpPr>
-          <p:nvPr>
-            <p:ph idx="1"/>
-          </p:nvPr>
-        </p:nvSpPr>
-        <p:spPr/>
-        <p:txBody>
-          <a:bodyPr>
-            <a:normAutofit fontScale="85000" lnSpcReduction="10000"/>
-          </a:bodyPr>
-          <a:lstStyle/>
-          <a:p>
-            <a:r>
-              <a:rPr lang="en-US" dirty="0"/>
-              <a:t>Keep properties as general purpose as possible.  </a:t>
-            </a:r>
-          </a:p>
-          <a:p>
-            <a:pPr lvl="1"/>
-            <a:r>
-              <a:rPr lang="en-US" dirty="0"/>
-              <a:t>E.g., “Charity Flight” rather than “Angel Flight”</a:t>
-            </a:r>
-          </a:p>
-          <a:p>
-            <a:r>
-              <a:rPr lang="en-US" dirty="0"/>
-              <a:t>Add properties only for things that really don’t belong in comments – i.e., for which a pilot might wat to do a structured search or a pivot table in Excel</a:t>
-            </a:r>
-          </a:p>
-          <a:p>
-            <a:r>
-              <a:rPr lang="en-US" dirty="0"/>
-              <a:t>Avoid properties that combine independent things</a:t>
-            </a:r>
-          </a:p>
-          <a:p>
-            <a:pPr lvl="1"/>
-            <a:r>
-              <a:rPr lang="en-US" dirty="0"/>
-              <a:t>E.g., stay away from “Night Cross-country” or “Solo Night Cross Country.”.  </a:t>
-            </a:r>
-          </a:p>
-          <a:p>
-            <a:pPr lvl="1"/>
-            <a:r>
-              <a:rPr lang="en-US" dirty="0"/>
-              <a:t>This is an invitation to ambiguity or errors in the data, don’t do it.</a:t>
-            </a:r>
-          </a:p>
-        </p:txBody>
-      </p:sp>
-    </p:spTree>
-    <p:extLst>
-      <p:ext uri="{BB962C8B-B14F-4D97-AF65-F5344CB8AC3E}">
-        <p14:creationId xmlns:p14="http://schemas.microsoft.com/office/powerpoint/2010/main" val="1893513869"/>
-      </p:ext>
-    </p:extLst>
-  </p:cSld>
-  <p:clrMapOvr>
-    <a:masterClrMapping/>
-  </p:clrMapOvr>
-</p:sld>
-</file>
-
-<file path=ppt/slides/slide28.xml><?xml version="1.0" encoding="utf-8"?>
-<p:sld xmlns:a="http://schemas.openxmlformats.org/drawingml/2006/main" xmlns:r="http://schemas.openxmlformats.org/officeDocument/2006/relationships" xmlns:p="http://schemas.openxmlformats.org/presentationml/2006/main">
-  <p:cSld>
-    <p:spTree>
-      <p:nvGrpSpPr>
-        <p:cNvPr id="1" name=""/>
-        <p:cNvGrpSpPr/>
-        <p:nvPr/>
-      </p:nvGrpSpPr>
-      <p:grpSpPr>
-        <a:xfrm>
-          <a:off x="0" y="0"/>
-          <a:ext cx="0" cy="0"/>
-          <a:chOff x="0" y="0"/>
-          <a:chExt cx="0" cy="0"/>
-        </a:xfrm>
-      </p:grpSpPr>
-      <p:sp>
-        <p:nvSpPr>
-          <p:cNvPr id="2" name="Title 1"/>
-          <p:cNvSpPr>
-            <a:spLocks noGrp="1"/>
-          </p:cNvSpPr>
-          <p:nvPr>
-            <p:ph type="title"/>
-          </p:nvPr>
-        </p:nvSpPr>
-        <p:spPr/>
-        <p:txBody>
-          <a:bodyPr>
-            <a:normAutofit fontScale="90000"/>
-          </a:bodyPr>
-          <a:lstStyle/>
-          <a:p>
-            <a:r>
-              <a:rPr lang="en-US" dirty="0"/>
-              <a:t>Admin Tools: Endorsement Templates</a:t>
-            </a:r>
-          </a:p>
-        </p:txBody>
-      </p:sp>
-      <p:sp>
-        <p:nvSpPr>
-          <p:cNvPr id="3" name="Content Placeholder 2"/>
-          <p:cNvSpPr>
-            <a:spLocks noGrp="1"/>
-          </p:cNvSpPr>
-          <p:nvPr>
-            <p:ph idx="1"/>
-          </p:nvPr>
-        </p:nvSpPr>
-        <p:spPr/>
-        <p:txBody>
-          <a:bodyPr>
-            <a:normAutofit fontScale="92500" lnSpcReduction="20000"/>
-          </a:bodyPr>
-          <a:lstStyle/>
-          <a:p>
-            <a:r>
-              <a:rPr lang="en-US" dirty="0"/>
-              <a:t>This is where templates can be created/edited for endorsements that a flight instructor can give to a student</a:t>
-            </a:r>
-          </a:p>
-          <a:p>
-            <a:r>
-              <a:rPr lang="en-US" dirty="0"/>
-              <a:t>Uses a pseudo-markup language to specify placeholders for student name, date, etc.</a:t>
-            </a:r>
-          </a:p>
-          <a:p>
-            <a:pPr lvl="1"/>
-            <a:r>
-              <a:rPr lang="en-US" dirty="0"/>
-              <a:t>{x} for a single-line entry with watermark "x"</a:t>
-            </a:r>
-          </a:p>
-          <a:p>
-            <a:pPr lvl="1"/>
-            <a:r>
-              <a:rPr lang="en-US" dirty="0"/>
-              <a:t>{Freeform} for freeform multi-line text (no watermark prompt)</a:t>
-            </a:r>
-          </a:p>
-          <a:p>
-            <a:pPr lvl="1"/>
-            <a:r>
-              <a:rPr lang="en-US" dirty="0"/>
-              <a:t>{Date} for the date (prefilled)</a:t>
-            </a:r>
-          </a:p>
-          <a:p>
-            <a:pPr lvl="1"/>
-            <a:r>
-              <a:rPr lang="en-US" dirty="0"/>
-              <a:t>{Student} for the Student's name (pre-filled)</a:t>
-            </a:r>
-          </a:p>
-          <a:p>
-            <a:pPr lvl="1"/>
-            <a:r>
-              <a:rPr lang="en-US" dirty="0"/>
-              <a:t>{x/y/z} for a drop-down of choices x, y, and z</a:t>
-            </a:r>
-          </a:p>
-        </p:txBody>
-      </p:sp>
-    </p:spTree>
-    <p:extLst>
-      <p:ext uri="{BB962C8B-B14F-4D97-AF65-F5344CB8AC3E}">
-        <p14:creationId xmlns:p14="http://schemas.microsoft.com/office/powerpoint/2010/main" val="1248576311"/>
-      </p:ext>
-    </p:extLst>
-  </p:cSld>
-  <p:clrMapOvr>
-    <a:masterClrMapping/>
-  </p:clrMapOvr>
-</p:sld>
-</file>
-
 <file path=ppt/slides/slide29.xml><?xml version="1.0" encoding="utf-8"?>
 <p:sld xmlns:a="http://schemas.openxmlformats.org/drawingml/2006/main" xmlns:r="http://schemas.openxmlformats.org/officeDocument/2006/relationships" xmlns:p="http://schemas.openxmlformats.org/presentationml/2006/main">
   <p:cSld>
@@ -8883,7 +10065,7 @@
           <a:p>
             <a:r>
               <a:rPr lang="en-US" dirty="0"/>
-              <a:t>Admin Tool: Edit FAQ</a:t>
+              <a:t>Admin Tools: Edit Properties</a:t>
             </a:r>
           </a:p>
         </p:txBody>
@@ -8898,98 +10080,87 @@
             <p:ph idx="1"/>
           </p:nvPr>
         </p:nvSpPr>
-        <p:spPr/>
+        <p:spPr>
+          <a:xfrm>
+            <a:off x="457200" y="1600200"/>
+            <a:ext cx="3886200" cy="4708525"/>
+          </a:xfrm>
+        </p:spPr>
         <p:txBody>
           <a:bodyPr>
-            <a:normAutofit fontScale="55000" lnSpcReduction="20000"/>
+            <a:normAutofit fontScale="62500" lnSpcReduction="20000"/>
           </a:bodyPr>
           <a:lstStyle/>
           <a:p>
             <a:r>
               <a:rPr lang="en-US" dirty="0"/>
-              <a:t>Link to FAQ is on bottom of every page.</a:t>
-            </a:r>
-          </a:p>
-          <a:p>
-            <a:r>
-              <a:rPr lang="en-US" dirty="0"/>
-              <a:t>FAQ items consist of a category, a question, and an answer.  They are grouped by category at display time.</a:t>
-            </a:r>
-          </a:p>
-          <a:p>
-            <a:r>
-              <a:rPr lang="en-US" dirty="0"/>
-              <a:t>FAQ answer can contain HTML markup</a:t>
-            </a:r>
-          </a:p>
-          <a:p>
-            <a:r>
-              <a:rPr lang="en-US" dirty="0"/>
-              <a:t>FAQ is branding-aware (will use correct brand based on environment)</a:t>
-            </a:r>
-          </a:p>
-          <a:p>
-            <a:pPr lvl="1"/>
-            <a:r>
-              <a:rPr lang="en-US" dirty="0"/>
-              <a:t>All links should use relative paths (i.e., not include the domain name) to work with multiple brands</a:t>
-            </a:r>
-          </a:p>
-          <a:p>
-            <a:pPr lvl="1"/>
-            <a:r>
-              <a:rPr lang="en-US" dirty="0"/>
-              <a:t>%APP_NAME%: the name of the app</a:t>
-            </a:r>
-          </a:p>
-          <a:p>
-            <a:pPr lvl="1"/>
-            <a:r>
-              <a:rPr lang="en-US" dirty="0"/>
-              <a:t>%SHORT_DATE%: Current date format (short) - date pattern</a:t>
-            </a:r>
-          </a:p>
-          <a:p>
-            <a:pPr lvl="1"/>
-            <a:r>
-              <a:rPr lang="en-US" dirty="0"/>
-              <a:t>%DATE_TIME%: Current time format (long) - sample in long format</a:t>
-            </a:r>
-          </a:p>
-          <a:p>
-            <a:pPr lvl="1"/>
-            <a:r>
-              <a:rPr lang="en-US" dirty="0"/>
-              <a:t>%APP_URL%: the URL (host) for the current request.</a:t>
-            </a:r>
-          </a:p>
-          <a:p>
-            <a:pPr lvl="1"/>
-            <a:r>
-              <a:rPr lang="en-US" dirty="0"/>
-              <a:t>%APP_ROOT%: The root (analogous to "~") for the app brand.</a:t>
-            </a:r>
-          </a:p>
-          <a:p>
-            <a:pPr lvl="1"/>
-            <a:r>
-              <a:rPr lang="en-US" dirty="0"/>
-              <a:t>%APP_LOGO%: the URL for the app logo</a:t>
-            </a:r>
-          </a:p>
-          <a:p>
-            <a:pPr lvl="1"/>
-            <a:r>
-              <a:rPr lang="en-US" dirty="0"/>
-              <a:t>E.g., the “Contact” link is http://%APP_URL%%APP_ROOT%/Public/ContactMe.aspx which translates to http://myflightbook.com/logbook/Public/ContactMe.aspx</a:t>
-            </a:r>
-          </a:p>
-        </p:txBody>
-      </p:sp>
+              <a:t>Title: Identifies the property (e.g., “Approaches – ILS”)</a:t>
+            </a:r>
+          </a:p>
+          <a:p>
+            <a:r>
+              <a:rPr lang="en-US" dirty="0"/>
+              <a:t>Format String: displays the property’s value (e.g., “3 ILS Approaches”).  “{0}” is the placeholder for the value.</a:t>
+            </a:r>
+          </a:p>
+          <a:p>
+            <a:r>
+              <a:rPr lang="en-US" dirty="0" err="1"/>
+              <a:t>Description:Explains</a:t>
+            </a:r>
+            <a:r>
+              <a:rPr lang="en-US" dirty="0"/>
+              <a:t> the purpose/usage of the property</a:t>
+            </a:r>
+          </a:p>
+          <a:p>
+            <a:r>
+              <a:rPr lang="en-US" dirty="0"/>
+              <a:t>Type: what kind of property is this (count of events, true/false, text, etc.)</a:t>
+            </a:r>
+          </a:p>
+          <a:p>
+            <a:r>
+              <a:rPr lang="en-US" dirty="0"/>
+              <a:t>Flags: indicate special semantics of the property (mostly for use in things like currency computations).  Set flags using checkboxes.</a:t>
+            </a:r>
+          </a:p>
+        </p:txBody>
+      </p:sp>
+      <p:pic>
+        <p:nvPicPr>
+          <p:cNvPr id="4" name="Picture 3">
+            <a:extLst>
+              <a:ext uri="{FF2B5EF4-FFF2-40B4-BE49-F238E27FC236}">
+                <a16:creationId xmlns:a16="http://schemas.microsoft.com/office/drawing/2014/main" id="{2EDDA6C3-BFA2-4AEC-A462-3C7F0CE6C575}"/>
+              </a:ext>
+            </a:extLst>
+          </p:cNvPr>
+          <p:cNvPicPr>
+            <a:picLocks noChangeAspect="1"/>
+          </p:cNvPicPr>
+          <p:nvPr/>
+        </p:nvPicPr>
+        <p:blipFill>
+          <a:blip r:embed="rId2"/>
+          <a:stretch>
+            <a:fillRect/>
+          </a:stretch>
+        </p:blipFill>
+        <p:spPr>
+          <a:xfrm>
+            <a:off x="4495800" y="1600200"/>
+            <a:ext cx="4530944" cy="4238625"/>
+          </a:xfrm>
+          <a:prstGeom prst="rect">
+            <a:avLst/>
+          </a:prstGeom>
+        </p:spPr>
+      </p:pic>
     </p:spTree>
     <p:extLst>
       <p:ext uri="{BB962C8B-B14F-4D97-AF65-F5344CB8AC3E}">
-        <p14:creationId xmlns:p14="http://schemas.microsoft.com/office/powerpoint/2010/main" val="680066526"/>
+        <p14:creationId xmlns:p14="http://schemas.microsoft.com/office/powerpoint/2010/main" val="166056237"/>
       </p:ext>
     </p:extLst>
   </p:cSld>
@@ -9018,12 +10189,12 @@
       </p:grpSpPr>
       <p:sp>
         <p:nvSpPr>
-          <p:cNvPr id="2" name="Title 1"/>
-          <p:cNvSpPr>
-            <a:spLocks noGrp="1"/>
-          </p:cNvSpPr>
-          <p:nvPr>
-            <p:ph type="title"/>
+          <p:cNvPr id="4" name="Title 3"/>
+          <p:cNvSpPr>
+            <a:spLocks noGrp="1"/>
+          </p:cNvSpPr>
+          <p:nvPr>
+            <p:ph type="ctrTitle"/>
           </p:nvPr>
         </p:nvSpPr>
         <p:spPr/>
@@ -9033,19 +10204,19 @@
           <a:p>
             <a:r>
               <a:rPr lang="en-US" dirty="0"/>
-              <a:t>Key Support Scenarios</a:t>
-            </a:r>
-          </a:p>
-        </p:txBody>
-      </p:sp>
-      <p:sp>
-        <p:nvSpPr>
-          <p:cNvPr id="3" name="Content Placeholder 2"/>
-          <p:cNvSpPr>
-            <a:spLocks noGrp="1"/>
-          </p:cNvSpPr>
-          <p:nvPr>
-            <p:ph idx="1"/>
+              <a:t>Key Scenarios</a:t>
+            </a:r>
+          </a:p>
+        </p:txBody>
+      </p:sp>
+      <p:sp>
+        <p:nvSpPr>
+          <p:cNvPr id="5" name="Subtitle 4"/>
+          <p:cNvSpPr>
+            <a:spLocks noGrp="1"/>
+          </p:cNvSpPr>
+          <p:nvPr>
+            <p:ph type="subTitle" idx="1"/>
           </p:nvPr>
         </p:nvSpPr>
         <p:spPr/>
@@ -9053,35 +10224,14 @@
           <a:bodyPr/>
           <a:lstStyle/>
           <a:p>
-            <a:r>
-              <a:rPr lang="en-US" dirty="0"/>
-              <a:t>Questions in FAQ (that’s why there’s a FAQ) – can review FAQ to see these</a:t>
-            </a:r>
-          </a:p>
-          <a:p>
-            <a:r>
-              <a:rPr lang="en-US" dirty="0"/>
-              <a:t>Forgotten passwords/Locked accounts</a:t>
-            </a:r>
-          </a:p>
-          <a:p>
-            <a:r>
-              <a:rPr lang="en-US" dirty="0"/>
-              <a:t>Feature requests or questions</a:t>
-            </a:r>
-          </a:p>
-          <a:p>
-            <a:r>
-              <a:rPr lang="en-US" dirty="0"/>
-              <a:t>Typically get 2-5 such support requests/day.</a:t>
-            </a:r>
+            <a:endParaRPr lang="en-US"/>
           </a:p>
         </p:txBody>
       </p:sp>
     </p:spTree>
     <p:extLst>
       <p:ext uri="{BB962C8B-B14F-4D97-AF65-F5344CB8AC3E}">
-        <p14:creationId xmlns:p14="http://schemas.microsoft.com/office/powerpoint/2010/main" val="2975656028"/>
+        <p14:creationId xmlns:p14="http://schemas.microsoft.com/office/powerpoint/2010/main" val="2148533920"/>
       </p:ext>
     </p:extLst>
   </p:cSld>
@@ -9108,30 +10258,6 @@
           <a:chExt cx="0" cy="0"/>
         </a:xfrm>
       </p:grpSpPr>
-      <p:pic>
-        <p:nvPicPr>
-          <p:cNvPr id="4" name="Picture 3"/>
-          <p:cNvPicPr>
-            <a:picLocks noChangeAspect="1"/>
-          </p:cNvPicPr>
-          <p:nvPr/>
-        </p:nvPicPr>
-        <p:blipFill>
-          <a:blip r:embed="rId2"/>
-          <a:stretch>
-            <a:fillRect/>
-          </a:stretch>
-        </p:blipFill>
-        <p:spPr>
-          <a:xfrm>
-            <a:off x="5105400" y="1554945"/>
-            <a:ext cx="3848100" cy="4616471"/>
-          </a:xfrm>
-          <a:prstGeom prst="rect">
-            <a:avLst/>
-          </a:prstGeom>
-        </p:spPr>
-      </p:pic>
       <p:sp>
         <p:nvSpPr>
           <p:cNvPr id="2" name="Title 1"/>
@@ -9149,7 +10275,7 @@
           <a:p>
             <a:r>
               <a:rPr lang="en-US" dirty="0"/>
-              <a:t>Admin Tool: Achievements</a:t>
+              <a:t>Property Guidelines</a:t>
             </a:r>
           </a:p>
         </p:txBody>
@@ -9164,76 +10290,49 @@
             <p:ph idx="1"/>
           </p:nvPr>
         </p:nvSpPr>
-        <p:spPr>
-          <a:xfrm>
-            <a:off x="457200" y="1600200"/>
-            <a:ext cx="4495800" cy="4525963"/>
-          </a:xfrm>
-        </p:spPr>
+        <p:spPr/>
         <p:txBody>
           <a:bodyPr>
-            <a:normAutofit fontScale="55000" lnSpcReduction="20000"/>
+            <a:normAutofit fontScale="85000" lnSpcReduction="10000"/>
           </a:bodyPr>
           <a:lstStyle/>
           <a:p>
             <a:r>
               <a:rPr lang="en-US" dirty="0"/>
-              <a:t>Two functions:</a:t>
+              <a:t>Keep properties as general purpose as possible.  </a:t>
             </a:r>
           </a:p>
           <a:p>
             <a:pPr lvl="1"/>
             <a:r>
               <a:rPr lang="en-US" dirty="0"/>
-              <a:t>Invalidate cache of user achievements (i.e., force it to be computed next time they view achievements</a:t>
+              <a:t>E.g., “Charity Flight” rather than “Angel Flight”</a:t>
+            </a:r>
+          </a:p>
+          <a:p>
+            <a:r>
+              <a:rPr lang="en-US" dirty="0"/>
+              <a:t>Add properties only for things that really don’t belong in comments – i.e., for which a pilot might wat to do a structured search or a pivot table in Excel</a:t>
+            </a:r>
+          </a:p>
+          <a:p>
+            <a:r>
+              <a:rPr lang="en-US" dirty="0"/>
+              <a:t>Avoid properties that combine independent things</a:t>
             </a:r>
           </a:p>
           <a:p>
             <a:pPr lvl="1"/>
             <a:r>
               <a:rPr lang="en-US" dirty="0"/>
-              <a:t>Create new airport achievements</a:t>
-            </a:r>
-          </a:p>
-          <a:p>
-            <a:r>
-              <a:rPr lang="en-US" dirty="0"/>
-              <a:t>Airport achievements:</a:t>
+              <a:t>E.g., stay away from “Night Cross-country” or “Solo Night Cross Country.”.  </a:t>
             </a:r>
           </a:p>
           <a:p>
             <a:pPr lvl="1"/>
             <a:r>
               <a:rPr lang="en-US" dirty="0"/>
-              <a:t>Title: self explanatory</a:t>
-            </a:r>
-          </a:p>
-          <a:p>
-            <a:pPr lvl="1"/>
-            <a:r>
-              <a:rPr lang="en-US" dirty="0"/>
-              <a:t>Binary: if checked, this is something you achieve or you don’t achieve (and subsequent items are ignored)</a:t>
-            </a:r>
-          </a:p>
-          <a:p>
-            <a:pPr lvl="1"/>
-            <a:r>
-              <a:rPr lang="en-US" dirty="0"/>
-              <a:t>Bronze/silver/gold/platinum: how many airports in the list do you need to land at to achieve these levels?  (Need to be ascending)</a:t>
-            </a:r>
-          </a:p>
-          <a:p>
-            <a:pPr lvl="1"/>
-            <a:r>
-              <a:rPr lang="en-US" dirty="0"/>
-              <a:t>Overlay: name of the PNG file in the Images directory that overlays the badge</a:t>
-            </a:r>
-          </a:p>
-          <a:p>
-            <a:pPr lvl="1"/>
-            <a:r>
-              <a:rPr lang="en-US" dirty="0"/>
-              <a:t>Airport codes: the set of airports that comprise the achievement</a:t>
+              <a:t>This is an invitation to ambiguity or errors in the data, don’t do it.</a:t>
             </a:r>
           </a:p>
         </p:txBody>
@@ -9241,7 +10340,7 @@
     </p:spTree>
     <p:extLst>
       <p:ext uri="{BB962C8B-B14F-4D97-AF65-F5344CB8AC3E}">
-        <p14:creationId xmlns:p14="http://schemas.microsoft.com/office/powerpoint/2010/main" val="3733485572"/>
+        <p14:creationId xmlns:p14="http://schemas.microsoft.com/office/powerpoint/2010/main" val="1893513869"/>
       </p:ext>
     </p:extLst>
   </p:cSld>
@@ -9280,12 +10379,14 @@
         </p:nvSpPr>
         <p:spPr/>
         <p:txBody>
-          <a:bodyPr/>
-          <a:lstStyle/>
-          <a:p>
-            <a:r>
-              <a:rPr lang="en-US" dirty="0"/>
-              <a:t>Admin Tools: Telemetry</a:t>
+          <a:bodyPr>
+            <a:normAutofit fontScale="90000"/>
+          </a:bodyPr>
+          <a:lstStyle/>
+          <a:p>
+            <a:r>
+              <a:rPr lang="en-US" dirty="0"/>
+              <a:t>Admin Tools: Endorsement Templates</a:t>
             </a:r>
           </a:p>
         </p:txBody>
@@ -9302,18 +10403,55 @@
         </p:nvSpPr>
         <p:spPr/>
         <p:txBody>
-          <a:bodyPr/>
-          <a:lstStyle/>
-          <a:p>
-            <a:r>
-              <a:rPr lang="en-US" dirty="0"/>
-              <a:t>Allows migration of telemetry between database and individual disk files (similar to images and Amazon S3)</a:t>
-            </a:r>
-          </a:p>
-          <a:p>
-            <a:r>
-              <a:rPr lang="en-US" dirty="0"/>
-              <a:t>Can also reconcile data inconsistencies, and look up telemetry on a per-user basis and see stats.</a:t>
+          <a:bodyPr>
+            <a:normAutofit fontScale="92500" lnSpcReduction="20000"/>
+          </a:bodyPr>
+          <a:lstStyle/>
+          <a:p>
+            <a:r>
+              <a:rPr lang="en-US" dirty="0"/>
+              <a:t>This is where templates can be created/edited for endorsements that a flight instructor can give to a student</a:t>
+            </a:r>
+          </a:p>
+          <a:p>
+            <a:r>
+              <a:rPr lang="en-US" dirty="0"/>
+              <a:t>Uses a pseudo-markup language to specify placeholders for student name, date, etc.</a:t>
+            </a:r>
+          </a:p>
+          <a:p>
+            <a:pPr lvl="1"/>
+            <a:r>
+              <a:rPr lang="en-US" dirty="0"/>
+              <a:t>{x} for a single-line entry with watermark "x"</a:t>
+            </a:r>
+          </a:p>
+          <a:p>
+            <a:pPr lvl="1"/>
+            <a:r>
+              <a:rPr lang="en-US" dirty="0"/>
+              <a:t>{Freeform} for freeform multi-line text (no watermark prompt)</a:t>
+            </a:r>
+          </a:p>
+          <a:p>
+            <a:pPr lvl="1"/>
+            <a:r>
+              <a:rPr lang="en-US" dirty="0"/>
+              <a:t>{Date} for the date (prefilled)</a:t>
+            </a:r>
+          </a:p>
+          <a:p>
+            <a:pPr lvl="1"/>
+            <a:r>
+              <a:rPr lang="en-US" dirty="0"/>
+              <a:t>{Student} for the Student's name (pre-filled)</a:t>
+            </a:r>
+          </a:p>
+          <a:p>
+            <a:pPr lvl="1"/>
+            <a:r>
+              <a:rPr lang="en-US" dirty="0"/>
+              <a:t>{x/y/z} for a drop-down of choices x, y, and z</a:t>
             </a:r>
           </a:p>
         </p:txBody>
@@ -9321,7 +10459,7 @@
     </p:spTree>
     <p:extLst>
       <p:ext uri="{BB962C8B-B14F-4D97-AF65-F5344CB8AC3E}">
-        <p14:creationId xmlns:p14="http://schemas.microsoft.com/office/powerpoint/2010/main" val="3440863894"/>
+        <p14:creationId xmlns:p14="http://schemas.microsoft.com/office/powerpoint/2010/main" val="1248576311"/>
       </p:ext>
     </p:extLst>
   </p:cSld>
@@ -9365,13 +10503,8 @@
           <a:p>
             <a:r>
               <a:rPr lang="en-US" dirty="0"/>
-              <a:t>Admin Tools: </a:t>
-            </a:r>
-            <a:r>
-              <a:rPr lang="en-US" dirty="0" err="1"/>
-              <a:t>Misc</a:t>
-            </a:r>
-            <a:endParaRPr lang="en-US" dirty="0"/>
+              <a:t>Admin Tool: Edit FAQ</a:t>
+            </a:r>
           </a:p>
         </p:txBody>
       </p:sp>
@@ -9388,61 +10521,87 @@
         <p:spPr/>
         <p:txBody>
           <a:bodyPr>
-            <a:normAutofit fontScale="85000" lnSpcReduction="10000"/>
+            <a:normAutofit fontScale="55000" lnSpcReduction="20000"/>
           </a:bodyPr>
           <a:lstStyle/>
           <a:p>
             <a:r>
               <a:rPr lang="en-US" dirty="0"/>
-              <a:t>Handle duplicate/empty properties</a:t>
+              <a:t>Link to FAQ is on bottom of every page.</a:t>
+            </a:r>
+          </a:p>
+          <a:p>
+            <a:r>
+              <a:rPr lang="en-US" dirty="0"/>
+              <a:t>FAQ items consist of a category, a question, and an answer.  They are grouped by category at display time.</a:t>
+            </a:r>
+          </a:p>
+          <a:p>
+            <a:r>
+              <a:rPr lang="en-US" dirty="0"/>
+              <a:t>FAQ answer can contain HTML markup</a:t>
+            </a:r>
+          </a:p>
+          <a:p>
+            <a:r>
+              <a:rPr lang="en-US" dirty="0"/>
+              <a:t>FAQ is branding-aware (will use correct brand based on environment)</a:t>
             </a:r>
           </a:p>
           <a:p>
             <a:pPr lvl="1"/>
             <a:r>
               <a:rPr lang="en-US" dirty="0"/>
-              <a:t>Just click them to view them in context and delete them (obviously only one in the case of duplicates).</a:t>
+              <a:t>All links should use relative paths (i.e., not include the domain name) to work with multiple brands</a:t>
             </a:r>
           </a:p>
           <a:p>
             <a:pPr lvl="1"/>
             <a:r>
               <a:rPr lang="en-US" dirty="0"/>
-              <a:t>I think I’ve finally caught all the scenarios where this can happen; haven’t seen dupes in a while</a:t>
-            </a:r>
-          </a:p>
-          <a:p>
-            <a:r>
-              <a:rPr lang="en-US" dirty="0"/>
-              <a:t>Investigate/</a:t>
-            </a:r>
-            <a:r>
-              <a:rPr lang="en-US" dirty="0" err="1"/>
-              <a:t>recompute</a:t>
-            </a:r>
-            <a:r>
-              <a:rPr lang="en-US" dirty="0"/>
-              <a:t> invalid signatures (slow!)</a:t>
+              <a:t>%APP_NAME%: the name of the app</a:t>
             </a:r>
           </a:p>
           <a:p>
             <a:pPr lvl="1"/>
             <a:r>
               <a:rPr lang="en-US" dirty="0"/>
-              <a:t>Can arise if aircraft changes (e.g., clone or merging of duplicate aircraft)</a:t>
+              <a:t>%SHORT_DATE%: Current date format (short) - date pattern</a:t>
             </a:r>
           </a:p>
           <a:p>
             <a:pPr lvl="1"/>
             <a:r>
               <a:rPr lang="en-US" dirty="0"/>
-              <a:t>Best to do this on a development machine first.</a:t>
-            </a:r>
-          </a:p>
-          <a:p>
-            <a:r>
-              <a:rPr lang="en-US" dirty="0"/>
-              <a:t>Flush the cache on the live site (to pick up DB changes)</a:t>
+              <a:t>%DATE_TIME%: Current time format (long) - sample in long format</a:t>
+            </a:r>
+          </a:p>
+          <a:p>
+            <a:pPr lvl="1"/>
+            <a:r>
+              <a:rPr lang="en-US" dirty="0"/>
+              <a:t>%APP_URL%: the URL (host) for the current request.</a:t>
+            </a:r>
+          </a:p>
+          <a:p>
+            <a:pPr lvl="1"/>
+            <a:r>
+              <a:rPr lang="en-US" dirty="0"/>
+              <a:t>%APP_ROOT%: The root (analogous to "~") for the app brand.</a:t>
+            </a:r>
+          </a:p>
+          <a:p>
+            <a:pPr lvl="1"/>
+            <a:r>
+              <a:rPr lang="en-US" dirty="0"/>
+              <a:t>%APP_LOGO%: the URL for the app logo</a:t>
+            </a:r>
+          </a:p>
+          <a:p>
+            <a:pPr lvl="1"/>
+            <a:r>
+              <a:rPr lang="en-US" dirty="0"/>
+              <a:t>E.g., the “Contact” link is http://%APP_URL%%APP_ROOT%/Public/ContactMe.aspx which translates to http://myflightbook.com/logbook/Public/ContactMe.aspx</a:t>
             </a:r>
           </a:p>
         </p:txBody>
@@ -9450,7 +10609,7 @@
     </p:spTree>
     <p:extLst>
       <p:ext uri="{BB962C8B-B14F-4D97-AF65-F5344CB8AC3E}">
-        <p14:creationId xmlns:p14="http://schemas.microsoft.com/office/powerpoint/2010/main" val="2007248668"/>
+        <p14:creationId xmlns:p14="http://schemas.microsoft.com/office/powerpoint/2010/main" val="680066526"/>
       </p:ext>
     </p:extLst>
   </p:cSld>
@@ -9479,12 +10638,12 @@
       </p:grpSpPr>
       <p:sp>
         <p:nvSpPr>
-          <p:cNvPr id="4" name="Title 3"/>
-          <p:cNvSpPr>
-            <a:spLocks noGrp="1"/>
-          </p:cNvSpPr>
-          <p:nvPr>
-            <p:ph type="ctrTitle"/>
+          <p:cNvPr id="2" name="Title 1"/>
+          <p:cNvSpPr>
+            <a:spLocks noGrp="1"/>
+          </p:cNvSpPr>
+          <p:nvPr>
+            <p:ph type="title"/>
           </p:nvPr>
         </p:nvSpPr>
         <p:spPr/>
@@ -9494,34 +10653,129 @@
           <a:p>
             <a:r>
               <a:rPr lang="en-US" dirty="0"/>
-              <a:t>Reporting</a:t>
-            </a:r>
-          </a:p>
-        </p:txBody>
-      </p:sp>
-      <p:sp>
-        <p:nvSpPr>
-          <p:cNvPr id="5" name="Subtitle 4"/>
-          <p:cNvSpPr>
-            <a:spLocks noGrp="1"/>
-          </p:cNvSpPr>
-          <p:nvPr>
-            <p:ph type="subTitle" idx="1"/>
-          </p:nvPr>
-        </p:nvSpPr>
-        <p:spPr/>
-        <p:txBody>
-          <a:bodyPr/>
-          <a:lstStyle/>
-          <a:p>
-            <a:endParaRPr lang="en-US"/>
-          </a:p>
-        </p:txBody>
-      </p:sp>
+              <a:t>Admin Tool: Achievements</a:t>
+            </a:r>
+          </a:p>
+        </p:txBody>
+      </p:sp>
+      <p:sp>
+        <p:nvSpPr>
+          <p:cNvPr id="3" name="Content Placeholder 2"/>
+          <p:cNvSpPr>
+            <a:spLocks noGrp="1"/>
+          </p:cNvSpPr>
+          <p:nvPr>
+            <p:ph idx="1"/>
+          </p:nvPr>
+        </p:nvSpPr>
+        <p:spPr>
+          <a:xfrm>
+            <a:off x="457200" y="1600200"/>
+            <a:ext cx="4495800" cy="4525963"/>
+          </a:xfrm>
+        </p:spPr>
+        <p:txBody>
+          <a:bodyPr>
+            <a:normAutofit fontScale="55000" lnSpcReduction="20000"/>
+          </a:bodyPr>
+          <a:lstStyle/>
+          <a:p>
+            <a:r>
+              <a:rPr lang="en-US" dirty="0"/>
+              <a:t>Two functions:</a:t>
+            </a:r>
+          </a:p>
+          <a:p>
+            <a:pPr lvl="1"/>
+            <a:r>
+              <a:rPr lang="en-US" dirty="0"/>
+              <a:t>Invalidate cache of user achievements (i.e., force it to be computed next time they view achievements</a:t>
+            </a:r>
+          </a:p>
+          <a:p>
+            <a:pPr lvl="1"/>
+            <a:r>
+              <a:rPr lang="en-US" dirty="0"/>
+              <a:t>Create new airport achievements</a:t>
+            </a:r>
+          </a:p>
+          <a:p>
+            <a:r>
+              <a:rPr lang="en-US" dirty="0"/>
+              <a:t>Airport achievements:</a:t>
+            </a:r>
+          </a:p>
+          <a:p>
+            <a:pPr lvl="1"/>
+            <a:r>
+              <a:rPr lang="en-US" dirty="0"/>
+              <a:t>Title: self explanatory</a:t>
+            </a:r>
+          </a:p>
+          <a:p>
+            <a:pPr lvl="1"/>
+            <a:r>
+              <a:rPr lang="en-US" dirty="0"/>
+              <a:t>Binary: if checked, this is something you achieve or you don’t achieve (and subsequent items are ignored)</a:t>
+            </a:r>
+          </a:p>
+          <a:p>
+            <a:pPr lvl="1"/>
+            <a:r>
+              <a:rPr lang="en-US" dirty="0"/>
+              <a:t>Bronze/silver/gold/platinum: how many airports in the list do you need to land at to achieve these levels?  (Need to be ascending)</a:t>
+            </a:r>
+          </a:p>
+          <a:p>
+            <a:pPr lvl="1"/>
+            <a:r>
+              <a:rPr lang="en-US" dirty="0"/>
+              <a:t>Overlay: name of the PNG file in the Images directory that overlays the badge</a:t>
+            </a:r>
+          </a:p>
+          <a:p>
+            <a:pPr lvl="1"/>
+            <a:r>
+              <a:rPr lang="en-US" dirty="0"/>
+              <a:t>Airport codes: the set of airports that comprise the achievement</a:t>
+            </a:r>
+          </a:p>
+        </p:txBody>
+      </p:sp>
+      <p:pic>
+        <p:nvPicPr>
+          <p:cNvPr id="5" name="Picture 4">
+            <a:extLst>
+              <a:ext uri="{FF2B5EF4-FFF2-40B4-BE49-F238E27FC236}">
+                <a16:creationId xmlns:a16="http://schemas.microsoft.com/office/drawing/2014/main" id="{701797D0-84A2-419C-9B37-30D158944584}"/>
+              </a:ext>
+            </a:extLst>
+          </p:cNvPr>
+          <p:cNvPicPr>
+            <a:picLocks noChangeAspect="1"/>
+          </p:cNvPicPr>
+          <p:nvPr/>
+        </p:nvPicPr>
+        <p:blipFill>
+          <a:blip r:embed="rId2"/>
+          <a:stretch>
+            <a:fillRect/>
+          </a:stretch>
+        </p:blipFill>
+        <p:spPr>
+          <a:xfrm>
+            <a:off x="5257800" y="1624012"/>
+            <a:ext cx="3609421" cy="3043237"/>
+          </a:xfrm>
+          <a:prstGeom prst="rect">
+            <a:avLst/>
+          </a:prstGeom>
+        </p:spPr>
+      </p:pic>
     </p:spTree>
     <p:extLst>
       <p:ext uri="{BB962C8B-B14F-4D97-AF65-F5344CB8AC3E}">
-        <p14:creationId xmlns:p14="http://schemas.microsoft.com/office/powerpoint/2010/main" val="3700926872"/>
+        <p14:creationId xmlns:p14="http://schemas.microsoft.com/office/powerpoint/2010/main" val="3733485572"/>
       </p:ext>
     </p:extLst>
   </p:cSld>
@@ -9565,7 +10819,7 @@
           <a:p>
             <a:r>
               <a:rPr lang="en-US" dirty="0"/>
-              <a:t>Donations</a:t>
+              <a:t>Admin Tools: Telemetry</a:t>
             </a:r>
           </a:p>
         </p:txBody>
@@ -9587,26 +10841,19 @@
           <a:p>
             <a:r>
               <a:rPr lang="en-US" dirty="0"/>
-              <a:t>View details of donations made by time period</a:t>
-            </a:r>
-          </a:p>
-          <a:p>
-            <a:r>
-              <a:rPr lang="en-US" dirty="0"/>
-              <a:t>Search for donations by username</a:t>
-            </a:r>
-          </a:p>
-          <a:p>
-            <a:r>
-              <a:rPr lang="en-US" dirty="0"/>
-              <a:t>Add transactions manually to make adjustments </a:t>
-            </a:r>
-          </a:p>
-          <a:p>
-            <a:pPr lvl="1"/>
-            <a:r>
-              <a:rPr lang="en-US" dirty="0"/>
-              <a:t>Does NOT issue refunds!!  This is just local recordkeeping</a:t>
+              <a:t>Allows migration of telemetry between database and individual disk files (similar to images and Amazon S3)</a:t>
+            </a:r>
+          </a:p>
+          <a:p>
+            <a:r>
+              <a:rPr lang="en-US" dirty="0"/>
+              <a:t>Can also reconcile data inconsistencies, look up telemetry on a per-user basis, and see stats.</a:t>
+            </a:r>
+          </a:p>
+          <a:p>
+            <a:r>
+              <a:rPr lang="en-US" dirty="0"/>
+              <a:t>Fun “Antipodes” tool</a:t>
             </a:r>
           </a:p>
         </p:txBody>
@@ -9614,7 +10861,7 @@
     </p:spTree>
     <p:extLst>
       <p:ext uri="{BB962C8B-B14F-4D97-AF65-F5344CB8AC3E}">
-        <p14:creationId xmlns:p14="http://schemas.microsoft.com/office/powerpoint/2010/main" val="762305122"/>
+        <p14:creationId xmlns:p14="http://schemas.microsoft.com/office/powerpoint/2010/main" val="3440863894"/>
       </p:ext>
     </p:extLst>
   </p:cSld>
@@ -9658,8 +10905,13 @@
           <a:p>
             <a:r>
               <a:rPr lang="en-US" dirty="0"/>
-              <a:t>Admin Tools: Stats</a:t>
-            </a:r>
+              <a:t>Admin Tools: </a:t>
+            </a:r>
+            <a:r>
+              <a:rPr lang="en-US" dirty="0" err="1"/>
+              <a:t>Misc</a:t>
+            </a:r>
+            <a:endParaRPr lang="en-US" dirty="0"/>
           </a:p>
         </p:txBody>
       </p:sp>
@@ -9675,41 +10927,70 @@
         </p:nvSpPr>
         <p:spPr/>
         <p:txBody>
-          <a:bodyPr/>
-          <a:lstStyle/>
-          <a:p>
-            <a:r>
-              <a:rPr lang="en-US" dirty="0"/>
-              <a:t>Displays some interesting usage statistics for the site.</a:t>
-            </a:r>
-          </a:p>
-          <a:p>
-            <a:r>
-              <a:rPr lang="en-US" dirty="0"/>
-              <a:t>No actions necessary in this section</a:t>
-            </a:r>
-          </a:p>
-          <a:p>
-            <a:r>
-              <a:rPr lang="en-US" dirty="0"/>
-              <a:t>Emailed nightly</a:t>
-            </a:r>
-          </a:p>
-          <a:p>
-            <a:r>
-              <a:rPr lang="en-US" dirty="0"/>
-              <a:t>SLOW to compute</a:t>
-            </a:r>
-          </a:p>
-          <a:p>
-            <a:endParaRPr lang="en-US" dirty="0"/>
+          <a:bodyPr>
+            <a:normAutofit fontScale="85000" lnSpcReduction="10000"/>
+          </a:bodyPr>
+          <a:lstStyle/>
+          <a:p>
+            <a:r>
+              <a:rPr lang="en-US" dirty="0"/>
+              <a:t>Handle duplicate/empty properties</a:t>
+            </a:r>
+          </a:p>
+          <a:p>
+            <a:pPr lvl="1"/>
+            <a:r>
+              <a:rPr lang="en-US" dirty="0"/>
+              <a:t>Just click them to view them in context and delete them (obviously only one in the case of duplicates).</a:t>
+            </a:r>
+          </a:p>
+          <a:p>
+            <a:pPr lvl="1"/>
+            <a:r>
+              <a:rPr lang="en-US" dirty="0"/>
+              <a:t>I think I’ve finally caught all the scenarios where this can happen; haven’t seen dupes in a while</a:t>
+            </a:r>
+          </a:p>
+          <a:p>
+            <a:r>
+              <a:rPr lang="en-US" dirty="0"/>
+              <a:t>Investigate/</a:t>
+            </a:r>
+            <a:r>
+              <a:rPr lang="en-US" dirty="0" err="1"/>
+              <a:t>recompute</a:t>
+            </a:r>
+            <a:r>
+              <a:rPr lang="en-US" dirty="0"/>
+              <a:t> invalid signatures (slow!)</a:t>
+            </a:r>
+          </a:p>
+          <a:p>
+            <a:pPr lvl="1"/>
+            <a:r>
+              <a:rPr lang="en-US" dirty="0"/>
+              <a:t>Can arise if aircraft changes (e.g., clone or merging of duplicate aircraft)</a:t>
+            </a:r>
+          </a:p>
+          <a:p>
+            <a:pPr lvl="1"/>
+            <a:r>
+              <a:rPr lang="en-US" dirty="0"/>
+              <a:t>Best to do this on a development machine first.</a:t>
+            </a:r>
+          </a:p>
+          <a:p>
+            <a:r>
+              <a:rPr lang="en-US" dirty="0"/>
+              <a:t>Flush the cache on the live site (to pick up DB changes)</a:t>
+            </a:r>
           </a:p>
         </p:txBody>
       </p:sp>
     </p:spTree>
     <p:extLst>
       <p:ext uri="{BB962C8B-B14F-4D97-AF65-F5344CB8AC3E}">
-        <p14:creationId xmlns:p14="http://schemas.microsoft.com/office/powerpoint/2010/main" val="2703966438"/>
+        <p14:creationId xmlns:p14="http://schemas.microsoft.com/office/powerpoint/2010/main" val="2007248668"/>
       </p:ext>
     </p:extLst>
   </p:cSld>
@@ -9738,7 +11019,7 @@
       </p:grpSpPr>
       <p:sp>
         <p:nvSpPr>
-          <p:cNvPr id="2" name="Title 1"/>
+          <p:cNvPr id="4" name="Title 3"/>
           <p:cNvSpPr>
             <a:spLocks noGrp="1"/>
           </p:cNvSpPr>
@@ -9752,16 +11033,15 @@
           <a:lstStyle/>
           <a:p>
             <a:r>
-              <a:rPr lang="en-US" dirty="0" err="1"/>
-              <a:t>Misc</a:t>
-            </a:r>
-            <a:endParaRPr lang="en-US" dirty="0"/>
-          </a:p>
-        </p:txBody>
-      </p:sp>
-      <p:sp>
-        <p:nvSpPr>
-          <p:cNvPr id="3" name="Subtitle 2"/>
+              <a:rPr lang="en-US" dirty="0"/>
+              <a:t>Reporting</a:t>
+            </a:r>
+          </a:p>
+        </p:txBody>
+      </p:sp>
+      <p:sp>
+        <p:nvSpPr>
+          <p:cNvPr id="5" name="Subtitle 4"/>
           <p:cNvSpPr>
             <a:spLocks noGrp="1"/>
           </p:cNvSpPr>
@@ -9781,7 +11061,7 @@
     </p:spTree>
     <p:extLst>
       <p:ext uri="{BB962C8B-B14F-4D97-AF65-F5344CB8AC3E}">
-        <p14:creationId xmlns:p14="http://schemas.microsoft.com/office/powerpoint/2010/main" val="73007954"/>
+        <p14:creationId xmlns:p14="http://schemas.microsoft.com/office/powerpoint/2010/main" val="3700926872"/>
       </p:ext>
     </p:extLst>
   </p:cSld>
@@ -9825,7 +11105,7 @@
           <a:p>
             <a:r>
               <a:rPr lang="en-US" dirty="0"/>
-              <a:t>Shunting the site</a:t>
+              <a:t>Donations</a:t>
             </a:r>
           </a:p>
         </p:txBody>
@@ -9847,27 +11127,26 @@
           <a:p>
             <a:r>
               <a:rPr lang="en-US" dirty="0"/>
-              <a:t>LAST RESORT – CALL ME</a:t>
-            </a:r>
-          </a:p>
-          <a:p>
-            <a:r>
-              <a:rPr lang="en-US" dirty="0"/>
-              <a:t>Site can be shunted if necessary</a:t>
-            </a:r>
-          </a:p>
-          <a:p>
-            <a:r>
-              <a:rPr lang="en-US" dirty="0"/>
-              <a:t>Requires editing </a:t>
-            </a:r>
-            <a:r>
-              <a:rPr lang="en-US" dirty="0" err="1"/>
-              <a:t>Web.config</a:t>
-            </a:r>
-            <a:r>
-              <a:rPr lang="en-US" dirty="0"/>
-              <a:t> on live site.  Search for word “Shunt” and you’ll see what to do.  Save the change.  Undo it to un-shunt</a:t>
+              <a:t>View details of donations made by time period</a:t>
+            </a:r>
+          </a:p>
+          <a:p>
+            <a:r>
+              <a:rPr lang="en-US" dirty="0"/>
+              <a:t>Search for donations by username</a:t>
+            </a:r>
+          </a:p>
+          <a:p>
+            <a:r>
+              <a:rPr lang="en-US" dirty="0"/>
+              <a:t>Add transactions manually to make adjustments </a:t>
+            </a:r>
+          </a:p>
+          <a:p>
+            <a:pPr lvl="1"/>
+            <a:r>
+              <a:rPr lang="en-US" dirty="0"/>
+              <a:t>Does NOT issue refunds!!  This is just local recordkeeping</a:t>
             </a:r>
           </a:p>
         </p:txBody>
@@ -9875,7 +11154,7 @@
     </p:spTree>
     <p:extLst>
       <p:ext uri="{BB962C8B-B14F-4D97-AF65-F5344CB8AC3E}">
-        <p14:creationId xmlns:p14="http://schemas.microsoft.com/office/powerpoint/2010/main" val="3705413828"/>
+        <p14:creationId xmlns:p14="http://schemas.microsoft.com/office/powerpoint/2010/main" val="762305122"/>
       </p:ext>
     </p:extLst>
   </p:cSld>
@@ -9919,7 +11198,7 @@
           <a:p>
             <a:r>
               <a:rPr lang="en-US" dirty="0"/>
-              <a:t>My Contact Information</a:t>
+              <a:t>Admin Tools: Stats</a:t>
             </a:r>
           </a:p>
         </p:txBody>
@@ -9941,51 +11220,36 @@
           <a:p>
             <a:r>
               <a:rPr lang="en-US" dirty="0"/>
-              <a:t>Eric Berman</a:t>
-            </a:r>
-          </a:p>
-          <a:p>
-            <a:r>
-              <a:rPr lang="en-US" dirty="0"/>
-              <a:t>myflightbook@gmail.com</a:t>
-            </a:r>
-          </a:p>
-          <a:p>
-            <a:r>
-              <a:rPr lang="en-US" dirty="0">
-                <a:hlinkClick r:id="rId2"/>
-              </a:rPr>
-              <a:t>Ericbe_expe@hotmail.com</a:t>
-            </a:r>
+              <a:t>Displays some interesting usage statistics for the site.</a:t>
+            </a:r>
+          </a:p>
+          <a:p>
+            <a:r>
+              <a:rPr lang="en-US" dirty="0"/>
+              <a:t>No actions necessary in this section</a:t>
+            </a:r>
+          </a:p>
+          <a:p>
+            <a:r>
+              <a:rPr lang="en-US" dirty="0"/>
+              <a:t>Emailed nightly</a:t>
+            </a:r>
+          </a:p>
+          <a:p>
+            <a:r>
+              <a:rPr lang="en-US" dirty="0"/>
+              <a:t>SLOW to compute</a:t>
+            </a:r>
+          </a:p>
+          <a:p>
             <a:endParaRPr lang="en-US" dirty="0"/>
-          </a:p>
-          <a:p>
-            <a:r>
-              <a:rPr lang="en-US" dirty="0">
-                <a:hlinkClick r:id="rId3"/>
-              </a:rPr>
-              <a:t>ericbe@hothpark.com</a:t>
-            </a:r>
-            <a:endParaRPr lang="en-US" dirty="0"/>
-          </a:p>
-          <a:p>
-            <a:r>
-              <a:rPr lang="en-US" dirty="0"/>
-              <a:t>425-483-8327 (h)</a:t>
-            </a:r>
-          </a:p>
-          <a:p>
-            <a:r>
-              <a:rPr lang="en-US" dirty="0"/>
-              <a:t>425-765-9873 (c)</a:t>
-            </a:r>
           </a:p>
         </p:txBody>
       </p:sp>
     </p:spTree>
     <p:extLst>
       <p:ext uri="{BB962C8B-B14F-4D97-AF65-F5344CB8AC3E}">
-        <p14:creationId xmlns:p14="http://schemas.microsoft.com/office/powerpoint/2010/main" val="2072378181"/>
+        <p14:creationId xmlns:p14="http://schemas.microsoft.com/office/powerpoint/2010/main" val="2703966438"/>
       </p:ext>
     </p:extLst>
   </p:cSld>
@@ -10014,7 +11278,7 @@
       </p:grpSpPr>
       <p:sp>
         <p:nvSpPr>
-          <p:cNvPr id="4" name="Title 3"/>
+          <p:cNvPr id="2" name="Title 1"/>
           <p:cNvSpPr>
             <a:spLocks noGrp="1"/>
           </p:cNvSpPr>
@@ -10028,15 +11292,16 @@
           <a:lstStyle/>
           <a:p>
             <a:r>
-              <a:rPr lang="en-US" dirty="0"/>
-              <a:t>Questions?</a:t>
-            </a:r>
-          </a:p>
-        </p:txBody>
-      </p:sp>
-      <p:sp>
-        <p:nvSpPr>
-          <p:cNvPr id="5" name="Subtitle 4"/>
+              <a:rPr lang="en-US" dirty="0" err="1"/>
+              <a:t>Misc</a:t>
+            </a:r>
+            <a:endParaRPr lang="en-US" dirty="0"/>
+          </a:p>
+        </p:txBody>
+      </p:sp>
+      <p:sp>
+        <p:nvSpPr>
+          <p:cNvPr id="3" name="Subtitle 2"/>
           <p:cNvSpPr>
             <a:spLocks noGrp="1"/>
           </p:cNvSpPr>
@@ -10056,7 +11321,7 @@
     </p:spTree>
     <p:extLst>
       <p:ext uri="{BB962C8B-B14F-4D97-AF65-F5344CB8AC3E}">
-        <p14:creationId xmlns:p14="http://schemas.microsoft.com/office/powerpoint/2010/main" val="3409263415"/>
+        <p14:creationId xmlns:p14="http://schemas.microsoft.com/office/powerpoint/2010/main" val="73007954"/>
       </p:ext>
     </p:extLst>
   </p:cSld>
@@ -10100,7 +11365,7 @@
           <a:p>
             <a:r>
               <a:rPr lang="en-US" dirty="0"/>
-              <a:t>Key Management/Admin Scenarios</a:t>
+              <a:t>Key Support Scenarios</a:t>
             </a:r>
           </a:p>
         </p:txBody>
@@ -10122,51 +11387,437 @@
           <a:p>
             <a:r>
               <a:rPr lang="en-US" dirty="0"/>
-              <a:t>Data management and integrity</a:t>
-            </a:r>
-          </a:p>
-          <a:p>
-            <a:pPr lvl="1"/>
-            <a:r>
-              <a:rPr lang="en-US" dirty="0"/>
-              <a:t>Dealing with new make/models.</a:t>
-            </a:r>
-          </a:p>
-          <a:p>
-            <a:pPr lvl="1"/>
-            <a:r>
-              <a:rPr lang="en-US" dirty="0"/>
-              <a:t>Aircraft edits</a:t>
-            </a:r>
-          </a:p>
-          <a:p>
-            <a:pPr lvl="1"/>
-            <a:r>
-              <a:rPr lang="en-US" dirty="0"/>
-              <a:t>Verifying site health</a:t>
-            </a:r>
-          </a:p>
-          <a:p>
-            <a:pPr lvl="1"/>
-            <a:r>
-              <a:rPr lang="en-US" dirty="0"/>
-              <a:t>Crashes</a:t>
-            </a:r>
-          </a:p>
-          <a:p>
-            <a:pPr lvl="1"/>
-            <a:endParaRPr lang="en-US" dirty="0"/>
-          </a:p>
-          <a:p>
-            <a:pPr lvl="1"/>
-            <a:endParaRPr lang="en-US" dirty="0"/>
+              <a:t>Questions in FAQ (that’s why there’s a FAQ) – can review FAQ to see these</a:t>
+            </a:r>
+          </a:p>
+          <a:p>
+            <a:r>
+              <a:rPr lang="en-US" dirty="0"/>
+              <a:t>Forgotten passwords/Locked accounts</a:t>
+            </a:r>
+          </a:p>
+          <a:p>
+            <a:r>
+              <a:rPr lang="en-US" dirty="0"/>
+              <a:t>Feature requests or questions</a:t>
+            </a:r>
+          </a:p>
+          <a:p>
+            <a:r>
+              <a:rPr lang="en-US" dirty="0"/>
+              <a:t>Typically get 2-5 such support requests/day.</a:t>
+            </a:r>
           </a:p>
         </p:txBody>
       </p:sp>
     </p:spTree>
     <p:extLst>
       <p:ext uri="{BB962C8B-B14F-4D97-AF65-F5344CB8AC3E}">
-        <p14:creationId xmlns:p14="http://schemas.microsoft.com/office/powerpoint/2010/main" val="3499194616"/>
+        <p14:creationId xmlns:p14="http://schemas.microsoft.com/office/powerpoint/2010/main" val="2975656028"/>
+      </p:ext>
+    </p:extLst>
+  </p:cSld>
+  <p:clrMapOvr>
+    <a:masterClrMapping/>
+  </p:clrMapOvr>
+</p:sld>
+</file>
+
+<file path=ppt/slides/slide40.xml><?xml version="1.0" encoding="utf-8"?>
+<p:sld xmlns:a="http://schemas.openxmlformats.org/drawingml/2006/main" xmlns:r="http://schemas.openxmlformats.org/officeDocument/2006/relationships" xmlns:p="http://schemas.openxmlformats.org/presentationml/2006/main">
+  <p:cSld>
+    <p:spTree>
+      <p:nvGrpSpPr>
+        <p:cNvPr id="1" name=""/>
+        <p:cNvGrpSpPr/>
+        <p:nvPr/>
+      </p:nvGrpSpPr>
+      <p:grpSpPr>
+        <a:xfrm>
+          <a:off x="0" y="0"/>
+          <a:ext cx="0" cy="0"/>
+          <a:chOff x="0" y="0"/>
+          <a:chExt cx="0" cy="0"/>
+        </a:xfrm>
+      </p:grpSpPr>
+      <p:sp>
+        <p:nvSpPr>
+          <p:cNvPr id="2" name="Title 1"/>
+          <p:cNvSpPr>
+            <a:spLocks noGrp="1"/>
+          </p:cNvSpPr>
+          <p:nvPr>
+            <p:ph type="title"/>
+          </p:nvPr>
+        </p:nvSpPr>
+        <p:spPr/>
+        <p:txBody>
+          <a:bodyPr/>
+          <a:lstStyle/>
+          <a:p>
+            <a:r>
+              <a:rPr lang="en-US" dirty="0"/>
+              <a:t>Shunting the site</a:t>
+            </a:r>
+          </a:p>
+        </p:txBody>
+      </p:sp>
+      <p:sp>
+        <p:nvSpPr>
+          <p:cNvPr id="3" name="Content Placeholder 2"/>
+          <p:cNvSpPr>
+            <a:spLocks noGrp="1"/>
+          </p:cNvSpPr>
+          <p:nvPr>
+            <p:ph idx="1"/>
+          </p:nvPr>
+        </p:nvSpPr>
+        <p:spPr/>
+        <p:txBody>
+          <a:bodyPr/>
+          <a:lstStyle/>
+          <a:p>
+            <a:r>
+              <a:rPr lang="en-US" dirty="0"/>
+              <a:t>LAST RESORT – CALL ME</a:t>
+            </a:r>
+          </a:p>
+          <a:p>
+            <a:r>
+              <a:rPr lang="en-US" dirty="0"/>
+              <a:t>Site can be shunted if necessary</a:t>
+            </a:r>
+          </a:p>
+          <a:p>
+            <a:r>
+              <a:rPr lang="en-US" dirty="0"/>
+              <a:t>Requires editing </a:t>
+            </a:r>
+            <a:r>
+              <a:rPr lang="en-US" dirty="0" err="1"/>
+              <a:t>Web.config</a:t>
+            </a:r>
+            <a:r>
+              <a:rPr lang="en-US" dirty="0"/>
+              <a:t> on live site.  Search for word “Shunt” and you’ll see what to do.  Save the change.  Undo it to un-shunt</a:t>
+            </a:r>
+          </a:p>
+        </p:txBody>
+      </p:sp>
+    </p:spTree>
+    <p:extLst>
+      <p:ext uri="{BB962C8B-B14F-4D97-AF65-F5344CB8AC3E}">
+        <p14:creationId xmlns:p14="http://schemas.microsoft.com/office/powerpoint/2010/main" val="3705413828"/>
+      </p:ext>
+    </p:extLst>
+  </p:cSld>
+  <p:clrMapOvr>
+    <a:masterClrMapping/>
+  </p:clrMapOvr>
+</p:sld>
+</file>
+
+<file path=ppt/slides/slide41.xml><?xml version="1.0" encoding="utf-8"?>
+<p:sld xmlns:a="http://schemas.openxmlformats.org/drawingml/2006/main" xmlns:r="http://schemas.openxmlformats.org/officeDocument/2006/relationships" xmlns:p="http://schemas.openxmlformats.org/presentationml/2006/main">
+  <p:cSld>
+    <p:spTree>
+      <p:nvGrpSpPr>
+        <p:cNvPr id="1" name=""/>
+        <p:cNvGrpSpPr/>
+        <p:nvPr/>
+      </p:nvGrpSpPr>
+      <p:grpSpPr>
+        <a:xfrm>
+          <a:off x="0" y="0"/>
+          <a:ext cx="0" cy="0"/>
+          <a:chOff x="0" y="0"/>
+          <a:chExt cx="0" cy="0"/>
+        </a:xfrm>
+      </p:grpSpPr>
+      <p:sp>
+        <p:nvSpPr>
+          <p:cNvPr id="2" name="Title 1">
+            <a:extLst>
+              <a:ext uri="{FF2B5EF4-FFF2-40B4-BE49-F238E27FC236}">
+                <a16:creationId xmlns:a16="http://schemas.microsoft.com/office/drawing/2014/main" id="{64750CA5-1A5C-45D6-B35D-A49E90DC7BB6}"/>
+              </a:ext>
+            </a:extLst>
+          </p:cNvPr>
+          <p:cNvSpPr>
+            <a:spLocks noGrp="1"/>
+          </p:cNvSpPr>
+          <p:nvPr>
+            <p:ph type="title"/>
+          </p:nvPr>
+        </p:nvSpPr>
+        <p:spPr/>
+        <p:txBody>
+          <a:bodyPr/>
+          <a:lstStyle/>
+          <a:p>
+            <a:r>
+              <a:rPr lang="en-US" dirty="0" err="1"/>
+              <a:t>Misc</a:t>
+            </a:r>
+            <a:r>
+              <a:rPr lang="en-US" dirty="0"/>
+              <a:t>: Autoreply</a:t>
+            </a:r>
+          </a:p>
+        </p:txBody>
+      </p:sp>
+      <p:sp>
+        <p:nvSpPr>
+          <p:cNvPr id="3" name="Content Placeholder 2">
+            <a:extLst>
+              <a:ext uri="{FF2B5EF4-FFF2-40B4-BE49-F238E27FC236}">
+                <a16:creationId xmlns:a16="http://schemas.microsoft.com/office/drawing/2014/main" id="{01125DFA-5B45-4FC4-A269-D9A5E31C3DE1}"/>
+              </a:ext>
+            </a:extLst>
+          </p:cNvPr>
+          <p:cNvSpPr>
+            <a:spLocks noGrp="1"/>
+          </p:cNvSpPr>
+          <p:nvPr>
+            <p:ph idx="1"/>
+          </p:nvPr>
+        </p:nvSpPr>
+        <p:spPr/>
+        <p:txBody>
+          <a:bodyPr/>
+          <a:lstStyle/>
+          <a:p>
+            <a:r>
+              <a:rPr lang="en-US" dirty="0"/>
+              <a:t>Can set up an “Out of office” that will auto-respond to Contact Us page</a:t>
+            </a:r>
+          </a:p>
+          <a:p>
+            <a:pPr lvl="1"/>
+            <a:r>
+              <a:rPr lang="en-US" dirty="0"/>
+              <a:t>“</a:t>
+            </a:r>
+            <a:r>
+              <a:rPr lang="en-US" dirty="0" err="1"/>
+              <a:t>UseOOF</a:t>
+            </a:r>
+            <a:r>
+              <a:rPr lang="en-US" dirty="0"/>
+              <a:t>” to “yes” in </a:t>
+            </a:r>
+            <a:r>
+              <a:rPr lang="en-US" dirty="0" err="1"/>
+              <a:t>Appsettings.config</a:t>
+            </a:r>
+            <a:r>
+              <a:rPr lang="en-US" dirty="0"/>
+              <a:t> to turn on</a:t>
+            </a:r>
+          </a:p>
+          <a:p>
+            <a:pPr lvl="1"/>
+            <a:r>
+              <a:rPr lang="en-US" dirty="0"/>
+              <a:t>Replies using localized text from </a:t>
+            </a:r>
+            <a:r>
+              <a:rPr lang="en-US" dirty="0" err="1"/>
+              <a:t>emailtemplates</a:t>
+            </a:r>
+            <a:r>
+              <a:rPr lang="en-US"/>
+              <a:t>.</a:t>
+            </a:r>
+            <a:endParaRPr lang="en-US" dirty="0"/>
+          </a:p>
+        </p:txBody>
+      </p:sp>
+    </p:spTree>
+    <p:extLst>
+      <p:ext uri="{BB962C8B-B14F-4D97-AF65-F5344CB8AC3E}">
+        <p14:creationId xmlns:p14="http://schemas.microsoft.com/office/powerpoint/2010/main" val="2961362382"/>
+      </p:ext>
+    </p:extLst>
+  </p:cSld>
+  <p:clrMapOvr>
+    <a:masterClrMapping/>
+  </p:clrMapOvr>
+</p:sld>
+</file>
+
+<file path=ppt/slides/slide42.xml><?xml version="1.0" encoding="utf-8"?>
+<p:sld xmlns:a="http://schemas.openxmlformats.org/drawingml/2006/main" xmlns:r="http://schemas.openxmlformats.org/officeDocument/2006/relationships" xmlns:p="http://schemas.openxmlformats.org/presentationml/2006/main">
+  <p:cSld>
+    <p:spTree>
+      <p:nvGrpSpPr>
+        <p:cNvPr id="1" name=""/>
+        <p:cNvGrpSpPr/>
+        <p:nvPr/>
+      </p:nvGrpSpPr>
+      <p:grpSpPr>
+        <a:xfrm>
+          <a:off x="0" y="0"/>
+          <a:ext cx="0" cy="0"/>
+          <a:chOff x="0" y="0"/>
+          <a:chExt cx="0" cy="0"/>
+        </a:xfrm>
+      </p:grpSpPr>
+      <p:sp>
+        <p:nvSpPr>
+          <p:cNvPr id="2" name="Title 1"/>
+          <p:cNvSpPr>
+            <a:spLocks noGrp="1"/>
+          </p:cNvSpPr>
+          <p:nvPr>
+            <p:ph type="title"/>
+          </p:nvPr>
+        </p:nvSpPr>
+        <p:spPr/>
+        <p:txBody>
+          <a:bodyPr/>
+          <a:lstStyle/>
+          <a:p>
+            <a:r>
+              <a:rPr lang="en-US" dirty="0"/>
+              <a:t>My Contact Information</a:t>
+            </a:r>
+          </a:p>
+        </p:txBody>
+      </p:sp>
+      <p:sp>
+        <p:nvSpPr>
+          <p:cNvPr id="3" name="Content Placeholder 2"/>
+          <p:cNvSpPr>
+            <a:spLocks noGrp="1"/>
+          </p:cNvSpPr>
+          <p:nvPr>
+            <p:ph idx="1"/>
+          </p:nvPr>
+        </p:nvSpPr>
+        <p:spPr/>
+        <p:txBody>
+          <a:bodyPr/>
+          <a:lstStyle/>
+          <a:p>
+            <a:r>
+              <a:rPr lang="en-US" dirty="0"/>
+              <a:t>Eric Berman</a:t>
+            </a:r>
+          </a:p>
+          <a:p>
+            <a:r>
+              <a:rPr lang="en-US" dirty="0"/>
+              <a:t>myflightbook@gmail.com</a:t>
+            </a:r>
+          </a:p>
+          <a:p>
+            <a:r>
+              <a:rPr lang="en-US" dirty="0">
+                <a:hlinkClick r:id="rId2"/>
+              </a:rPr>
+              <a:t>Ericbe_expe@hotmail.com</a:t>
+            </a:r>
+            <a:endParaRPr lang="en-US" dirty="0"/>
+          </a:p>
+          <a:p>
+            <a:r>
+              <a:rPr lang="en-US" dirty="0">
+                <a:hlinkClick r:id="rId3"/>
+              </a:rPr>
+              <a:t>ericbe@hothpark.com</a:t>
+            </a:r>
+            <a:endParaRPr lang="en-US" dirty="0"/>
+          </a:p>
+          <a:p>
+            <a:r>
+              <a:rPr lang="en-US" dirty="0"/>
+              <a:t>425-483-8327 (h)</a:t>
+            </a:r>
+          </a:p>
+          <a:p>
+            <a:r>
+              <a:rPr lang="en-US" dirty="0"/>
+              <a:t>425-765-9873 (c)</a:t>
+            </a:r>
+          </a:p>
+        </p:txBody>
+      </p:sp>
+    </p:spTree>
+    <p:extLst>
+      <p:ext uri="{BB962C8B-B14F-4D97-AF65-F5344CB8AC3E}">
+        <p14:creationId xmlns:p14="http://schemas.microsoft.com/office/powerpoint/2010/main" val="2072378181"/>
+      </p:ext>
+    </p:extLst>
+  </p:cSld>
+  <p:clrMapOvr>
+    <a:masterClrMapping/>
+  </p:clrMapOvr>
+</p:sld>
+</file>
+
+<file path=ppt/slides/slide43.xml><?xml version="1.0" encoding="utf-8"?>
+<p:sld xmlns:a="http://schemas.openxmlformats.org/drawingml/2006/main" xmlns:r="http://schemas.openxmlformats.org/officeDocument/2006/relationships" xmlns:p="http://schemas.openxmlformats.org/presentationml/2006/main">
+  <p:cSld>
+    <p:spTree>
+      <p:nvGrpSpPr>
+        <p:cNvPr id="1" name=""/>
+        <p:cNvGrpSpPr/>
+        <p:nvPr/>
+      </p:nvGrpSpPr>
+      <p:grpSpPr>
+        <a:xfrm>
+          <a:off x="0" y="0"/>
+          <a:ext cx="0" cy="0"/>
+          <a:chOff x="0" y="0"/>
+          <a:chExt cx="0" cy="0"/>
+        </a:xfrm>
+      </p:grpSpPr>
+      <p:sp>
+        <p:nvSpPr>
+          <p:cNvPr id="4" name="Title 3"/>
+          <p:cNvSpPr>
+            <a:spLocks noGrp="1"/>
+          </p:cNvSpPr>
+          <p:nvPr>
+            <p:ph type="ctrTitle"/>
+          </p:nvPr>
+        </p:nvSpPr>
+        <p:spPr/>
+        <p:txBody>
+          <a:bodyPr/>
+          <a:lstStyle/>
+          <a:p>
+            <a:r>
+              <a:rPr lang="en-US" dirty="0"/>
+              <a:t>Questions?</a:t>
+            </a:r>
+          </a:p>
+        </p:txBody>
+      </p:sp>
+      <p:sp>
+        <p:nvSpPr>
+          <p:cNvPr id="5" name="Subtitle 4"/>
+          <p:cNvSpPr>
+            <a:spLocks noGrp="1"/>
+          </p:cNvSpPr>
+          <p:nvPr>
+            <p:ph type="subTitle" idx="1"/>
+          </p:nvPr>
+        </p:nvSpPr>
+        <p:spPr/>
+        <p:txBody>
+          <a:bodyPr/>
+          <a:lstStyle/>
+          <a:p>
+            <a:endParaRPr lang="en-US"/>
+          </a:p>
+        </p:txBody>
+      </p:sp>
+    </p:spTree>
+    <p:extLst>
+      <p:ext uri="{BB962C8B-B14F-4D97-AF65-F5344CB8AC3E}">
+        <p14:creationId xmlns:p14="http://schemas.microsoft.com/office/powerpoint/2010/main" val="3409263415"/>
       </p:ext>
     </p:extLst>
   </p:cSld>
@@ -10195,12 +11846,12 @@
       </p:grpSpPr>
       <p:sp>
         <p:nvSpPr>
-          <p:cNvPr id="4" name="Title 3"/>
-          <p:cNvSpPr>
-            <a:spLocks noGrp="1"/>
-          </p:cNvSpPr>
-          <p:nvPr>
-            <p:ph type="ctrTitle"/>
+          <p:cNvPr id="2" name="Title 1"/>
+          <p:cNvSpPr>
+            <a:spLocks noGrp="1"/>
+          </p:cNvSpPr>
+          <p:nvPr>
+            <p:ph type="title"/>
           </p:nvPr>
         </p:nvSpPr>
         <p:spPr/>
@@ -10210,19 +11861,19 @@
           <a:p>
             <a:r>
               <a:rPr lang="en-US" dirty="0"/>
-              <a:t>Email</a:t>
-            </a:r>
-          </a:p>
-        </p:txBody>
-      </p:sp>
-      <p:sp>
-        <p:nvSpPr>
-          <p:cNvPr id="5" name="Subtitle 4"/>
-          <p:cNvSpPr>
-            <a:spLocks noGrp="1"/>
-          </p:cNvSpPr>
-          <p:nvPr>
-            <p:ph type="subTitle" idx="1"/>
+              <a:t>Key Management/Admin Scenarios</a:t>
+            </a:r>
+          </a:p>
+        </p:txBody>
+      </p:sp>
+      <p:sp>
+        <p:nvSpPr>
+          <p:cNvPr id="3" name="Content Placeholder 2"/>
+          <p:cNvSpPr>
+            <a:spLocks noGrp="1"/>
+          </p:cNvSpPr>
+          <p:nvPr>
+            <p:ph idx="1"/>
           </p:nvPr>
         </p:nvSpPr>
         <p:spPr/>
@@ -10230,14 +11881,53 @@
           <a:bodyPr/>
           <a:lstStyle/>
           <a:p>
-            <a:endParaRPr lang="en-US"/>
+            <a:r>
+              <a:rPr lang="en-US" dirty="0"/>
+              <a:t>Data management and integrity</a:t>
+            </a:r>
+          </a:p>
+          <a:p>
+            <a:pPr lvl="1"/>
+            <a:r>
+              <a:rPr lang="en-US" dirty="0"/>
+              <a:t>Dealing with new make/models.</a:t>
+            </a:r>
+          </a:p>
+          <a:p>
+            <a:pPr lvl="1"/>
+            <a:r>
+              <a:rPr lang="en-US" dirty="0"/>
+              <a:t>Aircraft edits</a:t>
+            </a:r>
+          </a:p>
+          <a:p>
+            <a:pPr lvl="1"/>
+            <a:r>
+              <a:rPr lang="en-US" dirty="0"/>
+              <a:t>Verifying site health</a:t>
+            </a:r>
+          </a:p>
+          <a:p>
+            <a:pPr lvl="1"/>
+            <a:r>
+              <a:rPr lang="en-US" dirty="0"/>
+              <a:t>Crashes</a:t>
+            </a:r>
+          </a:p>
+          <a:p>
+            <a:pPr lvl="1"/>
+            <a:endParaRPr lang="en-US" dirty="0"/>
+          </a:p>
+          <a:p>
+            <a:pPr lvl="1"/>
+            <a:endParaRPr lang="en-US" dirty="0"/>
           </a:p>
         </p:txBody>
       </p:sp>
     </p:spTree>
     <p:extLst>
       <p:ext uri="{BB962C8B-B14F-4D97-AF65-F5344CB8AC3E}">
-        <p14:creationId xmlns:p14="http://schemas.microsoft.com/office/powerpoint/2010/main" val="1613132430"/>
+        <p14:creationId xmlns:p14="http://schemas.microsoft.com/office/powerpoint/2010/main" val="3499194616"/>
       </p:ext>
     </p:extLst>
   </p:cSld>
@@ -10266,12 +11956,12 @@
       </p:grpSpPr>
       <p:sp>
         <p:nvSpPr>
-          <p:cNvPr id="2" name="Title 1"/>
-          <p:cNvSpPr>
-            <a:spLocks noGrp="1"/>
-          </p:cNvSpPr>
-          <p:nvPr>
-            <p:ph type="title"/>
+          <p:cNvPr id="4" name="Title 3"/>
+          <p:cNvSpPr>
+            <a:spLocks noGrp="1"/>
+          </p:cNvSpPr>
+          <p:nvPr>
+            <p:ph type="ctrTitle"/>
           </p:nvPr>
         </p:nvSpPr>
         <p:spPr/>
@@ -10281,193 +11971,34 @@
           <a:p>
             <a:r>
               <a:rPr lang="en-US" dirty="0"/>
-              <a:t>Emails that get sent automatically</a:t>
-            </a:r>
-          </a:p>
-        </p:txBody>
-      </p:sp>
-      <p:sp>
-        <p:nvSpPr>
-          <p:cNvPr id="3" name="Content Placeholder 2"/>
-          <p:cNvSpPr>
-            <a:spLocks noGrp="1"/>
-          </p:cNvSpPr>
-          <p:nvPr>
-            <p:ph idx="1"/>
+              <a:t>Email</a:t>
+            </a:r>
+          </a:p>
+        </p:txBody>
+      </p:sp>
+      <p:sp>
+        <p:nvSpPr>
+          <p:cNvPr id="5" name="Subtitle 4"/>
+          <p:cNvSpPr>
+            <a:spLocks noGrp="1"/>
+          </p:cNvSpPr>
+          <p:nvPr>
+            <p:ph type="subTitle" idx="1"/>
           </p:nvPr>
         </p:nvSpPr>
         <p:spPr/>
         <p:txBody>
-          <a:bodyPr>
-            <a:normAutofit fontScale="47500" lnSpcReduction="20000"/>
-          </a:bodyPr>
-          <a:lstStyle/>
-          <a:p>
-            <a:r>
-              <a:rPr lang="en-US" dirty="0"/>
-              <a:t>New User – can ignore/delete, but is good indicator of health of site </a:t>
-            </a:r>
-          </a:p>
-          <a:p>
-            <a:pPr lvl="1"/>
-            <a:r>
-              <a:rPr lang="en-US" dirty="0"/>
-              <a:t>I have a rule to move to a separate folder</a:t>
-            </a:r>
-          </a:p>
-          <a:p>
-            <a:r>
-              <a:rPr lang="en-US" dirty="0"/>
-              <a:t>New Manufacturer</a:t>
-            </a:r>
-          </a:p>
-          <a:p>
-            <a:pPr lvl="1"/>
-            <a:r>
-              <a:rPr lang="en-US" dirty="0"/>
-              <a:t>Need to check for/resolve dupes, generic (e.g., “Various”, etc.); I try to have only one made-up manufacturer for this (“Generic”).</a:t>
-            </a:r>
-          </a:p>
-          <a:p>
-            <a:pPr lvl="1"/>
-            <a:r>
-              <a:rPr lang="en-US" dirty="0"/>
-              <a:t>Need to restrict certain manufactures to be only sims or anonymous.  E.g., </a:t>
-            </a:r>
-            <a:r>
-              <a:rPr lang="en-US" dirty="0" err="1"/>
-              <a:t>Frasca</a:t>
-            </a:r>
-            <a:r>
-              <a:rPr lang="en-US" dirty="0"/>
-              <a:t> is only a SIM, “Generic” can be a sim or an anonymous aircraft (“Anonymous ASEL”, for example), but not a real aircraft</a:t>
-            </a:r>
-          </a:p>
-          <a:p>
-            <a:r>
-              <a:rPr lang="en-US" dirty="0"/>
-              <a:t>New model or model updates</a:t>
-            </a:r>
-          </a:p>
-          <a:p>
-            <a:pPr lvl="1"/>
-            <a:r>
-              <a:rPr lang="en-US" dirty="0"/>
-              <a:t>Need to verify dupes, possibly merge</a:t>
-            </a:r>
-          </a:p>
-          <a:p>
-            <a:pPr lvl="1"/>
-            <a:r>
-              <a:rPr lang="en-US" dirty="0"/>
-              <a:t>Common errors: </a:t>
-            </a:r>
-          </a:p>
-          <a:p>
-            <a:pPr lvl="2"/>
-            <a:r>
-              <a:rPr lang="en-US" dirty="0"/>
-              <a:t>Assigning a type-ID to a non-type-rated aircraft (e.g., C-172)</a:t>
-            </a:r>
-          </a:p>
-          <a:p>
-            <a:pPr lvl="2"/>
-            <a:r>
-              <a:rPr lang="en-US" dirty="0"/>
-              <a:t>Incorrect or missing ICAO identifier (I use </a:t>
-            </a:r>
-            <a:r>
-              <a:rPr lang="en-US" dirty="0">
-                <a:hlinkClick r:id="rId2"/>
-              </a:rPr>
-              <a:t>https://www.icao.int/publications/DOC8643/Pages/Search.aspx</a:t>
-            </a:r>
-            <a:r>
-              <a:rPr lang="en-US" dirty="0"/>
-              <a:t> to look up)</a:t>
-            </a:r>
-          </a:p>
-          <a:p>
-            <a:pPr lvl="2"/>
-            <a:r>
-              <a:rPr lang="en-US" dirty="0"/>
-              <a:t>Duplicates of other models</a:t>
-            </a:r>
-          </a:p>
-          <a:p>
-            <a:pPr lvl="2"/>
-            <a:r>
-              <a:rPr lang="en-US" dirty="0"/>
-              <a:t>Consistency in naming (e.g., </a:t>
-            </a:r>
-            <a:r>
-              <a:rPr lang="en-US" dirty="0" err="1"/>
-              <a:t>Cessnas</a:t>
-            </a:r>
-            <a:r>
-              <a:rPr lang="en-US" dirty="0"/>
-              <a:t> tend to use a hyphen, like C-172, but Pipers don’t, like PA28)</a:t>
-            </a:r>
-          </a:p>
-          <a:p>
-            <a:r>
-              <a:rPr lang="en-US" dirty="0"/>
-              <a:t>Edit to or clone of an aircraft that is shared among users</a:t>
-            </a:r>
-          </a:p>
-          <a:p>
-            <a:r>
-              <a:rPr lang="en-US" dirty="0"/>
-              <a:t>Nightly Stats</a:t>
-            </a:r>
-          </a:p>
-          <a:p>
-            <a:r>
-              <a:rPr lang="en-US" dirty="0"/>
-              <a:t>Locked Account</a:t>
-            </a:r>
-          </a:p>
-          <a:p>
-            <a:pPr lvl="1"/>
-            <a:r>
-              <a:rPr lang="en-US" dirty="0"/>
-              <a:t>Accounts get locked after too many unsuccessful sign-in attempts or failed password reset attempts</a:t>
-            </a:r>
-          </a:p>
-          <a:p>
-            <a:pPr lvl="1"/>
-            <a:r>
-              <a:rPr lang="en-US" dirty="0"/>
-              <a:t>Admin page shows locked user, enables unlock (I usually just unlock after waiting a few minutes)</a:t>
-            </a:r>
-          </a:p>
-          <a:p>
-            <a:r>
-              <a:rPr lang="en-US" dirty="0"/>
-              <a:t>Crashes (from both website and mobile devices)</a:t>
-            </a:r>
-          </a:p>
-          <a:p>
-            <a:pPr lvl="1"/>
-            <a:r>
-              <a:rPr lang="en-US" dirty="0"/>
-              <a:t>Some can be ignored (“Invalid </a:t>
-            </a:r>
-            <a:r>
-              <a:rPr lang="en-US" dirty="0" err="1"/>
-              <a:t>Postback</a:t>
-            </a:r>
-            <a:r>
-              <a:rPr lang="en-US" dirty="0"/>
-              <a:t>” is the most common, I should see all others.)</a:t>
-            </a:r>
+          <a:bodyPr/>
+          <a:lstStyle/>
+          <a:p>
+            <a:endParaRPr lang="en-US"/>
           </a:p>
         </p:txBody>
       </p:sp>
     </p:spTree>
     <p:extLst>
       <p:ext uri="{BB962C8B-B14F-4D97-AF65-F5344CB8AC3E}">
-        <p14:creationId xmlns:p14="http://schemas.microsoft.com/office/powerpoint/2010/main" val="3591142741"/>
+        <p14:creationId xmlns:p14="http://schemas.microsoft.com/office/powerpoint/2010/main" val="1613132430"/>
       </p:ext>
     </p:extLst>
   </p:cSld>
@@ -10506,75 +12037,190 @@
         </p:nvSpPr>
         <p:spPr/>
         <p:txBody>
+          <a:bodyPr/>
+          <a:lstStyle/>
+          <a:p>
+            <a:r>
+              <a:rPr lang="en-US" dirty="0"/>
+              <a:t>Emails that get sent automatically</a:t>
+            </a:r>
+          </a:p>
+        </p:txBody>
+      </p:sp>
+      <p:sp>
+        <p:nvSpPr>
+          <p:cNvPr id="3" name="Content Placeholder 2"/>
+          <p:cNvSpPr>
+            <a:spLocks noGrp="1"/>
+          </p:cNvSpPr>
+          <p:nvPr>
+            <p:ph idx="1"/>
+          </p:nvPr>
+        </p:nvSpPr>
+        <p:spPr/>
+        <p:txBody>
           <a:bodyPr>
-            <a:normAutofit/>
+            <a:normAutofit fontScale="47500" lnSpcReduction="20000"/>
           </a:bodyPr>
           <a:lstStyle/>
           <a:p>
             <a:r>
               <a:rPr lang="en-US" dirty="0"/>
-              <a:t>Customer-initiated emails</a:t>
-            </a:r>
-          </a:p>
-        </p:txBody>
-      </p:sp>
-      <p:sp>
-        <p:nvSpPr>
-          <p:cNvPr id="3" name="Content Placeholder 2"/>
-          <p:cNvSpPr>
-            <a:spLocks noGrp="1"/>
-          </p:cNvSpPr>
-          <p:nvPr>
-            <p:ph idx="1"/>
-          </p:nvPr>
-        </p:nvSpPr>
-        <p:spPr/>
-        <p:txBody>
-          <a:bodyPr/>
-          <a:lstStyle/>
-          <a:p>
-            <a:r>
-              <a:rPr lang="en-US" dirty="0"/>
-              <a:t>Subject generally identifies source (Website, iPad, Android, etc.)</a:t>
-            </a:r>
-          </a:p>
-          <a:p>
-            <a:r>
-              <a:rPr lang="en-US" dirty="0"/>
-              <a:t>Most questions are addressed in the FAQ.  </a:t>
+              <a:t>New User – can ignore/delete, but is good indicator of health of site </a:t>
             </a:r>
           </a:p>
           <a:p>
             <a:pPr lvl="1"/>
             <a:r>
               <a:rPr lang="en-US" dirty="0"/>
-              <a:t>I tend to answer them anyhow…</a:t>
-            </a:r>
-          </a:p>
-          <a:p>
-            <a:r>
-              <a:rPr lang="en-US" dirty="0"/>
-              <a:t>Reset Password</a:t>
+              <a:t>I have a rule to move to a separate folder</a:t>
+            </a:r>
+          </a:p>
+          <a:p>
+            <a:r>
+              <a:rPr lang="en-US" dirty="0"/>
+              <a:t>New Manufacturer</a:t>
             </a:r>
           </a:p>
           <a:p>
             <a:pPr lvl="1"/>
             <a:r>
               <a:rPr lang="en-US" dirty="0"/>
-              <a:t>Admin page has a Password Reset function</a:t>
+              <a:t>Need to check for/resolve dupes, generic (e.g., “Various”, etc.); I try to have only one made-up manufacturer for this (“Generic”).</a:t>
             </a:r>
           </a:p>
           <a:p>
             <a:pPr lvl="1"/>
             <a:r>
               <a:rPr lang="en-US" dirty="0"/>
-              <a:t>Sometimes users don’t receive the email.</a:t>
-            </a:r>
-          </a:p>
-          <a:p>
-            <a:r>
-              <a:rPr lang="en-US" dirty="0"/>
-              <a:t>Requests for features or flight properties.</a:t>
+              <a:t>Need to restrict certain manufactures to be only sims or anonymous.  E.g., </a:t>
+            </a:r>
+            <a:r>
+              <a:rPr lang="en-US" dirty="0" err="1"/>
+              <a:t>Frasca</a:t>
+            </a:r>
+            <a:r>
+              <a:rPr lang="en-US" dirty="0"/>
+              <a:t> is only a SIM, “Generic” can be a sim or an anonymous aircraft (“Anonymous ASEL”, for example), but not a real aircraft</a:t>
+            </a:r>
+          </a:p>
+          <a:p>
+            <a:r>
+              <a:rPr lang="en-US" dirty="0"/>
+              <a:t>New model or model updates</a:t>
+            </a:r>
+          </a:p>
+          <a:p>
+            <a:pPr lvl="1"/>
+            <a:r>
+              <a:rPr lang="en-US" dirty="0"/>
+              <a:t>Need to verify dupes, possibly merge</a:t>
+            </a:r>
+          </a:p>
+          <a:p>
+            <a:pPr lvl="1"/>
+            <a:r>
+              <a:rPr lang="en-US" dirty="0"/>
+              <a:t>Common errors: </a:t>
+            </a:r>
+          </a:p>
+          <a:p>
+            <a:pPr lvl="2"/>
+            <a:r>
+              <a:rPr lang="en-US" dirty="0"/>
+              <a:t>Assigning a type-ID to a non-type-rated aircraft (e.g., C-172)</a:t>
+            </a:r>
+          </a:p>
+          <a:p>
+            <a:pPr lvl="2"/>
+            <a:r>
+              <a:rPr lang="en-US" dirty="0"/>
+              <a:t>Incorrect or missing ICAO identifier (I use </a:t>
+            </a:r>
+            <a:r>
+              <a:rPr lang="en-US" dirty="0">
+                <a:hlinkClick r:id="rId2"/>
+              </a:rPr>
+              <a:t>https://www.icao.int/publications/DOC8643/Pages/Search.aspx</a:t>
+            </a:r>
+            <a:r>
+              <a:rPr lang="en-US" dirty="0"/>
+              <a:t> to look up)</a:t>
+            </a:r>
+          </a:p>
+          <a:p>
+            <a:pPr lvl="2"/>
+            <a:r>
+              <a:rPr lang="en-US" dirty="0"/>
+              <a:t>Duplicates of other models</a:t>
+            </a:r>
+          </a:p>
+          <a:p>
+            <a:pPr lvl="2"/>
+            <a:r>
+              <a:rPr lang="en-US" dirty="0"/>
+              <a:t>Consistency in naming (e.g., </a:t>
+            </a:r>
+            <a:r>
+              <a:rPr lang="en-US" dirty="0" err="1"/>
+              <a:t>Cessnas</a:t>
+            </a:r>
+            <a:r>
+              <a:rPr lang="en-US" dirty="0"/>
+              <a:t> tend to use a hyphen, like C-172, but Pipers don’t, like PA28)</a:t>
+            </a:r>
+          </a:p>
+          <a:p>
+            <a:r>
+              <a:rPr lang="en-US" dirty="0"/>
+              <a:t>Edit to or clone of an aircraft that is shared among users</a:t>
+            </a:r>
+          </a:p>
+          <a:p>
+            <a:r>
+              <a:rPr lang="en-US" dirty="0"/>
+              <a:t>Nightly Stats</a:t>
+            </a:r>
+          </a:p>
+          <a:p>
+            <a:r>
+              <a:rPr lang="en-US" dirty="0"/>
+              <a:t>Locked Account</a:t>
+            </a:r>
+          </a:p>
+          <a:p>
+            <a:pPr lvl="1"/>
+            <a:r>
+              <a:rPr lang="en-US" dirty="0"/>
+              <a:t>Accounts get locked after too many unsuccessful sign-in attempts or failed password reset attempts</a:t>
+            </a:r>
+          </a:p>
+          <a:p>
+            <a:pPr lvl="1"/>
+            <a:r>
+              <a:rPr lang="en-US" dirty="0"/>
+              <a:t>Admin page shows locked user, enables unlock (I usually just unlock after waiting a few minutes)</a:t>
+            </a:r>
+          </a:p>
+          <a:p>
+            <a:r>
+              <a:rPr lang="en-US" dirty="0"/>
+              <a:t>Crashes (from both website and mobile devices)</a:t>
+            </a:r>
+          </a:p>
+          <a:p>
+            <a:pPr lvl="1"/>
+            <a:r>
+              <a:rPr lang="en-US" dirty="0"/>
+              <a:t>Some can be ignored (“Invalid </a:t>
+            </a:r>
+            <a:r>
+              <a:rPr lang="en-US" dirty="0" err="1"/>
+              <a:t>Postback</a:t>
+            </a:r>
+            <a:r>
+              <a:rPr lang="en-US" dirty="0"/>
+              <a:t>” is the most common, I should see all others.)</a:t>
             </a:r>
           </a:p>
         </p:txBody>
@@ -10582,7 +12228,7 @@
     </p:spTree>
     <p:extLst>
       <p:ext uri="{BB962C8B-B14F-4D97-AF65-F5344CB8AC3E}">
-        <p14:creationId xmlns:p14="http://schemas.microsoft.com/office/powerpoint/2010/main" val="2228751685"/>
+        <p14:creationId xmlns:p14="http://schemas.microsoft.com/office/powerpoint/2010/main" val="3591142741"/>
       </p:ext>
     </p:extLst>
   </p:cSld>
@@ -10621,34 +12267,75 @@
         </p:nvSpPr>
         <p:spPr/>
         <p:txBody>
+          <a:bodyPr>
+            <a:normAutofit/>
+          </a:bodyPr>
+          <a:lstStyle/>
+          <a:p>
+            <a:r>
+              <a:rPr lang="en-US" dirty="0"/>
+              <a:t>Customer-initiated emails</a:t>
+            </a:r>
+          </a:p>
+        </p:txBody>
+      </p:sp>
+      <p:sp>
+        <p:nvSpPr>
+          <p:cNvPr id="3" name="Content Placeholder 2"/>
+          <p:cNvSpPr>
+            <a:spLocks noGrp="1"/>
+          </p:cNvSpPr>
+          <p:nvPr>
+            <p:ph idx="1"/>
+          </p:nvPr>
+        </p:nvSpPr>
+        <p:spPr/>
+        <p:txBody>
           <a:bodyPr/>
           <a:lstStyle/>
           <a:p>
             <a:r>
               <a:rPr lang="en-US" dirty="0"/>
-              <a:t>Admin Tools</a:t>
-            </a:r>
-          </a:p>
-        </p:txBody>
-      </p:sp>
-      <p:sp>
-        <p:nvSpPr>
-          <p:cNvPr id="3" name="Content Placeholder 2"/>
-          <p:cNvSpPr>
-            <a:spLocks noGrp="1"/>
-          </p:cNvSpPr>
-          <p:nvPr>
-            <p:ph idx="1"/>
-          </p:nvPr>
-        </p:nvSpPr>
-        <p:spPr/>
-        <p:txBody>
-          <a:bodyPr/>
-          <a:lstStyle/>
-          <a:p>
-            <a:r>
-              <a:rPr lang="en-US" dirty="0"/>
-              <a:t>Admin tab is available only to people signed in using an admin-enabled account</a:t>
+              <a:t>Subject generally identifies source (Website, iPad, Android, etc.)</a:t>
+            </a:r>
+          </a:p>
+          <a:p>
+            <a:r>
+              <a:rPr lang="en-US" dirty="0"/>
+              <a:t>Most questions are addressed in the FAQ.  </a:t>
+            </a:r>
+          </a:p>
+          <a:p>
+            <a:pPr lvl="1"/>
+            <a:r>
+              <a:rPr lang="en-US" dirty="0"/>
+              <a:t>I tend to answer them anyhow…</a:t>
+            </a:r>
+          </a:p>
+          <a:p>
+            <a:r>
+              <a:rPr lang="en-US" dirty="0"/>
+              <a:t>Reset Password</a:t>
+            </a:r>
+          </a:p>
+          <a:p>
+            <a:pPr lvl="1"/>
+            <a:r>
+              <a:rPr lang="en-US" dirty="0"/>
+              <a:t>Admin page has a Password Reset function</a:t>
+            </a:r>
+          </a:p>
+          <a:p>
+            <a:pPr lvl="1"/>
+            <a:r>
+              <a:rPr lang="en-US" dirty="0"/>
+              <a:t>Sometimes users don’t receive the email.</a:t>
+            </a:r>
+          </a:p>
+          <a:p>
+            <a:r>
+              <a:rPr lang="en-US" dirty="0"/>
+              <a:t>Requests for features or flight properties.</a:t>
             </a:r>
           </a:p>
         </p:txBody>
@@ -10656,7 +12343,7 @@
     </p:spTree>
     <p:extLst>
       <p:ext uri="{BB962C8B-B14F-4D97-AF65-F5344CB8AC3E}">
-        <p14:creationId xmlns:p14="http://schemas.microsoft.com/office/powerpoint/2010/main" val="3309803629"/>
+        <p14:creationId xmlns:p14="http://schemas.microsoft.com/office/powerpoint/2010/main" val="2228751685"/>
       </p:ext>
     </p:extLst>
   </p:cSld>
@@ -10685,12 +12372,12 @@
       </p:grpSpPr>
       <p:sp>
         <p:nvSpPr>
-          <p:cNvPr id="4" name="Title 3"/>
-          <p:cNvSpPr>
-            <a:spLocks noGrp="1"/>
-          </p:cNvSpPr>
-          <p:nvPr>
-            <p:ph type="ctrTitle"/>
+          <p:cNvPr id="2" name="Title 1"/>
+          <p:cNvSpPr>
+            <a:spLocks noGrp="1"/>
+          </p:cNvSpPr>
+          <p:nvPr>
+            <p:ph type="title"/>
           </p:nvPr>
         </p:nvSpPr>
         <p:spPr/>
@@ -10700,34 +12387,83 @@
           <a:p>
             <a:r>
               <a:rPr lang="en-US" dirty="0"/>
-              <a:t>Customer Support Tools</a:t>
-            </a:r>
-          </a:p>
-        </p:txBody>
-      </p:sp>
-      <p:sp>
-        <p:nvSpPr>
-          <p:cNvPr id="5" name="Subtitle 4"/>
-          <p:cNvSpPr>
-            <a:spLocks noGrp="1"/>
-          </p:cNvSpPr>
-          <p:nvPr>
-            <p:ph type="subTitle" idx="1"/>
-          </p:nvPr>
-        </p:nvSpPr>
-        <p:spPr/>
+              <a:t>Admin Tools</a:t>
+            </a:r>
+          </a:p>
+        </p:txBody>
+      </p:sp>
+      <p:sp>
+        <p:nvSpPr>
+          <p:cNvPr id="3" name="Content Placeholder 2"/>
+          <p:cNvSpPr>
+            <a:spLocks noGrp="1"/>
+          </p:cNvSpPr>
+          <p:nvPr>
+            <p:ph idx="1"/>
+          </p:nvPr>
+        </p:nvSpPr>
+        <p:spPr>
+          <a:xfrm>
+            <a:off x="457200" y="2209800"/>
+            <a:ext cx="5562600" cy="3916363"/>
+          </a:xfrm>
+        </p:spPr>
         <p:txBody>
           <a:bodyPr/>
           <a:lstStyle/>
           <a:p>
-            <a:endParaRPr lang="en-US"/>
-          </a:p>
-        </p:txBody>
-      </p:sp>
+            <a:r>
+              <a:rPr lang="en-US" dirty="0"/>
+              <a:t>Admin tab is available only to people signed in using an admin-enabled account</a:t>
+            </a:r>
+          </a:p>
+        </p:txBody>
+      </p:sp>
+      <p:pic>
+        <p:nvPicPr>
+          <p:cNvPr id="4" name="Picture 3">
+            <a:extLst>
+              <a:ext uri="{FF2B5EF4-FFF2-40B4-BE49-F238E27FC236}">
+                <a16:creationId xmlns:a16="http://schemas.microsoft.com/office/drawing/2014/main" id="{E79C00E8-B6DC-486D-B8CF-CF9A33AF82FD}"/>
+              </a:ext>
+            </a:extLst>
+          </p:cNvPr>
+          <p:cNvPicPr>
+            <a:picLocks noChangeAspect="1"/>
+          </p:cNvPicPr>
+          <p:nvPr/>
+        </p:nvPicPr>
+        <p:blipFill>
+          <a:blip r:embed="rId2">
+            <a:clrChange>
+              <a:clrFrom>
+                <a:srgbClr val="FFFFFF"/>
+              </a:clrFrom>
+              <a:clrTo>
+                <a:srgbClr val="FFFFFF">
+                  <a:alpha val="0"/>
+                </a:srgbClr>
+              </a:clrTo>
+            </a:clrChange>
+          </a:blip>
+          <a:stretch>
+            <a:fillRect/>
+          </a:stretch>
+        </p:blipFill>
+        <p:spPr>
+          <a:xfrm>
+            <a:off x="1905000" y="1424781"/>
+            <a:ext cx="6257925" cy="4876800"/>
+          </a:xfrm>
+          <a:prstGeom prst="rect">
+            <a:avLst/>
+          </a:prstGeom>
+        </p:spPr>
+      </p:pic>
     </p:spTree>
     <p:extLst>
       <p:ext uri="{BB962C8B-B14F-4D97-AF65-F5344CB8AC3E}">
-        <p14:creationId xmlns:p14="http://schemas.microsoft.com/office/powerpoint/2010/main" val="1064165621"/>
+        <p14:creationId xmlns:p14="http://schemas.microsoft.com/office/powerpoint/2010/main" val="3309803629"/>
       </p:ext>
     </p:extLst>
   </p:cSld>

--- a/MyFlightbook.Web/Private/MyFlightbook Admin Tools.pptx
+++ b/MyFlightbook.Web/Private/MyFlightbook Admin Tools.pptx
@@ -2,13 +2,13 @@
 <file path=ppt/presentation.xml><?xml version="1.0" encoding="utf-8"?>
 <p:presentation xmlns:a="http://schemas.openxmlformats.org/drawingml/2006/main" xmlns:r="http://schemas.openxmlformats.org/officeDocument/2006/relationships" xmlns:p="http://schemas.openxmlformats.org/presentationml/2006/main" saveSubsetFonts="1">
   <p:sldMasterIdLst>
-    <p:sldMasterId id="2147483660" r:id="rId1"/>
+    <p:sldMasterId id="2147483672" r:id="rId1"/>
   </p:sldMasterIdLst>
   <p:notesMasterIdLst>
-    <p:notesMasterId r:id="rId45"/>
+    <p:notesMasterId r:id="rId47"/>
   </p:notesMasterIdLst>
   <p:handoutMasterIdLst>
-    <p:handoutMasterId r:id="rId46"/>
+    <p:handoutMasterId r:id="rId48"/>
   </p:handoutMasterIdLst>
   <p:sldIdLst>
     <p:sldId id="256" r:id="rId2"/>
@@ -22,38 +22,40 @@
     <p:sldId id="259" r:id="rId10"/>
     <p:sldId id="278" r:id="rId11"/>
     <p:sldId id="260" r:id="rId12"/>
-    <p:sldId id="264" r:id="rId13"/>
-    <p:sldId id="304" r:id="rId14"/>
-    <p:sldId id="275" r:id="rId15"/>
-    <p:sldId id="266" r:id="rId16"/>
-    <p:sldId id="292" r:id="rId17"/>
-    <p:sldId id="263" r:id="rId18"/>
-    <p:sldId id="261" r:id="rId19"/>
-    <p:sldId id="262" r:id="rId20"/>
-    <p:sldId id="265" r:id="rId21"/>
-    <p:sldId id="293" r:id="rId22"/>
-    <p:sldId id="302" r:id="rId23"/>
-    <p:sldId id="305" r:id="rId24"/>
-    <p:sldId id="294" r:id="rId25"/>
-    <p:sldId id="280" r:id="rId26"/>
-    <p:sldId id="282" r:id="rId27"/>
-    <p:sldId id="283" r:id="rId28"/>
-    <p:sldId id="295" r:id="rId29"/>
-    <p:sldId id="296" r:id="rId30"/>
-    <p:sldId id="297" r:id="rId31"/>
-    <p:sldId id="268" r:id="rId32"/>
-    <p:sldId id="279" r:id="rId33"/>
-    <p:sldId id="298" r:id="rId34"/>
-    <p:sldId id="300" r:id="rId35"/>
-    <p:sldId id="301" r:id="rId36"/>
-    <p:sldId id="274" r:id="rId37"/>
-    <p:sldId id="299" r:id="rId38"/>
-    <p:sldId id="269" r:id="rId39"/>
-    <p:sldId id="286" r:id="rId40"/>
-    <p:sldId id="270" r:id="rId41"/>
-    <p:sldId id="306" r:id="rId42"/>
-    <p:sldId id="285" r:id="rId43"/>
-    <p:sldId id="287" r:id="rId44"/>
+    <p:sldId id="307" r:id="rId13"/>
+    <p:sldId id="264" r:id="rId14"/>
+    <p:sldId id="304" r:id="rId15"/>
+    <p:sldId id="275" r:id="rId16"/>
+    <p:sldId id="266" r:id="rId17"/>
+    <p:sldId id="292" r:id="rId18"/>
+    <p:sldId id="263" r:id="rId19"/>
+    <p:sldId id="261" r:id="rId20"/>
+    <p:sldId id="262" r:id="rId21"/>
+    <p:sldId id="265" r:id="rId22"/>
+    <p:sldId id="293" r:id="rId23"/>
+    <p:sldId id="302" r:id="rId24"/>
+    <p:sldId id="305" r:id="rId25"/>
+    <p:sldId id="294" r:id="rId26"/>
+    <p:sldId id="280" r:id="rId27"/>
+    <p:sldId id="282" r:id="rId28"/>
+    <p:sldId id="283" r:id="rId29"/>
+    <p:sldId id="295" r:id="rId30"/>
+    <p:sldId id="296" r:id="rId31"/>
+    <p:sldId id="297" r:id="rId32"/>
+    <p:sldId id="268" r:id="rId33"/>
+    <p:sldId id="279" r:id="rId34"/>
+    <p:sldId id="298" r:id="rId35"/>
+    <p:sldId id="308" r:id="rId36"/>
+    <p:sldId id="300" r:id="rId37"/>
+    <p:sldId id="301" r:id="rId38"/>
+    <p:sldId id="274" r:id="rId39"/>
+    <p:sldId id="299" r:id="rId40"/>
+    <p:sldId id="269" r:id="rId41"/>
+    <p:sldId id="286" r:id="rId42"/>
+    <p:sldId id="270" r:id="rId43"/>
+    <p:sldId id="306" r:id="rId44"/>
+    <p:sldId id="285" r:id="rId45"/>
+    <p:sldId id="287" r:id="rId46"/>
   </p:sldIdLst>
   <p:sldSz cx="9144000" cy="6858000" type="screen4x3"/>
   <p:notesSz cx="6858000" cy="9144000"/>
@@ -267,7 +269,7 @@
           <a:p>
             <a:fld id="{E7CA5475-1311-45DC-B51B-D3E435D31F4C}" type="datetimeFigureOut">
               <a:rPr lang="en-US" smtClean="0"/>
-              <a:t>5/18/2020</a:t>
+              <a:t>5/24/2020</a:t>
             </a:fld>
             <a:endParaRPr lang="en-US"/>
           </a:p>
@@ -432,7 +434,7 @@
           <a:p>
             <a:fld id="{06674F5A-56E8-40A4-BD50-7225B14DC1C7}" type="datetimeFigureOut">
               <a:rPr lang="en-US" smtClean="0"/>
-              <a:t>5/18/2020</a:t>
+              <a:t>5/24/2020</a:t>
             </a:fld>
             <a:endParaRPr lang="en-US"/>
           </a:p>
@@ -764,7 +766,7 @@
           <a:p>
             <a:fld id="{D83FC427-6163-425D-84EB-576E7AD9931B}" type="slidenum">
               <a:rPr lang="en-US" smtClean="0"/>
-              <a:t>20</a:t>
+              <a:t>21</a:t>
             </a:fld>
             <a:endParaRPr lang="en-US"/>
           </a:p>
@@ -812,18 +814,23 @@
         </p:nvSpPr>
         <p:spPr>
           <a:xfrm>
-            <a:off x="685800" y="2130425"/>
+            <a:off x="685800" y="2130427"/>
             <a:ext cx="7772400" cy="1470025"/>
           </a:xfrm>
         </p:spPr>
         <p:txBody>
           <a:bodyPr/>
-          <a:lstStyle/>
+          <a:lstStyle>
+            <a:lvl1pPr>
+              <a:defRPr lang="en-US" dirty="0"/>
+            </a:lvl1pPr>
+          </a:lstStyle>
           <a:p>
             <a:r>
               <a:rPr lang="en-US"/>
               <a:t>Click to edit Master title style</a:t>
             </a:r>
+            <a:endParaRPr lang="en-US" dirty="0"/>
           </a:p>
         </p:txBody>
       </p:sp>
@@ -856,7 +863,7 @@
                 </a:solidFill>
               </a:defRPr>
             </a:lvl1pPr>
-            <a:lvl2pPr marL="457200" indent="0" algn="ctr">
+            <a:lvl2pPr marL="342900" indent="0" algn="ctr">
               <a:buNone/>
               <a:defRPr>
                 <a:solidFill>
@@ -866,7 +873,7 @@
                 </a:solidFill>
               </a:defRPr>
             </a:lvl2pPr>
-            <a:lvl3pPr marL="914400" indent="0" algn="ctr">
+            <a:lvl3pPr marL="685800" indent="0" algn="ctr">
               <a:buNone/>
               <a:defRPr>
                 <a:solidFill>
@@ -876,7 +883,7 @@
                 </a:solidFill>
               </a:defRPr>
             </a:lvl3pPr>
-            <a:lvl4pPr marL="1371600" indent="0" algn="ctr">
+            <a:lvl4pPr marL="1028700" indent="0" algn="ctr">
               <a:buNone/>
               <a:defRPr>
                 <a:solidFill>
@@ -886,7 +893,7 @@
                 </a:solidFill>
               </a:defRPr>
             </a:lvl4pPr>
-            <a:lvl5pPr marL="1828800" indent="0" algn="ctr">
+            <a:lvl5pPr marL="1371600" indent="0" algn="ctr">
               <a:buNone/>
               <a:defRPr>
                 <a:solidFill>
@@ -896,7 +903,7 @@
                 </a:solidFill>
               </a:defRPr>
             </a:lvl5pPr>
-            <a:lvl6pPr marL="2286000" indent="0" algn="ctr">
+            <a:lvl6pPr marL="1714500" indent="0" algn="ctr">
               <a:buNone/>
               <a:defRPr>
                 <a:solidFill>
@@ -906,7 +913,7 @@
                 </a:solidFill>
               </a:defRPr>
             </a:lvl6pPr>
-            <a:lvl7pPr marL="2743200" indent="0" algn="ctr">
+            <a:lvl7pPr marL="2057400" indent="0" algn="ctr">
               <a:buNone/>
               <a:defRPr>
                 <a:solidFill>
@@ -916,7 +923,7 @@
                 </a:solidFill>
               </a:defRPr>
             </a:lvl7pPr>
-            <a:lvl8pPr marL="3200400" indent="0" algn="ctr">
+            <a:lvl8pPr marL="2400300" indent="0" algn="ctr">
               <a:buNone/>
               <a:defRPr>
                 <a:solidFill>
@@ -926,7 +933,7 @@
                 </a:solidFill>
               </a:defRPr>
             </a:lvl8pPr>
-            <a:lvl9pPr marL="3657600" indent="0" algn="ctr">
+            <a:lvl9pPr marL="2743200" indent="0" algn="ctr">
               <a:buNone/>
               <a:defRPr>
                 <a:solidFill>
@@ -942,6 +949,7 @@
               <a:rPr lang="en-US"/>
               <a:t>Click to edit Master subtitle style</a:t>
             </a:r>
+            <a:endParaRPr lang="en-US" dirty="0"/>
           </a:p>
         </p:txBody>
       </p:sp>
@@ -962,7 +970,7 @@
           <a:p>
             <a:fld id="{1AE20A72-B8E1-46A7-AC63-F989E9C837CC}" type="datetimeFigureOut">
               <a:rPr lang="en-US" smtClean="0"/>
-              <a:t>5/18/2020</a:t>
+              <a:t>5/24/2020</a:t>
             </a:fld>
             <a:endParaRPr lang="en-US"/>
           </a:p>
@@ -1013,7 +1021,7 @@
     </p:spTree>
     <p:extLst>
       <p:ext uri="{BB962C8B-B14F-4D97-AF65-F5344CB8AC3E}">
-        <p14:creationId xmlns:p14="http://schemas.microsoft.com/office/powerpoint/2010/main" val="2200396847"/>
+        <p14:creationId xmlns:p14="http://schemas.microsoft.com/office/powerpoint/2010/main" val="1688550751"/>
       </p:ext>
     </p:extLst>
   </p:cSld>
@@ -1130,7 +1138,7 @@
           <a:p>
             <a:fld id="{1AE20A72-B8E1-46A7-AC63-F989E9C837CC}" type="datetimeFigureOut">
               <a:rPr lang="en-US" smtClean="0"/>
-              <a:t>5/18/2020</a:t>
+              <a:t>5/24/2020</a:t>
             </a:fld>
             <a:endParaRPr lang="en-US"/>
           </a:p>
@@ -1181,7 +1189,7 @@
     </p:spTree>
     <p:extLst>
       <p:ext uri="{BB962C8B-B14F-4D97-AF65-F5344CB8AC3E}">
-        <p14:creationId xmlns:p14="http://schemas.microsoft.com/office/powerpoint/2010/main" val="548842965"/>
+        <p14:creationId xmlns:p14="http://schemas.microsoft.com/office/powerpoint/2010/main" val="2324314000"/>
       </p:ext>
     </p:extLst>
   </p:cSld>
@@ -1220,7 +1228,7 @@
         </p:nvSpPr>
         <p:spPr>
           <a:xfrm>
-            <a:off x="6629400" y="274638"/>
+            <a:off x="6629400" y="274640"/>
             <a:ext cx="2057400" cy="5851525"/>
           </a:xfrm>
         </p:spPr>
@@ -1247,7 +1255,7 @@
         </p:nvSpPr>
         <p:spPr>
           <a:xfrm>
-            <a:off x="457200" y="274638"/>
+            <a:off x="457200" y="274640"/>
             <a:ext cx="6019800" cy="5851525"/>
           </a:xfrm>
         </p:spPr>
@@ -1308,7 +1316,7 @@
           <a:p>
             <a:fld id="{1AE20A72-B8E1-46A7-AC63-F989E9C837CC}" type="datetimeFigureOut">
               <a:rPr lang="en-US" smtClean="0"/>
-              <a:t>5/18/2020</a:t>
+              <a:t>5/24/2020</a:t>
             </a:fld>
             <a:endParaRPr lang="en-US"/>
           </a:p>
@@ -1359,7 +1367,7 @@
     </p:spTree>
     <p:extLst>
       <p:ext uri="{BB962C8B-B14F-4D97-AF65-F5344CB8AC3E}">
-        <p14:creationId xmlns:p14="http://schemas.microsoft.com/office/powerpoint/2010/main" val="3715520807"/>
+        <p14:creationId xmlns:p14="http://schemas.microsoft.com/office/powerpoint/2010/main" val="2276007310"/>
       </p:ext>
     </p:extLst>
   </p:cSld>
@@ -1422,53 +1430,83 @@
         <p:txBody>
           <a:bodyPr/>
           <a:lstStyle>
-            <a:lvl1pPr marL="342900" indent="-342900">
+            <a:lvl1pPr marL="257175" indent="-257175">
               <a:buFontTx/>
               <a:buBlip>
                 <a:blip r:embed="rId2"/>
               </a:buBlip>
-              <a:defRPr/>
+              <a:defRPr>
+                <a:latin typeface="Open Sans" panose="020B0606030504020204" pitchFamily="34" charset="0"/>
+                <a:ea typeface="Open Sans" panose="020B0606030504020204" pitchFamily="34" charset="0"/>
+                <a:cs typeface="Open Sans" panose="020B0606030504020204" pitchFamily="34" charset="0"/>
+              </a:defRPr>
             </a:lvl1pPr>
-            <a:lvl2pPr marL="742950" indent="-285750">
+            <a:lvl2pPr marL="557213" indent="-214313">
               <a:buFont typeface="Arial" pitchFamily="34" charset="0"/>
               <a:buChar char="•"/>
-              <a:defRPr/>
+              <a:defRPr>
+                <a:latin typeface="Open Sans" panose="020B0606030504020204" pitchFamily="34" charset="0"/>
+                <a:ea typeface="Open Sans" panose="020B0606030504020204" pitchFamily="34" charset="0"/>
+                <a:cs typeface="Open Sans" panose="020B0606030504020204" pitchFamily="34" charset="0"/>
+              </a:defRPr>
             </a:lvl2pPr>
+            <a:lvl3pPr>
+              <a:defRPr>
+                <a:latin typeface="Open Sans" panose="020B0606030504020204" pitchFamily="34" charset="0"/>
+                <a:ea typeface="Open Sans" panose="020B0606030504020204" pitchFamily="34" charset="0"/>
+                <a:cs typeface="Open Sans" panose="020B0606030504020204" pitchFamily="34" charset="0"/>
+              </a:defRPr>
+            </a:lvl3pPr>
+            <a:lvl4pPr>
+              <a:defRPr>
+                <a:latin typeface="Open Sans" panose="020B0606030504020204" pitchFamily="34" charset="0"/>
+                <a:ea typeface="Open Sans" panose="020B0606030504020204" pitchFamily="34" charset="0"/>
+                <a:cs typeface="Open Sans" panose="020B0606030504020204" pitchFamily="34" charset="0"/>
+              </a:defRPr>
+            </a:lvl4pPr>
+            <a:lvl5pPr>
+              <a:defRPr>
+                <a:latin typeface="Open Sans" panose="020B0606030504020204" pitchFamily="34" charset="0"/>
+                <a:ea typeface="Open Sans" panose="020B0606030504020204" pitchFamily="34" charset="0"/>
+                <a:cs typeface="Open Sans" panose="020B0606030504020204" pitchFamily="34" charset="0"/>
+              </a:defRPr>
+            </a:lvl5pPr>
           </a:lstStyle>
           <a:p>
             <a:pPr lvl="0"/>
             <a:r>
-              <a:rPr lang="en-US" dirty="0"/>
+              <a:rPr lang="en-US"/>
               <a:t>Click to edit Master text styles</a:t>
             </a:r>
           </a:p>
           <a:p>
             <a:pPr lvl="1"/>
             <a:r>
-              <a:rPr lang="en-US" dirty="0"/>
+              <a:rPr lang="en-US"/>
               <a:t>Second level</a:t>
             </a:r>
           </a:p>
           <a:p>
             <a:pPr lvl="2"/>
             <a:r>
-              <a:rPr lang="en-US" dirty="0"/>
+              <a:rPr lang="en-US"/>
               <a:t>Third level</a:t>
             </a:r>
           </a:p>
           <a:p>
             <a:pPr lvl="3"/>
             <a:r>
-              <a:rPr lang="en-US" dirty="0"/>
+              <a:rPr lang="en-US"/>
               <a:t>Fourth level</a:t>
             </a:r>
           </a:p>
           <a:p>
             <a:pPr lvl="4"/>
             <a:r>
-              <a:rPr lang="en-US" dirty="0"/>
+              <a:rPr lang="en-US"/>
               <a:t>Fifth level</a:t>
             </a:r>
+            <a:endParaRPr lang="en-US" dirty="0"/>
           </a:p>
         </p:txBody>
       </p:sp>
@@ -1489,7 +1527,7 @@
           <a:p>
             <a:fld id="{1AE20A72-B8E1-46A7-AC63-F989E9C837CC}" type="datetimeFigureOut">
               <a:rPr lang="en-US" smtClean="0"/>
-              <a:t>5/18/2020</a:t>
+              <a:t>5/24/2020</a:t>
             </a:fld>
             <a:endParaRPr lang="en-US"/>
           </a:p>
@@ -1505,7 +1543,12 @@
             <p:ph type="ftr" sz="quarter" idx="11"/>
           </p:nvPr>
         </p:nvSpPr>
-        <p:spPr/>
+        <p:spPr>
+          <a:xfrm>
+            <a:off x="3592121" y="6356352"/>
+            <a:ext cx="1959758" cy="365125"/>
+          </a:xfrm>
+        </p:spPr>
         <p:txBody>
           <a:bodyPr/>
           <a:lstStyle/>
@@ -1540,7 +1583,7 @@
     </p:spTree>
     <p:extLst>
       <p:ext uri="{BB962C8B-B14F-4D97-AF65-F5344CB8AC3E}">
-        <p14:creationId xmlns:p14="http://schemas.microsoft.com/office/powerpoint/2010/main" val="1889397462"/>
+        <p14:creationId xmlns:p14="http://schemas.microsoft.com/office/powerpoint/2010/main" val="535278267"/>
       </p:ext>
     </p:extLst>
   </p:cSld>
@@ -1579,7 +1622,7 @@
         </p:nvSpPr>
         <p:spPr>
           <a:xfrm>
-            <a:off x="722313" y="4406900"/>
+            <a:off x="722313" y="4406902"/>
             <a:ext cx="7772400" cy="1362075"/>
           </a:xfrm>
         </p:spPr>
@@ -1587,7 +1630,7 @@
           <a:bodyPr anchor="t"/>
           <a:lstStyle>
             <a:lvl1pPr algn="l">
-              <a:defRPr sz="4000" b="1" cap="all"/>
+              <a:defRPr sz="3000" b="1" cap="all"/>
             </a:lvl1pPr>
           </a:lstStyle>
           <a:p>
@@ -1619,7 +1662,7 @@
           <a:lstStyle>
             <a:lvl1pPr marL="0" indent="0">
               <a:buNone/>
-              <a:defRPr sz="2000">
+              <a:defRPr sz="1500">
                 <a:solidFill>
                   <a:schemeClr val="tx1">
                     <a:tint val="75000"/>
@@ -1627,9 +1670,9 @@
                 </a:solidFill>
               </a:defRPr>
             </a:lvl1pPr>
-            <a:lvl2pPr marL="457200" indent="0">
+            <a:lvl2pPr marL="342900" indent="0">
               <a:buNone/>
-              <a:defRPr sz="1800">
+              <a:defRPr sz="1350">
                 <a:solidFill>
                   <a:schemeClr val="tx1">
                     <a:tint val="75000"/>
@@ -1637,9 +1680,9 @@
                 </a:solidFill>
               </a:defRPr>
             </a:lvl2pPr>
-            <a:lvl3pPr marL="914400" indent="0">
+            <a:lvl3pPr marL="685800" indent="0">
               <a:buNone/>
-              <a:defRPr sz="1600">
+              <a:defRPr sz="1200">
                 <a:solidFill>
                   <a:schemeClr val="tx1">
                     <a:tint val="75000"/>
@@ -1647,9 +1690,9 @@
                 </a:solidFill>
               </a:defRPr>
             </a:lvl3pPr>
-            <a:lvl4pPr marL="1371600" indent="0">
+            <a:lvl4pPr marL="1028700" indent="0">
               <a:buNone/>
-              <a:defRPr sz="1400">
+              <a:defRPr sz="1050">
                 <a:solidFill>
                   <a:schemeClr val="tx1">
                     <a:tint val="75000"/>
@@ -1657,9 +1700,9 @@
                 </a:solidFill>
               </a:defRPr>
             </a:lvl4pPr>
-            <a:lvl5pPr marL="1828800" indent="0">
+            <a:lvl5pPr marL="1371600" indent="0">
               <a:buNone/>
-              <a:defRPr sz="1400">
+              <a:defRPr sz="1050">
                 <a:solidFill>
                   <a:schemeClr val="tx1">
                     <a:tint val="75000"/>
@@ -1667,9 +1710,9 @@
                 </a:solidFill>
               </a:defRPr>
             </a:lvl5pPr>
-            <a:lvl6pPr marL="2286000" indent="0">
+            <a:lvl6pPr marL="1714500" indent="0">
               <a:buNone/>
-              <a:defRPr sz="1400">
+              <a:defRPr sz="1050">
                 <a:solidFill>
                   <a:schemeClr val="tx1">
                     <a:tint val="75000"/>
@@ -1677,9 +1720,9 @@
                 </a:solidFill>
               </a:defRPr>
             </a:lvl6pPr>
-            <a:lvl7pPr marL="2743200" indent="0">
+            <a:lvl7pPr marL="2057400" indent="0">
               <a:buNone/>
-              <a:defRPr sz="1400">
+              <a:defRPr sz="1050">
                 <a:solidFill>
                   <a:schemeClr val="tx1">
                     <a:tint val="75000"/>
@@ -1687,9 +1730,9 @@
                 </a:solidFill>
               </a:defRPr>
             </a:lvl7pPr>
-            <a:lvl8pPr marL="3200400" indent="0">
+            <a:lvl8pPr marL="2400300" indent="0">
               <a:buNone/>
-              <a:defRPr sz="1400">
+              <a:defRPr sz="1050">
                 <a:solidFill>
                   <a:schemeClr val="tx1">
                     <a:tint val="75000"/>
@@ -1697,9 +1740,9 @@
                 </a:solidFill>
               </a:defRPr>
             </a:lvl8pPr>
-            <a:lvl9pPr marL="3657600" indent="0">
+            <a:lvl9pPr marL="2743200" indent="0">
               <a:buNone/>
-              <a:defRPr sz="1400">
+              <a:defRPr sz="1050">
                 <a:solidFill>
                   <a:schemeClr val="tx1">
                     <a:tint val="75000"/>
@@ -1734,7 +1777,7 @@
           <a:p>
             <a:fld id="{1AE20A72-B8E1-46A7-AC63-F989E9C837CC}" type="datetimeFigureOut">
               <a:rPr lang="en-US" smtClean="0"/>
-              <a:t>5/18/2020</a:t>
+              <a:t>5/24/2020</a:t>
             </a:fld>
             <a:endParaRPr lang="en-US"/>
           </a:p>
@@ -1785,7 +1828,7 @@
     </p:spTree>
     <p:extLst>
       <p:ext uri="{BB962C8B-B14F-4D97-AF65-F5344CB8AC3E}">
-        <p14:creationId xmlns:p14="http://schemas.microsoft.com/office/powerpoint/2010/main" val="758549296"/>
+        <p14:creationId xmlns:p14="http://schemas.microsoft.com/office/powerpoint/2010/main" val="3839767944"/>
       </p:ext>
     </p:extLst>
   </p:cSld>
@@ -1846,7 +1889,7 @@
         </p:nvSpPr>
         <p:spPr>
           <a:xfrm>
-            <a:off x="457200" y="1600200"/>
+            <a:off x="457200" y="1600202"/>
             <a:ext cx="4038600" cy="4525963"/>
           </a:xfrm>
         </p:spPr>
@@ -1854,31 +1897,31 @@
           <a:bodyPr/>
           <a:lstStyle>
             <a:lvl1pPr>
-              <a:defRPr sz="2800"/>
+              <a:defRPr sz="2100"/>
             </a:lvl1pPr>
             <a:lvl2pPr>
-              <a:defRPr sz="2400"/>
+              <a:defRPr sz="1800"/>
             </a:lvl2pPr>
             <a:lvl3pPr>
-              <a:defRPr sz="2000"/>
+              <a:defRPr sz="1500"/>
             </a:lvl3pPr>
             <a:lvl4pPr>
-              <a:defRPr sz="1800"/>
+              <a:defRPr sz="1350"/>
             </a:lvl4pPr>
             <a:lvl5pPr>
-              <a:defRPr sz="1800"/>
+              <a:defRPr sz="1350"/>
             </a:lvl5pPr>
             <a:lvl6pPr>
-              <a:defRPr sz="1800"/>
+              <a:defRPr sz="1350"/>
             </a:lvl6pPr>
             <a:lvl7pPr>
-              <a:defRPr sz="1800"/>
+              <a:defRPr sz="1350"/>
             </a:lvl7pPr>
             <a:lvl8pPr>
-              <a:defRPr sz="1800"/>
+              <a:defRPr sz="1350"/>
             </a:lvl8pPr>
             <a:lvl9pPr>
-              <a:defRPr sz="1800"/>
+              <a:defRPr sz="1350"/>
             </a:lvl9pPr>
           </a:lstStyle>
           <a:p>
@@ -1915,6 +1958,7 @@
               <a:rPr lang="en-US"/>
               <a:t>Fifth level</a:t>
             </a:r>
+            <a:endParaRPr lang="en-US" dirty="0"/>
           </a:p>
         </p:txBody>
       </p:sp>
@@ -1930,7 +1974,7 @@
         </p:nvSpPr>
         <p:spPr>
           <a:xfrm>
-            <a:off x="4648200" y="1600200"/>
+            <a:off x="4648200" y="1600202"/>
             <a:ext cx="4038600" cy="4525963"/>
           </a:xfrm>
         </p:spPr>
@@ -1938,31 +1982,31 @@
           <a:bodyPr/>
           <a:lstStyle>
             <a:lvl1pPr>
-              <a:defRPr sz="2800"/>
+              <a:defRPr sz="2100"/>
             </a:lvl1pPr>
             <a:lvl2pPr>
-              <a:defRPr sz="2400"/>
+              <a:defRPr sz="1800"/>
             </a:lvl2pPr>
             <a:lvl3pPr>
-              <a:defRPr sz="2000"/>
+              <a:defRPr sz="1500"/>
             </a:lvl3pPr>
             <a:lvl4pPr>
-              <a:defRPr sz="1800"/>
+              <a:defRPr sz="1350"/>
             </a:lvl4pPr>
             <a:lvl5pPr>
-              <a:defRPr sz="1800"/>
+              <a:defRPr sz="1350"/>
             </a:lvl5pPr>
             <a:lvl6pPr>
-              <a:defRPr sz="1800"/>
+              <a:defRPr sz="1350"/>
             </a:lvl6pPr>
             <a:lvl7pPr>
-              <a:defRPr sz="1800"/>
+              <a:defRPr sz="1350"/>
             </a:lvl7pPr>
             <a:lvl8pPr>
-              <a:defRPr sz="1800"/>
+              <a:defRPr sz="1350"/>
             </a:lvl8pPr>
             <a:lvl9pPr>
-              <a:defRPr sz="1800"/>
+              <a:defRPr sz="1350"/>
             </a:lvl9pPr>
           </a:lstStyle>
           <a:p>
@@ -2019,7 +2063,7 @@
           <a:p>
             <a:fld id="{1AE20A72-B8E1-46A7-AC63-F989E9C837CC}" type="datetimeFigureOut">
               <a:rPr lang="en-US" smtClean="0"/>
-              <a:t>5/18/2020</a:t>
+              <a:t>5/24/2020</a:t>
             </a:fld>
             <a:endParaRPr lang="en-US"/>
           </a:p>
@@ -2070,7 +2114,7 @@
     </p:spTree>
     <p:extLst>
       <p:ext uri="{BB962C8B-B14F-4D97-AF65-F5344CB8AC3E}">
-        <p14:creationId xmlns:p14="http://schemas.microsoft.com/office/powerpoint/2010/main" val="1121611029"/>
+        <p14:creationId xmlns:p14="http://schemas.microsoft.com/office/powerpoint/2010/main" val="4117604423"/>
       </p:ext>
     </p:extLst>
   </p:cSld>
@@ -2144,39 +2188,39 @@
           <a:lstStyle>
             <a:lvl1pPr marL="0" indent="0">
               <a:buNone/>
-              <a:defRPr sz="2400" b="1"/>
+              <a:defRPr sz="1800" b="1"/>
             </a:lvl1pPr>
-            <a:lvl2pPr marL="457200" indent="0">
+            <a:lvl2pPr marL="342900" indent="0">
               <a:buNone/>
-              <a:defRPr sz="2000" b="1"/>
+              <a:defRPr sz="1500" b="1"/>
             </a:lvl2pPr>
-            <a:lvl3pPr marL="914400" indent="0">
+            <a:lvl3pPr marL="685800" indent="0">
               <a:buNone/>
-              <a:defRPr sz="1800" b="1"/>
+              <a:defRPr sz="1350" b="1"/>
             </a:lvl3pPr>
-            <a:lvl4pPr marL="1371600" indent="0">
+            <a:lvl4pPr marL="1028700" indent="0">
               <a:buNone/>
-              <a:defRPr sz="1600" b="1"/>
+              <a:defRPr sz="1200" b="1"/>
             </a:lvl4pPr>
-            <a:lvl5pPr marL="1828800" indent="0">
+            <a:lvl5pPr marL="1371600" indent="0">
               <a:buNone/>
-              <a:defRPr sz="1600" b="1"/>
+              <a:defRPr sz="1200" b="1"/>
             </a:lvl5pPr>
-            <a:lvl6pPr marL="2286000" indent="0">
+            <a:lvl6pPr marL="1714500" indent="0">
               <a:buNone/>
-              <a:defRPr sz="1600" b="1"/>
+              <a:defRPr sz="1200" b="1"/>
             </a:lvl6pPr>
-            <a:lvl7pPr marL="2743200" indent="0">
+            <a:lvl7pPr marL="2057400" indent="0">
               <a:buNone/>
-              <a:defRPr sz="1600" b="1"/>
+              <a:defRPr sz="1200" b="1"/>
             </a:lvl7pPr>
-            <a:lvl8pPr marL="3200400" indent="0">
+            <a:lvl8pPr marL="2400300" indent="0">
               <a:buNone/>
-              <a:defRPr sz="1600" b="1"/>
+              <a:defRPr sz="1200" b="1"/>
             </a:lvl8pPr>
-            <a:lvl9pPr marL="3657600" indent="0">
+            <a:lvl9pPr marL="2743200" indent="0">
               <a:buNone/>
-              <a:defRPr sz="1600" b="1"/>
+              <a:defRPr sz="1200" b="1"/>
             </a:lvl9pPr>
           </a:lstStyle>
           <a:p>
@@ -2208,31 +2252,31 @@
           <a:bodyPr/>
           <a:lstStyle>
             <a:lvl1pPr>
-              <a:defRPr sz="2400"/>
+              <a:defRPr sz="1800"/>
             </a:lvl1pPr>
             <a:lvl2pPr>
-              <a:defRPr sz="2000"/>
+              <a:defRPr sz="1500"/>
             </a:lvl2pPr>
             <a:lvl3pPr>
-              <a:defRPr sz="1800"/>
+              <a:defRPr sz="1350"/>
             </a:lvl3pPr>
             <a:lvl4pPr>
-              <a:defRPr sz="1600"/>
+              <a:defRPr sz="1200"/>
             </a:lvl4pPr>
             <a:lvl5pPr>
-              <a:defRPr sz="1600"/>
+              <a:defRPr sz="1200"/>
             </a:lvl5pPr>
             <a:lvl6pPr>
-              <a:defRPr sz="1600"/>
+              <a:defRPr sz="1200"/>
             </a:lvl6pPr>
             <a:lvl7pPr>
-              <a:defRPr sz="1600"/>
+              <a:defRPr sz="1200"/>
             </a:lvl7pPr>
             <a:lvl8pPr>
-              <a:defRPr sz="1600"/>
+              <a:defRPr sz="1200"/>
             </a:lvl8pPr>
             <a:lvl9pPr>
-              <a:defRPr sz="1600"/>
+              <a:defRPr sz="1200"/>
             </a:lvl9pPr>
           </a:lstStyle>
           <a:p>
@@ -2284,7 +2328,7 @@
         </p:nvSpPr>
         <p:spPr>
           <a:xfrm>
-            <a:off x="4645025" y="1535113"/>
+            <a:off x="4645026" y="1535113"/>
             <a:ext cx="4041775" cy="639762"/>
           </a:xfrm>
         </p:spPr>
@@ -2293,39 +2337,39 @@
           <a:lstStyle>
             <a:lvl1pPr marL="0" indent="0">
               <a:buNone/>
-              <a:defRPr sz="2400" b="1"/>
+              <a:defRPr sz="1800" b="1"/>
             </a:lvl1pPr>
-            <a:lvl2pPr marL="457200" indent="0">
+            <a:lvl2pPr marL="342900" indent="0">
               <a:buNone/>
-              <a:defRPr sz="2000" b="1"/>
+              <a:defRPr sz="1500" b="1"/>
             </a:lvl2pPr>
-            <a:lvl3pPr marL="914400" indent="0">
+            <a:lvl3pPr marL="685800" indent="0">
               <a:buNone/>
-              <a:defRPr sz="1800" b="1"/>
+              <a:defRPr sz="1350" b="1"/>
             </a:lvl3pPr>
-            <a:lvl4pPr marL="1371600" indent="0">
+            <a:lvl4pPr marL="1028700" indent="0">
               <a:buNone/>
-              <a:defRPr sz="1600" b="1"/>
+              <a:defRPr sz="1200" b="1"/>
             </a:lvl4pPr>
-            <a:lvl5pPr marL="1828800" indent="0">
+            <a:lvl5pPr marL="1371600" indent="0">
               <a:buNone/>
-              <a:defRPr sz="1600" b="1"/>
+              <a:defRPr sz="1200" b="1"/>
             </a:lvl5pPr>
-            <a:lvl6pPr marL="2286000" indent="0">
+            <a:lvl6pPr marL="1714500" indent="0">
               <a:buNone/>
-              <a:defRPr sz="1600" b="1"/>
+              <a:defRPr sz="1200" b="1"/>
             </a:lvl6pPr>
-            <a:lvl7pPr marL="2743200" indent="0">
+            <a:lvl7pPr marL="2057400" indent="0">
               <a:buNone/>
-              <a:defRPr sz="1600" b="1"/>
+              <a:defRPr sz="1200" b="1"/>
             </a:lvl7pPr>
-            <a:lvl8pPr marL="3200400" indent="0">
+            <a:lvl8pPr marL="2400300" indent="0">
               <a:buNone/>
-              <a:defRPr sz="1600" b="1"/>
+              <a:defRPr sz="1200" b="1"/>
             </a:lvl8pPr>
-            <a:lvl9pPr marL="3657600" indent="0">
+            <a:lvl9pPr marL="2743200" indent="0">
               <a:buNone/>
-              <a:defRPr sz="1600" b="1"/>
+              <a:defRPr sz="1200" b="1"/>
             </a:lvl9pPr>
           </a:lstStyle>
           <a:p>
@@ -2349,7 +2393,7 @@
         </p:nvSpPr>
         <p:spPr>
           <a:xfrm>
-            <a:off x="4645025" y="2174875"/>
+            <a:off x="4645026" y="2174875"/>
             <a:ext cx="4041775" cy="3951288"/>
           </a:xfrm>
         </p:spPr>
@@ -2357,31 +2401,31 @@
           <a:bodyPr/>
           <a:lstStyle>
             <a:lvl1pPr>
-              <a:defRPr sz="2400"/>
+              <a:defRPr sz="1800"/>
             </a:lvl1pPr>
             <a:lvl2pPr>
-              <a:defRPr sz="2000"/>
+              <a:defRPr sz="1500"/>
             </a:lvl2pPr>
             <a:lvl3pPr>
-              <a:defRPr sz="1800"/>
+              <a:defRPr sz="1350"/>
             </a:lvl3pPr>
             <a:lvl4pPr>
-              <a:defRPr sz="1600"/>
+              <a:defRPr sz="1200"/>
             </a:lvl4pPr>
             <a:lvl5pPr>
-              <a:defRPr sz="1600"/>
+              <a:defRPr sz="1200"/>
             </a:lvl5pPr>
             <a:lvl6pPr>
-              <a:defRPr sz="1600"/>
+              <a:defRPr sz="1200"/>
             </a:lvl6pPr>
             <a:lvl7pPr>
-              <a:defRPr sz="1600"/>
+              <a:defRPr sz="1200"/>
             </a:lvl7pPr>
             <a:lvl8pPr>
-              <a:defRPr sz="1600"/>
+              <a:defRPr sz="1200"/>
             </a:lvl8pPr>
             <a:lvl9pPr>
-              <a:defRPr sz="1600"/>
+              <a:defRPr sz="1200"/>
             </a:lvl9pPr>
           </a:lstStyle>
           <a:p>
@@ -2438,7 +2482,7 @@
           <a:p>
             <a:fld id="{1AE20A72-B8E1-46A7-AC63-F989E9C837CC}" type="datetimeFigureOut">
               <a:rPr lang="en-US" smtClean="0"/>
-              <a:t>5/18/2020</a:t>
+              <a:t>5/24/2020</a:t>
             </a:fld>
             <a:endParaRPr lang="en-US"/>
           </a:p>
@@ -2489,7 +2533,7 @@
     </p:spTree>
     <p:extLst>
       <p:ext uri="{BB962C8B-B14F-4D97-AF65-F5344CB8AC3E}">
-        <p14:creationId xmlns:p14="http://schemas.microsoft.com/office/powerpoint/2010/main" val="261608381"/>
+        <p14:creationId xmlns:p14="http://schemas.microsoft.com/office/powerpoint/2010/main" val="1057720110"/>
       </p:ext>
     </p:extLst>
   </p:cSld>
@@ -2555,7 +2599,7 @@
           <a:p>
             <a:fld id="{1AE20A72-B8E1-46A7-AC63-F989E9C837CC}" type="datetimeFigureOut">
               <a:rPr lang="en-US" smtClean="0"/>
-              <a:t>5/18/2020</a:t>
+              <a:t>5/24/2020</a:t>
             </a:fld>
             <a:endParaRPr lang="en-US"/>
           </a:p>
@@ -2606,7 +2650,7 @@
     </p:spTree>
     <p:extLst>
       <p:ext uri="{BB962C8B-B14F-4D97-AF65-F5344CB8AC3E}">
-        <p14:creationId xmlns:p14="http://schemas.microsoft.com/office/powerpoint/2010/main" val="4188464020"/>
+        <p14:creationId xmlns:p14="http://schemas.microsoft.com/office/powerpoint/2010/main" val="847503712"/>
       </p:ext>
     </p:extLst>
   </p:cSld>
@@ -2650,7 +2694,7 @@
           <a:p>
             <a:fld id="{1AE20A72-B8E1-46A7-AC63-F989E9C837CC}" type="datetimeFigureOut">
               <a:rPr lang="en-US" smtClean="0"/>
-              <a:t>5/18/2020</a:t>
+              <a:t>5/24/2020</a:t>
             </a:fld>
             <a:endParaRPr lang="en-US"/>
           </a:p>
@@ -2701,7 +2745,7 @@
     </p:spTree>
     <p:extLst>
       <p:ext uri="{BB962C8B-B14F-4D97-AF65-F5344CB8AC3E}">
-        <p14:creationId xmlns:p14="http://schemas.microsoft.com/office/powerpoint/2010/main" val="610223785"/>
+        <p14:creationId xmlns:p14="http://schemas.microsoft.com/office/powerpoint/2010/main" val="410738377"/>
       </p:ext>
     </p:extLst>
   </p:cSld>
@@ -2740,7 +2784,7 @@
         </p:nvSpPr>
         <p:spPr>
           <a:xfrm>
-            <a:off x="457200" y="273050"/>
+            <a:off x="457201" y="273050"/>
             <a:ext cx="3008313" cy="1162050"/>
           </a:xfrm>
         </p:spPr>
@@ -2748,7 +2792,7 @@
           <a:bodyPr anchor="b"/>
           <a:lstStyle>
             <a:lvl1pPr algn="l">
-              <a:defRPr sz="2000" b="1"/>
+              <a:defRPr sz="1500" b="1"/>
             </a:lvl1pPr>
           </a:lstStyle>
           <a:p>
@@ -2771,7 +2815,7 @@
         </p:nvSpPr>
         <p:spPr>
           <a:xfrm>
-            <a:off x="3575050" y="273050"/>
+            <a:off x="3575050" y="273052"/>
             <a:ext cx="5111750" cy="5853113"/>
           </a:xfrm>
         </p:spPr>
@@ -2779,31 +2823,31 @@
           <a:bodyPr/>
           <a:lstStyle>
             <a:lvl1pPr>
-              <a:defRPr sz="3200"/>
+              <a:defRPr sz="2400"/>
             </a:lvl1pPr>
             <a:lvl2pPr>
-              <a:defRPr sz="2800"/>
+              <a:defRPr sz="2100"/>
             </a:lvl2pPr>
             <a:lvl3pPr>
-              <a:defRPr sz="2400"/>
+              <a:defRPr sz="1800"/>
             </a:lvl3pPr>
             <a:lvl4pPr>
-              <a:defRPr sz="2000"/>
+              <a:defRPr sz="1500"/>
             </a:lvl4pPr>
             <a:lvl5pPr>
-              <a:defRPr sz="2000"/>
+              <a:defRPr sz="1500"/>
             </a:lvl5pPr>
             <a:lvl6pPr>
-              <a:defRPr sz="2000"/>
+              <a:defRPr sz="1500"/>
             </a:lvl6pPr>
             <a:lvl7pPr>
-              <a:defRPr sz="2000"/>
+              <a:defRPr sz="1500"/>
             </a:lvl7pPr>
             <a:lvl8pPr>
-              <a:defRPr sz="2000"/>
+              <a:defRPr sz="1500"/>
             </a:lvl8pPr>
             <a:lvl9pPr>
-              <a:defRPr sz="2000"/>
+              <a:defRPr sz="1500"/>
             </a:lvl9pPr>
           </a:lstStyle>
           <a:p>
@@ -2855,7 +2899,7 @@
         </p:nvSpPr>
         <p:spPr>
           <a:xfrm>
-            <a:off x="457200" y="1435100"/>
+            <a:off x="457201" y="1435102"/>
             <a:ext cx="3008313" cy="4691063"/>
           </a:xfrm>
         </p:spPr>
@@ -2864,39 +2908,39 @@
           <a:lstStyle>
             <a:lvl1pPr marL="0" indent="0">
               <a:buNone/>
-              <a:defRPr sz="1400"/>
+              <a:defRPr sz="1050"/>
             </a:lvl1pPr>
-            <a:lvl2pPr marL="457200" indent="0">
-              <a:buNone/>
-              <a:defRPr sz="1200"/>
-            </a:lvl2pPr>
-            <a:lvl3pPr marL="914400" indent="0">
-              <a:buNone/>
-              <a:defRPr sz="1000"/>
-            </a:lvl3pPr>
-            <a:lvl4pPr marL="1371600" indent="0">
+            <a:lvl2pPr marL="342900" indent="0">
               <a:buNone/>
               <a:defRPr sz="900"/>
+            </a:lvl2pPr>
+            <a:lvl3pPr marL="685800" indent="0">
+              <a:buNone/>
+              <a:defRPr sz="750"/>
+            </a:lvl3pPr>
+            <a:lvl4pPr marL="1028700" indent="0">
+              <a:buNone/>
+              <a:defRPr sz="675"/>
             </a:lvl4pPr>
-            <a:lvl5pPr marL="1828800" indent="0">
+            <a:lvl5pPr marL="1371600" indent="0">
               <a:buNone/>
-              <a:defRPr sz="900"/>
+              <a:defRPr sz="675"/>
             </a:lvl5pPr>
-            <a:lvl6pPr marL="2286000" indent="0">
+            <a:lvl6pPr marL="1714500" indent="0">
               <a:buNone/>
-              <a:defRPr sz="900"/>
+              <a:defRPr sz="675"/>
             </a:lvl6pPr>
-            <a:lvl7pPr marL="2743200" indent="0">
+            <a:lvl7pPr marL="2057400" indent="0">
               <a:buNone/>
-              <a:defRPr sz="900"/>
+              <a:defRPr sz="675"/>
             </a:lvl7pPr>
-            <a:lvl8pPr marL="3200400" indent="0">
+            <a:lvl8pPr marL="2400300" indent="0">
               <a:buNone/>
-              <a:defRPr sz="900"/>
+              <a:defRPr sz="675"/>
             </a:lvl8pPr>
-            <a:lvl9pPr marL="3657600" indent="0">
+            <a:lvl9pPr marL="2743200" indent="0">
               <a:buNone/>
-              <a:defRPr sz="900"/>
+              <a:defRPr sz="675"/>
             </a:lvl9pPr>
           </a:lstStyle>
           <a:p>
@@ -2925,7 +2969,7 @@
           <a:p>
             <a:fld id="{1AE20A72-B8E1-46A7-AC63-F989E9C837CC}" type="datetimeFigureOut">
               <a:rPr lang="en-US" smtClean="0"/>
-              <a:t>5/18/2020</a:t>
+              <a:t>5/24/2020</a:t>
             </a:fld>
             <a:endParaRPr lang="en-US"/>
           </a:p>
@@ -2976,7 +3020,7 @@
     </p:spTree>
     <p:extLst>
       <p:ext uri="{BB962C8B-B14F-4D97-AF65-F5344CB8AC3E}">
-        <p14:creationId xmlns:p14="http://schemas.microsoft.com/office/powerpoint/2010/main" val="2755215142"/>
+        <p14:creationId xmlns:p14="http://schemas.microsoft.com/office/powerpoint/2010/main" val="3114817850"/>
       </p:ext>
     </p:extLst>
   </p:cSld>
@@ -3023,7 +3067,7 @@
           <a:bodyPr anchor="b"/>
           <a:lstStyle>
             <a:lvl1pPr algn="l">
-              <a:defRPr sz="2000" b="1"/>
+              <a:defRPr sz="1500" b="1"/>
             </a:lvl1pPr>
           </a:lstStyle>
           <a:p>
@@ -3055,39 +3099,39 @@
           <a:lstStyle>
             <a:lvl1pPr marL="0" indent="0">
               <a:buNone/>
-              <a:defRPr sz="3200"/>
+              <a:defRPr sz="2400"/>
             </a:lvl1pPr>
-            <a:lvl2pPr marL="457200" indent="0">
+            <a:lvl2pPr marL="342900" indent="0">
               <a:buNone/>
-              <a:defRPr sz="2800"/>
+              <a:defRPr sz="2100"/>
             </a:lvl2pPr>
-            <a:lvl3pPr marL="914400" indent="0">
+            <a:lvl3pPr marL="685800" indent="0">
               <a:buNone/>
-              <a:defRPr sz="2400"/>
+              <a:defRPr sz="1800"/>
             </a:lvl3pPr>
-            <a:lvl4pPr marL="1371600" indent="0">
+            <a:lvl4pPr marL="1028700" indent="0">
               <a:buNone/>
-              <a:defRPr sz="2000"/>
+              <a:defRPr sz="1500"/>
             </a:lvl4pPr>
-            <a:lvl5pPr marL="1828800" indent="0">
+            <a:lvl5pPr marL="1371600" indent="0">
               <a:buNone/>
-              <a:defRPr sz="2000"/>
+              <a:defRPr sz="1500"/>
             </a:lvl5pPr>
-            <a:lvl6pPr marL="2286000" indent="0">
+            <a:lvl6pPr marL="1714500" indent="0">
               <a:buNone/>
-              <a:defRPr sz="2000"/>
+              <a:defRPr sz="1500"/>
             </a:lvl6pPr>
-            <a:lvl7pPr marL="2743200" indent="0">
+            <a:lvl7pPr marL="2057400" indent="0">
               <a:buNone/>
-              <a:defRPr sz="2000"/>
+              <a:defRPr sz="1500"/>
             </a:lvl7pPr>
-            <a:lvl8pPr marL="3200400" indent="0">
+            <a:lvl8pPr marL="2400300" indent="0">
               <a:buNone/>
-              <a:defRPr sz="2000"/>
+              <a:defRPr sz="1500"/>
             </a:lvl8pPr>
-            <a:lvl9pPr marL="3657600" indent="0">
+            <a:lvl9pPr marL="2743200" indent="0">
               <a:buNone/>
-              <a:defRPr sz="2000"/>
+              <a:defRPr sz="1500"/>
             </a:lvl9pPr>
           </a:lstStyle>
           <a:p>
@@ -3119,39 +3163,39 @@
           <a:lstStyle>
             <a:lvl1pPr marL="0" indent="0">
               <a:buNone/>
-              <a:defRPr sz="1400"/>
+              <a:defRPr sz="1050"/>
             </a:lvl1pPr>
-            <a:lvl2pPr marL="457200" indent="0">
-              <a:buNone/>
-              <a:defRPr sz="1200"/>
-            </a:lvl2pPr>
-            <a:lvl3pPr marL="914400" indent="0">
-              <a:buNone/>
-              <a:defRPr sz="1000"/>
-            </a:lvl3pPr>
-            <a:lvl4pPr marL="1371600" indent="0">
+            <a:lvl2pPr marL="342900" indent="0">
               <a:buNone/>
               <a:defRPr sz="900"/>
+            </a:lvl2pPr>
+            <a:lvl3pPr marL="685800" indent="0">
+              <a:buNone/>
+              <a:defRPr sz="750"/>
+            </a:lvl3pPr>
+            <a:lvl4pPr marL="1028700" indent="0">
+              <a:buNone/>
+              <a:defRPr sz="675"/>
             </a:lvl4pPr>
-            <a:lvl5pPr marL="1828800" indent="0">
+            <a:lvl5pPr marL="1371600" indent="0">
               <a:buNone/>
-              <a:defRPr sz="900"/>
+              <a:defRPr sz="675"/>
             </a:lvl5pPr>
-            <a:lvl6pPr marL="2286000" indent="0">
+            <a:lvl6pPr marL="1714500" indent="0">
               <a:buNone/>
-              <a:defRPr sz="900"/>
+              <a:defRPr sz="675"/>
             </a:lvl6pPr>
-            <a:lvl7pPr marL="2743200" indent="0">
+            <a:lvl7pPr marL="2057400" indent="0">
               <a:buNone/>
-              <a:defRPr sz="900"/>
+              <a:defRPr sz="675"/>
             </a:lvl7pPr>
-            <a:lvl8pPr marL="3200400" indent="0">
+            <a:lvl8pPr marL="2400300" indent="0">
               <a:buNone/>
-              <a:defRPr sz="900"/>
+              <a:defRPr sz="675"/>
             </a:lvl8pPr>
-            <a:lvl9pPr marL="3657600" indent="0">
+            <a:lvl9pPr marL="2743200" indent="0">
               <a:buNone/>
-              <a:defRPr sz="900"/>
+              <a:defRPr sz="675"/>
             </a:lvl9pPr>
           </a:lstStyle>
           <a:p>
@@ -3180,7 +3224,7 @@
           <a:p>
             <a:fld id="{1AE20A72-B8E1-46A7-AC63-F989E9C837CC}" type="datetimeFigureOut">
               <a:rPr lang="en-US" smtClean="0"/>
-              <a:t>5/18/2020</a:t>
+              <a:t>5/24/2020</a:t>
             </a:fld>
             <a:endParaRPr lang="en-US"/>
           </a:p>
@@ -3231,7 +3275,7 @@
     </p:spTree>
     <p:extLst>
       <p:ext uri="{BB962C8B-B14F-4D97-AF65-F5344CB8AC3E}">
-        <p14:creationId xmlns:p14="http://schemas.microsoft.com/office/powerpoint/2010/main" val="2714998122"/>
+        <p14:creationId xmlns:p14="http://schemas.microsoft.com/office/powerpoint/2010/main" val="3561245095"/>
       </p:ext>
     </p:extLst>
   </p:cSld>
@@ -3245,9 +3289,24 @@
 <p:sldMaster xmlns:a="http://schemas.openxmlformats.org/drawingml/2006/main" xmlns:r="http://schemas.openxmlformats.org/officeDocument/2006/relationships" xmlns:p="http://schemas.openxmlformats.org/presentationml/2006/main">
   <p:cSld>
     <p:bg>
-      <p:bgRef idx="1001">
-        <a:schemeClr val="bg1"/>
-      </p:bgRef>
+      <p:bgPr>
+        <a:blipFill dpi="0" rotWithShape="1">
+          <a:blip r:embed="rId13">
+            <a:alphaModFix amt="32000"/>
+            <a:lum/>
+            <a:extLst>
+              <a:ext uri="{28A0092B-C50C-407E-A947-70E740481C1C}">
+                <a14:useLocalDpi xmlns:a14="http://schemas.microsoft.com/office/drawing/2010/main"/>
+              </a:ext>
+            </a:extLst>
+          </a:blip>
+          <a:srcRect/>
+          <a:stretch>
+            <a:fillRect/>
+          </a:stretch>
+        </a:blipFill>
+        <a:effectLst/>
+      </p:bgPr>
     </p:bg>
     <p:spTree>
       <p:nvGrpSpPr>
@@ -3308,7 +3367,7 @@
         </p:nvSpPr>
         <p:spPr>
           <a:xfrm>
-            <a:off x="457200" y="1600200"/>
+            <a:off x="457200" y="1600202"/>
             <a:ext cx="8229600" cy="4525963"/>
           </a:xfrm>
           <a:prstGeom prst="rect">
@@ -3323,37 +3382,38 @@
           <a:p>
             <a:pPr lvl="0"/>
             <a:r>
-              <a:rPr lang="en-US" dirty="0"/>
+              <a:rPr lang="en-US"/>
               <a:t>Click to edit Master text styles</a:t>
             </a:r>
           </a:p>
           <a:p>
             <a:pPr lvl="1"/>
             <a:r>
-              <a:rPr lang="en-US" dirty="0"/>
+              <a:rPr lang="en-US"/>
               <a:t>Second level</a:t>
             </a:r>
           </a:p>
           <a:p>
             <a:pPr lvl="2"/>
             <a:r>
-              <a:rPr lang="en-US" dirty="0"/>
+              <a:rPr lang="en-US"/>
               <a:t>Third level</a:t>
             </a:r>
           </a:p>
           <a:p>
             <a:pPr lvl="3"/>
             <a:r>
-              <a:rPr lang="en-US" dirty="0"/>
+              <a:rPr lang="en-US"/>
               <a:t>Fourth level</a:t>
             </a:r>
           </a:p>
           <a:p>
             <a:pPr lvl="4"/>
             <a:r>
-              <a:rPr lang="en-US" dirty="0"/>
+              <a:rPr lang="en-US"/>
               <a:t>Fifth level</a:t>
             </a:r>
+            <a:endParaRPr lang="en-US" dirty="0"/>
           </a:p>
         </p:txBody>
       </p:sp>
@@ -3369,7 +3429,7 @@
         </p:nvSpPr>
         <p:spPr>
           <a:xfrm>
-            <a:off x="457200" y="6356350"/>
+            <a:off x="457200" y="6356352"/>
             <a:ext cx="2133600" cy="365125"/>
           </a:xfrm>
           <a:prstGeom prst="rect">
@@ -3380,7 +3440,7 @@
           <a:bodyPr vert="horz" lIns="91440" tIns="45720" rIns="91440" bIns="45720" rtlCol="0" anchor="ctr"/>
           <a:lstStyle>
             <a:lvl1pPr algn="l">
-              <a:defRPr sz="1200">
+              <a:defRPr sz="900">
                 <a:solidFill>
                   <a:schemeClr val="tx1">
                     <a:tint val="75000"/>
@@ -3392,7 +3452,7 @@
           <a:p>
             <a:fld id="{1AE20A72-B8E1-46A7-AC63-F989E9C837CC}" type="datetimeFigureOut">
               <a:rPr lang="en-US" smtClean="0"/>
-              <a:t>5/18/2020</a:t>
+              <a:t>5/24/2020</a:t>
             </a:fld>
             <a:endParaRPr lang="en-US"/>
           </a:p>
@@ -3410,7 +3470,7 @@
         </p:nvSpPr>
         <p:spPr>
           <a:xfrm>
-            <a:off x="3124200" y="6356350"/>
+            <a:off x="3124200" y="6356352"/>
             <a:ext cx="2895600" cy="365125"/>
           </a:xfrm>
           <a:prstGeom prst="rect">
@@ -3421,7 +3481,7 @@
           <a:bodyPr vert="horz" lIns="91440" tIns="45720" rIns="91440" bIns="45720" rtlCol="0" anchor="ctr"/>
           <a:lstStyle>
             <a:lvl1pPr algn="ctr">
-              <a:defRPr sz="1200">
+              <a:defRPr sz="900">
                 <a:solidFill>
                   <a:schemeClr val="tx1">
                     <a:tint val="75000"/>
@@ -3447,7 +3507,7 @@
         </p:nvSpPr>
         <p:spPr>
           <a:xfrm>
-            <a:off x="6553200" y="6356350"/>
+            <a:off x="6553200" y="6356352"/>
             <a:ext cx="2133600" cy="365125"/>
           </a:xfrm>
           <a:prstGeom prst="rect">
@@ -3458,7 +3518,7 @@
           <a:bodyPr vert="horz" lIns="91440" tIns="45720" rIns="91440" bIns="45720" rtlCol="0" anchor="ctr"/>
           <a:lstStyle>
             <a:lvl1pPr algn="r">
-              <a:defRPr sz="1200">
+              <a:defRPr sz="900">
                 <a:solidFill>
                   <a:schemeClr val="tx1">
                     <a:tint val="75000"/>
@@ -3478,10 +3538,10 @@
       </p:sp>
       <p:pic>
         <p:nvPicPr>
-          <p:cNvPr id="11" name="Picture 10">
+          <p:cNvPr id="8" name="Picture 7">
             <a:extLst>
               <a:ext uri="{FF2B5EF4-FFF2-40B4-BE49-F238E27FC236}">
-                <a16:creationId xmlns:a16="http://schemas.microsoft.com/office/drawing/2014/main" id="{47D76327-C7FA-4FA5-BEFD-197F387864C7}"/>
+                <a16:creationId xmlns:a16="http://schemas.microsoft.com/office/drawing/2014/main" id="{8B8A3DD6-1A6E-4C79-B334-6AC82F42E793}"/>
               </a:ext>
             </a:extLst>
           </p:cNvPr>
@@ -3491,7 +3551,7 @@
           <p:nvPr userDrawn="1"/>
         </p:nvPicPr>
         <p:blipFill>
-          <a:blip r:embed="rId13">
+          <a:blip r:embed="rId14">
             <a:extLst>
               <a:ext uri="{28A0092B-C50C-407E-A947-70E740481C1C}">
                 <a14:useLocalDpi xmlns:a14="http://schemas.microsoft.com/office/drawing/2010/main" val="0"/>
@@ -3515,32 +3575,32 @@
     </p:spTree>
     <p:extLst>
       <p:ext uri="{BB962C8B-B14F-4D97-AF65-F5344CB8AC3E}">
-        <p14:creationId xmlns:p14="http://schemas.microsoft.com/office/powerpoint/2010/main" val="3866222090"/>
+        <p14:creationId xmlns:p14="http://schemas.microsoft.com/office/powerpoint/2010/main" val="3155018091"/>
       </p:ext>
     </p:extLst>
   </p:cSld>
   <p:clrMap bg1="lt1" tx1="dk1" bg2="lt2" tx2="dk2" accent1="accent1" accent2="accent2" accent3="accent3" accent4="accent4" accent5="accent5" accent6="accent6" hlink="hlink" folHlink="folHlink"/>
   <p:sldLayoutIdLst>
-    <p:sldLayoutId id="2147483661" r:id="rId1"/>
-    <p:sldLayoutId id="2147483662" r:id="rId2"/>
-    <p:sldLayoutId id="2147483663" r:id="rId3"/>
-    <p:sldLayoutId id="2147483664" r:id="rId4"/>
-    <p:sldLayoutId id="2147483665" r:id="rId5"/>
-    <p:sldLayoutId id="2147483666" r:id="rId6"/>
-    <p:sldLayoutId id="2147483667" r:id="rId7"/>
-    <p:sldLayoutId id="2147483668" r:id="rId8"/>
-    <p:sldLayoutId id="2147483669" r:id="rId9"/>
-    <p:sldLayoutId id="2147483670" r:id="rId10"/>
-    <p:sldLayoutId id="2147483671" r:id="rId11"/>
+    <p:sldLayoutId id="2147483673" r:id="rId1"/>
+    <p:sldLayoutId id="2147483674" r:id="rId2"/>
+    <p:sldLayoutId id="2147483675" r:id="rId3"/>
+    <p:sldLayoutId id="2147483676" r:id="rId4"/>
+    <p:sldLayoutId id="2147483677" r:id="rId5"/>
+    <p:sldLayoutId id="2147483678" r:id="rId6"/>
+    <p:sldLayoutId id="2147483679" r:id="rId7"/>
+    <p:sldLayoutId id="2147483680" r:id="rId8"/>
+    <p:sldLayoutId id="2147483681" r:id="rId9"/>
+    <p:sldLayoutId id="2147483682" r:id="rId10"/>
+    <p:sldLayoutId id="2147483683" r:id="rId11"/>
   </p:sldLayoutIdLst>
   <p:txStyles>
     <p:titleStyle>
-      <a:lvl1pPr algn="ctr" defTabSz="914400" rtl="0" eaLnBrk="1" latinLnBrk="0" hangingPunct="1">
+      <a:lvl1pPr algn="ctr" defTabSz="685800" rtl="0" eaLnBrk="1" latinLnBrk="0" hangingPunct="1">
         <a:spcBef>
           <a:spcPct val="0"/>
         </a:spcBef>
         <a:buNone/>
-        <a:defRPr sz="4400" kern="1200">
+        <a:defRPr sz="3300" kern="1200">
           <a:solidFill>
             <a:schemeClr val="tx1"/>
           </a:solidFill>
@@ -3551,15 +3611,15 @@
       </a:lvl1pPr>
     </p:titleStyle>
     <p:bodyStyle>
-      <a:lvl1pPr marL="342900" indent="-342900" algn="l" defTabSz="914400" rtl="0" eaLnBrk="1" latinLnBrk="0" hangingPunct="1">
+      <a:lvl1pPr marL="257175" indent="-257175" algn="l" defTabSz="685800" rtl="0" eaLnBrk="1" latinLnBrk="0" hangingPunct="1">
         <a:spcBef>
           <a:spcPct val="20000"/>
         </a:spcBef>
         <a:buFontTx/>
         <a:buBlip>
-          <a:blip r:embed="rId14"/>
+          <a:blip r:embed="rId15"/>
         </a:buBlip>
-        <a:defRPr sz="3200" kern="1200">
+        <a:defRPr sz="2400" kern="1200">
           <a:solidFill>
             <a:schemeClr val="tx1"/>
           </a:solidFill>
@@ -3568,13 +3628,13 @@
           <a:cs typeface="Arial" pitchFamily="34" charset="0"/>
         </a:defRPr>
       </a:lvl1pPr>
-      <a:lvl2pPr marL="742950" indent="-285750" algn="l" defTabSz="914400" rtl="0" eaLnBrk="1" latinLnBrk="0" hangingPunct="1">
+      <a:lvl2pPr marL="557213" indent="-214313" algn="l" defTabSz="685800" rtl="0" eaLnBrk="1" latinLnBrk="0" hangingPunct="1">
         <a:spcBef>
           <a:spcPct val="20000"/>
         </a:spcBef>
         <a:buFont typeface="Arial" pitchFamily="34" charset="0"/>
         <a:buChar char="•"/>
-        <a:defRPr sz="2800" kern="1200">
+        <a:defRPr sz="2100" kern="1200">
           <a:solidFill>
             <a:schemeClr val="tx1"/>
           </a:solidFill>
@@ -3583,13 +3643,13 @@
           <a:cs typeface="Arial" pitchFamily="34" charset="0"/>
         </a:defRPr>
       </a:lvl2pPr>
-      <a:lvl3pPr marL="1143000" indent="-228600" algn="l" defTabSz="914400" rtl="0" eaLnBrk="1" latinLnBrk="0" hangingPunct="1">
+      <a:lvl3pPr marL="857250" indent="-171450" algn="l" defTabSz="685800" rtl="0" eaLnBrk="1" latinLnBrk="0" hangingPunct="1">
         <a:spcBef>
           <a:spcPct val="20000"/>
         </a:spcBef>
         <a:buFont typeface="Arial" pitchFamily="34" charset="0"/>
         <a:buChar char="•"/>
-        <a:defRPr sz="2400" kern="1200">
+        <a:defRPr sz="1800" kern="1200">
           <a:solidFill>
             <a:schemeClr val="tx1"/>
           </a:solidFill>
@@ -3598,13 +3658,13 @@
           <a:cs typeface="Arial" pitchFamily="34" charset="0"/>
         </a:defRPr>
       </a:lvl3pPr>
-      <a:lvl4pPr marL="1600200" indent="-228600" algn="l" defTabSz="914400" rtl="0" eaLnBrk="1" latinLnBrk="0" hangingPunct="1">
+      <a:lvl4pPr marL="1200150" indent="-171450" algn="l" defTabSz="685800" rtl="0" eaLnBrk="1" latinLnBrk="0" hangingPunct="1">
         <a:spcBef>
           <a:spcPct val="20000"/>
         </a:spcBef>
         <a:buFont typeface="Arial" pitchFamily="34" charset="0"/>
         <a:buChar char="–"/>
-        <a:defRPr sz="2000" kern="1200">
+        <a:defRPr sz="1500" kern="1200">
           <a:solidFill>
             <a:schemeClr val="tx1"/>
           </a:solidFill>
@@ -3613,13 +3673,13 @@
           <a:cs typeface="Arial" pitchFamily="34" charset="0"/>
         </a:defRPr>
       </a:lvl4pPr>
-      <a:lvl5pPr marL="2057400" indent="-228600" algn="l" defTabSz="914400" rtl="0" eaLnBrk="1" latinLnBrk="0" hangingPunct="1">
+      <a:lvl5pPr marL="1543050" indent="-171450" algn="l" defTabSz="685800" rtl="0" eaLnBrk="1" latinLnBrk="0" hangingPunct="1">
         <a:spcBef>
           <a:spcPct val="20000"/>
         </a:spcBef>
         <a:buFont typeface="Arial" pitchFamily="34" charset="0"/>
         <a:buChar char="»"/>
-        <a:defRPr sz="2000" kern="1200">
+        <a:defRPr sz="1500" kern="1200">
           <a:solidFill>
             <a:schemeClr val="tx1"/>
           </a:solidFill>
@@ -3628,13 +3688,13 @@
           <a:cs typeface="Arial" pitchFamily="34" charset="0"/>
         </a:defRPr>
       </a:lvl5pPr>
-      <a:lvl6pPr marL="2514600" indent="-228600" algn="l" defTabSz="914400" rtl="0" eaLnBrk="1" latinLnBrk="0" hangingPunct="1">
+      <a:lvl6pPr marL="1885950" indent="-171450" algn="l" defTabSz="685800" rtl="0" eaLnBrk="1" latinLnBrk="0" hangingPunct="1">
         <a:spcBef>
           <a:spcPct val="20000"/>
         </a:spcBef>
         <a:buFont typeface="Arial" pitchFamily="34" charset="0"/>
         <a:buChar char="•"/>
-        <a:defRPr sz="2000" kern="1200">
+        <a:defRPr sz="1500" kern="1200">
           <a:solidFill>
             <a:schemeClr val="tx1"/>
           </a:solidFill>
@@ -3643,13 +3703,13 @@
           <a:cs typeface="+mn-cs"/>
         </a:defRPr>
       </a:lvl6pPr>
-      <a:lvl7pPr marL="2971800" indent="-228600" algn="l" defTabSz="914400" rtl="0" eaLnBrk="1" latinLnBrk="0" hangingPunct="1">
+      <a:lvl7pPr marL="2228850" indent="-171450" algn="l" defTabSz="685800" rtl="0" eaLnBrk="1" latinLnBrk="0" hangingPunct="1">
         <a:spcBef>
           <a:spcPct val="20000"/>
         </a:spcBef>
         <a:buFont typeface="Arial" pitchFamily="34" charset="0"/>
         <a:buChar char="•"/>
-        <a:defRPr sz="2000" kern="1200">
+        <a:defRPr sz="1500" kern="1200">
           <a:solidFill>
             <a:schemeClr val="tx1"/>
           </a:solidFill>
@@ -3658,13 +3718,13 @@
           <a:cs typeface="+mn-cs"/>
         </a:defRPr>
       </a:lvl7pPr>
-      <a:lvl8pPr marL="3429000" indent="-228600" algn="l" defTabSz="914400" rtl="0" eaLnBrk="1" latinLnBrk="0" hangingPunct="1">
+      <a:lvl8pPr marL="2571750" indent="-171450" algn="l" defTabSz="685800" rtl="0" eaLnBrk="1" latinLnBrk="0" hangingPunct="1">
         <a:spcBef>
           <a:spcPct val="20000"/>
         </a:spcBef>
         <a:buFont typeface="Arial" pitchFamily="34" charset="0"/>
         <a:buChar char="•"/>
-        <a:defRPr sz="2000" kern="1200">
+        <a:defRPr sz="1500" kern="1200">
           <a:solidFill>
             <a:schemeClr val="tx1"/>
           </a:solidFill>
@@ -3673,13 +3733,13 @@
           <a:cs typeface="+mn-cs"/>
         </a:defRPr>
       </a:lvl8pPr>
-      <a:lvl9pPr marL="3886200" indent="-228600" algn="l" defTabSz="914400" rtl="0" eaLnBrk="1" latinLnBrk="0" hangingPunct="1">
+      <a:lvl9pPr marL="2914650" indent="-171450" algn="l" defTabSz="685800" rtl="0" eaLnBrk="1" latinLnBrk="0" hangingPunct="1">
         <a:spcBef>
           <a:spcPct val="20000"/>
         </a:spcBef>
         <a:buFont typeface="Arial" pitchFamily="34" charset="0"/>
         <a:buChar char="•"/>
-        <a:defRPr sz="2000" kern="1200">
+        <a:defRPr sz="1500" kern="1200">
           <a:solidFill>
             <a:schemeClr val="tx1"/>
           </a:solidFill>
@@ -3693,8 +3753,8 @@
       <a:defPPr>
         <a:defRPr lang="en-US"/>
       </a:defPPr>
-      <a:lvl1pPr marL="0" algn="l" defTabSz="914400" rtl="0" eaLnBrk="1" latinLnBrk="0" hangingPunct="1">
-        <a:defRPr sz="1800" kern="1200">
+      <a:lvl1pPr marL="0" algn="l" defTabSz="685800" rtl="0" eaLnBrk="1" latinLnBrk="0" hangingPunct="1">
+        <a:defRPr sz="1350" kern="1200">
           <a:solidFill>
             <a:schemeClr val="tx1"/>
           </a:solidFill>
@@ -3703,8 +3763,8 @@
           <a:cs typeface="+mn-cs"/>
         </a:defRPr>
       </a:lvl1pPr>
-      <a:lvl2pPr marL="457200" algn="l" defTabSz="914400" rtl="0" eaLnBrk="1" latinLnBrk="0" hangingPunct="1">
-        <a:defRPr sz="1800" kern="1200">
+      <a:lvl2pPr marL="342900" algn="l" defTabSz="685800" rtl="0" eaLnBrk="1" latinLnBrk="0" hangingPunct="1">
+        <a:defRPr sz="1350" kern="1200">
           <a:solidFill>
             <a:schemeClr val="tx1"/>
           </a:solidFill>
@@ -3713,8 +3773,8 @@
           <a:cs typeface="+mn-cs"/>
         </a:defRPr>
       </a:lvl2pPr>
-      <a:lvl3pPr marL="914400" algn="l" defTabSz="914400" rtl="0" eaLnBrk="1" latinLnBrk="0" hangingPunct="1">
-        <a:defRPr sz="1800" kern="1200">
+      <a:lvl3pPr marL="685800" algn="l" defTabSz="685800" rtl="0" eaLnBrk="1" latinLnBrk="0" hangingPunct="1">
+        <a:defRPr sz="1350" kern="1200">
           <a:solidFill>
             <a:schemeClr val="tx1"/>
           </a:solidFill>
@@ -3723,8 +3783,8 @@
           <a:cs typeface="+mn-cs"/>
         </a:defRPr>
       </a:lvl3pPr>
-      <a:lvl4pPr marL="1371600" algn="l" defTabSz="914400" rtl="0" eaLnBrk="1" latinLnBrk="0" hangingPunct="1">
-        <a:defRPr sz="1800" kern="1200">
+      <a:lvl4pPr marL="1028700" algn="l" defTabSz="685800" rtl="0" eaLnBrk="1" latinLnBrk="0" hangingPunct="1">
+        <a:defRPr sz="1350" kern="1200">
           <a:solidFill>
             <a:schemeClr val="tx1"/>
           </a:solidFill>
@@ -3733,8 +3793,8 @@
           <a:cs typeface="+mn-cs"/>
         </a:defRPr>
       </a:lvl4pPr>
-      <a:lvl5pPr marL="1828800" algn="l" defTabSz="914400" rtl="0" eaLnBrk="1" latinLnBrk="0" hangingPunct="1">
-        <a:defRPr sz="1800" kern="1200">
+      <a:lvl5pPr marL="1371600" algn="l" defTabSz="685800" rtl="0" eaLnBrk="1" latinLnBrk="0" hangingPunct="1">
+        <a:defRPr sz="1350" kern="1200">
           <a:solidFill>
             <a:schemeClr val="tx1"/>
           </a:solidFill>
@@ -3743,8 +3803,8 @@
           <a:cs typeface="+mn-cs"/>
         </a:defRPr>
       </a:lvl5pPr>
-      <a:lvl6pPr marL="2286000" algn="l" defTabSz="914400" rtl="0" eaLnBrk="1" latinLnBrk="0" hangingPunct="1">
-        <a:defRPr sz="1800" kern="1200">
+      <a:lvl6pPr marL="1714500" algn="l" defTabSz="685800" rtl="0" eaLnBrk="1" latinLnBrk="0" hangingPunct="1">
+        <a:defRPr sz="1350" kern="1200">
           <a:solidFill>
             <a:schemeClr val="tx1"/>
           </a:solidFill>
@@ -3753,8 +3813,8 @@
           <a:cs typeface="+mn-cs"/>
         </a:defRPr>
       </a:lvl6pPr>
-      <a:lvl7pPr marL="2743200" algn="l" defTabSz="914400" rtl="0" eaLnBrk="1" latinLnBrk="0" hangingPunct="1">
-        <a:defRPr sz="1800" kern="1200">
+      <a:lvl7pPr marL="2057400" algn="l" defTabSz="685800" rtl="0" eaLnBrk="1" latinLnBrk="0" hangingPunct="1">
+        <a:defRPr sz="1350" kern="1200">
           <a:solidFill>
             <a:schemeClr val="tx1"/>
           </a:solidFill>
@@ -3763,8 +3823,8 @@
           <a:cs typeface="+mn-cs"/>
         </a:defRPr>
       </a:lvl7pPr>
-      <a:lvl8pPr marL="3200400" algn="l" defTabSz="914400" rtl="0" eaLnBrk="1" latinLnBrk="0" hangingPunct="1">
-        <a:defRPr sz="1800" kern="1200">
+      <a:lvl8pPr marL="2400300" algn="l" defTabSz="685800" rtl="0" eaLnBrk="1" latinLnBrk="0" hangingPunct="1">
+        <a:defRPr sz="1350" kern="1200">
           <a:solidFill>
             <a:schemeClr val="tx1"/>
           </a:solidFill>
@@ -3773,8 +3833,8 @@
           <a:cs typeface="+mn-cs"/>
         </a:defRPr>
       </a:lvl8pPr>
-      <a:lvl9pPr marL="3657600" algn="l" defTabSz="914400" rtl="0" eaLnBrk="1" latinLnBrk="0" hangingPunct="1">
-        <a:defRPr sz="1800" kern="1200">
+      <a:lvl9pPr marL="2743200" algn="l" defTabSz="685800" rtl="0" eaLnBrk="1" latinLnBrk="0" hangingPunct="1">
+        <a:defRPr sz="1350" kern="1200">
           <a:solidFill>
             <a:schemeClr val="tx1"/>
           </a:solidFill>
@@ -3976,47 +4036,30 @@
             <a:spLocks noGrp="1"/>
           </p:cNvSpPr>
           <p:nvPr>
-            <p:ph sz="half" idx="1"/>
-          </p:nvPr>
-        </p:nvSpPr>
-        <p:spPr>
-          <a:xfrm>
-            <a:off x="457200" y="1600201"/>
-            <a:ext cx="4038600" cy="1600200"/>
-          </a:xfrm>
-        </p:spPr>
+            <p:ph idx="1"/>
+          </p:nvPr>
+        </p:nvSpPr>
+        <p:spPr/>
         <p:txBody>
           <a:bodyPr/>
           <a:lstStyle/>
           <a:p>
             <a:r>
               <a:rPr lang="en-US" dirty="0"/>
-              <a:t>Type the name or email of a user, then click “Find”</a:t>
-            </a:r>
-          </a:p>
-        </p:txBody>
-      </p:sp>
-      <p:sp>
-        <p:nvSpPr>
-          <p:cNvPr id="5" name="Content Placeholder 4"/>
-          <p:cNvSpPr>
-            <a:spLocks noGrp="1"/>
-          </p:cNvSpPr>
-          <p:nvPr>
-            <p:ph sz="half" idx="2"/>
-          </p:nvPr>
-        </p:nvSpPr>
-        <p:spPr>
-          <a:xfrm>
-            <a:off x="4648200" y="1600201"/>
-            <a:ext cx="4038600" cy="1981200"/>
-          </a:xfrm>
-        </p:spPr>
-        <p:txBody>
-          <a:bodyPr/>
-          <a:lstStyle/>
-          <a:p>
-            <a:endParaRPr lang="en-US" dirty="0"/>
+              <a:t>Shows any locked accounts, enables unlocking</a:t>
+            </a:r>
+          </a:p>
+          <a:p>
+            <a:r>
+              <a:rPr lang="en-US" dirty="0"/>
+              <a:t>Type the name, username, or email of a user, then click “Find”</a:t>
+            </a:r>
+          </a:p>
+          <a:p>
+            <a:r>
+              <a:rPr lang="en-US" dirty="0"/>
+              <a:t>Search results biased by username</a:t>
+            </a:r>
           </a:p>
         </p:txBody>
       </p:sp>
@@ -4215,7 +4258,13 @@
       </p:grpSpPr>
       <p:sp>
         <p:nvSpPr>
-          <p:cNvPr id="5" name="Title 4"/>
+          <p:cNvPr id="2" name="Title 1">
+            <a:extLst>
+              <a:ext uri="{FF2B5EF4-FFF2-40B4-BE49-F238E27FC236}">
+                <a16:creationId xmlns:a16="http://schemas.microsoft.com/office/drawing/2014/main" id="{AA9E6967-D152-4E74-8926-B1DCAC8C8B2F}"/>
+              </a:ext>
+            </a:extLst>
+          </p:cNvPr>
           <p:cNvSpPr>
             <a:spLocks noGrp="1"/>
           </p:cNvSpPr>
@@ -4230,14 +4279,20 @@
           <a:p>
             <a:r>
               <a:rPr lang="en-US" dirty="0"/>
-              <a:t>Admin Tools: User Management</a:t>
-            </a:r>
-          </a:p>
-        </p:txBody>
-      </p:sp>
-      <p:sp>
-        <p:nvSpPr>
-          <p:cNvPr id="6" name="Content Placeholder 5"/>
+              <a:t>User impersonation</a:t>
+            </a:r>
+          </a:p>
+        </p:txBody>
+      </p:sp>
+      <p:sp>
+        <p:nvSpPr>
+          <p:cNvPr id="6" name="Content Placeholder 5">
+            <a:extLst>
+              <a:ext uri="{FF2B5EF4-FFF2-40B4-BE49-F238E27FC236}">
+                <a16:creationId xmlns:a16="http://schemas.microsoft.com/office/drawing/2014/main" id="{CBED3800-EF8F-4C62-8378-F920477449D1}"/>
+              </a:ext>
+            </a:extLst>
+          </p:cNvPr>
           <p:cNvSpPr>
             <a:spLocks noGrp="1"/>
           </p:cNvSpPr>
@@ -4245,34 +4300,30 @@
             <p:ph idx="1"/>
           </p:nvPr>
         </p:nvSpPr>
-        <p:spPr/>
+        <p:spPr>
+          <a:xfrm>
+            <a:off x="457200" y="2667000"/>
+            <a:ext cx="8229600" cy="3459165"/>
+          </a:xfrm>
+        </p:spPr>
         <p:txBody>
           <a:bodyPr>
-            <a:normAutofit fontScale="55000" lnSpcReduction="20000"/>
+            <a:normAutofit lnSpcReduction="10000"/>
           </a:bodyPr>
           <a:lstStyle/>
           <a:p>
             <a:r>
               <a:rPr lang="en-US" dirty="0"/>
-              <a:t>Impersonate – use for troubleshooting</a:t>
-            </a:r>
-          </a:p>
-          <a:p>
-            <a:pPr lvl="1"/>
-            <a:r>
-              <a:rPr lang="en-US" dirty="0"/>
-              <a:t>Lets you act as if you were that user</a:t>
-            </a:r>
-          </a:p>
-          <a:p>
-            <a:pPr lvl="1"/>
-            <a:r>
-              <a:rPr lang="en-US" dirty="0"/>
-              <a:t>Click in header to stop impersonating</a:t>
-            </a:r>
-          </a:p>
-          <a:p>
-            <a:pPr lvl="1"/>
+              <a:t>Header says your username, user being impersonated, and has a “Stop” button</a:t>
+            </a:r>
+          </a:p>
+          <a:p>
+            <a:r>
+              <a:rPr lang="en-US" dirty="0"/>
+              <a:t>The rest of the site has NO IDEA that impersonation is even happening.</a:t>
+            </a:r>
+          </a:p>
+          <a:p>
             <a:r>
               <a:rPr lang="en-US" dirty="0"/>
               <a:t>On mobile apps: emulate by prepending their username to your email with a colon and using your password.</a:t>
@@ -4302,6 +4353,109 @@
             </a:r>
           </a:p>
           <a:p>
+            <a:endParaRPr lang="en-US" dirty="0"/>
+          </a:p>
+        </p:txBody>
+      </p:sp>
+      <p:pic>
+        <p:nvPicPr>
+          <p:cNvPr id="5" name="Picture 4">
+            <a:extLst>
+              <a:ext uri="{FF2B5EF4-FFF2-40B4-BE49-F238E27FC236}">
+                <a16:creationId xmlns:a16="http://schemas.microsoft.com/office/drawing/2014/main" id="{D25EDC66-8DC9-493D-93A5-984F562F64EF}"/>
+              </a:ext>
+            </a:extLst>
+          </p:cNvPr>
+          <p:cNvPicPr>
+            <a:picLocks noChangeAspect="1"/>
+          </p:cNvPicPr>
+          <p:nvPr/>
+        </p:nvPicPr>
+        <p:blipFill>
+          <a:blip r:embed="rId2"/>
+          <a:stretch>
+            <a:fillRect/>
+          </a:stretch>
+        </p:blipFill>
+        <p:spPr>
+          <a:xfrm>
+            <a:off x="990600" y="1295400"/>
+            <a:ext cx="6610350" cy="1238250"/>
+          </a:xfrm>
+          <a:prstGeom prst="rect">
+            <a:avLst/>
+          </a:prstGeom>
+        </p:spPr>
+      </p:pic>
+    </p:spTree>
+    <p:extLst>
+      <p:ext uri="{BB962C8B-B14F-4D97-AF65-F5344CB8AC3E}">
+        <p14:creationId xmlns:p14="http://schemas.microsoft.com/office/powerpoint/2010/main" val="2605605809"/>
+      </p:ext>
+    </p:extLst>
+  </p:cSld>
+  <p:clrMapOvr>
+    <a:masterClrMapping/>
+  </p:clrMapOvr>
+</p:sld>
+</file>
+
+<file path=ppt/slides/slide13.xml><?xml version="1.0" encoding="utf-8"?>
+<p:sld xmlns:a="http://schemas.openxmlformats.org/drawingml/2006/main" xmlns:r="http://schemas.openxmlformats.org/officeDocument/2006/relationships" xmlns:p="http://schemas.openxmlformats.org/presentationml/2006/main">
+  <p:cSld>
+    <p:spTree>
+      <p:nvGrpSpPr>
+        <p:cNvPr id="1" name=""/>
+        <p:cNvGrpSpPr/>
+        <p:nvPr/>
+      </p:nvGrpSpPr>
+      <p:grpSpPr>
+        <a:xfrm>
+          <a:off x="0" y="0"/>
+          <a:ext cx="0" cy="0"/>
+          <a:chOff x="0" y="0"/>
+          <a:chExt cx="0" cy="0"/>
+        </a:xfrm>
+      </p:grpSpPr>
+      <p:sp>
+        <p:nvSpPr>
+          <p:cNvPr id="5" name="Title 4"/>
+          <p:cNvSpPr>
+            <a:spLocks noGrp="1"/>
+          </p:cNvSpPr>
+          <p:nvPr>
+            <p:ph type="title"/>
+          </p:nvPr>
+        </p:nvSpPr>
+        <p:spPr/>
+        <p:txBody>
+          <a:bodyPr/>
+          <a:lstStyle/>
+          <a:p>
+            <a:r>
+              <a:rPr lang="en-US" dirty="0"/>
+              <a:t>Admin Tools: User Management</a:t>
+            </a:r>
+          </a:p>
+        </p:txBody>
+      </p:sp>
+      <p:sp>
+        <p:nvSpPr>
+          <p:cNvPr id="6" name="Content Placeholder 5"/>
+          <p:cNvSpPr>
+            <a:spLocks noGrp="1"/>
+          </p:cNvSpPr>
+          <p:nvPr>
+            <p:ph idx="1"/>
+          </p:nvPr>
+        </p:nvSpPr>
+        <p:spPr/>
+        <p:txBody>
+          <a:bodyPr>
+            <a:normAutofit/>
+          </a:bodyPr>
+          <a:lstStyle/>
+          <a:p>
             <a:r>
               <a:rPr lang="en-US" dirty="0"/>
               <a:t>Reset Password</a:t>
@@ -4323,7 +4477,7 @@
           <a:p>
             <a:r>
               <a:rPr lang="en-US" dirty="0"/>
-              <a:t>Delete Flights for user: generally for when somebody tried an import and messed up and wants to start over.</a:t>
+              <a:t>Delete Flights for user: generally when somebody tried an import and messed up and wants to start over.</a:t>
             </a:r>
           </a:p>
           <a:p>
@@ -4356,7 +4510,7 @@
 </p:sld>
 </file>
 
-<file path=ppt/slides/slide13.xml><?xml version="1.0" encoding="utf-8"?>
+<file path=ppt/slides/slide14.xml><?xml version="1.0" encoding="utf-8"?>
 <p:sld xmlns:a="http://schemas.openxmlformats.org/drawingml/2006/main" xmlns:r="http://schemas.openxmlformats.org/officeDocument/2006/relationships" xmlns:p="http://schemas.openxmlformats.org/presentationml/2006/main">
   <p:cSld>
     <p:spTree>
@@ -4483,7 +4637,7 @@
 </p:sld>
 </file>
 
-<file path=ppt/slides/slide14.xml><?xml version="1.0" encoding="utf-8"?>
+<file path=ppt/slides/slide15.xml><?xml version="1.0" encoding="utf-8"?>
 <p:sld xmlns:a="http://schemas.openxmlformats.org/drawingml/2006/main" xmlns:r="http://schemas.openxmlformats.org/officeDocument/2006/relationships" xmlns:p="http://schemas.openxmlformats.org/presentationml/2006/main">
   <p:cSld>
     <p:spTree>
@@ -4554,7 +4708,7 @@
 </p:sld>
 </file>
 
-<file path=ppt/slides/slide15.xml><?xml version="1.0" encoding="utf-8"?>
+<file path=ppt/slides/slide16.xml><?xml version="1.0" encoding="utf-8"?>
 <p:sld xmlns:a="http://schemas.openxmlformats.org/drawingml/2006/main" xmlns:r="http://schemas.openxmlformats.org/officeDocument/2006/relationships" xmlns:p="http://schemas.openxmlformats.org/presentationml/2006/main">
   <p:cSld>
     <p:spTree>
@@ -4730,7 +4884,7 @@
 </p:sld>
 </file>
 
-<file path=ppt/slides/slide16.xml><?xml version="1.0" encoding="utf-8"?>
+<file path=ppt/slides/slide17.xml><?xml version="1.0" encoding="utf-8"?>
 <p:sld xmlns:a="http://schemas.openxmlformats.org/drawingml/2006/main" xmlns:r="http://schemas.openxmlformats.org/officeDocument/2006/relationships" xmlns:p="http://schemas.openxmlformats.org/presentationml/2006/main">
   <p:cSld>
     <p:spTree>
@@ -4787,7 +4941,7 @@
         </p:spPr>
         <p:txBody>
           <a:bodyPr>
-            <a:normAutofit fontScale="62500" lnSpcReduction="20000"/>
+            <a:normAutofit fontScale="85000" lnSpcReduction="20000"/>
           </a:bodyPr>
           <a:lstStyle/>
           <a:p>
@@ -4897,7 +5051,7 @@
 </p:sld>
 </file>
 
-<file path=ppt/slides/slide17.xml><?xml version="1.0" encoding="utf-8"?>
+<file path=ppt/slides/slide18.xml><?xml version="1.0" encoding="utf-8"?>
 <p:sld xmlns:a="http://schemas.openxmlformats.org/drawingml/2006/main" xmlns:r="http://schemas.openxmlformats.org/officeDocument/2006/relationships" xmlns:p="http://schemas.openxmlformats.org/presentationml/2006/main">
   <p:cSld>
     <p:spTree>
@@ -5045,7 +5199,7 @@
 </p:sld>
 </file>
 
-<file path=ppt/slides/slide18.xml><?xml version="1.0" encoding="utf-8"?>
+<file path=ppt/slides/slide19.xml><?xml version="1.0" encoding="utf-8"?>
 <p:sld xmlns:a="http://schemas.openxmlformats.org/drawingml/2006/main" xmlns:r="http://schemas.openxmlformats.org/officeDocument/2006/relationships" xmlns:p="http://schemas.openxmlformats.org/presentationml/2006/main">
   <p:cSld>
     <p:spTree>
@@ -5238,7 +5392,7 @@
 </p:sld>
 </file>
 
-<file path=ppt/slides/slide19.xml><?xml version="1.0" encoding="utf-8"?>
+<file path=ppt/slides/slide2.xml><?xml version="1.0" encoding="utf-8"?>
 <p:sld xmlns:a="http://schemas.openxmlformats.org/drawingml/2006/main" xmlns:r="http://schemas.openxmlformats.org/officeDocument/2006/relationships" xmlns:p="http://schemas.openxmlformats.org/presentationml/2006/main">
   <p:cSld>
     <p:spTree>
@@ -5257,6 +5411,381 @@
       </p:grpSpPr>
       <p:sp>
         <p:nvSpPr>
+          <p:cNvPr id="2" name="Title 1">
+            <a:extLst>
+              <a:ext uri="{FF2B5EF4-FFF2-40B4-BE49-F238E27FC236}">
+                <a16:creationId xmlns:a16="http://schemas.microsoft.com/office/drawing/2014/main" id="{FBA9E64C-2391-491C-9ACB-3AF33E081A2B}"/>
+              </a:ext>
+            </a:extLst>
+          </p:cNvPr>
+          <p:cNvSpPr>
+            <a:spLocks noGrp="1"/>
+          </p:cNvSpPr>
+          <p:nvPr>
+            <p:ph type="title"/>
+          </p:nvPr>
+        </p:nvSpPr>
+        <p:spPr/>
+        <p:txBody>
+          <a:bodyPr/>
+          <a:lstStyle/>
+          <a:p>
+            <a:r>
+              <a:rPr lang="en-US" dirty="0"/>
+              <a:t>Overview</a:t>
+            </a:r>
+          </a:p>
+        </p:txBody>
+      </p:sp>
+      <p:sp>
+        <p:nvSpPr>
+          <p:cNvPr id="3" name="Content Placeholder 2">
+            <a:extLst>
+              <a:ext uri="{FF2B5EF4-FFF2-40B4-BE49-F238E27FC236}">
+                <a16:creationId xmlns:a16="http://schemas.microsoft.com/office/drawing/2014/main" id="{1C066E66-DB9A-460B-AA04-DD977F1612AF}"/>
+              </a:ext>
+            </a:extLst>
+          </p:cNvPr>
+          <p:cNvSpPr>
+            <a:spLocks noGrp="1"/>
+          </p:cNvSpPr>
+          <p:nvPr>
+            <p:ph idx="1"/>
+          </p:nvPr>
+        </p:nvSpPr>
+        <p:spPr/>
+        <p:txBody>
+          <a:bodyPr>
+            <a:normAutofit/>
+          </a:bodyPr>
+          <a:lstStyle/>
+          <a:p>
+            <a:r>
+              <a:rPr lang="en-US" dirty="0"/>
+              <a:t>All accounts have one or more of the following roles</a:t>
+            </a:r>
+          </a:p>
+        </p:txBody>
+      </p:sp>
+      <p:graphicFrame>
+        <p:nvGraphicFramePr>
+          <p:cNvPr id="4" name="Table 4">
+            <a:extLst>
+              <a:ext uri="{FF2B5EF4-FFF2-40B4-BE49-F238E27FC236}">
+                <a16:creationId xmlns:a16="http://schemas.microsoft.com/office/drawing/2014/main" id="{0C6C00F3-3BEA-47B8-8491-76FA6413A312}"/>
+              </a:ext>
+            </a:extLst>
+          </p:cNvPr>
+          <p:cNvGraphicFramePr>
+            <a:graphicFrameLocks noGrp="1"/>
+          </p:cNvGraphicFramePr>
+          <p:nvPr>
+            <p:extLst>
+              <p:ext uri="{D42A27DB-BD31-4B8C-83A1-F6EECF244321}">
+                <p14:modId xmlns:p14="http://schemas.microsoft.com/office/powerpoint/2010/main" val="2784856281"/>
+              </p:ext>
+            </p:extLst>
+          </p:nvPr>
+        </p:nvGraphicFramePr>
+        <p:xfrm>
+          <a:off x="533400" y="2514600"/>
+          <a:ext cx="8077200" cy="3306765"/>
+        </p:xfrm>
+        <a:graphic>
+          <a:graphicData uri="http://schemas.openxmlformats.org/drawingml/2006/table">
+            <a:tbl>
+              <a:tblPr firstRow="1" bandRow="1">
+                <a:tableStyleId>{5C22544A-7EE6-4342-B048-85BDC9FD1C3A}</a:tableStyleId>
+              </a:tblPr>
+              <a:tblGrid>
+                <a:gridCol w="1752600">
+                  <a:extLst>
+                    <a:ext uri="{9D8B030D-6E8A-4147-A177-3AD203B41FA5}">
+                      <a16:colId xmlns:a16="http://schemas.microsoft.com/office/drawing/2014/main" val="2468998996"/>
+                    </a:ext>
+                  </a:extLst>
+                </a:gridCol>
+                <a:gridCol w="6324600">
+                  <a:extLst>
+                    <a:ext uri="{9D8B030D-6E8A-4147-A177-3AD203B41FA5}">
+                      <a16:colId xmlns:a16="http://schemas.microsoft.com/office/drawing/2014/main" val="1052361734"/>
+                    </a:ext>
+                  </a:extLst>
+                </a:gridCol>
+              </a:tblGrid>
+              <a:tr h="472395">
+                <a:tc>
+                  <a:txBody>
+                    <a:bodyPr/>
+                    <a:lstStyle/>
+                    <a:p>
+                      <a:r>
+                        <a:rPr lang="en-US" dirty="0"/>
+                        <a:t>Role</a:t>
+                      </a:r>
+                    </a:p>
+                  </a:txBody>
+                  <a:tcPr/>
+                </a:tc>
+                <a:tc>
+                  <a:txBody>
+                    <a:bodyPr/>
+                    <a:lstStyle/>
+                    <a:p>
+                      <a:r>
+                        <a:rPr lang="en-US" dirty="0"/>
+                        <a:t>Lets you…</a:t>
+                      </a:r>
+                    </a:p>
+                  </a:txBody>
+                  <a:tcPr/>
+                </a:tc>
+                <a:extLst>
+                  <a:ext uri="{0D108BD9-81ED-4DB2-BD59-A6C34878D82A}">
+                    <a16:rowId xmlns:a16="http://schemas.microsoft.com/office/drawing/2014/main" val="1170296629"/>
+                  </a:ext>
+                </a:extLst>
+              </a:tr>
+              <a:tr h="472395">
+                <a:tc>
+                  <a:txBody>
+                    <a:bodyPr/>
+                    <a:lstStyle/>
+                    <a:p>
+                      <a:r>
+                        <a:rPr lang="en-US" b="1" dirty="0"/>
+                        <a:t>None (Pilot)</a:t>
+                      </a:r>
+                    </a:p>
+                  </a:txBody>
+                  <a:tcPr/>
+                </a:tc>
+                <a:tc>
+                  <a:txBody>
+                    <a:bodyPr/>
+                    <a:lstStyle/>
+                    <a:p>
+                      <a:r>
+                        <a:rPr lang="en-US" dirty="0"/>
+                        <a:t>Use the site </a:t>
+                      </a:r>
+                      <a:r>
+                        <a:rPr lang="en-US" b="1" dirty="0"/>
+                        <a:t>Everyone has this</a:t>
+                      </a:r>
+                      <a:endParaRPr lang="en-US" dirty="0"/>
+                    </a:p>
+                  </a:txBody>
+                  <a:tcPr/>
+                </a:tc>
+                <a:extLst>
+                  <a:ext uri="{0D108BD9-81ED-4DB2-BD59-A6C34878D82A}">
+                    <a16:rowId xmlns:a16="http://schemas.microsoft.com/office/drawing/2014/main" val="4094621718"/>
+                  </a:ext>
+                </a:extLst>
+              </a:tr>
+              <a:tr h="472395">
+                <a:tc>
+                  <a:txBody>
+                    <a:bodyPr/>
+                    <a:lstStyle/>
+                    <a:p>
+                      <a:r>
+                        <a:rPr lang="en-US" b="1" dirty="0"/>
+                        <a:t>Support</a:t>
+                      </a:r>
+                    </a:p>
+                  </a:txBody>
+                  <a:tcPr/>
+                </a:tc>
+                <a:tc>
+                  <a:txBody>
+                    <a:bodyPr/>
+                    <a:lstStyle/>
+                    <a:p>
+                      <a:r>
+                        <a:rPr lang="en-US" dirty="0"/>
+                        <a:t>Reset passwords, impersonate users, receive “Contact Us” email</a:t>
+                      </a:r>
+                    </a:p>
+                  </a:txBody>
+                  <a:tcPr/>
+                </a:tc>
+                <a:extLst>
+                  <a:ext uri="{0D108BD9-81ED-4DB2-BD59-A6C34878D82A}">
+                    <a16:rowId xmlns:a16="http://schemas.microsoft.com/office/drawing/2014/main" val="2180513821"/>
+                  </a:ext>
+                </a:extLst>
+              </a:tr>
+              <a:tr h="472395">
+                <a:tc>
+                  <a:txBody>
+                    <a:bodyPr/>
+                    <a:lstStyle/>
+                    <a:p>
+                      <a:r>
+                        <a:rPr lang="en-US" b="1" dirty="0"/>
+                        <a:t>Data Manager</a:t>
+                      </a:r>
+                    </a:p>
+                  </a:txBody>
+                  <a:tcPr/>
+                </a:tc>
+                <a:tc>
+                  <a:txBody>
+                    <a:bodyPr/>
+                    <a:lstStyle/>
+                    <a:p>
+                      <a:r>
+                        <a:rPr lang="en-US" dirty="0"/>
+                        <a:t>Edit aircraft/models/airports/FAQs/Achievements/Endorsements</a:t>
+                      </a:r>
+                    </a:p>
+                  </a:txBody>
+                  <a:tcPr/>
+                </a:tc>
+                <a:extLst>
+                  <a:ext uri="{0D108BD9-81ED-4DB2-BD59-A6C34878D82A}">
+                    <a16:rowId xmlns:a16="http://schemas.microsoft.com/office/drawing/2014/main" val="1044323624"/>
+                  </a:ext>
+                </a:extLst>
+              </a:tr>
+              <a:tr h="472395">
+                <a:tc>
+                  <a:txBody>
+                    <a:bodyPr/>
+                    <a:lstStyle/>
+                    <a:p>
+                      <a:r>
+                        <a:rPr lang="en-US" b="1" dirty="0"/>
+                        <a:t>Reporter</a:t>
+                      </a:r>
+                    </a:p>
+                  </a:txBody>
+                  <a:tcPr/>
+                </a:tc>
+                <a:tc>
+                  <a:txBody>
+                    <a:bodyPr/>
+                    <a:lstStyle/>
+                    <a:p>
+                      <a:r>
+                        <a:rPr lang="en-US" dirty="0"/>
+                        <a:t>View site stats, receive nightly report</a:t>
+                      </a:r>
+                    </a:p>
+                  </a:txBody>
+                  <a:tcPr/>
+                </a:tc>
+                <a:extLst>
+                  <a:ext uri="{0D108BD9-81ED-4DB2-BD59-A6C34878D82A}">
+                    <a16:rowId xmlns:a16="http://schemas.microsoft.com/office/drawing/2014/main" val="53510625"/>
+                  </a:ext>
+                </a:extLst>
+              </a:tr>
+              <a:tr h="472395">
+                <a:tc>
+                  <a:txBody>
+                    <a:bodyPr/>
+                    <a:lstStyle/>
+                    <a:p>
+                      <a:r>
+                        <a:rPr lang="en-US" b="1" dirty="0"/>
+                        <a:t>Accountant</a:t>
+                      </a:r>
+                    </a:p>
+                  </a:txBody>
+                  <a:tcPr/>
+                </a:tc>
+                <a:tc>
+                  <a:txBody>
+                    <a:bodyPr/>
+                    <a:lstStyle/>
+                    <a:p>
+                      <a:r>
+                        <a:rPr lang="en-US" dirty="0"/>
+                        <a:t>View and manage donations</a:t>
+                      </a:r>
+                    </a:p>
+                  </a:txBody>
+                  <a:tcPr/>
+                </a:tc>
+                <a:extLst>
+                  <a:ext uri="{0D108BD9-81ED-4DB2-BD59-A6C34878D82A}">
+                    <a16:rowId xmlns:a16="http://schemas.microsoft.com/office/drawing/2014/main" val="50245141"/>
+                  </a:ext>
+                </a:extLst>
+              </a:tr>
+              <a:tr h="472395">
+                <a:tc>
+                  <a:txBody>
+                    <a:bodyPr/>
+                    <a:lstStyle/>
+                    <a:p>
+                      <a:r>
+                        <a:rPr lang="en-US" b="1" dirty="0" err="1"/>
+                        <a:t>SiteAdmin</a:t>
+                      </a:r>
+                      <a:endParaRPr lang="en-US" b="1" dirty="0"/>
+                    </a:p>
+                  </a:txBody>
+                  <a:tcPr/>
+                </a:tc>
+                <a:tc>
+                  <a:txBody>
+                    <a:bodyPr/>
+                    <a:lstStyle/>
+                    <a:p>
+                      <a:r>
+                        <a:rPr lang="en-US" dirty="0"/>
+                        <a:t>All of the above plus receive errors, crash reports, etc.</a:t>
+                      </a:r>
+                    </a:p>
+                  </a:txBody>
+                  <a:tcPr/>
+                </a:tc>
+                <a:extLst>
+                  <a:ext uri="{0D108BD9-81ED-4DB2-BD59-A6C34878D82A}">
+                    <a16:rowId xmlns:a16="http://schemas.microsoft.com/office/drawing/2014/main" val="1208600274"/>
+                  </a:ext>
+                </a:extLst>
+              </a:tr>
+            </a:tbl>
+          </a:graphicData>
+        </a:graphic>
+      </p:graphicFrame>
+    </p:spTree>
+    <p:extLst>
+      <p:ext uri="{BB962C8B-B14F-4D97-AF65-F5344CB8AC3E}">
+        <p14:creationId xmlns:p14="http://schemas.microsoft.com/office/powerpoint/2010/main" val="2994289954"/>
+      </p:ext>
+    </p:extLst>
+  </p:cSld>
+  <p:clrMapOvr>
+    <a:masterClrMapping/>
+  </p:clrMapOvr>
+</p:sld>
+</file>
+
+<file path=ppt/slides/slide20.xml><?xml version="1.0" encoding="utf-8"?>
+<p:sld xmlns:a="http://schemas.openxmlformats.org/drawingml/2006/main" xmlns:r="http://schemas.openxmlformats.org/officeDocument/2006/relationships" xmlns:p="http://schemas.openxmlformats.org/presentationml/2006/main">
+  <p:cSld>
+    <p:spTree>
+      <p:nvGrpSpPr>
+        <p:cNvPr id="1" name=""/>
+        <p:cNvGrpSpPr/>
+        <p:nvPr/>
+      </p:nvGrpSpPr>
+      <p:grpSpPr>
+        <a:xfrm>
+          <a:off x="0" y="0"/>
+          <a:ext cx="0" cy="0"/>
+          <a:chOff x="0" y="0"/>
+          <a:chExt cx="0" cy="0"/>
+        </a:xfrm>
+      </p:grpSpPr>
+      <p:sp>
+        <p:nvSpPr>
           <p:cNvPr id="2" name="Title 1"/>
           <p:cNvSpPr>
             <a:spLocks noGrp="1"/>
@@ -5295,7 +5824,7 @@
         </p:spPr>
         <p:txBody>
           <a:bodyPr>
-            <a:normAutofit fontScale="70000" lnSpcReduction="20000"/>
+            <a:normAutofit fontScale="92500" lnSpcReduction="10000"/>
           </a:bodyPr>
           <a:lstStyle/>
           <a:p>
@@ -5402,7 +5931,7 @@
 </p:sld>
 </file>
 
-<file path=ppt/slides/slide2.xml><?xml version="1.0" encoding="utf-8"?>
+<file path=ppt/slides/slide21.xml><?xml version="1.0" encoding="utf-8"?>
 <p:sld xmlns:a="http://schemas.openxmlformats.org/drawingml/2006/main" xmlns:r="http://schemas.openxmlformats.org/officeDocument/2006/relationships" xmlns:p="http://schemas.openxmlformats.org/presentationml/2006/main">
   <p:cSld>
     <p:spTree>
@@ -5421,381 +5950,6 @@
       </p:grpSpPr>
       <p:sp>
         <p:nvSpPr>
-          <p:cNvPr id="2" name="Title 1">
-            <a:extLst>
-              <a:ext uri="{FF2B5EF4-FFF2-40B4-BE49-F238E27FC236}">
-                <a16:creationId xmlns:a16="http://schemas.microsoft.com/office/drawing/2014/main" id="{FBA9E64C-2391-491C-9ACB-3AF33E081A2B}"/>
-              </a:ext>
-            </a:extLst>
-          </p:cNvPr>
-          <p:cNvSpPr>
-            <a:spLocks noGrp="1"/>
-          </p:cNvSpPr>
-          <p:nvPr>
-            <p:ph type="title"/>
-          </p:nvPr>
-        </p:nvSpPr>
-        <p:spPr/>
-        <p:txBody>
-          <a:bodyPr/>
-          <a:lstStyle/>
-          <a:p>
-            <a:r>
-              <a:rPr lang="en-US" dirty="0"/>
-              <a:t>Overview</a:t>
-            </a:r>
-          </a:p>
-        </p:txBody>
-      </p:sp>
-      <p:sp>
-        <p:nvSpPr>
-          <p:cNvPr id="3" name="Content Placeholder 2">
-            <a:extLst>
-              <a:ext uri="{FF2B5EF4-FFF2-40B4-BE49-F238E27FC236}">
-                <a16:creationId xmlns:a16="http://schemas.microsoft.com/office/drawing/2014/main" id="{1C066E66-DB9A-460B-AA04-DD977F1612AF}"/>
-              </a:ext>
-            </a:extLst>
-          </p:cNvPr>
-          <p:cNvSpPr>
-            <a:spLocks noGrp="1"/>
-          </p:cNvSpPr>
-          <p:nvPr>
-            <p:ph idx="1"/>
-          </p:nvPr>
-        </p:nvSpPr>
-        <p:spPr/>
-        <p:txBody>
-          <a:bodyPr>
-            <a:normAutofit/>
-          </a:bodyPr>
-          <a:lstStyle/>
-          <a:p>
-            <a:r>
-              <a:rPr lang="en-US" dirty="0"/>
-              <a:t>All accounts have one or more of the following roles</a:t>
-            </a:r>
-          </a:p>
-        </p:txBody>
-      </p:sp>
-      <p:graphicFrame>
-        <p:nvGraphicFramePr>
-          <p:cNvPr id="4" name="Table 4">
-            <a:extLst>
-              <a:ext uri="{FF2B5EF4-FFF2-40B4-BE49-F238E27FC236}">
-                <a16:creationId xmlns:a16="http://schemas.microsoft.com/office/drawing/2014/main" id="{0C6C00F3-3BEA-47B8-8491-76FA6413A312}"/>
-              </a:ext>
-            </a:extLst>
-          </p:cNvPr>
-          <p:cNvGraphicFramePr>
-            <a:graphicFrameLocks noGrp="1"/>
-          </p:cNvGraphicFramePr>
-          <p:nvPr>
-            <p:extLst>
-              <p:ext uri="{D42A27DB-BD31-4B8C-83A1-F6EECF244321}">
-                <p14:modId xmlns:p14="http://schemas.microsoft.com/office/powerpoint/2010/main" val="2308647736"/>
-              </p:ext>
-            </p:extLst>
-          </p:nvPr>
-        </p:nvGraphicFramePr>
-        <p:xfrm>
-          <a:off x="914400" y="2819399"/>
-          <a:ext cx="8077200" cy="3306765"/>
-        </p:xfrm>
-        <a:graphic>
-          <a:graphicData uri="http://schemas.openxmlformats.org/drawingml/2006/table">
-            <a:tbl>
-              <a:tblPr firstRow="1" bandRow="1">
-                <a:tableStyleId>{5C22544A-7EE6-4342-B048-85BDC9FD1C3A}</a:tableStyleId>
-              </a:tblPr>
-              <a:tblGrid>
-                <a:gridCol w="1752600">
-                  <a:extLst>
-                    <a:ext uri="{9D8B030D-6E8A-4147-A177-3AD203B41FA5}">
-                      <a16:colId xmlns:a16="http://schemas.microsoft.com/office/drawing/2014/main" val="2468998996"/>
-                    </a:ext>
-                  </a:extLst>
-                </a:gridCol>
-                <a:gridCol w="6324600">
-                  <a:extLst>
-                    <a:ext uri="{9D8B030D-6E8A-4147-A177-3AD203B41FA5}">
-                      <a16:colId xmlns:a16="http://schemas.microsoft.com/office/drawing/2014/main" val="1052361734"/>
-                    </a:ext>
-                  </a:extLst>
-                </a:gridCol>
-              </a:tblGrid>
-              <a:tr h="472395">
-                <a:tc>
-                  <a:txBody>
-                    <a:bodyPr/>
-                    <a:lstStyle/>
-                    <a:p>
-                      <a:r>
-                        <a:rPr lang="en-US" dirty="0"/>
-                        <a:t>Role</a:t>
-                      </a:r>
-                    </a:p>
-                  </a:txBody>
-                  <a:tcPr/>
-                </a:tc>
-                <a:tc>
-                  <a:txBody>
-                    <a:bodyPr/>
-                    <a:lstStyle/>
-                    <a:p>
-                      <a:r>
-                        <a:rPr lang="en-US" dirty="0"/>
-                        <a:t>Lets you…</a:t>
-                      </a:r>
-                    </a:p>
-                  </a:txBody>
-                  <a:tcPr/>
-                </a:tc>
-                <a:extLst>
-                  <a:ext uri="{0D108BD9-81ED-4DB2-BD59-A6C34878D82A}">
-                    <a16:rowId xmlns:a16="http://schemas.microsoft.com/office/drawing/2014/main" val="1170296629"/>
-                  </a:ext>
-                </a:extLst>
-              </a:tr>
-              <a:tr h="472395">
-                <a:tc>
-                  <a:txBody>
-                    <a:bodyPr/>
-                    <a:lstStyle/>
-                    <a:p>
-                      <a:r>
-                        <a:rPr lang="en-US" dirty="0"/>
-                        <a:t>None (Pilot)</a:t>
-                      </a:r>
-                    </a:p>
-                  </a:txBody>
-                  <a:tcPr/>
-                </a:tc>
-                <a:tc>
-                  <a:txBody>
-                    <a:bodyPr/>
-                    <a:lstStyle/>
-                    <a:p>
-                      <a:r>
-                        <a:rPr lang="en-US" dirty="0"/>
-                        <a:t>Use the site </a:t>
-                      </a:r>
-                      <a:r>
-                        <a:rPr lang="en-US" b="1" dirty="0"/>
-                        <a:t>Everyone has this</a:t>
-                      </a:r>
-                      <a:endParaRPr lang="en-US" dirty="0"/>
-                    </a:p>
-                  </a:txBody>
-                  <a:tcPr/>
-                </a:tc>
-                <a:extLst>
-                  <a:ext uri="{0D108BD9-81ED-4DB2-BD59-A6C34878D82A}">
-                    <a16:rowId xmlns:a16="http://schemas.microsoft.com/office/drawing/2014/main" val="4094621718"/>
-                  </a:ext>
-                </a:extLst>
-              </a:tr>
-              <a:tr h="472395">
-                <a:tc>
-                  <a:txBody>
-                    <a:bodyPr/>
-                    <a:lstStyle/>
-                    <a:p>
-                      <a:r>
-                        <a:rPr lang="en-US" dirty="0"/>
-                        <a:t>Support</a:t>
-                      </a:r>
-                    </a:p>
-                  </a:txBody>
-                  <a:tcPr/>
-                </a:tc>
-                <a:tc>
-                  <a:txBody>
-                    <a:bodyPr/>
-                    <a:lstStyle/>
-                    <a:p>
-                      <a:r>
-                        <a:rPr lang="en-US" dirty="0"/>
-                        <a:t>Reset passwords, impersonate users, receive “Contact Us” email</a:t>
-                      </a:r>
-                    </a:p>
-                  </a:txBody>
-                  <a:tcPr/>
-                </a:tc>
-                <a:extLst>
-                  <a:ext uri="{0D108BD9-81ED-4DB2-BD59-A6C34878D82A}">
-                    <a16:rowId xmlns:a16="http://schemas.microsoft.com/office/drawing/2014/main" val="2180513821"/>
-                  </a:ext>
-                </a:extLst>
-              </a:tr>
-              <a:tr h="472395">
-                <a:tc>
-                  <a:txBody>
-                    <a:bodyPr/>
-                    <a:lstStyle/>
-                    <a:p>
-                      <a:r>
-                        <a:rPr lang="en-US" dirty="0"/>
-                        <a:t>Data Manager</a:t>
-                      </a:r>
-                    </a:p>
-                  </a:txBody>
-                  <a:tcPr/>
-                </a:tc>
-                <a:tc>
-                  <a:txBody>
-                    <a:bodyPr/>
-                    <a:lstStyle/>
-                    <a:p>
-                      <a:r>
-                        <a:rPr lang="en-US" dirty="0"/>
-                        <a:t>Edit aircraft/models/airports/FAQs/Achievements/Endorsements</a:t>
-                      </a:r>
-                    </a:p>
-                  </a:txBody>
-                  <a:tcPr/>
-                </a:tc>
-                <a:extLst>
-                  <a:ext uri="{0D108BD9-81ED-4DB2-BD59-A6C34878D82A}">
-                    <a16:rowId xmlns:a16="http://schemas.microsoft.com/office/drawing/2014/main" val="1044323624"/>
-                  </a:ext>
-                </a:extLst>
-              </a:tr>
-              <a:tr h="472395">
-                <a:tc>
-                  <a:txBody>
-                    <a:bodyPr/>
-                    <a:lstStyle/>
-                    <a:p>
-                      <a:r>
-                        <a:rPr lang="en-US" dirty="0"/>
-                        <a:t>Reporter</a:t>
-                      </a:r>
-                    </a:p>
-                  </a:txBody>
-                  <a:tcPr/>
-                </a:tc>
-                <a:tc>
-                  <a:txBody>
-                    <a:bodyPr/>
-                    <a:lstStyle/>
-                    <a:p>
-                      <a:r>
-                        <a:rPr lang="en-US" dirty="0"/>
-                        <a:t>View site stats, receive nightly report</a:t>
-                      </a:r>
-                    </a:p>
-                  </a:txBody>
-                  <a:tcPr/>
-                </a:tc>
-                <a:extLst>
-                  <a:ext uri="{0D108BD9-81ED-4DB2-BD59-A6C34878D82A}">
-                    <a16:rowId xmlns:a16="http://schemas.microsoft.com/office/drawing/2014/main" val="53510625"/>
-                  </a:ext>
-                </a:extLst>
-              </a:tr>
-              <a:tr h="472395">
-                <a:tc>
-                  <a:txBody>
-                    <a:bodyPr/>
-                    <a:lstStyle/>
-                    <a:p>
-                      <a:r>
-                        <a:rPr lang="en-US" dirty="0"/>
-                        <a:t>Accountant</a:t>
-                      </a:r>
-                    </a:p>
-                  </a:txBody>
-                  <a:tcPr/>
-                </a:tc>
-                <a:tc>
-                  <a:txBody>
-                    <a:bodyPr/>
-                    <a:lstStyle/>
-                    <a:p>
-                      <a:r>
-                        <a:rPr lang="en-US" dirty="0"/>
-                        <a:t>View and manage donations</a:t>
-                      </a:r>
-                    </a:p>
-                  </a:txBody>
-                  <a:tcPr/>
-                </a:tc>
-                <a:extLst>
-                  <a:ext uri="{0D108BD9-81ED-4DB2-BD59-A6C34878D82A}">
-                    <a16:rowId xmlns:a16="http://schemas.microsoft.com/office/drawing/2014/main" val="50245141"/>
-                  </a:ext>
-                </a:extLst>
-              </a:tr>
-              <a:tr h="472395">
-                <a:tc>
-                  <a:txBody>
-                    <a:bodyPr/>
-                    <a:lstStyle/>
-                    <a:p>
-                      <a:r>
-                        <a:rPr lang="en-US" dirty="0" err="1"/>
-                        <a:t>SiteAdmin</a:t>
-                      </a:r>
-                      <a:endParaRPr lang="en-US" dirty="0"/>
-                    </a:p>
-                  </a:txBody>
-                  <a:tcPr/>
-                </a:tc>
-                <a:tc>
-                  <a:txBody>
-                    <a:bodyPr/>
-                    <a:lstStyle/>
-                    <a:p>
-                      <a:r>
-                        <a:rPr lang="en-US" dirty="0"/>
-                        <a:t>All of the above plus receive errors, crash reports, etc.</a:t>
-                      </a:r>
-                    </a:p>
-                  </a:txBody>
-                  <a:tcPr/>
-                </a:tc>
-                <a:extLst>
-                  <a:ext uri="{0D108BD9-81ED-4DB2-BD59-A6C34878D82A}">
-                    <a16:rowId xmlns:a16="http://schemas.microsoft.com/office/drawing/2014/main" val="1208600274"/>
-                  </a:ext>
-                </a:extLst>
-              </a:tr>
-            </a:tbl>
-          </a:graphicData>
-        </a:graphic>
-      </p:graphicFrame>
-    </p:spTree>
-    <p:extLst>
-      <p:ext uri="{BB962C8B-B14F-4D97-AF65-F5344CB8AC3E}">
-        <p14:creationId xmlns:p14="http://schemas.microsoft.com/office/powerpoint/2010/main" val="2994289954"/>
-      </p:ext>
-    </p:extLst>
-  </p:cSld>
-  <p:clrMapOvr>
-    <a:masterClrMapping/>
-  </p:clrMapOvr>
-</p:sld>
-</file>
-
-<file path=ppt/slides/slide20.xml><?xml version="1.0" encoding="utf-8"?>
-<p:sld xmlns:a="http://schemas.openxmlformats.org/drawingml/2006/main" xmlns:r="http://schemas.openxmlformats.org/officeDocument/2006/relationships" xmlns:p="http://schemas.openxmlformats.org/presentationml/2006/main">
-  <p:cSld>
-    <p:spTree>
-      <p:nvGrpSpPr>
-        <p:cNvPr id="1" name=""/>
-        <p:cNvGrpSpPr/>
-        <p:nvPr/>
-      </p:nvGrpSpPr>
-      <p:grpSpPr>
-        <a:xfrm>
-          <a:off x="0" y="0"/>
-          <a:ext cx="0" cy="0"/>
-          <a:chOff x="0" y="0"/>
-          <a:chExt cx="0" cy="0"/>
-        </a:xfrm>
-      </p:grpSpPr>
-      <p:sp>
-        <p:nvSpPr>
           <p:cNvPr id="2" name="Title 1"/>
           <p:cNvSpPr>
             <a:spLocks noGrp="1"/>
@@ -6030,8 +6184,13 @@
             </a:r>
             <a:r>
               <a:rPr lang="en-US" sz="1400" dirty="0"/>
-              <a:t>: allows lookup of aircraft by registration (no partial search)</a:t>
-            </a:r>
+              <a:t>: allows lookup of aircraft </a:t>
+            </a:r>
+            <a:r>
+              <a:rPr lang="en-US" sz="1400"/>
+              <a:t>by registration</a:t>
+            </a:r>
+            <a:endParaRPr lang="en-US" sz="1400" dirty="0"/>
           </a:p>
         </p:txBody>
       </p:sp>
@@ -6083,7 +6242,7 @@
 </p:sld>
 </file>
 
-<file path=ppt/slides/slide21.xml><?xml version="1.0" encoding="utf-8"?>
+<file path=ppt/slides/slide22.xml><?xml version="1.0" encoding="utf-8"?>
 <p:sld xmlns:a="http://schemas.openxmlformats.org/drawingml/2006/main" xmlns:r="http://schemas.openxmlformats.org/officeDocument/2006/relationships" xmlns:p="http://schemas.openxmlformats.org/presentationml/2006/main">
   <p:cSld>
     <p:spTree>
@@ -6288,7 +6447,7 @@
         </p:nvSpPr>
         <p:spPr>
           <a:xfrm>
-            <a:off x="169333" y="6264805"/>
+            <a:off x="85586" y="4191000"/>
             <a:ext cx="1447800" cy="461665"/>
           </a:xfrm>
           <a:prstGeom prst="rect">
@@ -6335,7 +6494,7 @@
         <p:spPr>
           <a:xfrm>
             <a:off x="1565964" y="5628822"/>
-            <a:ext cx="914400" cy="228600"/>
+            <a:ext cx="914400" cy="163807"/>
           </a:xfrm>
           <a:prstGeom prst="roundRect">
             <a:avLst/>
@@ -6376,15 +6535,16 @@
         <p:nvCxnSpPr>
           <p:cNvPr id="11" name="Straight Arrow Connector 10"/>
           <p:cNvCxnSpPr>
-            <a:stCxn id="9" idx="0"/>
-            <a:endCxn id="10" idx="2"/>
+            <a:cxnSpLocks/>
+            <a:stCxn id="9" idx="2"/>
+            <a:endCxn id="10" idx="0"/>
           </p:cNvCxnSpPr>
           <p:nvPr/>
         </p:nvCxnSpPr>
         <p:spPr>
-          <a:xfrm flipV="1">
-            <a:off x="893233" y="5857422"/>
-            <a:ext cx="1129931" cy="407383"/>
+          <a:xfrm>
+            <a:off x="809486" y="4652665"/>
+            <a:ext cx="1213678" cy="976157"/>
           </a:xfrm>
           <a:prstGeom prst="straightConnector1">
             <a:avLst/>
@@ -6592,6 +6752,7 @@
         <p:nvCxnSpPr>
           <p:cNvPr id="31" name="Straight Arrow Connector 30"/>
           <p:cNvCxnSpPr>
+            <a:cxnSpLocks/>
             <a:stCxn id="29" idx="1"/>
             <a:endCxn id="41" idx="3"/>
           </p:cNvCxnSpPr>
@@ -6600,7 +6761,7 @@
         <p:spPr>
           <a:xfrm flipH="1">
             <a:off x="3401908" y="5694604"/>
-            <a:ext cx="2797385" cy="48518"/>
+            <a:ext cx="2797385" cy="16122"/>
           </a:xfrm>
           <a:prstGeom prst="straightConnector1">
             <a:avLst/>
@@ -6636,7 +6797,7 @@
         <p:spPr>
           <a:xfrm>
             <a:off x="2487508" y="5628822"/>
-            <a:ext cx="914400" cy="228600"/>
+            <a:ext cx="914400" cy="163807"/>
           </a:xfrm>
           <a:prstGeom prst="roundRect">
             <a:avLst/>
@@ -6673,6 +6834,152 @@
           </a:p>
         </p:txBody>
       </p:sp>
+      <p:sp>
+        <p:nvSpPr>
+          <p:cNvPr id="22" name="Rounded Rectangle 40">
+            <a:extLst>
+              <a:ext uri="{FF2B5EF4-FFF2-40B4-BE49-F238E27FC236}">
+                <a16:creationId xmlns:a16="http://schemas.microsoft.com/office/drawing/2014/main" id="{A492318C-746A-430F-9997-7820FCBA2BB6}"/>
+              </a:ext>
+            </a:extLst>
+          </p:cNvPr>
+          <p:cNvSpPr/>
+          <p:nvPr/>
+        </p:nvSpPr>
+        <p:spPr>
+          <a:xfrm>
+            <a:off x="1612384" y="5926402"/>
+            <a:ext cx="3721616" cy="228600"/>
+          </a:xfrm>
+          <a:prstGeom prst="roundRect">
+            <a:avLst/>
+          </a:prstGeom>
+          <a:noFill/>
+          <a:ln>
+            <a:solidFill>
+              <a:srgbClr val="FF0000"/>
+            </a:solidFill>
+          </a:ln>
+        </p:spPr>
+        <p:style>
+          <a:lnRef idx="2">
+            <a:schemeClr val="accent1">
+              <a:shade val="50000"/>
+            </a:schemeClr>
+          </a:lnRef>
+          <a:fillRef idx="1">
+            <a:schemeClr val="accent1"/>
+          </a:fillRef>
+          <a:effectRef idx="0">
+            <a:schemeClr val="accent1"/>
+          </a:effectRef>
+          <a:fontRef idx="minor">
+            <a:schemeClr val="lt1"/>
+          </a:fontRef>
+        </p:style>
+        <p:txBody>
+          <a:bodyPr rtlCol="0" anchor="ctr"/>
+          <a:lstStyle/>
+          <a:p>
+            <a:pPr algn="ctr"/>
+            <a:endParaRPr lang="en-US"/>
+          </a:p>
+        </p:txBody>
+      </p:sp>
+      <p:sp>
+        <p:nvSpPr>
+          <p:cNvPr id="24" name="TextBox 23">
+            <a:extLst>
+              <a:ext uri="{FF2B5EF4-FFF2-40B4-BE49-F238E27FC236}">
+                <a16:creationId xmlns:a16="http://schemas.microsoft.com/office/drawing/2014/main" id="{2AB77B6B-087C-4E33-8B2E-9712E2F1990F}"/>
+              </a:ext>
+            </a:extLst>
+          </p:cNvPr>
+          <p:cNvSpPr txBox="1"/>
+          <p:nvPr/>
+        </p:nvSpPr>
+        <p:spPr>
+          <a:xfrm>
+            <a:off x="66359" y="6172208"/>
+            <a:ext cx="1447800" cy="461665"/>
+          </a:xfrm>
+          <a:prstGeom prst="rect">
+            <a:avLst/>
+          </a:prstGeom>
+        </p:spPr>
+        <p:style>
+          <a:lnRef idx="0">
+            <a:schemeClr val="accent3"/>
+          </a:lnRef>
+          <a:fillRef idx="3">
+            <a:schemeClr val="accent3"/>
+          </a:fillRef>
+          <a:effectRef idx="3">
+            <a:schemeClr val="accent3"/>
+          </a:effectRef>
+          <a:fontRef idx="minor">
+            <a:schemeClr val="lt1"/>
+          </a:fontRef>
+        </p:style>
+        <p:txBody>
+          <a:bodyPr wrap="square" rtlCol="0">
+            <a:spAutoFit/>
+          </a:bodyPr>
+          <a:lstStyle/>
+          <a:p>
+            <a:r>
+              <a:rPr lang="en-US" sz="1200" dirty="0"/>
+              <a:t>All users flying this aircraft are shown</a:t>
+            </a:r>
+          </a:p>
+        </p:txBody>
+      </p:sp>
+      <p:cxnSp>
+        <p:nvCxnSpPr>
+          <p:cNvPr id="25" name="Straight Arrow Connector 24">
+            <a:extLst>
+              <a:ext uri="{FF2B5EF4-FFF2-40B4-BE49-F238E27FC236}">
+                <a16:creationId xmlns:a16="http://schemas.microsoft.com/office/drawing/2014/main" id="{6C48A9CC-D421-4C1B-8E24-7DB02CF90C47}"/>
+              </a:ext>
+            </a:extLst>
+          </p:cNvPr>
+          <p:cNvCxnSpPr>
+            <a:cxnSpLocks/>
+            <a:stCxn id="24" idx="0"/>
+            <a:endCxn id="22" idx="1"/>
+          </p:cNvCxnSpPr>
+          <p:nvPr/>
+        </p:nvCxnSpPr>
+        <p:spPr>
+          <a:xfrm flipV="1">
+            <a:off x="790259" y="6040702"/>
+            <a:ext cx="822125" cy="131506"/>
+          </a:xfrm>
+          <a:prstGeom prst="straightConnector1">
+            <a:avLst/>
+          </a:prstGeom>
+          <a:ln w="28575">
+            <a:solidFill>
+              <a:srgbClr val="FF0000"/>
+            </a:solidFill>
+            <a:tailEnd type="triangle"/>
+          </a:ln>
+        </p:spPr>
+        <p:style>
+          <a:lnRef idx="1">
+            <a:schemeClr val="accent1"/>
+          </a:lnRef>
+          <a:fillRef idx="0">
+            <a:schemeClr val="accent1"/>
+          </a:fillRef>
+          <a:effectRef idx="0">
+            <a:schemeClr val="accent1"/>
+          </a:effectRef>
+          <a:fontRef idx="minor">
+            <a:schemeClr val="tx1"/>
+          </a:fontRef>
+        </p:style>
+      </p:cxnSp>
     </p:spTree>
     <p:extLst>
       <p:ext uri="{BB962C8B-B14F-4D97-AF65-F5344CB8AC3E}">
@@ -6686,7 +6993,7 @@
 </p:sld>
 </file>
 
-<file path=ppt/slides/slide22.xml><?xml version="1.0" encoding="utf-8"?>
+<file path=ppt/slides/slide23.xml><?xml version="1.0" encoding="utf-8"?>
 <p:sld xmlns:a="http://schemas.openxmlformats.org/drawingml/2006/main" xmlns:r="http://schemas.openxmlformats.org/officeDocument/2006/relationships" xmlns:p="http://schemas.openxmlformats.org/presentationml/2006/main">
   <p:cSld>
     <p:spTree>
@@ -6753,7 +7060,7 @@
         </p:nvGraphicFramePr>
         <p:xfrm>
           <a:off x="457200" y="1443718"/>
-          <a:ext cx="8305800" cy="4023360"/>
+          <a:ext cx="8305800" cy="3440158"/>
         </p:xfrm>
         <a:graphic>
           <a:graphicData uri="http://schemas.openxmlformats.org/drawingml/2006/table">
@@ -7043,7 +7350,7 @@
 </p:sld>
 </file>
 
-<file path=ppt/slides/slide23.xml><?xml version="1.0" encoding="utf-8"?>
+<file path=ppt/slides/slide24.xml><?xml version="1.0" encoding="utf-8"?>
 <p:sld xmlns:a="http://schemas.openxmlformats.org/drawingml/2006/main" xmlns:r="http://schemas.openxmlformats.org/officeDocument/2006/relationships" xmlns:p="http://schemas.openxmlformats.org/presentationml/2006/main">
   <p:cSld>
     <p:spTree>
@@ -7670,7 +7977,7 @@
 </p:sld>
 </file>
 
-<file path=ppt/slides/slide24.xml><?xml version="1.0" encoding="utf-8"?>
+<file path=ppt/slides/slide25.xml><?xml version="1.0" encoding="utf-8"?>
 <p:sld xmlns:a="http://schemas.openxmlformats.org/drawingml/2006/main" xmlns:r="http://schemas.openxmlformats.org/officeDocument/2006/relationships" xmlns:p="http://schemas.openxmlformats.org/presentationml/2006/main">
   <p:cSld>
     <p:spTree>
@@ -7828,7 +8135,7 @@
 </p:sld>
 </file>
 
-<file path=ppt/slides/slide25.xml><?xml version="1.0" encoding="utf-8"?>
+<file path=ppt/slides/slide26.xml><?xml version="1.0" encoding="utf-8"?>
 <p:sld xmlns:a="http://schemas.openxmlformats.org/drawingml/2006/main" xmlns:r="http://schemas.openxmlformats.org/officeDocument/2006/relationships" xmlns:p="http://schemas.openxmlformats.org/presentationml/2006/main">
   <p:cSld>
     <p:spTree>
@@ -7880,7 +8187,7 @@
         <p:spPr/>
         <p:txBody>
           <a:bodyPr>
-            <a:normAutofit fontScale="92500" lnSpcReduction="20000"/>
+            <a:normAutofit/>
           </a:bodyPr>
           <a:lstStyle/>
           <a:p>
@@ -7936,7 +8243,7 @@
 </p:sld>
 </file>
 
-<file path=ppt/slides/slide26.xml><?xml version="1.0" encoding="utf-8"?>
+<file path=ppt/slides/slide27.xml><?xml version="1.0" encoding="utf-8"?>
 <p:sld xmlns:a="http://schemas.openxmlformats.org/drawingml/2006/main" xmlns:r="http://schemas.openxmlformats.org/officeDocument/2006/relationships" xmlns:p="http://schemas.openxmlformats.org/presentationml/2006/main">
   <p:cSld>
     <p:spTree>
@@ -8503,7 +8810,7 @@
 </p:sld>
 </file>
 
-<file path=ppt/slides/slide27.xml><?xml version="1.0" encoding="utf-8"?>
+<file path=ppt/slides/slide28.xml><?xml version="1.0" encoding="utf-8"?>
 <p:sld xmlns:a="http://schemas.openxmlformats.org/drawingml/2006/main" xmlns:r="http://schemas.openxmlformats.org/officeDocument/2006/relationships" xmlns:p="http://schemas.openxmlformats.org/presentationml/2006/main">
   <p:cSld>
     <p:spTree>
@@ -8555,7 +8862,7 @@
         <p:spPr/>
         <p:txBody>
           <a:bodyPr>
-            <a:normAutofit fontScale="92500" lnSpcReduction="20000"/>
+            <a:normAutofit/>
           </a:bodyPr>
           <a:lstStyle/>
           <a:p>
@@ -8681,7 +8988,7 @@
 </p:sld>
 </file>
 
-<file path=ppt/slides/slide28.xml><?xml version="1.0" encoding="utf-8"?>
+<file path=ppt/slides/slide29.xml><?xml version="1.0" encoding="utf-8"?>
 <p:sld xmlns:a="http://schemas.openxmlformats.org/drawingml/2006/main" xmlns:r="http://schemas.openxmlformats.org/officeDocument/2006/relationships" xmlns:p="http://schemas.openxmlformats.org/presentationml/2006/main">
   <p:cSld>
     <p:spTree>
@@ -8738,7 +9045,7 @@
         </p:spPr>
         <p:txBody>
           <a:bodyPr>
-            <a:normAutofit fontScale="70000" lnSpcReduction="20000"/>
+            <a:normAutofit fontScale="77500" lnSpcReduction="20000"/>
           </a:bodyPr>
           <a:lstStyle/>
           <a:p>
@@ -8846,7 +9153,27 @@
           <a:p>
             <a:r>
               <a:rPr lang="en-US" dirty="0"/>
-              <a:t>When doing bulk import, can review each airport and decide whether to import, or to update existing item in database.</a:t>
+              <a:t>When doing bulk import, can review each airport and decide whether to import, or to update existing item in database</a:t>
+            </a:r>
+          </a:p>
+          <a:p>
+            <a:r>
+              <a:rPr lang="en-US" dirty="0"/>
+              <a:t>Can also look for likely duplicate airports to resolve</a:t>
+            </a:r>
+          </a:p>
+          <a:p>
+            <a:pPr lvl="1"/>
+            <a:r>
+              <a:rPr lang="en-US" dirty="0"/>
+              <a:t>SLOW</a:t>
+            </a:r>
+          </a:p>
+          <a:p>
+            <a:pPr lvl="1"/>
+            <a:r>
+              <a:rPr lang="en-US" dirty="0"/>
+              <a:t>Can designate one as preferred, or at least make them match up in location.</a:t>
             </a:r>
           </a:p>
           <a:p>
@@ -10031,7 +10358,7 @@
 </p:sld>
 </file>
 
-<file path=ppt/slides/slide29.xml><?xml version="1.0" encoding="utf-8"?>
+<file path=ppt/slides/slide3.xml><?xml version="1.0" encoding="utf-8"?>
 <p:sld xmlns:a="http://schemas.openxmlformats.org/drawingml/2006/main" xmlns:r="http://schemas.openxmlformats.org/officeDocument/2006/relationships" xmlns:p="http://schemas.openxmlformats.org/presentationml/2006/main">
   <p:cSld>
     <p:spTree>
@@ -10050,6 +10377,77 @@
       </p:grpSpPr>
       <p:sp>
         <p:nvSpPr>
+          <p:cNvPr id="4" name="Title 3"/>
+          <p:cNvSpPr>
+            <a:spLocks noGrp="1"/>
+          </p:cNvSpPr>
+          <p:nvPr>
+            <p:ph type="ctrTitle"/>
+          </p:nvPr>
+        </p:nvSpPr>
+        <p:spPr/>
+        <p:txBody>
+          <a:bodyPr/>
+          <a:lstStyle/>
+          <a:p>
+            <a:r>
+              <a:rPr lang="en-US" dirty="0"/>
+              <a:t>Key Scenarios</a:t>
+            </a:r>
+          </a:p>
+        </p:txBody>
+      </p:sp>
+      <p:sp>
+        <p:nvSpPr>
+          <p:cNvPr id="5" name="Subtitle 4"/>
+          <p:cNvSpPr>
+            <a:spLocks noGrp="1"/>
+          </p:cNvSpPr>
+          <p:nvPr>
+            <p:ph type="subTitle" idx="1"/>
+          </p:nvPr>
+        </p:nvSpPr>
+        <p:spPr/>
+        <p:txBody>
+          <a:bodyPr/>
+          <a:lstStyle/>
+          <a:p>
+            <a:endParaRPr lang="en-US"/>
+          </a:p>
+        </p:txBody>
+      </p:sp>
+    </p:spTree>
+    <p:extLst>
+      <p:ext uri="{BB962C8B-B14F-4D97-AF65-F5344CB8AC3E}">
+        <p14:creationId xmlns:p14="http://schemas.microsoft.com/office/powerpoint/2010/main" val="2148533920"/>
+      </p:ext>
+    </p:extLst>
+  </p:cSld>
+  <p:clrMapOvr>
+    <a:masterClrMapping/>
+  </p:clrMapOvr>
+</p:sld>
+</file>
+
+<file path=ppt/slides/slide30.xml><?xml version="1.0" encoding="utf-8"?>
+<p:sld xmlns:a="http://schemas.openxmlformats.org/drawingml/2006/main" xmlns:r="http://schemas.openxmlformats.org/officeDocument/2006/relationships" xmlns:p="http://schemas.openxmlformats.org/presentationml/2006/main">
+  <p:cSld>
+    <p:spTree>
+      <p:nvGrpSpPr>
+        <p:cNvPr id="1" name=""/>
+        <p:cNvGrpSpPr/>
+        <p:nvPr/>
+      </p:nvGrpSpPr>
+      <p:grpSpPr>
+        <a:xfrm>
+          <a:off x="0" y="0"/>
+          <a:ext cx="0" cy="0"/>
+          <a:chOff x="0" y="0"/>
+          <a:chExt cx="0" cy="0"/>
+        </a:xfrm>
+      </p:grpSpPr>
+      <p:sp>
+        <p:nvSpPr>
           <p:cNvPr id="2" name="Title 1"/>
           <p:cNvSpPr>
             <a:spLocks noGrp="1"/>
@@ -10088,7 +10486,7 @@
         </p:spPr>
         <p:txBody>
           <a:bodyPr>
-            <a:normAutofit fontScale="62500" lnSpcReduction="20000"/>
+            <a:normAutofit fontScale="85000" lnSpcReduction="20000"/>
           </a:bodyPr>
           <a:lstStyle/>
           <a:p>
@@ -10170,186 +10568,6 @@
 </p:sld>
 </file>
 
-<file path=ppt/slides/slide3.xml><?xml version="1.0" encoding="utf-8"?>
-<p:sld xmlns:a="http://schemas.openxmlformats.org/drawingml/2006/main" xmlns:r="http://schemas.openxmlformats.org/officeDocument/2006/relationships" xmlns:p="http://schemas.openxmlformats.org/presentationml/2006/main">
-  <p:cSld>
-    <p:spTree>
-      <p:nvGrpSpPr>
-        <p:cNvPr id="1" name=""/>
-        <p:cNvGrpSpPr/>
-        <p:nvPr/>
-      </p:nvGrpSpPr>
-      <p:grpSpPr>
-        <a:xfrm>
-          <a:off x="0" y="0"/>
-          <a:ext cx="0" cy="0"/>
-          <a:chOff x="0" y="0"/>
-          <a:chExt cx="0" cy="0"/>
-        </a:xfrm>
-      </p:grpSpPr>
-      <p:sp>
-        <p:nvSpPr>
-          <p:cNvPr id="4" name="Title 3"/>
-          <p:cNvSpPr>
-            <a:spLocks noGrp="1"/>
-          </p:cNvSpPr>
-          <p:nvPr>
-            <p:ph type="ctrTitle"/>
-          </p:nvPr>
-        </p:nvSpPr>
-        <p:spPr/>
-        <p:txBody>
-          <a:bodyPr/>
-          <a:lstStyle/>
-          <a:p>
-            <a:r>
-              <a:rPr lang="en-US" dirty="0"/>
-              <a:t>Key Scenarios</a:t>
-            </a:r>
-          </a:p>
-        </p:txBody>
-      </p:sp>
-      <p:sp>
-        <p:nvSpPr>
-          <p:cNvPr id="5" name="Subtitle 4"/>
-          <p:cNvSpPr>
-            <a:spLocks noGrp="1"/>
-          </p:cNvSpPr>
-          <p:nvPr>
-            <p:ph type="subTitle" idx="1"/>
-          </p:nvPr>
-        </p:nvSpPr>
-        <p:spPr/>
-        <p:txBody>
-          <a:bodyPr/>
-          <a:lstStyle/>
-          <a:p>
-            <a:endParaRPr lang="en-US"/>
-          </a:p>
-        </p:txBody>
-      </p:sp>
-    </p:spTree>
-    <p:extLst>
-      <p:ext uri="{BB962C8B-B14F-4D97-AF65-F5344CB8AC3E}">
-        <p14:creationId xmlns:p14="http://schemas.microsoft.com/office/powerpoint/2010/main" val="2148533920"/>
-      </p:ext>
-    </p:extLst>
-  </p:cSld>
-  <p:clrMapOvr>
-    <a:masterClrMapping/>
-  </p:clrMapOvr>
-</p:sld>
-</file>
-
-<file path=ppt/slides/slide30.xml><?xml version="1.0" encoding="utf-8"?>
-<p:sld xmlns:a="http://schemas.openxmlformats.org/drawingml/2006/main" xmlns:r="http://schemas.openxmlformats.org/officeDocument/2006/relationships" xmlns:p="http://schemas.openxmlformats.org/presentationml/2006/main">
-  <p:cSld>
-    <p:spTree>
-      <p:nvGrpSpPr>
-        <p:cNvPr id="1" name=""/>
-        <p:cNvGrpSpPr/>
-        <p:nvPr/>
-      </p:nvGrpSpPr>
-      <p:grpSpPr>
-        <a:xfrm>
-          <a:off x="0" y="0"/>
-          <a:ext cx="0" cy="0"/>
-          <a:chOff x="0" y="0"/>
-          <a:chExt cx="0" cy="0"/>
-        </a:xfrm>
-      </p:grpSpPr>
-      <p:sp>
-        <p:nvSpPr>
-          <p:cNvPr id="2" name="Title 1"/>
-          <p:cNvSpPr>
-            <a:spLocks noGrp="1"/>
-          </p:cNvSpPr>
-          <p:nvPr>
-            <p:ph type="title"/>
-          </p:nvPr>
-        </p:nvSpPr>
-        <p:spPr/>
-        <p:txBody>
-          <a:bodyPr/>
-          <a:lstStyle/>
-          <a:p>
-            <a:r>
-              <a:rPr lang="en-US" dirty="0"/>
-              <a:t>Property Guidelines</a:t>
-            </a:r>
-          </a:p>
-        </p:txBody>
-      </p:sp>
-      <p:sp>
-        <p:nvSpPr>
-          <p:cNvPr id="3" name="Content Placeholder 2"/>
-          <p:cNvSpPr>
-            <a:spLocks noGrp="1"/>
-          </p:cNvSpPr>
-          <p:nvPr>
-            <p:ph idx="1"/>
-          </p:nvPr>
-        </p:nvSpPr>
-        <p:spPr/>
-        <p:txBody>
-          <a:bodyPr>
-            <a:normAutofit fontScale="85000" lnSpcReduction="10000"/>
-          </a:bodyPr>
-          <a:lstStyle/>
-          <a:p>
-            <a:r>
-              <a:rPr lang="en-US" dirty="0"/>
-              <a:t>Keep properties as general purpose as possible.  </a:t>
-            </a:r>
-          </a:p>
-          <a:p>
-            <a:pPr lvl="1"/>
-            <a:r>
-              <a:rPr lang="en-US" dirty="0"/>
-              <a:t>E.g., “Charity Flight” rather than “Angel Flight”</a:t>
-            </a:r>
-          </a:p>
-          <a:p>
-            <a:r>
-              <a:rPr lang="en-US" dirty="0"/>
-              <a:t>Add properties only for things that really don’t belong in comments – i.e., for which a pilot might wat to do a structured search or a pivot table in Excel</a:t>
-            </a:r>
-          </a:p>
-          <a:p>
-            <a:r>
-              <a:rPr lang="en-US" dirty="0"/>
-              <a:t>Avoid properties that combine independent things</a:t>
-            </a:r>
-          </a:p>
-          <a:p>
-            <a:pPr lvl="1"/>
-            <a:r>
-              <a:rPr lang="en-US" dirty="0"/>
-              <a:t>E.g., stay away from “Night Cross-country” or “Solo Night Cross Country.”.  </a:t>
-            </a:r>
-          </a:p>
-          <a:p>
-            <a:pPr lvl="1"/>
-            <a:r>
-              <a:rPr lang="en-US" dirty="0"/>
-              <a:t>This is an invitation to ambiguity or errors in the data, don’t do it.</a:t>
-            </a:r>
-          </a:p>
-        </p:txBody>
-      </p:sp>
-    </p:spTree>
-    <p:extLst>
-      <p:ext uri="{BB962C8B-B14F-4D97-AF65-F5344CB8AC3E}">
-        <p14:creationId xmlns:p14="http://schemas.microsoft.com/office/powerpoint/2010/main" val="1893513869"/>
-      </p:ext>
-    </p:extLst>
-  </p:cSld>
-  <p:clrMapOvr>
-    <a:masterClrMapping/>
-  </p:clrMapOvr>
-</p:sld>
-</file>
-
 <file path=ppt/slides/slide31.xml><?xml version="1.0" encoding="utf-8"?>
 <p:sld xmlns:a="http://schemas.openxmlformats.org/drawingml/2006/main" xmlns:r="http://schemas.openxmlformats.org/officeDocument/2006/relationships" xmlns:p="http://schemas.openxmlformats.org/presentationml/2006/main">
   <p:cSld>
@@ -10379,79 +10597,69 @@
         </p:nvSpPr>
         <p:spPr/>
         <p:txBody>
+          <a:bodyPr/>
+          <a:lstStyle/>
+          <a:p>
+            <a:r>
+              <a:rPr lang="en-US" dirty="0"/>
+              <a:t>Property Guidelines</a:t>
+            </a:r>
+          </a:p>
+        </p:txBody>
+      </p:sp>
+      <p:sp>
+        <p:nvSpPr>
+          <p:cNvPr id="3" name="Content Placeholder 2"/>
+          <p:cNvSpPr>
+            <a:spLocks noGrp="1"/>
+          </p:cNvSpPr>
+          <p:nvPr>
+            <p:ph idx="1"/>
+          </p:nvPr>
+        </p:nvSpPr>
+        <p:spPr/>
+        <p:txBody>
           <a:bodyPr>
-            <a:normAutofit fontScale="90000"/>
+            <a:normAutofit/>
           </a:bodyPr>
           <a:lstStyle/>
           <a:p>
             <a:r>
               <a:rPr lang="en-US" dirty="0"/>
-              <a:t>Admin Tools: Endorsement Templates</a:t>
-            </a:r>
-          </a:p>
-        </p:txBody>
-      </p:sp>
-      <p:sp>
-        <p:nvSpPr>
-          <p:cNvPr id="3" name="Content Placeholder 2"/>
-          <p:cNvSpPr>
-            <a:spLocks noGrp="1"/>
-          </p:cNvSpPr>
-          <p:nvPr>
-            <p:ph idx="1"/>
-          </p:nvPr>
-        </p:nvSpPr>
-        <p:spPr/>
-        <p:txBody>
-          <a:bodyPr>
-            <a:normAutofit fontScale="92500" lnSpcReduction="20000"/>
-          </a:bodyPr>
-          <a:lstStyle/>
-          <a:p>
-            <a:r>
-              <a:rPr lang="en-US" dirty="0"/>
-              <a:t>This is where templates can be created/edited for endorsements that a flight instructor can give to a student</a:t>
-            </a:r>
-          </a:p>
-          <a:p>
-            <a:r>
-              <a:rPr lang="en-US" dirty="0"/>
-              <a:t>Uses a pseudo-markup language to specify placeholders for student name, date, etc.</a:t>
+              <a:t>Keep properties as general purpose as possible.  </a:t>
             </a:r>
           </a:p>
           <a:p>
             <a:pPr lvl="1"/>
             <a:r>
               <a:rPr lang="en-US" dirty="0"/>
-              <a:t>{x} for a single-line entry with watermark "x"</a:t>
+              <a:t>E.g., “Charity Flight” rather than “Angel Flight”</a:t>
+            </a:r>
+          </a:p>
+          <a:p>
+            <a:r>
+              <a:rPr lang="en-US" dirty="0"/>
+              <a:t>Add properties only for things that really don’t belong in comments – i.e., for which a pilot might wat to do a structured search or a pivot table in Excel</a:t>
+            </a:r>
+          </a:p>
+          <a:p>
+            <a:r>
+              <a:rPr lang="en-US" dirty="0"/>
+              <a:t>Avoid properties that combine independent things</a:t>
             </a:r>
           </a:p>
           <a:p>
             <a:pPr lvl="1"/>
             <a:r>
               <a:rPr lang="en-US" dirty="0"/>
-              <a:t>{Freeform} for freeform multi-line text (no watermark prompt)</a:t>
+              <a:t>E.g., stay away from “Night Cross-country” or “Solo Night Cross Country.”.  </a:t>
             </a:r>
           </a:p>
           <a:p>
             <a:pPr lvl="1"/>
             <a:r>
               <a:rPr lang="en-US" dirty="0"/>
-              <a:t>{Date} for the date (prefilled)</a:t>
-            </a:r>
-          </a:p>
-          <a:p>
-            <a:pPr lvl="1"/>
-            <a:r>
-              <a:rPr lang="en-US" dirty="0"/>
-              <a:t>{Student} for the Student's name (pre-filled)</a:t>
-            </a:r>
-          </a:p>
-          <a:p>
-            <a:pPr lvl="1"/>
-            <a:r>
-              <a:rPr lang="en-US" dirty="0"/>
-              <a:t>{x/y/z} for a drop-down of choices x, y, and z</a:t>
+              <a:t>This is an invitation to ambiguity or errors in the data, don’t do it.</a:t>
             </a:r>
           </a:p>
         </p:txBody>
@@ -10459,7 +10667,7 @@
     </p:spTree>
     <p:extLst>
       <p:ext uri="{BB962C8B-B14F-4D97-AF65-F5344CB8AC3E}">
-        <p14:creationId xmlns:p14="http://schemas.microsoft.com/office/powerpoint/2010/main" val="1248576311"/>
+        <p14:creationId xmlns:p14="http://schemas.microsoft.com/office/powerpoint/2010/main" val="1893513869"/>
       </p:ext>
     </p:extLst>
   </p:cSld>
@@ -10498,12 +10706,14 @@
         </p:nvSpPr>
         <p:spPr/>
         <p:txBody>
-          <a:bodyPr/>
-          <a:lstStyle/>
-          <a:p>
-            <a:r>
-              <a:rPr lang="en-US" dirty="0"/>
-              <a:t>Admin Tool: Edit FAQ</a:t>
+          <a:bodyPr>
+            <a:normAutofit/>
+          </a:bodyPr>
+          <a:lstStyle/>
+          <a:p>
+            <a:r>
+              <a:rPr lang="en-US" dirty="0"/>
+              <a:t>Admin Tools: Endorsement Templates</a:t>
             </a:r>
           </a:p>
         </p:txBody>
@@ -10521,87 +10731,54 @@
         <p:spPr/>
         <p:txBody>
           <a:bodyPr>
-            <a:normAutofit fontScale="55000" lnSpcReduction="20000"/>
+            <a:normAutofit/>
           </a:bodyPr>
           <a:lstStyle/>
           <a:p>
             <a:r>
               <a:rPr lang="en-US" dirty="0"/>
-              <a:t>Link to FAQ is on bottom of every page.</a:t>
-            </a:r>
-          </a:p>
-          <a:p>
-            <a:r>
-              <a:rPr lang="en-US" dirty="0"/>
-              <a:t>FAQ items consist of a category, a question, and an answer.  They are grouped by category at display time.</a:t>
-            </a:r>
-          </a:p>
-          <a:p>
-            <a:r>
-              <a:rPr lang="en-US" dirty="0"/>
-              <a:t>FAQ answer can contain HTML markup</a:t>
-            </a:r>
-          </a:p>
-          <a:p>
-            <a:r>
-              <a:rPr lang="en-US" dirty="0"/>
-              <a:t>FAQ is branding-aware (will use correct brand based on environment)</a:t>
+              <a:t>This is where templates can be created/edited for endorsements that a flight instructor can give to a student</a:t>
+            </a:r>
+          </a:p>
+          <a:p>
+            <a:r>
+              <a:rPr lang="en-US" dirty="0"/>
+              <a:t>Uses a pseudo-markup language to specify placeholders for student name, date, etc.</a:t>
             </a:r>
           </a:p>
           <a:p>
             <a:pPr lvl="1"/>
             <a:r>
               <a:rPr lang="en-US" dirty="0"/>
-              <a:t>All links should use relative paths (i.e., not include the domain name) to work with multiple brands</a:t>
+              <a:t>{x} for a single-line entry with watermark "x"</a:t>
             </a:r>
           </a:p>
           <a:p>
             <a:pPr lvl="1"/>
             <a:r>
               <a:rPr lang="en-US" dirty="0"/>
-              <a:t>%APP_NAME%: the name of the app</a:t>
+              <a:t>{Freeform} for freeform multi-line text (no watermark prompt)</a:t>
             </a:r>
           </a:p>
           <a:p>
             <a:pPr lvl="1"/>
             <a:r>
               <a:rPr lang="en-US" dirty="0"/>
-              <a:t>%SHORT_DATE%: Current date format (short) - date pattern</a:t>
+              <a:t>{Date} for the date (prefilled)</a:t>
             </a:r>
           </a:p>
           <a:p>
             <a:pPr lvl="1"/>
             <a:r>
               <a:rPr lang="en-US" dirty="0"/>
-              <a:t>%DATE_TIME%: Current time format (long) - sample in long format</a:t>
+              <a:t>{Student} for the Student's name (pre-filled)</a:t>
             </a:r>
           </a:p>
           <a:p>
             <a:pPr lvl="1"/>
             <a:r>
               <a:rPr lang="en-US" dirty="0"/>
-              <a:t>%APP_URL%: the URL (host) for the current request.</a:t>
-            </a:r>
-          </a:p>
-          <a:p>
-            <a:pPr lvl="1"/>
-            <a:r>
-              <a:rPr lang="en-US" dirty="0"/>
-              <a:t>%APP_ROOT%: The root (analogous to "~") for the app brand.</a:t>
-            </a:r>
-          </a:p>
-          <a:p>
-            <a:pPr lvl="1"/>
-            <a:r>
-              <a:rPr lang="en-US" dirty="0"/>
-              <a:t>%APP_LOGO%: the URL for the app logo</a:t>
-            </a:r>
-          </a:p>
-          <a:p>
-            <a:pPr lvl="1"/>
-            <a:r>
-              <a:rPr lang="en-US" dirty="0"/>
-              <a:t>E.g., the “Contact” link is http://%APP_URL%%APP_ROOT%/Public/ContactMe.aspx which translates to http://myflightbook.com/logbook/Public/ContactMe.aspx</a:t>
+              <a:t>{x/y/z} for a drop-down of choices x, y, and z</a:t>
             </a:r>
           </a:p>
         </p:txBody>
@@ -10609,7 +10786,7 @@
     </p:spTree>
     <p:extLst>
       <p:ext uri="{BB962C8B-B14F-4D97-AF65-F5344CB8AC3E}">
-        <p14:creationId xmlns:p14="http://schemas.microsoft.com/office/powerpoint/2010/main" val="680066526"/>
+        <p14:creationId xmlns:p14="http://schemas.microsoft.com/office/powerpoint/2010/main" val="1248576311"/>
       </p:ext>
     </p:extLst>
   </p:cSld>
@@ -10653,6 +10830,156 @@
           <a:p>
             <a:r>
               <a:rPr lang="en-US" dirty="0"/>
+              <a:t>Admin Tool: Edit FAQ</a:t>
+            </a:r>
+          </a:p>
+        </p:txBody>
+      </p:sp>
+      <p:sp>
+        <p:nvSpPr>
+          <p:cNvPr id="3" name="Content Placeholder 2"/>
+          <p:cNvSpPr>
+            <a:spLocks noGrp="1"/>
+          </p:cNvSpPr>
+          <p:nvPr>
+            <p:ph idx="1"/>
+          </p:nvPr>
+        </p:nvSpPr>
+        <p:spPr/>
+        <p:txBody>
+          <a:bodyPr>
+            <a:normAutofit fontScale="77500" lnSpcReduction="20000"/>
+          </a:bodyPr>
+          <a:lstStyle/>
+          <a:p>
+            <a:r>
+              <a:rPr lang="en-US" dirty="0"/>
+              <a:t>Link to FAQ is on bottom of every page.</a:t>
+            </a:r>
+          </a:p>
+          <a:p>
+            <a:r>
+              <a:rPr lang="en-US" dirty="0"/>
+              <a:t>FAQ items consist of a category, a question, and an answer.  They are grouped by category at display time.</a:t>
+            </a:r>
+          </a:p>
+          <a:p>
+            <a:r>
+              <a:rPr lang="en-US" dirty="0"/>
+              <a:t>FAQ answer can contain HTML markup</a:t>
+            </a:r>
+          </a:p>
+          <a:p>
+            <a:r>
+              <a:rPr lang="en-US" dirty="0"/>
+              <a:t>FAQ is branding-aware (will use correct brand based on environment)</a:t>
+            </a:r>
+          </a:p>
+          <a:p>
+            <a:pPr lvl="1"/>
+            <a:r>
+              <a:rPr lang="en-US" dirty="0"/>
+              <a:t>All links should use relative paths (i.e., not include the domain name) to work with multiple brands</a:t>
+            </a:r>
+          </a:p>
+          <a:p>
+            <a:pPr lvl="1"/>
+            <a:r>
+              <a:rPr lang="en-US" dirty="0"/>
+              <a:t>%APP_NAME%: the name of the app</a:t>
+            </a:r>
+          </a:p>
+          <a:p>
+            <a:pPr lvl="1"/>
+            <a:r>
+              <a:rPr lang="en-US" dirty="0"/>
+              <a:t>%SHORT_DATE%: Current date format (short) - date pattern</a:t>
+            </a:r>
+          </a:p>
+          <a:p>
+            <a:pPr lvl="1"/>
+            <a:r>
+              <a:rPr lang="en-US" dirty="0"/>
+              <a:t>%DATE_TIME%: Current time format (long) - sample in long format</a:t>
+            </a:r>
+          </a:p>
+          <a:p>
+            <a:pPr lvl="1"/>
+            <a:r>
+              <a:rPr lang="en-US" dirty="0"/>
+              <a:t>%APP_URL%: the URL (host) for the current request.</a:t>
+            </a:r>
+          </a:p>
+          <a:p>
+            <a:pPr lvl="1"/>
+            <a:r>
+              <a:rPr lang="en-US" dirty="0"/>
+              <a:t>%APP_ROOT%: The root (analogous to "~") for the app brand.</a:t>
+            </a:r>
+          </a:p>
+          <a:p>
+            <a:pPr lvl="1"/>
+            <a:r>
+              <a:rPr lang="en-US" dirty="0"/>
+              <a:t>%APP_LOGO%: the URL for the app logo</a:t>
+            </a:r>
+          </a:p>
+          <a:p>
+            <a:pPr lvl="1"/>
+            <a:r>
+              <a:rPr lang="en-US" dirty="0"/>
+              <a:t>E.g., the “Contact” link is http://%APP_URL%%APP_ROOT%/Public/ContactMe.aspx which translates to http://myflightbook.com/logbook/Public/ContactMe.aspx</a:t>
+            </a:r>
+          </a:p>
+        </p:txBody>
+      </p:sp>
+    </p:spTree>
+    <p:extLst>
+      <p:ext uri="{BB962C8B-B14F-4D97-AF65-F5344CB8AC3E}">
+        <p14:creationId xmlns:p14="http://schemas.microsoft.com/office/powerpoint/2010/main" val="680066526"/>
+      </p:ext>
+    </p:extLst>
+  </p:cSld>
+  <p:clrMapOvr>
+    <a:masterClrMapping/>
+  </p:clrMapOvr>
+</p:sld>
+</file>
+
+<file path=ppt/slides/slide34.xml><?xml version="1.0" encoding="utf-8"?>
+<p:sld xmlns:a="http://schemas.openxmlformats.org/drawingml/2006/main" xmlns:r="http://schemas.openxmlformats.org/officeDocument/2006/relationships" xmlns:p="http://schemas.openxmlformats.org/presentationml/2006/main">
+  <p:cSld>
+    <p:spTree>
+      <p:nvGrpSpPr>
+        <p:cNvPr id="1" name=""/>
+        <p:cNvGrpSpPr/>
+        <p:nvPr/>
+      </p:nvGrpSpPr>
+      <p:grpSpPr>
+        <a:xfrm>
+          <a:off x="0" y="0"/>
+          <a:ext cx="0" cy="0"/>
+          <a:chOff x="0" y="0"/>
+          <a:chExt cx="0" cy="0"/>
+        </a:xfrm>
+      </p:grpSpPr>
+      <p:sp>
+        <p:nvSpPr>
+          <p:cNvPr id="2" name="Title 1"/>
+          <p:cNvSpPr>
+            <a:spLocks noGrp="1"/>
+          </p:cNvSpPr>
+          <p:nvPr>
+            <p:ph type="title"/>
+          </p:nvPr>
+        </p:nvSpPr>
+        <p:spPr/>
+        <p:txBody>
+          <a:bodyPr/>
+          <a:lstStyle/>
+          <a:p>
+            <a:r>
+              <a:rPr lang="en-US" dirty="0"/>
               <a:t>Admin Tool: Achievements</a:t>
             </a:r>
           </a:p>
@@ -10676,7 +11003,7 @@
         </p:spPr>
         <p:txBody>
           <a:bodyPr>
-            <a:normAutofit fontScale="55000" lnSpcReduction="20000"/>
+            <a:normAutofit fontScale="77500" lnSpcReduction="20000"/>
           </a:bodyPr>
           <a:lstStyle/>
           <a:p>
@@ -10785,92 +11112,6 @@
 </p:sld>
 </file>
 
-<file path=ppt/slides/slide34.xml><?xml version="1.0" encoding="utf-8"?>
-<p:sld xmlns:a="http://schemas.openxmlformats.org/drawingml/2006/main" xmlns:r="http://schemas.openxmlformats.org/officeDocument/2006/relationships" xmlns:p="http://schemas.openxmlformats.org/presentationml/2006/main">
-  <p:cSld>
-    <p:spTree>
-      <p:nvGrpSpPr>
-        <p:cNvPr id="1" name=""/>
-        <p:cNvGrpSpPr/>
-        <p:nvPr/>
-      </p:nvGrpSpPr>
-      <p:grpSpPr>
-        <a:xfrm>
-          <a:off x="0" y="0"/>
-          <a:ext cx="0" cy="0"/>
-          <a:chOff x="0" y="0"/>
-          <a:chExt cx="0" cy="0"/>
-        </a:xfrm>
-      </p:grpSpPr>
-      <p:sp>
-        <p:nvSpPr>
-          <p:cNvPr id="2" name="Title 1"/>
-          <p:cNvSpPr>
-            <a:spLocks noGrp="1"/>
-          </p:cNvSpPr>
-          <p:nvPr>
-            <p:ph type="title"/>
-          </p:nvPr>
-        </p:nvSpPr>
-        <p:spPr/>
-        <p:txBody>
-          <a:bodyPr/>
-          <a:lstStyle/>
-          <a:p>
-            <a:r>
-              <a:rPr lang="en-US" dirty="0"/>
-              <a:t>Admin Tools: Telemetry</a:t>
-            </a:r>
-          </a:p>
-        </p:txBody>
-      </p:sp>
-      <p:sp>
-        <p:nvSpPr>
-          <p:cNvPr id="3" name="Content Placeholder 2"/>
-          <p:cNvSpPr>
-            <a:spLocks noGrp="1"/>
-          </p:cNvSpPr>
-          <p:nvPr>
-            <p:ph idx="1"/>
-          </p:nvPr>
-        </p:nvSpPr>
-        <p:spPr/>
-        <p:txBody>
-          <a:bodyPr/>
-          <a:lstStyle/>
-          <a:p>
-            <a:r>
-              <a:rPr lang="en-US" dirty="0"/>
-              <a:t>Allows migration of telemetry between database and individual disk files (similar to images and Amazon S3)</a:t>
-            </a:r>
-          </a:p>
-          <a:p>
-            <a:r>
-              <a:rPr lang="en-US" dirty="0"/>
-              <a:t>Can also reconcile data inconsistencies, look up telemetry on a per-user basis, and see stats.</a:t>
-            </a:r>
-          </a:p>
-          <a:p>
-            <a:r>
-              <a:rPr lang="en-US" dirty="0"/>
-              <a:t>Fun “Antipodes” tool</a:t>
-            </a:r>
-          </a:p>
-        </p:txBody>
-      </p:sp>
-    </p:spTree>
-    <p:extLst>
-      <p:ext uri="{BB962C8B-B14F-4D97-AF65-F5344CB8AC3E}">
-        <p14:creationId xmlns:p14="http://schemas.microsoft.com/office/powerpoint/2010/main" val="3440863894"/>
-      </p:ext>
-    </p:extLst>
-  </p:cSld>
-  <p:clrMapOvr>
-    <a:masterClrMapping/>
-  </p:clrMapOvr>
-</p:sld>
-</file>
-
 <file path=ppt/slides/slide35.xml><?xml version="1.0" encoding="utf-8"?>
 <p:sld xmlns:a="http://schemas.openxmlformats.org/drawingml/2006/main" xmlns:r="http://schemas.openxmlformats.org/officeDocument/2006/relationships" xmlns:p="http://schemas.openxmlformats.org/presentationml/2006/main">
   <p:cSld>
@@ -10890,7 +11131,13 @@
       </p:grpSpPr>
       <p:sp>
         <p:nvSpPr>
-          <p:cNvPr id="2" name="Title 1"/>
+          <p:cNvPr id="2" name="Title 1">
+            <a:extLst>
+              <a:ext uri="{FF2B5EF4-FFF2-40B4-BE49-F238E27FC236}">
+                <a16:creationId xmlns:a16="http://schemas.microsoft.com/office/drawing/2014/main" id="{F2D17C7C-FA42-4DFB-9062-8010A57919D3}"/>
+              </a:ext>
+            </a:extLst>
+          </p:cNvPr>
           <p:cNvSpPr>
             <a:spLocks noGrp="1"/>
           </p:cNvSpPr>
@@ -10905,92 +11152,60 @@
           <a:p>
             <a:r>
               <a:rPr lang="en-US" dirty="0"/>
-              <a:t>Admin Tools: </a:t>
-            </a:r>
-            <a:r>
-              <a:rPr lang="en-US" dirty="0" err="1"/>
-              <a:t>Misc</a:t>
-            </a:r>
+              <a:t>Telemetry</a:t>
+            </a:r>
+          </a:p>
+        </p:txBody>
+      </p:sp>
+      <p:sp>
+        <p:nvSpPr>
+          <p:cNvPr id="3" name="Content Placeholder 2">
+            <a:extLst>
+              <a:ext uri="{FF2B5EF4-FFF2-40B4-BE49-F238E27FC236}">
+                <a16:creationId xmlns:a16="http://schemas.microsoft.com/office/drawing/2014/main" id="{1E388323-5C94-4FD1-BE48-07B10F0BC5F9}"/>
+              </a:ext>
+            </a:extLst>
+          </p:cNvPr>
+          <p:cNvSpPr>
+            <a:spLocks noGrp="1"/>
+          </p:cNvSpPr>
+          <p:nvPr>
+            <p:ph idx="1"/>
+          </p:nvPr>
+        </p:nvSpPr>
+        <p:spPr/>
+        <p:txBody>
+          <a:bodyPr/>
+          <a:lstStyle/>
+          <a:p>
+            <a:r>
+              <a:rPr lang="en-US" dirty="0"/>
+              <a:t>Can be stored directly in the flights table, but generally not (performance)</a:t>
+            </a:r>
+          </a:p>
+          <a:p>
+            <a:pPr lvl="1"/>
+            <a:r>
+              <a:rPr lang="en-US" dirty="0"/>
+              <a:t>Compressed flight path is stored in database, and original is saved to disk in .telemetry file</a:t>
+            </a:r>
+          </a:p>
+          <a:p>
+            <a:pPr lvl="1"/>
+            <a:r>
+              <a:rPr lang="en-US" dirty="0"/>
+              <a:t>Avoids need to parse/reparse data, reduces bloat, increases performance.</a:t>
+            </a:r>
+          </a:p>
+          <a:p>
             <a:endParaRPr lang="en-US" dirty="0"/>
-          </a:p>
-        </p:txBody>
-      </p:sp>
-      <p:sp>
-        <p:nvSpPr>
-          <p:cNvPr id="3" name="Content Placeholder 2"/>
-          <p:cNvSpPr>
-            <a:spLocks noGrp="1"/>
-          </p:cNvSpPr>
-          <p:nvPr>
-            <p:ph idx="1"/>
-          </p:nvPr>
-        </p:nvSpPr>
-        <p:spPr/>
-        <p:txBody>
-          <a:bodyPr>
-            <a:normAutofit fontScale="85000" lnSpcReduction="10000"/>
-          </a:bodyPr>
-          <a:lstStyle/>
-          <a:p>
-            <a:r>
-              <a:rPr lang="en-US" dirty="0"/>
-              <a:t>Handle duplicate/empty properties</a:t>
-            </a:r>
-          </a:p>
-          <a:p>
-            <a:pPr lvl="1"/>
-            <a:r>
-              <a:rPr lang="en-US" dirty="0"/>
-              <a:t>Just click them to view them in context and delete them (obviously only one in the case of duplicates).</a:t>
-            </a:r>
-          </a:p>
-          <a:p>
-            <a:pPr lvl="1"/>
-            <a:r>
-              <a:rPr lang="en-US" dirty="0"/>
-              <a:t>I think I’ve finally caught all the scenarios where this can happen; haven’t seen dupes in a while</a:t>
-            </a:r>
-          </a:p>
-          <a:p>
-            <a:r>
-              <a:rPr lang="en-US" dirty="0"/>
-              <a:t>Investigate/</a:t>
-            </a:r>
-            <a:r>
-              <a:rPr lang="en-US" dirty="0" err="1"/>
-              <a:t>recompute</a:t>
-            </a:r>
-            <a:r>
-              <a:rPr lang="en-US" dirty="0"/>
-              <a:t> invalid signatures (slow!)</a:t>
-            </a:r>
-          </a:p>
-          <a:p>
-            <a:pPr lvl="1"/>
-            <a:r>
-              <a:rPr lang="en-US" dirty="0"/>
-              <a:t>Can arise if aircraft changes (e.g., clone or merging of duplicate aircraft)</a:t>
-            </a:r>
-          </a:p>
-          <a:p>
-            <a:pPr lvl="1"/>
-            <a:r>
-              <a:rPr lang="en-US" dirty="0"/>
-              <a:t>Best to do this on a development machine first.</a:t>
-            </a:r>
-          </a:p>
-          <a:p>
-            <a:r>
-              <a:rPr lang="en-US" dirty="0"/>
-              <a:t>Flush the cache on the live site (to pick up DB changes)</a:t>
-            </a:r>
           </a:p>
         </p:txBody>
       </p:sp>
     </p:spTree>
     <p:extLst>
       <p:ext uri="{BB962C8B-B14F-4D97-AF65-F5344CB8AC3E}">
-        <p14:creationId xmlns:p14="http://schemas.microsoft.com/office/powerpoint/2010/main" val="2007248668"/>
+        <p14:creationId xmlns:p14="http://schemas.microsoft.com/office/powerpoint/2010/main" val="2874666540"/>
       </p:ext>
     </p:extLst>
   </p:cSld>
@@ -11019,12 +11234,12 @@
       </p:grpSpPr>
       <p:sp>
         <p:nvSpPr>
-          <p:cNvPr id="4" name="Title 3"/>
-          <p:cNvSpPr>
-            <a:spLocks noGrp="1"/>
-          </p:cNvSpPr>
-          <p:nvPr>
-            <p:ph type="ctrTitle"/>
+          <p:cNvPr id="2" name="Title 1"/>
+          <p:cNvSpPr>
+            <a:spLocks noGrp="1"/>
+          </p:cNvSpPr>
+          <p:nvPr>
+            <p:ph type="title"/>
           </p:nvPr>
         </p:nvSpPr>
         <p:spPr/>
@@ -11034,34 +11249,114 @@
           <a:p>
             <a:r>
               <a:rPr lang="en-US" dirty="0"/>
-              <a:t>Reporting</a:t>
-            </a:r>
-          </a:p>
-        </p:txBody>
-      </p:sp>
-      <p:sp>
-        <p:nvSpPr>
-          <p:cNvPr id="5" name="Subtitle 4"/>
-          <p:cNvSpPr>
-            <a:spLocks noGrp="1"/>
-          </p:cNvSpPr>
-          <p:nvPr>
-            <p:ph type="subTitle" idx="1"/>
-          </p:nvPr>
-        </p:nvSpPr>
-        <p:spPr/>
+              <a:t>Admin Tools: Telemetry</a:t>
+            </a:r>
+          </a:p>
+        </p:txBody>
+      </p:sp>
+      <p:sp>
+        <p:nvSpPr>
+          <p:cNvPr id="3" name="Content Placeholder 2"/>
+          <p:cNvSpPr>
+            <a:spLocks noGrp="1"/>
+          </p:cNvSpPr>
+          <p:nvPr>
+            <p:ph idx="1"/>
+          </p:nvPr>
+        </p:nvSpPr>
+        <p:spPr>
+          <a:xfrm>
+            <a:off x="496529" y="1417638"/>
+            <a:ext cx="3846871" cy="4525963"/>
+          </a:xfrm>
+        </p:spPr>
         <p:txBody>
           <a:bodyPr/>
           <a:lstStyle/>
           <a:p>
-            <a:endParaRPr lang="en-US"/>
-          </a:p>
-        </p:txBody>
-      </p:sp>
+            <a:r>
+              <a:rPr lang="en-US" dirty="0"/>
+              <a:t>Allows migration of telemetry between database and individual disk files (similar to images and Amazon S3)</a:t>
+            </a:r>
+          </a:p>
+          <a:p>
+            <a:r>
+              <a:rPr lang="en-US" dirty="0"/>
+              <a:t>Can also reconcile data inconsistencies, look up telemetry on a per-user basis, and see stats.</a:t>
+            </a:r>
+          </a:p>
+          <a:p>
+            <a:r>
+              <a:rPr lang="en-US" dirty="0"/>
+              <a:t>Fun “Antipodes” tool</a:t>
+            </a:r>
+          </a:p>
+        </p:txBody>
+      </p:sp>
+      <p:pic>
+        <p:nvPicPr>
+          <p:cNvPr id="4" name="Picture 3">
+            <a:extLst>
+              <a:ext uri="{FF2B5EF4-FFF2-40B4-BE49-F238E27FC236}">
+                <a16:creationId xmlns:a16="http://schemas.microsoft.com/office/drawing/2014/main" id="{D76ACA23-D912-4D4F-916D-54F51CD8F7CD}"/>
+              </a:ext>
+            </a:extLst>
+          </p:cNvPr>
+          <p:cNvPicPr>
+            <a:picLocks noChangeAspect="1"/>
+          </p:cNvPicPr>
+          <p:nvPr/>
+        </p:nvPicPr>
+        <p:blipFill>
+          <a:blip r:embed="rId2"/>
+          <a:stretch>
+            <a:fillRect/>
+          </a:stretch>
+        </p:blipFill>
+        <p:spPr>
+          <a:xfrm>
+            <a:off x="4343400" y="1292590"/>
+            <a:ext cx="4648200" cy="2536096"/>
+          </a:xfrm>
+          <a:prstGeom prst="rect">
+            <a:avLst/>
+          </a:prstGeom>
+        </p:spPr>
+      </p:pic>
+      <p:pic>
+        <p:nvPicPr>
+          <p:cNvPr id="5" name="Picture 4">
+            <a:extLst>
+              <a:ext uri="{FF2B5EF4-FFF2-40B4-BE49-F238E27FC236}">
+                <a16:creationId xmlns:a16="http://schemas.microsoft.com/office/drawing/2014/main" id="{3A071B88-0102-4653-86BF-B5B28EC0431F}"/>
+              </a:ext>
+            </a:extLst>
+          </p:cNvPr>
+          <p:cNvPicPr>
+            <a:picLocks noChangeAspect="1"/>
+          </p:cNvPicPr>
+          <p:nvPr/>
+        </p:nvPicPr>
+        <p:blipFill>
+          <a:blip r:embed="rId3"/>
+          <a:stretch>
+            <a:fillRect/>
+          </a:stretch>
+        </p:blipFill>
+        <p:spPr>
+          <a:xfrm>
+            <a:off x="7248494" y="2727683"/>
+            <a:ext cx="1883553" cy="3812059"/>
+          </a:xfrm>
+          <a:prstGeom prst="rect">
+            <a:avLst/>
+          </a:prstGeom>
+        </p:spPr>
+      </p:pic>
     </p:spTree>
     <p:extLst>
       <p:ext uri="{BB962C8B-B14F-4D97-AF65-F5344CB8AC3E}">
-        <p14:creationId xmlns:p14="http://schemas.microsoft.com/office/powerpoint/2010/main" val="3700926872"/>
+        <p14:creationId xmlns:p14="http://schemas.microsoft.com/office/powerpoint/2010/main" val="3440863894"/>
       </p:ext>
     </p:extLst>
   </p:cSld>
@@ -11105,8 +11400,13 @@
           <a:p>
             <a:r>
               <a:rPr lang="en-US" dirty="0"/>
-              <a:t>Donations</a:t>
-            </a:r>
+              <a:t>Admin Tools: </a:t>
+            </a:r>
+            <a:r>
+              <a:rPr lang="en-US" dirty="0" err="1"/>
+              <a:t>Misc</a:t>
+            </a:r>
+            <a:endParaRPr lang="en-US" dirty="0"/>
           </a:p>
         </p:txBody>
       </p:sp>
@@ -11122,31 +11422,62 @@
         </p:nvSpPr>
         <p:spPr/>
         <p:txBody>
-          <a:bodyPr/>
-          <a:lstStyle/>
-          <a:p>
-            <a:r>
-              <a:rPr lang="en-US" dirty="0"/>
-              <a:t>View details of donations made by time period</a:t>
-            </a:r>
-          </a:p>
-          <a:p>
-            <a:r>
-              <a:rPr lang="en-US" dirty="0"/>
-              <a:t>Search for donations by username</a:t>
-            </a:r>
-          </a:p>
-          <a:p>
-            <a:r>
-              <a:rPr lang="en-US" dirty="0"/>
-              <a:t>Add transactions manually to make adjustments </a:t>
+          <a:bodyPr>
+            <a:normAutofit/>
+          </a:bodyPr>
+          <a:lstStyle/>
+          <a:p>
+            <a:r>
+              <a:rPr lang="en-US" dirty="0"/>
+              <a:t>Handle duplicate/empty properties</a:t>
             </a:r>
           </a:p>
           <a:p>
             <a:pPr lvl="1"/>
             <a:r>
               <a:rPr lang="en-US" dirty="0"/>
-              <a:t>Does NOT issue refunds!!  This is just local recordkeeping</a:t>
+              <a:t>Just click them to view them in context and delete them (obviously only one in the case of duplicates).</a:t>
+            </a:r>
+          </a:p>
+          <a:p>
+            <a:pPr lvl="1"/>
+            <a:r>
+              <a:rPr lang="en-US" dirty="0"/>
+              <a:t>I think I’ve finally caught all the scenarios where this can happen; haven’t seen dupes in a while</a:t>
+            </a:r>
+          </a:p>
+          <a:p>
+            <a:r>
+              <a:rPr lang="en-US" dirty="0"/>
+              <a:t>Investigate/</a:t>
+            </a:r>
+            <a:r>
+              <a:rPr lang="en-US" dirty="0" err="1"/>
+              <a:t>recompute</a:t>
+            </a:r>
+            <a:r>
+              <a:rPr lang="en-US" dirty="0"/>
+              <a:t> invalid signatures (slow!)</a:t>
+            </a:r>
+          </a:p>
+          <a:p>
+            <a:pPr lvl="1"/>
+            <a:r>
+              <a:rPr lang="en-US" dirty="0"/>
+              <a:t>Can arise if aircraft changes (e.g., clone or merging of duplicate aircraft)</a:t>
+            </a:r>
+          </a:p>
+          <a:p>
+            <a:pPr lvl="1"/>
+            <a:r>
+              <a:rPr lang="en-US" dirty="0"/>
+              <a:t>Best to do this on a development machine first.</a:t>
+            </a:r>
+          </a:p>
+          <a:p>
+            <a:r>
+              <a:rPr lang="en-US" dirty="0"/>
+              <a:t>Flush the cache on the live site (to pick up DB changes)</a:t>
             </a:r>
           </a:p>
         </p:txBody>
@@ -11154,7 +11485,7 @@
     </p:spTree>
     <p:extLst>
       <p:ext uri="{BB962C8B-B14F-4D97-AF65-F5344CB8AC3E}">
-        <p14:creationId xmlns:p14="http://schemas.microsoft.com/office/powerpoint/2010/main" val="762305122"/>
+        <p14:creationId xmlns:p14="http://schemas.microsoft.com/office/powerpoint/2010/main" val="2007248668"/>
       </p:ext>
     </p:extLst>
   </p:cSld>
@@ -11183,12 +11514,12 @@
       </p:grpSpPr>
       <p:sp>
         <p:nvSpPr>
-          <p:cNvPr id="2" name="Title 1"/>
-          <p:cNvSpPr>
-            <a:spLocks noGrp="1"/>
-          </p:cNvSpPr>
-          <p:nvPr>
-            <p:ph type="title"/>
+          <p:cNvPr id="4" name="Title 3"/>
+          <p:cNvSpPr>
+            <a:spLocks noGrp="1"/>
+          </p:cNvSpPr>
+          <p:nvPr>
+            <p:ph type="ctrTitle"/>
           </p:nvPr>
         </p:nvSpPr>
         <p:spPr/>
@@ -11198,19 +11529,19 @@
           <a:p>
             <a:r>
               <a:rPr lang="en-US" dirty="0"/>
-              <a:t>Admin Tools: Stats</a:t>
-            </a:r>
-          </a:p>
-        </p:txBody>
-      </p:sp>
-      <p:sp>
-        <p:nvSpPr>
-          <p:cNvPr id="3" name="Content Placeholder 2"/>
-          <p:cNvSpPr>
-            <a:spLocks noGrp="1"/>
-          </p:cNvSpPr>
-          <p:nvPr>
-            <p:ph idx="1"/>
+              <a:t>Reporting</a:t>
+            </a:r>
+          </a:p>
+        </p:txBody>
+      </p:sp>
+      <p:sp>
+        <p:nvSpPr>
+          <p:cNvPr id="5" name="Subtitle 4"/>
+          <p:cNvSpPr>
+            <a:spLocks noGrp="1"/>
+          </p:cNvSpPr>
+          <p:nvPr>
+            <p:ph type="subTitle" idx="1"/>
           </p:nvPr>
         </p:nvSpPr>
         <p:spPr/>
@@ -11218,38 +11549,14 @@
           <a:bodyPr/>
           <a:lstStyle/>
           <a:p>
-            <a:r>
-              <a:rPr lang="en-US" dirty="0"/>
-              <a:t>Displays some interesting usage statistics for the site.</a:t>
-            </a:r>
-          </a:p>
-          <a:p>
-            <a:r>
-              <a:rPr lang="en-US" dirty="0"/>
-              <a:t>No actions necessary in this section</a:t>
-            </a:r>
-          </a:p>
-          <a:p>
-            <a:r>
-              <a:rPr lang="en-US" dirty="0"/>
-              <a:t>Emailed nightly</a:t>
-            </a:r>
-          </a:p>
-          <a:p>
-            <a:r>
-              <a:rPr lang="en-US" dirty="0"/>
-              <a:t>SLOW to compute</a:t>
-            </a:r>
-          </a:p>
-          <a:p>
-            <a:endParaRPr lang="en-US" dirty="0"/>
+            <a:endParaRPr lang="en-US"/>
           </a:p>
         </p:txBody>
       </p:sp>
     </p:spTree>
     <p:extLst>
       <p:ext uri="{BB962C8B-B14F-4D97-AF65-F5344CB8AC3E}">
-        <p14:creationId xmlns:p14="http://schemas.microsoft.com/office/powerpoint/2010/main" val="2703966438"/>
+        <p14:creationId xmlns:p14="http://schemas.microsoft.com/office/powerpoint/2010/main" val="3700926872"/>
       </p:ext>
     </p:extLst>
   </p:cSld>
@@ -11283,7 +11590,7 @@
             <a:spLocks noGrp="1"/>
           </p:cNvSpPr>
           <p:nvPr>
-            <p:ph type="ctrTitle"/>
+            <p:ph type="title"/>
           </p:nvPr>
         </p:nvSpPr>
         <p:spPr/>
@@ -11292,36 +11599,98 @@
           <a:lstStyle/>
           <a:p>
             <a:r>
-              <a:rPr lang="en-US" dirty="0" err="1"/>
-              <a:t>Misc</a:t>
-            </a:r>
-            <a:endParaRPr lang="en-US" dirty="0"/>
-          </a:p>
-        </p:txBody>
-      </p:sp>
-      <p:sp>
-        <p:nvSpPr>
-          <p:cNvPr id="3" name="Subtitle 2"/>
-          <p:cNvSpPr>
-            <a:spLocks noGrp="1"/>
-          </p:cNvSpPr>
-          <p:nvPr>
-            <p:ph type="subTitle" idx="1"/>
-          </p:nvPr>
-        </p:nvSpPr>
-        <p:spPr/>
+              <a:rPr lang="en-US" dirty="0"/>
+              <a:t>Donations</a:t>
+            </a:r>
+          </a:p>
+        </p:txBody>
+      </p:sp>
+      <p:sp>
+        <p:nvSpPr>
+          <p:cNvPr id="3" name="Content Placeholder 2"/>
+          <p:cNvSpPr>
+            <a:spLocks noGrp="1"/>
+          </p:cNvSpPr>
+          <p:nvPr>
+            <p:ph idx="1"/>
+          </p:nvPr>
+        </p:nvSpPr>
+        <p:spPr>
+          <a:xfrm>
+            <a:off x="457200" y="1600202"/>
+            <a:ext cx="4419600" cy="4525963"/>
+          </a:xfrm>
+        </p:spPr>
         <p:txBody>
           <a:bodyPr/>
           <a:lstStyle/>
           <a:p>
-            <a:endParaRPr lang="en-US"/>
-          </a:p>
-        </p:txBody>
-      </p:sp>
+            <a:r>
+              <a:rPr lang="en-US" dirty="0"/>
+              <a:t>View details of donations made by time period</a:t>
+            </a:r>
+          </a:p>
+          <a:p>
+            <a:r>
+              <a:rPr lang="en-US" dirty="0"/>
+              <a:t>Search for donations by username</a:t>
+            </a:r>
+          </a:p>
+          <a:p>
+            <a:r>
+              <a:rPr lang="en-US" dirty="0"/>
+              <a:t>Add transactions manually to make adjustments </a:t>
+            </a:r>
+          </a:p>
+          <a:p>
+            <a:pPr lvl="1"/>
+            <a:r>
+              <a:rPr lang="en-US" dirty="0"/>
+              <a:t>Does NOT issue refunds!!  (just local recordkeeping)</a:t>
+            </a:r>
+          </a:p>
+          <a:p>
+            <a:r>
+              <a:rPr lang="en-US" dirty="0"/>
+              <a:t>Reset gratuities</a:t>
+            </a:r>
+          </a:p>
+        </p:txBody>
+      </p:sp>
+      <p:pic>
+        <p:nvPicPr>
+          <p:cNvPr id="5" name="Picture 4">
+            <a:extLst>
+              <a:ext uri="{FF2B5EF4-FFF2-40B4-BE49-F238E27FC236}">
+                <a16:creationId xmlns:a16="http://schemas.microsoft.com/office/drawing/2014/main" id="{8949D2DC-A4DA-4333-ABFE-CD78DBBAEDF8}"/>
+              </a:ext>
+            </a:extLst>
+          </p:cNvPr>
+          <p:cNvPicPr>
+            <a:picLocks noChangeAspect="1"/>
+          </p:cNvPicPr>
+          <p:nvPr/>
+        </p:nvPicPr>
+        <p:blipFill>
+          <a:blip r:embed="rId2"/>
+          <a:stretch>
+            <a:fillRect/>
+          </a:stretch>
+        </p:blipFill>
+        <p:spPr>
+          <a:xfrm>
+            <a:off x="4648200" y="1676400"/>
+            <a:ext cx="4347926" cy="2581274"/>
+          </a:xfrm>
+          <a:prstGeom prst="rect">
+            <a:avLst/>
+          </a:prstGeom>
+        </p:spPr>
+      </p:pic>
     </p:spTree>
     <p:extLst>
       <p:ext uri="{BB962C8B-B14F-4D97-AF65-F5344CB8AC3E}">
-        <p14:creationId xmlns:p14="http://schemas.microsoft.com/office/powerpoint/2010/main" val="73007954"/>
+        <p14:creationId xmlns:p14="http://schemas.microsoft.com/office/powerpoint/2010/main" val="762305122"/>
       </p:ext>
     </p:extLst>
   </p:cSld>
@@ -11457,7 +11826,7 @@
           <a:p>
             <a:r>
               <a:rPr lang="en-US" dirty="0"/>
-              <a:t>Shunting the site</a:t>
+              <a:t>Admin Tools: Stats</a:t>
             </a:r>
           </a:p>
         </p:txBody>
@@ -11479,35 +11848,66 @@
           <a:p>
             <a:r>
               <a:rPr lang="en-US" dirty="0"/>
-              <a:t>LAST RESORT – CALL ME</a:t>
-            </a:r>
-          </a:p>
-          <a:p>
-            <a:r>
-              <a:rPr lang="en-US" dirty="0"/>
-              <a:t>Site can be shunted if necessary</a:t>
-            </a:r>
-          </a:p>
-          <a:p>
-            <a:r>
-              <a:rPr lang="en-US" dirty="0"/>
-              <a:t>Requires editing </a:t>
-            </a:r>
-            <a:r>
-              <a:rPr lang="en-US" dirty="0" err="1"/>
-              <a:t>Web.config</a:t>
-            </a:r>
-            <a:r>
-              <a:rPr lang="en-US" dirty="0"/>
-              <a:t> on live site.  Search for word “Shunt” and you’ll see what to do.  Save the change.  Undo it to un-shunt</a:t>
-            </a:r>
-          </a:p>
-        </p:txBody>
-      </p:sp>
+              <a:t>Displays some interesting usage statistics for the site.</a:t>
+            </a:r>
+          </a:p>
+          <a:p>
+            <a:r>
+              <a:rPr lang="en-US" dirty="0"/>
+              <a:t>No actions necessary in this section</a:t>
+            </a:r>
+          </a:p>
+          <a:p>
+            <a:r>
+              <a:rPr lang="en-US" dirty="0"/>
+              <a:t>Emailed nightly</a:t>
+            </a:r>
+          </a:p>
+          <a:p>
+            <a:r>
+              <a:rPr lang="en-US" dirty="0"/>
+              <a:t>SLOW to compute</a:t>
+            </a:r>
+          </a:p>
+          <a:p>
+            <a:endParaRPr lang="en-US" dirty="0"/>
+          </a:p>
+        </p:txBody>
+      </p:sp>
+      <p:pic>
+        <p:nvPicPr>
+          <p:cNvPr id="4" name="Picture 3">
+            <a:extLst>
+              <a:ext uri="{FF2B5EF4-FFF2-40B4-BE49-F238E27FC236}">
+                <a16:creationId xmlns:a16="http://schemas.microsoft.com/office/drawing/2014/main" id="{9A8A43D1-DAF5-4002-8884-F8D9A24B883F}"/>
+              </a:ext>
+            </a:extLst>
+          </p:cNvPr>
+          <p:cNvPicPr>
+            <a:picLocks noChangeAspect="1"/>
+          </p:cNvPicPr>
+          <p:nvPr/>
+        </p:nvPicPr>
+        <p:blipFill>
+          <a:blip r:embed="rId2"/>
+          <a:stretch>
+            <a:fillRect/>
+          </a:stretch>
+        </p:blipFill>
+        <p:spPr>
+          <a:xfrm>
+            <a:off x="4419600" y="2590800"/>
+            <a:ext cx="4374444" cy="3810000"/>
+          </a:xfrm>
+          <a:prstGeom prst="rect">
+            <a:avLst/>
+          </a:prstGeom>
+        </p:spPr>
+      </p:pic>
     </p:spTree>
     <p:extLst>
       <p:ext uri="{BB962C8B-B14F-4D97-AF65-F5344CB8AC3E}">
-        <p14:creationId xmlns:p14="http://schemas.microsoft.com/office/powerpoint/2010/main" val="3705413828"/>
+        <p14:creationId xmlns:p14="http://schemas.microsoft.com/office/powerpoint/2010/main" val="2703966438"/>
       </p:ext>
     </p:extLst>
   </p:cSld>
@@ -11536,18 +11936,12 @@
       </p:grpSpPr>
       <p:sp>
         <p:nvSpPr>
-          <p:cNvPr id="2" name="Title 1">
-            <a:extLst>
-              <a:ext uri="{FF2B5EF4-FFF2-40B4-BE49-F238E27FC236}">
-                <a16:creationId xmlns:a16="http://schemas.microsoft.com/office/drawing/2014/main" id="{64750CA5-1A5C-45D6-B35D-A49E90DC7BB6}"/>
-              </a:ext>
-            </a:extLst>
-          </p:cNvPr>
-          <p:cNvSpPr>
-            <a:spLocks noGrp="1"/>
-          </p:cNvSpPr>
-          <p:nvPr>
-            <p:ph type="title"/>
+          <p:cNvPr id="2" name="Title 1"/>
+          <p:cNvSpPr>
+            <a:spLocks noGrp="1"/>
+          </p:cNvSpPr>
+          <p:nvPr>
+            <p:ph type="ctrTitle"/>
           </p:nvPr>
         </p:nvSpPr>
         <p:spPr/>
@@ -11559,27 +11953,18 @@
               <a:rPr lang="en-US" dirty="0" err="1"/>
               <a:t>Misc</a:t>
             </a:r>
-            <a:r>
-              <a:rPr lang="en-US" dirty="0"/>
-              <a:t>: Autoreply</a:t>
-            </a:r>
-          </a:p>
-        </p:txBody>
-      </p:sp>
-      <p:sp>
-        <p:nvSpPr>
-          <p:cNvPr id="3" name="Content Placeholder 2">
-            <a:extLst>
-              <a:ext uri="{FF2B5EF4-FFF2-40B4-BE49-F238E27FC236}">
-                <a16:creationId xmlns:a16="http://schemas.microsoft.com/office/drawing/2014/main" id="{01125DFA-5B45-4FC4-A269-D9A5E31C3DE1}"/>
-              </a:ext>
-            </a:extLst>
-          </p:cNvPr>
-          <p:cNvSpPr>
-            <a:spLocks noGrp="1"/>
-          </p:cNvSpPr>
-          <p:nvPr>
-            <p:ph idx="1"/>
+            <a:endParaRPr lang="en-US" dirty="0"/>
+          </a:p>
+        </p:txBody>
+      </p:sp>
+      <p:sp>
+        <p:nvSpPr>
+          <p:cNvPr id="3" name="Subtitle 2"/>
+          <p:cNvSpPr>
+            <a:spLocks noGrp="1"/>
+          </p:cNvSpPr>
+          <p:nvPr>
+            <p:ph type="subTitle" idx="1"/>
           </p:nvPr>
         </p:nvSpPr>
         <p:spPr/>
@@ -11587,56 +11972,14 @@
           <a:bodyPr/>
           <a:lstStyle/>
           <a:p>
-            <a:r>
-              <a:rPr lang="en-US" dirty="0"/>
-              <a:t>Can set up an “Out of office” that will auto-respond to Contact Us page</a:t>
-            </a:r>
-          </a:p>
-          <a:p>
-            <a:pPr lvl="1"/>
-            <a:r>
-              <a:rPr lang="en-US" dirty="0"/>
-              <a:t>“</a:t>
-            </a:r>
-            <a:r>
-              <a:rPr lang="en-US" dirty="0" err="1"/>
-              <a:t>UseOOF</a:t>
-            </a:r>
-            <a:r>
-              <a:rPr lang="en-US" dirty="0"/>
-              <a:t>” to “yes” in </a:t>
-            </a:r>
-            <a:r>
-              <a:rPr lang="en-US" dirty="0" err="1"/>
-              <a:t>Appsettings.config</a:t>
-            </a:r>
-            <a:r>
-              <a:rPr lang="en-US" dirty="0"/>
-              <a:t> to turn on</a:t>
-            </a:r>
-          </a:p>
-          <a:p>
-            <a:pPr lvl="1"/>
-            <a:r>
-              <a:rPr lang="en-US" dirty="0"/>
-              <a:t>Replies using localized text from </a:t>
-            </a:r>
-            <a:r>
-              <a:rPr lang="en-US" dirty="0" err="1"/>
-              <a:t>emailtemplates</a:t>
-            </a:r>
-            <a:r>
-              <a:rPr lang="en-US"/>
-              <a:t>.</a:t>
-            </a:r>
-            <a:endParaRPr lang="en-US" dirty="0"/>
+            <a:endParaRPr lang="en-US"/>
           </a:p>
         </p:txBody>
       </p:sp>
     </p:spTree>
     <p:extLst>
       <p:ext uri="{BB962C8B-B14F-4D97-AF65-F5344CB8AC3E}">
-        <p14:creationId xmlns:p14="http://schemas.microsoft.com/office/powerpoint/2010/main" val="2961362382"/>
+        <p14:creationId xmlns:p14="http://schemas.microsoft.com/office/powerpoint/2010/main" val="73007954"/>
       </p:ext>
     </p:extLst>
   </p:cSld>
@@ -11680,6 +12023,229 @@
           <a:p>
             <a:r>
               <a:rPr lang="en-US" dirty="0"/>
+              <a:t>Shunting the site</a:t>
+            </a:r>
+          </a:p>
+        </p:txBody>
+      </p:sp>
+      <p:sp>
+        <p:nvSpPr>
+          <p:cNvPr id="3" name="Content Placeholder 2"/>
+          <p:cNvSpPr>
+            <a:spLocks noGrp="1"/>
+          </p:cNvSpPr>
+          <p:nvPr>
+            <p:ph idx="1"/>
+          </p:nvPr>
+        </p:nvSpPr>
+        <p:spPr/>
+        <p:txBody>
+          <a:bodyPr/>
+          <a:lstStyle/>
+          <a:p>
+            <a:r>
+              <a:rPr lang="en-US" dirty="0"/>
+              <a:t>LAST RESORT – CALL ME</a:t>
+            </a:r>
+          </a:p>
+          <a:p>
+            <a:r>
+              <a:rPr lang="en-US" dirty="0"/>
+              <a:t>Site can be shunted if necessary</a:t>
+            </a:r>
+          </a:p>
+          <a:p>
+            <a:r>
+              <a:rPr lang="en-US" dirty="0"/>
+              <a:t>Requires editing </a:t>
+            </a:r>
+            <a:r>
+              <a:rPr lang="en-US" dirty="0" err="1"/>
+              <a:t>Web.config</a:t>
+            </a:r>
+            <a:r>
+              <a:rPr lang="en-US" dirty="0"/>
+              <a:t> on live site.  Search for word “Shunt” and you’ll see what to do.  Save the change.  Undo it to un-shunt</a:t>
+            </a:r>
+          </a:p>
+        </p:txBody>
+      </p:sp>
+    </p:spTree>
+    <p:extLst>
+      <p:ext uri="{BB962C8B-B14F-4D97-AF65-F5344CB8AC3E}">
+        <p14:creationId xmlns:p14="http://schemas.microsoft.com/office/powerpoint/2010/main" val="3705413828"/>
+      </p:ext>
+    </p:extLst>
+  </p:cSld>
+  <p:clrMapOvr>
+    <a:masterClrMapping/>
+  </p:clrMapOvr>
+</p:sld>
+</file>
+
+<file path=ppt/slides/slide43.xml><?xml version="1.0" encoding="utf-8"?>
+<p:sld xmlns:a="http://schemas.openxmlformats.org/drawingml/2006/main" xmlns:r="http://schemas.openxmlformats.org/officeDocument/2006/relationships" xmlns:p="http://schemas.openxmlformats.org/presentationml/2006/main">
+  <p:cSld>
+    <p:spTree>
+      <p:nvGrpSpPr>
+        <p:cNvPr id="1" name=""/>
+        <p:cNvGrpSpPr/>
+        <p:nvPr/>
+      </p:nvGrpSpPr>
+      <p:grpSpPr>
+        <a:xfrm>
+          <a:off x="0" y="0"/>
+          <a:ext cx="0" cy="0"/>
+          <a:chOff x="0" y="0"/>
+          <a:chExt cx="0" cy="0"/>
+        </a:xfrm>
+      </p:grpSpPr>
+      <p:sp>
+        <p:nvSpPr>
+          <p:cNvPr id="2" name="Title 1">
+            <a:extLst>
+              <a:ext uri="{FF2B5EF4-FFF2-40B4-BE49-F238E27FC236}">
+                <a16:creationId xmlns:a16="http://schemas.microsoft.com/office/drawing/2014/main" id="{64750CA5-1A5C-45D6-B35D-A49E90DC7BB6}"/>
+              </a:ext>
+            </a:extLst>
+          </p:cNvPr>
+          <p:cNvSpPr>
+            <a:spLocks noGrp="1"/>
+          </p:cNvSpPr>
+          <p:nvPr>
+            <p:ph type="title"/>
+          </p:nvPr>
+        </p:nvSpPr>
+        <p:spPr/>
+        <p:txBody>
+          <a:bodyPr/>
+          <a:lstStyle/>
+          <a:p>
+            <a:r>
+              <a:rPr lang="en-US" dirty="0" err="1"/>
+              <a:t>Misc</a:t>
+            </a:r>
+            <a:r>
+              <a:rPr lang="en-US" dirty="0"/>
+              <a:t>: Autoreply</a:t>
+            </a:r>
+          </a:p>
+        </p:txBody>
+      </p:sp>
+      <p:sp>
+        <p:nvSpPr>
+          <p:cNvPr id="3" name="Content Placeholder 2">
+            <a:extLst>
+              <a:ext uri="{FF2B5EF4-FFF2-40B4-BE49-F238E27FC236}">
+                <a16:creationId xmlns:a16="http://schemas.microsoft.com/office/drawing/2014/main" id="{01125DFA-5B45-4FC4-A269-D9A5E31C3DE1}"/>
+              </a:ext>
+            </a:extLst>
+          </p:cNvPr>
+          <p:cNvSpPr>
+            <a:spLocks noGrp="1"/>
+          </p:cNvSpPr>
+          <p:nvPr>
+            <p:ph idx="1"/>
+          </p:nvPr>
+        </p:nvSpPr>
+        <p:spPr/>
+        <p:txBody>
+          <a:bodyPr/>
+          <a:lstStyle/>
+          <a:p>
+            <a:r>
+              <a:rPr lang="en-US" dirty="0"/>
+              <a:t>Can set up an “Out of office” that will auto-respond to Contact Us page</a:t>
+            </a:r>
+          </a:p>
+          <a:p>
+            <a:pPr lvl="1"/>
+            <a:r>
+              <a:rPr lang="en-US" dirty="0"/>
+              <a:t>“</a:t>
+            </a:r>
+            <a:r>
+              <a:rPr lang="en-US" dirty="0" err="1"/>
+              <a:t>UseOOF</a:t>
+            </a:r>
+            <a:r>
+              <a:rPr lang="en-US" dirty="0"/>
+              <a:t>” to “yes” in </a:t>
+            </a:r>
+            <a:r>
+              <a:rPr lang="en-US" dirty="0" err="1"/>
+              <a:t>Appsettings.config</a:t>
+            </a:r>
+            <a:r>
+              <a:rPr lang="en-US" dirty="0"/>
+              <a:t> to turn on</a:t>
+            </a:r>
+          </a:p>
+          <a:p>
+            <a:pPr lvl="1"/>
+            <a:r>
+              <a:rPr lang="en-US" dirty="0"/>
+              <a:t>Replies using localized text from </a:t>
+            </a:r>
+            <a:r>
+              <a:rPr lang="en-US" dirty="0" err="1"/>
+              <a:t>emailtemplates</a:t>
+            </a:r>
+            <a:r>
+              <a:rPr lang="en-US"/>
+              <a:t>.</a:t>
+            </a:r>
+            <a:endParaRPr lang="en-US" dirty="0"/>
+          </a:p>
+        </p:txBody>
+      </p:sp>
+    </p:spTree>
+    <p:extLst>
+      <p:ext uri="{BB962C8B-B14F-4D97-AF65-F5344CB8AC3E}">
+        <p14:creationId xmlns:p14="http://schemas.microsoft.com/office/powerpoint/2010/main" val="2961362382"/>
+      </p:ext>
+    </p:extLst>
+  </p:cSld>
+  <p:clrMapOvr>
+    <a:masterClrMapping/>
+  </p:clrMapOvr>
+</p:sld>
+</file>
+
+<file path=ppt/slides/slide44.xml><?xml version="1.0" encoding="utf-8"?>
+<p:sld xmlns:a="http://schemas.openxmlformats.org/drawingml/2006/main" xmlns:r="http://schemas.openxmlformats.org/officeDocument/2006/relationships" xmlns:p="http://schemas.openxmlformats.org/presentationml/2006/main">
+  <p:cSld>
+    <p:spTree>
+      <p:nvGrpSpPr>
+        <p:cNvPr id="1" name=""/>
+        <p:cNvGrpSpPr/>
+        <p:nvPr/>
+      </p:nvGrpSpPr>
+      <p:grpSpPr>
+        <a:xfrm>
+          <a:off x="0" y="0"/>
+          <a:ext cx="0" cy="0"/>
+          <a:chOff x="0" y="0"/>
+          <a:chExt cx="0" cy="0"/>
+        </a:xfrm>
+      </p:grpSpPr>
+      <p:sp>
+        <p:nvSpPr>
+          <p:cNvPr id="2" name="Title 1"/>
+          <p:cNvSpPr>
+            <a:spLocks noGrp="1"/>
+          </p:cNvSpPr>
+          <p:nvPr>
+            <p:ph type="title"/>
+          </p:nvPr>
+        </p:nvSpPr>
+        <p:spPr/>
+        <p:txBody>
+          <a:bodyPr/>
+          <a:lstStyle/>
+          <a:p>
+            <a:r>
+              <a:rPr lang="en-US" dirty="0"/>
               <a:t>My Contact Information</a:t>
             </a:r>
           </a:p>
@@ -11756,7 +12322,7 @@
 </p:sld>
 </file>
 
-<file path=ppt/slides/slide43.xml><?xml version="1.0" encoding="utf-8"?>
+<file path=ppt/slides/slide45.xml><?xml version="1.0" encoding="utf-8"?>
 <p:sld xmlns:a="http://schemas.openxmlformats.org/drawingml/2006/main" xmlns:r="http://schemas.openxmlformats.org/officeDocument/2006/relationships" xmlns:p="http://schemas.openxmlformats.org/presentationml/2006/main">
   <p:cSld>
     <p:spTree>
@@ -12057,10 +12623,15 @@
             <p:ph idx="1"/>
           </p:nvPr>
         </p:nvSpPr>
-        <p:spPr/>
+        <p:spPr>
+          <a:xfrm>
+            <a:off x="228600" y="1600202"/>
+            <a:ext cx="8686800" cy="4525963"/>
+          </a:xfrm>
+        </p:spPr>
         <p:txBody>
           <a:bodyPr>
-            <a:normAutofit fontScale="47500" lnSpcReduction="20000"/>
+            <a:normAutofit fontScale="62500" lnSpcReduction="20000"/>
           </a:bodyPr>
           <a:lstStyle/>
           <a:p>
@@ -12086,14 +12657,14 @@
             <a:pPr lvl="1"/>
             <a:r>
               <a:rPr lang="en-US" dirty="0"/>
-              <a:t>Need to check for/resolve dupes, generic (e.g., “Various”, etc.); I try to have only one made-up manufacturer for this (“Generic”).</a:t>
+              <a:t>Dupes, generic (e.g., “Various”, etc.); Keep only one made-up manufacturer (“Generic”).</a:t>
             </a:r>
           </a:p>
           <a:p>
             <a:pPr lvl="1"/>
             <a:r>
               <a:rPr lang="en-US" dirty="0"/>
-              <a:t>Need to restrict certain manufactures to be only sims or anonymous.  E.g., </a:t>
+              <a:t>Certain manufactures are only sims or anonymous.  E.g., </a:t>
             </a:r>
             <a:r>
               <a:rPr lang="en-US" dirty="0" err="1"/>
@@ -12753,7 +13324,40 @@
       </a:bgFillStyleLst>
     </a:fmtScheme>
   </a:themeElements>
-  <a:objectDefaults/>
+  <a:objectDefaults>
+    <a:spDef>
+      <a:spPr>
+        <a:noFill/>
+        <a:ln w="38100">
+          <a:solidFill>
+            <a:srgbClr val="FF0000"/>
+          </a:solidFill>
+        </a:ln>
+      </a:spPr>
+      <a:bodyPr rtlCol="0" anchor="ctr"/>
+      <a:lstStyle>
+        <a:defPPr algn="ctr">
+          <a:defRPr/>
+        </a:defPPr>
+      </a:lstStyle>
+      <a:style>
+        <a:lnRef idx="2">
+          <a:schemeClr val="accent1">
+            <a:shade val="50000"/>
+          </a:schemeClr>
+        </a:lnRef>
+        <a:fillRef idx="1">
+          <a:schemeClr val="accent1"/>
+        </a:fillRef>
+        <a:effectRef idx="0">
+          <a:schemeClr val="accent1"/>
+        </a:effectRef>
+        <a:fontRef idx="minor">
+          <a:schemeClr val="lt1"/>
+        </a:fontRef>
+      </a:style>
+    </a:spDef>
+  </a:objectDefaults>
   <a:extraClrSchemeLst/>
 </a:theme>
 </file>
